--- a/Group_Project_Presentation.pptx
+++ b/Group_Project_Presentation.pptx
@@ -5,10 +5,10 @@
     <p:sldMasterId id="2147483648" r:id="rId1"/>
   </p:sldMasterIdLst>
   <p:notesMasterIdLst>
-    <p:notesMasterId r:id="rId12"/>
+    <p:notesMasterId r:id="rId14"/>
   </p:notesMasterIdLst>
   <p:handoutMasterIdLst>
-    <p:handoutMasterId r:id="rId13"/>
+    <p:handoutMasterId r:id="rId15"/>
   </p:handoutMasterIdLst>
   <p:sldIdLst>
     <p:sldId id="258" r:id="rId2"/>
@@ -21,6 +21,8 @@
     <p:sldId id="266" r:id="rId9"/>
     <p:sldId id="267" r:id="rId10"/>
     <p:sldId id="268" r:id="rId11"/>
+    <p:sldId id="285" r:id="rId12"/>
+    <p:sldId id="284" r:id="rId13"/>
   </p:sldIdLst>
   <p:sldSz cx="9144000" cy="6858000" type="screen4x3"/>
   <p:notesSz cx="6858000" cy="9144000"/>
@@ -168,6 +170,8521 @@
 </p:presentation>
 </file>
 
+<file path=ppt/diagrams/colors1.xml><?xml version="1.0" encoding="utf-8"?>
+<dgm:colorsDef xmlns:dgm="http://schemas.openxmlformats.org/drawingml/2006/diagram" xmlns:a="http://schemas.openxmlformats.org/drawingml/2006/main" uniqueId="urn:microsoft.com/office/officeart/2005/8/colors/accent2_2">
+  <dgm:title val=""/>
+  <dgm:desc val=""/>
+  <dgm:catLst>
+    <dgm:cat type="accent2" pri="11200"/>
+  </dgm:catLst>
+  <dgm:styleLbl name="node0">
+    <dgm:fillClrLst meth="repeat">
+      <a:schemeClr val="accent2"/>
+    </dgm:fillClrLst>
+    <dgm:linClrLst meth="repeat">
+      <a:schemeClr val="lt1"/>
+    </dgm:linClrLst>
+    <dgm:effectClrLst/>
+    <dgm:txLinClrLst/>
+    <dgm:txFillClrLst/>
+    <dgm:txEffectClrLst/>
+  </dgm:styleLbl>
+  <dgm:styleLbl name="node1">
+    <dgm:fillClrLst meth="repeat">
+      <a:schemeClr val="accent2"/>
+    </dgm:fillClrLst>
+    <dgm:linClrLst meth="repeat">
+      <a:schemeClr val="lt1"/>
+    </dgm:linClrLst>
+    <dgm:effectClrLst/>
+    <dgm:txLinClrLst/>
+    <dgm:txFillClrLst/>
+    <dgm:txEffectClrLst/>
+  </dgm:styleLbl>
+  <dgm:styleLbl name="alignNode1">
+    <dgm:fillClrLst meth="repeat">
+      <a:schemeClr val="accent2"/>
+    </dgm:fillClrLst>
+    <dgm:linClrLst meth="repeat">
+      <a:schemeClr val="accent2"/>
+    </dgm:linClrLst>
+    <dgm:effectClrLst/>
+    <dgm:txLinClrLst/>
+    <dgm:txFillClrLst/>
+    <dgm:txEffectClrLst/>
+  </dgm:styleLbl>
+  <dgm:styleLbl name="lnNode1">
+    <dgm:fillClrLst meth="repeat">
+      <a:schemeClr val="accent2"/>
+    </dgm:fillClrLst>
+    <dgm:linClrLst meth="repeat">
+      <a:schemeClr val="lt1"/>
+    </dgm:linClrLst>
+    <dgm:effectClrLst/>
+    <dgm:txLinClrLst/>
+    <dgm:txFillClrLst/>
+    <dgm:txEffectClrLst/>
+  </dgm:styleLbl>
+  <dgm:styleLbl name="vennNode1">
+    <dgm:fillClrLst meth="repeat">
+      <a:schemeClr val="accent2">
+        <a:alpha val="50000"/>
+      </a:schemeClr>
+    </dgm:fillClrLst>
+    <dgm:linClrLst meth="repeat">
+      <a:schemeClr val="lt1"/>
+    </dgm:linClrLst>
+    <dgm:effectClrLst/>
+    <dgm:txLinClrLst/>
+    <dgm:txFillClrLst/>
+    <dgm:txEffectClrLst/>
+  </dgm:styleLbl>
+  <dgm:styleLbl name="node2">
+    <dgm:fillClrLst meth="repeat">
+      <a:schemeClr val="accent2"/>
+    </dgm:fillClrLst>
+    <dgm:linClrLst meth="repeat">
+      <a:schemeClr val="lt1"/>
+    </dgm:linClrLst>
+    <dgm:effectClrLst/>
+    <dgm:txLinClrLst/>
+    <dgm:txFillClrLst/>
+    <dgm:txEffectClrLst/>
+  </dgm:styleLbl>
+  <dgm:styleLbl name="node3">
+    <dgm:fillClrLst meth="repeat">
+      <a:schemeClr val="accent2"/>
+    </dgm:fillClrLst>
+    <dgm:linClrLst meth="repeat">
+      <a:schemeClr val="lt1"/>
+    </dgm:linClrLst>
+    <dgm:effectClrLst/>
+    <dgm:txLinClrLst/>
+    <dgm:txFillClrLst/>
+    <dgm:txEffectClrLst/>
+  </dgm:styleLbl>
+  <dgm:styleLbl name="node4">
+    <dgm:fillClrLst meth="repeat">
+      <a:schemeClr val="accent2"/>
+    </dgm:fillClrLst>
+    <dgm:linClrLst meth="repeat">
+      <a:schemeClr val="lt1"/>
+    </dgm:linClrLst>
+    <dgm:effectClrLst/>
+    <dgm:txLinClrLst/>
+    <dgm:txFillClrLst/>
+    <dgm:txEffectClrLst/>
+  </dgm:styleLbl>
+  <dgm:styleLbl name="fgImgPlace1">
+    <dgm:fillClrLst meth="repeat">
+      <a:schemeClr val="accent2">
+        <a:tint val="50000"/>
+      </a:schemeClr>
+    </dgm:fillClrLst>
+    <dgm:linClrLst meth="repeat">
+      <a:schemeClr val="lt1"/>
+    </dgm:linClrLst>
+    <dgm:effectClrLst/>
+    <dgm:txLinClrLst/>
+    <dgm:txFillClrLst meth="repeat">
+      <a:schemeClr val="lt1"/>
+    </dgm:txFillClrLst>
+    <dgm:txEffectClrLst/>
+  </dgm:styleLbl>
+  <dgm:styleLbl name="alignImgPlace1">
+    <dgm:fillClrLst meth="repeat">
+      <a:schemeClr val="accent2">
+        <a:tint val="50000"/>
+      </a:schemeClr>
+    </dgm:fillClrLst>
+    <dgm:linClrLst meth="repeat">
+      <a:schemeClr val="lt1"/>
+    </dgm:linClrLst>
+    <dgm:effectClrLst/>
+    <dgm:txLinClrLst/>
+    <dgm:txFillClrLst meth="repeat">
+      <a:schemeClr val="lt1"/>
+    </dgm:txFillClrLst>
+    <dgm:txEffectClrLst/>
+  </dgm:styleLbl>
+  <dgm:styleLbl name="bgImgPlace1">
+    <dgm:fillClrLst meth="repeat">
+      <a:schemeClr val="accent2">
+        <a:tint val="50000"/>
+      </a:schemeClr>
+    </dgm:fillClrLst>
+    <dgm:linClrLst meth="repeat">
+      <a:schemeClr val="lt1"/>
+    </dgm:linClrLst>
+    <dgm:effectClrLst/>
+    <dgm:txLinClrLst/>
+    <dgm:txFillClrLst meth="repeat">
+      <a:schemeClr val="lt1"/>
+    </dgm:txFillClrLst>
+    <dgm:txEffectClrLst/>
+  </dgm:styleLbl>
+  <dgm:styleLbl name="sibTrans2D1">
+    <dgm:fillClrLst meth="repeat">
+      <a:schemeClr val="accent2">
+        <a:tint val="60000"/>
+      </a:schemeClr>
+    </dgm:fillClrLst>
+    <dgm:linClrLst meth="repeat">
+      <a:schemeClr val="accent2">
+        <a:tint val="60000"/>
+      </a:schemeClr>
+    </dgm:linClrLst>
+    <dgm:effectClrLst/>
+    <dgm:txLinClrLst/>
+    <dgm:txFillClrLst/>
+    <dgm:txEffectClrLst/>
+  </dgm:styleLbl>
+  <dgm:styleLbl name="fgSibTrans2D1">
+    <dgm:fillClrLst meth="repeat">
+      <a:schemeClr val="accent2">
+        <a:tint val="60000"/>
+      </a:schemeClr>
+    </dgm:fillClrLst>
+    <dgm:linClrLst meth="repeat">
+      <a:schemeClr val="accent2">
+        <a:tint val="60000"/>
+      </a:schemeClr>
+    </dgm:linClrLst>
+    <dgm:effectClrLst/>
+    <dgm:txLinClrLst/>
+    <dgm:txFillClrLst/>
+    <dgm:txEffectClrLst/>
+  </dgm:styleLbl>
+  <dgm:styleLbl name="bgSibTrans2D1">
+    <dgm:fillClrLst meth="repeat">
+      <a:schemeClr val="accent2">
+        <a:tint val="60000"/>
+      </a:schemeClr>
+    </dgm:fillClrLst>
+    <dgm:linClrLst meth="repeat">
+      <a:schemeClr val="accent2">
+        <a:tint val="60000"/>
+      </a:schemeClr>
+    </dgm:linClrLst>
+    <dgm:effectClrLst/>
+    <dgm:txLinClrLst/>
+    <dgm:txFillClrLst/>
+    <dgm:txEffectClrLst/>
+  </dgm:styleLbl>
+  <dgm:styleLbl name="sibTrans1D1">
+    <dgm:fillClrLst meth="repeat">
+      <a:schemeClr val="accent2"/>
+    </dgm:fillClrLst>
+    <dgm:linClrLst meth="repeat">
+      <a:schemeClr val="accent2"/>
+    </dgm:linClrLst>
+    <dgm:effectClrLst/>
+    <dgm:txLinClrLst/>
+    <dgm:txFillClrLst meth="repeat">
+      <a:schemeClr val="tx1"/>
+    </dgm:txFillClrLst>
+    <dgm:txEffectClrLst/>
+  </dgm:styleLbl>
+  <dgm:styleLbl name="callout">
+    <dgm:fillClrLst meth="repeat">
+      <a:schemeClr val="accent2"/>
+    </dgm:fillClrLst>
+    <dgm:linClrLst meth="repeat">
+      <a:schemeClr val="accent2">
+        <a:tint val="50000"/>
+      </a:schemeClr>
+    </dgm:linClrLst>
+    <dgm:effectClrLst/>
+    <dgm:txLinClrLst/>
+    <dgm:txFillClrLst meth="repeat">
+      <a:schemeClr val="tx1"/>
+    </dgm:txFillClrLst>
+    <dgm:txEffectClrLst/>
+  </dgm:styleLbl>
+  <dgm:styleLbl name="asst0">
+    <dgm:fillClrLst meth="repeat">
+      <a:schemeClr val="accent2"/>
+    </dgm:fillClrLst>
+    <dgm:linClrLst meth="repeat">
+      <a:schemeClr val="lt1"/>
+    </dgm:linClrLst>
+    <dgm:effectClrLst/>
+    <dgm:txLinClrLst/>
+    <dgm:txFillClrLst/>
+    <dgm:txEffectClrLst/>
+  </dgm:styleLbl>
+  <dgm:styleLbl name="asst1">
+    <dgm:fillClrLst meth="repeat">
+      <a:schemeClr val="accent2"/>
+    </dgm:fillClrLst>
+    <dgm:linClrLst meth="repeat">
+      <a:schemeClr val="lt1"/>
+    </dgm:linClrLst>
+    <dgm:effectClrLst/>
+    <dgm:txLinClrLst/>
+    <dgm:txFillClrLst/>
+    <dgm:txEffectClrLst/>
+  </dgm:styleLbl>
+  <dgm:styleLbl name="asst2">
+    <dgm:fillClrLst meth="repeat">
+      <a:schemeClr val="accent2"/>
+    </dgm:fillClrLst>
+    <dgm:linClrLst meth="repeat">
+      <a:schemeClr val="lt1"/>
+    </dgm:linClrLst>
+    <dgm:effectClrLst/>
+    <dgm:txLinClrLst/>
+    <dgm:txFillClrLst/>
+    <dgm:txEffectClrLst/>
+  </dgm:styleLbl>
+  <dgm:styleLbl name="asst3">
+    <dgm:fillClrLst meth="repeat">
+      <a:schemeClr val="accent2"/>
+    </dgm:fillClrLst>
+    <dgm:linClrLst meth="repeat">
+      <a:schemeClr val="lt1"/>
+    </dgm:linClrLst>
+    <dgm:effectClrLst/>
+    <dgm:txLinClrLst/>
+    <dgm:txFillClrLst/>
+    <dgm:txEffectClrLst/>
+  </dgm:styleLbl>
+  <dgm:styleLbl name="asst4">
+    <dgm:fillClrLst meth="repeat">
+      <a:schemeClr val="accent2"/>
+    </dgm:fillClrLst>
+    <dgm:linClrLst meth="repeat">
+      <a:schemeClr val="lt1"/>
+    </dgm:linClrLst>
+    <dgm:effectClrLst/>
+    <dgm:txLinClrLst/>
+    <dgm:txFillClrLst/>
+    <dgm:txEffectClrLst/>
+  </dgm:styleLbl>
+  <dgm:styleLbl name="parChTrans2D1">
+    <dgm:fillClrLst meth="repeat">
+      <a:schemeClr val="accent2">
+        <a:tint val="60000"/>
+      </a:schemeClr>
+    </dgm:fillClrLst>
+    <dgm:linClrLst meth="repeat">
+      <a:schemeClr val="accent2">
+        <a:tint val="60000"/>
+      </a:schemeClr>
+    </dgm:linClrLst>
+    <dgm:effectClrLst/>
+    <dgm:txLinClrLst/>
+    <dgm:txFillClrLst meth="repeat">
+      <a:schemeClr val="lt1"/>
+    </dgm:txFillClrLst>
+    <dgm:txEffectClrLst/>
+  </dgm:styleLbl>
+  <dgm:styleLbl name="parChTrans2D2">
+    <dgm:fillClrLst meth="repeat">
+      <a:schemeClr val="accent2"/>
+    </dgm:fillClrLst>
+    <dgm:linClrLst meth="repeat">
+      <a:schemeClr val="accent2"/>
+    </dgm:linClrLst>
+    <dgm:effectClrLst/>
+    <dgm:txLinClrLst/>
+    <dgm:txFillClrLst meth="repeat">
+      <a:schemeClr val="lt1"/>
+    </dgm:txFillClrLst>
+    <dgm:txEffectClrLst/>
+  </dgm:styleLbl>
+  <dgm:styleLbl name="parChTrans2D3">
+    <dgm:fillClrLst meth="repeat">
+      <a:schemeClr val="accent2"/>
+    </dgm:fillClrLst>
+    <dgm:linClrLst meth="repeat">
+      <a:schemeClr val="accent2"/>
+    </dgm:linClrLst>
+    <dgm:effectClrLst/>
+    <dgm:txLinClrLst/>
+    <dgm:txFillClrLst meth="repeat">
+      <a:schemeClr val="lt1"/>
+    </dgm:txFillClrLst>
+    <dgm:txEffectClrLst/>
+  </dgm:styleLbl>
+  <dgm:styleLbl name="parChTrans2D4">
+    <dgm:fillClrLst meth="repeat">
+      <a:schemeClr val="accent2"/>
+    </dgm:fillClrLst>
+    <dgm:linClrLst meth="repeat">
+      <a:schemeClr val="accent2"/>
+    </dgm:linClrLst>
+    <dgm:effectClrLst/>
+    <dgm:txLinClrLst/>
+    <dgm:txFillClrLst meth="repeat">
+      <a:schemeClr val="lt1"/>
+    </dgm:txFillClrLst>
+    <dgm:txEffectClrLst/>
+  </dgm:styleLbl>
+  <dgm:styleLbl name="parChTrans1D1">
+    <dgm:fillClrLst meth="repeat">
+      <a:schemeClr val="accent2"/>
+    </dgm:fillClrLst>
+    <dgm:linClrLst meth="repeat">
+      <a:schemeClr val="accent2">
+        <a:shade val="60000"/>
+      </a:schemeClr>
+    </dgm:linClrLst>
+    <dgm:effectClrLst/>
+    <dgm:txLinClrLst/>
+    <dgm:txFillClrLst meth="repeat">
+      <a:schemeClr val="tx1"/>
+    </dgm:txFillClrLst>
+    <dgm:txEffectClrLst/>
+  </dgm:styleLbl>
+  <dgm:styleLbl name="parChTrans1D2">
+    <dgm:fillClrLst meth="repeat">
+      <a:schemeClr val="accent2"/>
+    </dgm:fillClrLst>
+    <dgm:linClrLst meth="repeat">
+      <a:schemeClr val="accent2">
+        <a:shade val="60000"/>
+      </a:schemeClr>
+    </dgm:linClrLst>
+    <dgm:effectClrLst/>
+    <dgm:txLinClrLst/>
+    <dgm:txFillClrLst meth="repeat">
+      <a:schemeClr val="tx1"/>
+    </dgm:txFillClrLst>
+    <dgm:txEffectClrLst/>
+  </dgm:styleLbl>
+  <dgm:styleLbl name="parChTrans1D3">
+    <dgm:fillClrLst meth="repeat">
+      <a:schemeClr val="accent2"/>
+    </dgm:fillClrLst>
+    <dgm:linClrLst meth="repeat">
+      <a:schemeClr val="accent2">
+        <a:shade val="80000"/>
+      </a:schemeClr>
+    </dgm:linClrLst>
+    <dgm:effectClrLst/>
+    <dgm:txLinClrLst/>
+    <dgm:txFillClrLst meth="repeat">
+      <a:schemeClr val="tx1"/>
+    </dgm:txFillClrLst>
+    <dgm:txEffectClrLst/>
+  </dgm:styleLbl>
+  <dgm:styleLbl name="parChTrans1D4">
+    <dgm:fillClrLst meth="repeat">
+      <a:schemeClr val="accent2"/>
+    </dgm:fillClrLst>
+    <dgm:linClrLst meth="repeat">
+      <a:schemeClr val="accent2">
+        <a:shade val="80000"/>
+      </a:schemeClr>
+    </dgm:linClrLst>
+    <dgm:effectClrLst/>
+    <dgm:txLinClrLst/>
+    <dgm:txFillClrLst meth="repeat">
+      <a:schemeClr val="tx1"/>
+    </dgm:txFillClrLst>
+    <dgm:txEffectClrLst/>
+  </dgm:styleLbl>
+  <dgm:styleLbl name="fgAcc1">
+    <dgm:fillClrLst meth="repeat">
+      <a:schemeClr val="lt1">
+        <a:alpha val="90000"/>
+      </a:schemeClr>
+    </dgm:fillClrLst>
+    <dgm:linClrLst meth="repeat">
+      <a:schemeClr val="accent2"/>
+    </dgm:linClrLst>
+    <dgm:effectClrLst/>
+    <dgm:txLinClrLst/>
+    <dgm:txFillClrLst meth="repeat">
+      <a:schemeClr val="dk1"/>
+    </dgm:txFillClrLst>
+    <dgm:txEffectClrLst/>
+  </dgm:styleLbl>
+  <dgm:styleLbl name="conFgAcc1">
+    <dgm:fillClrLst meth="repeat">
+      <a:schemeClr val="lt1">
+        <a:alpha val="90000"/>
+      </a:schemeClr>
+    </dgm:fillClrLst>
+    <dgm:linClrLst meth="repeat">
+      <a:schemeClr val="accent2"/>
+    </dgm:linClrLst>
+    <dgm:effectClrLst/>
+    <dgm:txLinClrLst/>
+    <dgm:txFillClrLst meth="repeat">
+      <a:schemeClr val="dk1"/>
+    </dgm:txFillClrLst>
+    <dgm:txEffectClrLst/>
+  </dgm:styleLbl>
+  <dgm:styleLbl name="alignAcc1">
+    <dgm:fillClrLst meth="repeat">
+      <a:schemeClr val="lt1">
+        <a:alpha val="90000"/>
+      </a:schemeClr>
+    </dgm:fillClrLst>
+    <dgm:linClrLst meth="repeat">
+      <a:schemeClr val="accent2"/>
+    </dgm:linClrLst>
+    <dgm:effectClrLst/>
+    <dgm:txLinClrLst/>
+    <dgm:txFillClrLst meth="repeat">
+      <a:schemeClr val="dk1"/>
+    </dgm:txFillClrLst>
+    <dgm:txEffectClrLst/>
+  </dgm:styleLbl>
+  <dgm:styleLbl name="trAlignAcc1">
+    <dgm:fillClrLst meth="repeat">
+      <a:schemeClr val="lt1">
+        <a:alpha val="40000"/>
+      </a:schemeClr>
+    </dgm:fillClrLst>
+    <dgm:linClrLst meth="repeat">
+      <a:schemeClr val="accent2"/>
+    </dgm:linClrLst>
+    <dgm:effectClrLst/>
+    <dgm:txLinClrLst/>
+    <dgm:txFillClrLst meth="repeat">
+      <a:schemeClr val="dk1"/>
+    </dgm:txFillClrLst>
+    <dgm:txEffectClrLst/>
+  </dgm:styleLbl>
+  <dgm:styleLbl name="bgAcc1">
+    <dgm:fillClrLst meth="repeat">
+      <a:schemeClr val="lt1">
+        <a:alpha val="90000"/>
+      </a:schemeClr>
+    </dgm:fillClrLst>
+    <dgm:linClrLst meth="repeat">
+      <a:schemeClr val="accent2"/>
+    </dgm:linClrLst>
+    <dgm:effectClrLst/>
+    <dgm:txLinClrLst/>
+    <dgm:txFillClrLst meth="repeat">
+      <a:schemeClr val="dk1"/>
+    </dgm:txFillClrLst>
+    <dgm:txEffectClrLst/>
+  </dgm:styleLbl>
+  <dgm:styleLbl name="solidFgAcc1">
+    <dgm:fillClrLst meth="repeat">
+      <a:schemeClr val="lt1"/>
+    </dgm:fillClrLst>
+    <dgm:linClrLst meth="repeat">
+      <a:schemeClr val="accent2"/>
+    </dgm:linClrLst>
+    <dgm:effectClrLst/>
+    <dgm:txLinClrLst/>
+    <dgm:txFillClrLst meth="repeat">
+      <a:schemeClr val="dk1"/>
+    </dgm:txFillClrLst>
+    <dgm:txEffectClrLst/>
+  </dgm:styleLbl>
+  <dgm:styleLbl name="solidAlignAcc1">
+    <dgm:fillClrLst meth="repeat">
+      <a:schemeClr val="lt1"/>
+    </dgm:fillClrLst>
+    <dgm:linClrLst meth="repeat">
+      <a:schemeClr val="accent2"/>
+    </dgm:linClrLst>
+    <dgm:effectClrLst/>
+    <dgm:txLinClrLst/>
+    <dgm:txFillClrLst meth="repeat">
+      <a:schemeClr val="dk1"/>
+    </dgm:txFillClrLst>
+    <dgm:txEffectClrLst/>
+  </dgm:styleLbl>
+  <dgm:styleLbl name="solidBgAcc1">
+    <dgm:fillClrLst meth="repeat">
+      <a:schemeClr val="lt1"/>
+    </dgm:fillClrLst>
+    <dgm:linClrLst meth="repeat">
+      <a:schemeClr val="accent2"/>
+    </dgm:linClrLst>
+    <dgm:effectClrLst/>
+    <dgm:txLinClrLst/>
+    <dgm:txFillClrLst meth="repeat">
+      <a:schemeClr val="dk1"/>
+    </dgm:txFillClrLst>
+    <dgm:txEffectClrLst/>
+  </dgm:styleLbl>
+  <dgm:styleLbl name="fgAccFollowNode1">
+    <dgm:fillClrLst meth="repeat">
+      <a:schemeClr val="accent2">
+        <a:alpha val="90000"/>
+        <a:tint val="40000"/>
+      </a:schemeClr>
+    </dgm:fillClrLst>
+    <dgm:linClrLst meth="repeat">
+      <a:schemeClr val="accent2">
+        <a:alpha val="90000"/>
+        <a:tint val="40000"/>
+      </a:schemeClr>
+    </dgm:linClrLst>
+    <dgm:effectClrLst/>
+    <dgm:txLinClrLst/>
+    <dgm:txFillClrLst meth="repeat">
+      <a:schemeClr val="dk1"/>
+    </dgm:txFillClrLst>
+    <dgm:txEffectClrLst/>
+  </dgm:styleLbl>
+  <dgm:styleLbl name="alignAccFollowNode1">
+    <dgm:fillClrLst meth="repeat">
+      <a:schemeClr val="accent2">
+        <a:alpha val="90000"/>
+        <a:tint val="40000"/>
+      </a:schemeClr>
+    </dgm:fillClrLst>
+    <dgm:linClrLst meth="repeat">
+      <a:schemeClr val="accent2">
+        <a:alpha val="90000"/>
+        <a:tint val="40000"/>
+      </a:schemeClr>
+    </dgm:linClrLst>
+    <dgm:effectClrLst/>
+    <dgm:txLinClrLst/>
+    <dgm:txFillClrLst meth="repeat">
+      <a:schemeClr val="dk1"/>
+    </dgm:txFillClrLst>
+    <dgm:txEffectClrLst/>
+  </dgm:styleLbl>
+  <dgm:styleLbl name="bgAccFollowNode1">
+    <dgm:fillClrLst meth="repeat">
+      <a:schemeClr val="accent2">
+        <a:alpha val="90000"/>
+        <a:tint val="40000"/>
+      </a:schemeClr>
+    </dgm:fillClrLst>
+    <dgm:linClrLst meth="repeat">
+      <a:schemeClr val="accent2">
+        <a:alpha val="90000"/>
+        <a:tint val="40000"/>
+      </a:schemeClr>
+    </dgm:linClrLst>
+    <dgm:effectClrLst/>
+    <dgm:txLinClrLst/>
+    <dgm:txFillClrLst meth="repeat">
+      <a:schemeClr val="dk1"/>
+    </dgm:txFillClrLst>
+    <dgm:txEffectClrLst/>
+  </dgm:styleLbl>
+  <dgm:styleLbl name="fgAcc0">
+    <dgm:fillClrLst meth="repeat">
+      <a:schemeClr val="lt1">
+        <a:alpha val="90000"/>
+      </a:schemeClr>
+    </dgm:fillClrLst>
+    <dgm:linClrLst meth="repeat">
+      <a:schemeClr val="accent2"/>
+    </dgm:linClrLst>
+    <dgm:effectClrLst/>
+    <dgm:txLinClrLst/>
+    <dgm:txFillClrLst meth="repeat">
+      <a:schemeClr val="dk1"/>
+    </dgm:txFillClrLst>
+    <dgm:txEffectClrLst/>
+  </dgm:styleLbl>
+  <dgm:styleLbl name="fgAcc2">
+    <dgm:fillClrLst meth="repeat">
+      <a:schemeClr val="lt1">
+        <a:alpha val="90000"/>
+      </a:schemeClr>
+    </dgm:fillClrLst>
+    <dgm:linClrLst meth="repeat">
+      <a:schemeClr val="accent2"/>
+    </dgm:linClrLst>
+    <dgm:effectClrLst/>
+    <dgm:txLinClrLst/>
+    <dgm:txFillClrLst meth="repeat">
+      <a:schemeClr val="dk1"/>
+    </dgm:txFillClrLst>
+    <dgm:txEffectClrLst/>
+  </dgm:styleLbl>
+  <dgm:styleLbl name="fgAcc3">
+    <dgm:fillClrLst meth="repeat">
+      <a:schemeClr val="lt1">
+        <a:alpha val="90000"/>
+      </a:schemeClr>
+    </dgm:fillClrLst>
+    <dgm:linClrLst meth="repeat">
+      <a:schemeClr val="accent2"/>
+    </dgm:linClrLst>
+    <dgm:effectClrLst/>
+    <dgm:txLinClrLst/>
+    <dgm:txFillClrLst meth="repeat">
+      <a:schemeClr val="dk1"/>
+    </dgm:txFillClrLst>
+    <dgm:txEffectClrLst/>
+  </dgm:styleLbl>
+  <dgm:styleLbl name="fgAcc4">
+    <dgm:fillClrLst meth="repeat">
+      <a:schemeClr val="lt1">
+        <a:alpha val="90000"/>
+      </a:schemeClr>
+    </dgm:fillClrLst>
+    <dgm:linClrLst meth="repeat">
+      <a:schemeClr val="accent2"/>
+    </dgm:linClrLst>
+    <dgm:effectClrLst/>
+    <dgm:txLinClrLst/>
+    <dgm:txFillClrLst meth="repeat">
+      <a:schemeClr val="dk1"/>
+    </dgm:txFillClrLst>
+    <dgm:txEffectClrLst/>
+  </dgm:styleLbl>
+  <dgm:styleLbl name="bgShp">
+    <dgm:fillClrLst meth="repeat">
+      <a:schemeClr val="accent2">
+        <a:tint val="40000"/>
+      </a:schemeClr>
+    </dgm:fillClrLst>
+    <dgm:linClrLst meth="repeat">
+      <a:schemeClr val="accent2"/>
+    </dgm:linClrLst>
+    <dgm:effectClrLst/>
+    <dgm:txLinClrLst/>
+    <dgm:txFillClrLst meth="repeat">
+      <a:schemeClr val="dk1"/>
+    </dgm:txFillClrLst>
+    <dgm:txEffectClrLst/>
+  </dgm:styleLbl>
+  <dgm:styleLbl name="dkBgShp">
+    <dgm:fillClrLst meth="repeat">
+      <a:schemeClr val="accent2">
+        <a:shade val="80000"/>
+      </a:schemeClr>
+    </dgm:fillClrLst>
+    <dgm:linClrLst meth="repeat">
+      <a:schemeClr val="accent2"/>
+    </dgm:linClrLst>
+    <dgm:effectClrLst/>
+    <dgm:txLinClrLst/>
+    <dgm:txFillClrLst meth="repeat">
+      <a:schemeClr val="lt1"/>
+    </dgm:txFillClrLst>
+    <dgm:txEffectClrLst/>
+  </dgm:styleLbl>
+  <dgm:styleLbl name="trBgShp">
+    <dgm:fillClrLst meth="repeat">
+      <a:schemeClr val="accent2">
+        <a:tint val="50000"/>
+        <a:alpha val="40000"/>
+      </a:schemeClr>
+    </dgm:fillClrLst>
+    <dgm:linClrLst meth="repeat">
+      <a:schemeClr val="accent2"/>
+    </dgm:linClrLst>
+    <dgm:effectClrLst/>
+    <dgm:txLinClrLst/>
+    <dgm:txFillClrLst meth="repeat">
+      <a:schemeClr val="lt1"/>
+    </dgm:txFillClrLst>
+    <dgm:txEffectClrLst/>
+  </dgm:styleLbl>
+  <dgm:styleLbl name="fgShp">
+    <dgm:fillClrLst meth="repeat">
+      <a:schemeClr val="accent2">
+        <a:tint val="60000"/>
+      </a:schemeClr>
+    </dgm:fillClrLst>
+    <dgm:linClrLst meth="repeat">
+      <a:schemeClr val="lt1"/>
+    </dgm:linClrLst>
+    <dgm:effectClrLst/>
+    <dgm:txLinClrLst/>
+    <dgm:txFillClrLst meth="repeat">
+      <a:schemeClr val="dk1"/>
+    </dgm:txFillClrLst>
+    <dgm:txEffectClrLst/>
+  </dgm:styleLbl>
+  <dgm:styleLbl name="revTx">
+    <dgm:fillClrLst meth="repeat">
+      <a:schemeClr val="lt1">
+        <a:alpha val="0"/>
+      </a:schemeClr>
+    </dgm:fillClrLst>
+    <dgm:linClrLst meth="repeat">
+      <a:schemeClr val="dk1">
+        <a:alpha val="0"/>
+      </a:schemeClr>
+    </dgm:linClrLst>
+    <dgm:effectClrLst/>
+    <dgm:txLinClrLst/>
+    <dgm:txFillClrLst meth="repeat">
+      <a:schemeClr val="tx1"/>
+    </dgm:txFillClrLst>
+    <dgm:txEffectClrLst/>
+  </dgm:styleLbl>
+</dgm:colorsDef>
+</file>
+
+<file path=ppt/diagrams/colors2.xml><?xml version="1.0" encoding="utf-8"?>
+<dgm:colorsDef xmlns:dgm="http://schemas.openxmlformats.org/drawingml/2006/diagram" xmlns:a="http://schemas.openxmlformats.org/drawingml/2006/main" uniqueId="urn:microsoft.com/office/officeart/2005/8/colors/accent2_2">
+  <dgm:title val=""/>
+  <dgm:desc val=""/>
+  <dgm:catLst>
+    <dgm:cat type="accent2" pri="11200"/>
+  </dgm:catLst>
+  <dgm:styleLbl name="node0">
+    <dgm:fillClrLst meth="repeat">
+      <a:schemeClr val="accent2"/>
+    </dgm:fillClrLst>
+    <dgm:linClrLst meth="repeat">
+      <a:schemeClr val="lt1"/>
+    </dgm:linClrLst>
+    <dgm:effectClrLst/>
+    <dgm:txLinClrLst/>
+    <dgm:txFillClrLst/>
+    <dgm:txEffectClrLst/>
+  </dgm:styleLbl>
+  <dgm:styleLbl name="node1">
+    <dgm:fillClrLst meth="repeat">
+      <a:schemeClr val="accent2"/>
+    </dgm:fillClrLst>
+    <dgm:linClrLst meth="repeat">
+      <a:schemeClr val="lt1"/>
+    </dgm:linClrLst>
+    <dgm:effectClrLst/>
+    <dgm:txLinClrLst/>
+    <dgm:txFillClrLst/>
+    <dgm:txEffectClrLst/>
+  </dgm:styleLbl>
+  <dgm:styleLbl name="alignNode1">
+    <dgm:fillClrLst meth="repeat">
+      <a:schemeClr val="accent2"/>
+    </dgm:fillClrLst>
+    <dgm:linClrLst meth="repeat">
+      <a:schemeClr val="accent2"/>
+    </dgm:linClrLst>
+    <dgm:effectClrLst/>
+    <dgm:txLinClrLst/>
+    <dgm:txFillClrLst/>
+    <dgm:txEffectClrLst/>
+  </dgm:styleLbl>
+  <dgm:styleLbl name="lnNode1">
+    <dgm:fillClrLst meth="repeat">
+      <a:schemeClr val="accent2"/>
+    </dgm:fillClrLst>
+    <dgm:linClrLst meth="repeat">
+      <a:schemeClr val="lt1"/>
+    </dgm:linClrLst>
+    <dgm:effectClrLst/>
+    <dgm:txLinClrLst/>
+    <dgm:txFillClrLst/>
+    <dgm:txEffectClrLst/>
+  </dgm:styleLbl>
+  <dgm:styleLbl name="vennNode1">
+    <dgm:fillClrLst meth="repeat">
+      <a:schemeClr val="accent2">
+        <a:alpha val="50000"/>
+      </a:schemeClr>
+    </dgm:fillClrLst>
+    <dgm:linClrLst meth="repeat">
+      <a:schemeClr val="lt1"/>
+    </dgm:linClrLst>
+    <dgm:effectClrLst/>
+    <dgm:txLinClrLst/>
+    <dgm:txFillClrLst/>
+    <dgm:txEffectClrLst/>
+  </dgm:styleLbl>
+  <dgm:styleLbl name="node2">
+    <dgm:fillClrLst meth="repeat">
+      <a:schemeClr val="accent2"/>
+    </dgm:fillClrLst>
+    <dgm:linClrLst meth="repeat">
+      <a:schemeClr val="lt1"/>
+    </dgm:linClrLst>
+    <dgm:effectClrLst/>
+    <dgm:txLinClrLst/>
+    <dgm:txFillClrLst/>
+    <dgm:txEffectClrLst/>
+  </dgm:styleLbl>
+  <dgm:styleLbl name="node3">
+    <dgm:fillClrLst meth="repeat">
+      <a:schemeClr val="accent2"/>
+    </dgm:fillClrLst>
+    <dgm:linClrLst meth="repeat">
+      <a:schemeClr val="lt1"/>
+    </dgm:linClrLst>
+    <dgm:effectClrLst/>
+    <dgm:txLinClrLst/>
+    <dgm:txFillClrLst/>
+    <dgm:txEffectClrLst/>
+  </dgm:styleLbl>
+  <dgm:styleLbl name="node4">
+    <dgm:fillClrLst meth="repeat">
+      <a:schemeClr val="accent2"/>
+    </dgm:fillClrLst>
+    <dgm:linClrLst meth="repeat">
+      <a:schemeClr val="lt1"/>
+    </dgm:linClrLst>
+    <dgm:effectClrLst/>
+    <dgm:txLinClrLst/>
+    <dgm:txFillClrLst/>
+    <dgm:txEffectClrLst/>
+  </dgm:styleLbl>
+  <dgm:styleLbl name="fgImgPlace1">
+    <dgm:fillClrLst meth="repeat">
+      <a:schemeClr val="accent2">
+        <a:tint val="50000"/>
+      </a:schemeClr>
+    </dgm:fillClrLst>
+    <dgm:linClrLst meth="repeat">
+      <a:schemeClr val="lt1"/>
+    </dgm:linClrLst>
+    <dgm:effectClrLst/>
+    <dgm:txLinClrLst/>
+    <dgm:txFillClrLst meth="repeat">
+      <a:schemeClr val="lt1"/>
+    </dgm:txFillClrLst>
+    <dgm:txEffectClrLst/>
+  </dgm:styleLbl>
+  <dgm:styleLbl name="alignImgPlace1">
+    <dgm:fillClrLst meth="repeat">
+      <a:schemeClr val="accent2">
+        <a:tint val="50000"/>
+      </a:schemeClr>
+    </dgm:fillClrLst>
+    <dgm:linClrLst meth="repeat">
+      <a:schemeClr val="lt1"/>
+    </dgm:linClrLst>
+    <dgm:effectClrLst/>
+    <dgm:txLinClrLst/>
+    <dgm:txFillClrLst meth="repeat">
+      <a:schemeClr val="lt1"/>
+    </dgm:txFillClrLst>
+    <dgm:txEffectClrLst/>
+  </dgm:styleLbl>
+  <dgm:styleLbl name="bgImgPlace1">
+    <dgm:fillClrLst meth="repeat">
+      <a:schemeClr val="accent2">
+        <a:tint val="50000"/>
+      </a:schemeClr>
+    </dgm:fillClrLst>
+    <dgm:linClrLst meth="repeat">
+      <a:schemeClr val="lt1"/>
+    </dgm:linClrLst>
+    <dgm:effectClrLst/>
+    <dgm:txLinClrLst/>
+    <dgm:txFillClrLst meth="repeat">
+      <a:schemeClr val="lt1"/>
+    </dgm:txFillClrLst>
+    <dgm:txEffectClrLst/>
+  </dgm:styleLbl>
+  <dgm:styleLbl name="sibTrans2D1">
+    <dgm:fillClrLst meth="repeat">
+      <a:schemeClr val="accent2">
+        <a:tint val="60000"/>
+      </a:schemeClr>
+    </dgm:fillClrLst>
+    <dgm:linClrLst meth="repeat">
+      <a:schemeClr val="accent2">
+        <a:tint val="60000"/>
+      </a:schemeClr>
+    </dgm:linClrLst>
+    <dgm:effectClrLst/>
+    <dgm:txLinClrLst/>
+    <dgm:txFillClrLst/>
+    <dgm:txEffectClrLst/>
+  </dgm:styleLbl>
+  <dgm:styleLbl name="fgSibTrans2D1">
+    <dgm:fillClrLst meth="repeat">
+      <a:schemeClr val="accent2">
+        <a:tint val="60000"/>
+      </a:schemeClr>
+    </dgm:fillClrLst>
+    <dgm:linClrLst meth="repeat">
+      <a:schemeClr val="accent2">
+        <a:tint val="60000"/>
+      </a:schemeClr>
+    </dgm:linClrLst>
+    <dgm:effectClrLst/>
+    <dgm:txLinClrLst/>
+    <dgm:txFillClrLst/>
+    <dgm:txEffectClrLst/>
+  </dgm:styleLbl>
+  <dgm:styleLbl name="bgSibTrans2D1">
+    <dgm:fillClrLst meth="repeat">
+      <a:schemeClr val="accent2">
+        <a:tint val="60000"/>
+      </a:schemeClr>
+    </dgm:fillClrLst>
+    <dgm:linClrLst meth="repeat">
+      <a:schemeClr val="accent2">
+        <a:tint val="60000"/>
+      </a:schemeClr>
+    </dgm:linClrLst>
+    <dgm:effectClrLst/>
+    <dgm:txLinClrLst/>
+    <dgm:txFillClrLst/>
+    <dgm:txEffectClrLst/>
+  </dgm:styleLbl>
+  <dgm:styleLbl name="sibTrans1D1">
+    <dgm:fillClrLst meth="repeat">
+      <a:schemeClr val="accent2"/>
+    </dgm:fillClrLst>
+    <dgm:linClrLst meth="repeat">
+      <a:schemeClr val="accent2"/>
+    </dgm:linClrLst>
+    <dgm:effectClrLst/>
+    <dgm:txLinClrLst/>
+    <dgm:txFillClrLst meth="repeat">
+      <a:schemeClr val="tx1"/>
+    </dgm:txFillClrLst>
+    <dgm:txEffectClrLst/>
+  </dgm:styleLbl>
+  <dgm:styleLbl name="callout">
+    <dgm:fillClrLst meth="repeat">
+      <a:schemeClr val="accent2"/>
+    </dgm:fillClrLst>
+    <dgm:linClrLst meth="repeat">
+      <a:schemeClr val="accent2">
+        <a:tint val="50000"/>
+      </a:schemeClr>
+    </dgm:linClrLst>
+    <dgm:effectClrLst/>
+    <dgm:txLinClrLst/>
+    <dgm:txFillClrLst meth="repeat">
+      <a:schemeClr val="tx1"/>
+    </dgm:txFillClrLst>
+    <dgm:txEffectClrLst/>
+  </dgm:styleLbl>
+  <dgm:styleLbl name="asst0">
+    <dgm:fillClrLst meth="repeat">
+      <a:schemeClr val="accent2"/>
+    </dgm:fillClrLst>
+    <dgm:linClrLst meth="repeat">
+      <a:schemeClr val="lt1"/>
+    </dgm:linClrLst>
+    <dgm:effectClrLst/>
+    <dgm:txLinClrLst/>
+    <dgm:txFillClrLst/>
+    <dgm:txEffectClrLst/>
+  </dgm:styleLbl>
+  <dgm:styleLbl name="asst1">
+    <dgm:fillClrLst meth="repeat">
+      <a:schemeClr val="accent2"/>
+    </dgm:fillClrLst>
+    <dgm:linClrLst meth="repeat">
+      <a:schemeClr val="lt1"/>
+    </dgm:linClrLst>
+    <dgm:effectClrLst/>
+    <dgm:txLinClrLst/>
+    <dgm:txFillClrLst/>
+    <dgm:txEffectClrLst/>
+  </dgm:styleLbl>
+  <dgm:styleLbl name="asst2">
+    <dgm:fillClrLst meth="repeat">
+      <a:schemeClr val="accent2"/>
+    </dgm:fillClrLst>
+    <dgm:linClrLst meth="repeat">
+      <a:schemeClr val="lt1"/>
+    </dgm:linClrLst>
+    <dgm:effectClrLst/>
+    <dgm:txLinClrLst/>
+    <dgm:txFillClrLst/>
+    <dgm:txEffectClrLst/>
+  </dgm:styleLbl>
+  <dgm:styleLbl name="asst3">
+    <dgm:fillClrLst meth="repeat">
+      <a:schemeClr val="accent2"/>
+    </dgm:fillClrLst>
+    <dgm:linClrLst meth="repeat">
+      <a:schemeClr val="lt1"/>
+    </dgm:linClrLst>
+    <dgm:effectClrLst/>
+    <dgm:txLinClrLst/>
+    <dgm:txFillClrLst/>
+    <dgm:txEffectClrLst/>
+  </dgm:styleLbl>
+  <dgm:styleLbl name="asst4">
+    <dgm:fillClrLst meth="repeat">
+      <a:schemeClr val="accent2"/>
+    </dgm:fillClrLst>
+    <dgm:linClrLst meth="repeat">
+      <a:schemeClr val="lt1"/>
+    </dgm:linClrLst>
+    <dgm:effectClrLst/>
+    <dgm:txLinClrLst/>
+    <dgm:txFillClrLst/>
+    <dgm:txEffectClrLst/>
+  </dgm:styleLbl>
+  <dgm:styleLbl name="parChTrans2D1">
+    <dgm:fillClrLst meth="repeat">
+      <a:schemeClr val="accent2">
+        <a:tint val="60000"/>
+      </a:schemeClr>
+    </dgm:fillClrLst>
+    <dgm:linClrLst meth="repeat">
+      <a:schemeClr val="accent2">
+        <a:tint val="60000"/>
+      </a:schemeClr>
+    </dgm:linClrLst>
+    <dgm:effectClrLst/>
+    <dgm:txLinClrLst/>
+    <dgm:txFillClrLst meth="repeat">
+      <a:schemeClr val="lt1"/>
+    </dgm:txFillClrLst>
+    <dgm:txEffectClrLst/>
+  </dgm:styleLbl>
+  <dgm:styleLbl name="parChTrans2D2">
+    <dgm:fillClrLst meth="repeat">
+      <a:schemeClr val="accent2"/>
+    </dgm:fillClrLst>
+    <dgm:linClrLst meth="repeat">
+      <a:schemeClr val="accent2"/>
+    </dgm:linClrLst>
+    <dgm:effectClrLst/>
+    <dgm:txLinClrLst/>
+    <dgm:txFillClrLst meth="repeat">
+      <a:schemeClr val="lt1"/>
+    </dgm:txFillClrLst>
+    <dgm:txEffectClrLst/>
+  </dgm:styleLbl>
+  <dgm:styleLbl name="parChTrans2D3">
+    <dgm:fillClrLst meth="repeat">
+      <a:schemeClr val="accent2"/>
+    </dgm:fillClrLst>
+    <dgm:linClrLst meth="repeat">
+      <a:schemeClr val="accent2"/>
+    </dgm:linClrLst>
+    <dgm:effectClrLst/>
+    <dgm:txLinClrLst/>
+    <dgm:txFillClrLst meth="repeat">
+      <a:schemeClr val="lt1"/>
+    </dgm:txFillClrLst>
+    <dgm:txEffectClrLst/>
+  </dgm:styleLbl>
+  <dgm:styleLbl name="parChTrans2D4">
+    <dgm:fillClrLst meth="repeat">
+      <a:schemeClr val="accent2"/>
+    </dgm:fillClrLst>
+    <dgm:linClrLst meth="repeat">
+      <a:schemeClr val="accent2"/>
+    </dgm:linClrLst>
+    <dgm:effectClrLst/>
+    <dgm:txLinClrLst/>
+    <dgm:txFillClrLst meth="repeat">
+      <a:schemeClr val="lt1"/>
+    </dgm:txFillClrLst>
+    <dgm:txEffectClrLst/>
+  </dgm:styleLbl>
+  <dgm:styleLbl name="parChTrans1D1">
+    <dgm:fillClrLst meth="repeat">
+      <a:schemeClr val="accent2"/>
+    </dgm:fillClrLst>
+    <dgm:linClrLst meth="repeat">
+      <a:schemeClr val="accent2">
+        <a:shade val="60000"/>
+      </a:schemeClr>
+    </dgm:linClrLst>
+    <dgm:effectClrLst/>
+    <dgm:txLinClrLst/>
+    <dgm:txFillClrLst meth="repeat">
+      <a:schemeClr val="tx1"/>
+    </dgm:txFillClrLst>
+    <dgm:txEffectClrLst/>
+  </dgm:styleLbl>
+  <dgm:styleLbl name="parChTrans1D2">
+    <dgm:fillClrLst meth="repeat">
+      <a:schemeClr val="accent2"/>
+    </dgm:fillClrLst>
+    <dgm:linClrLst meth="repeat">
+      <a:schemeClr val="accent2">
+        <a:shade val="60000"/>
+      </a:schemeClr>
+    </dgm:linClrLst>
+    <dgm:effectClrLst/>
+    <dgm:txLinClrLst/>
+    <dgm:txFillClrLst meth="repeat">
+      <a:schemeClr val="tx1"/>
+    </dgm:txFillClrLst>
+    <dgm:txEffectClrLst/>
+  </dgm:styleLbl>
+  <dgm:styleLbl name="parChTrans1D3">
+    <dgm:fillClrLst meth="repeat">
+      <a:schemeClr val="accent2"/>
+    </dgm:fillClrLst>
+    <dgm:linClrLst meth="repeat">
+      <a:schemeClr val="accent2">
+        <a:shade val="80000"/>
+      </a:schemeClr>
+    </dgm:linClrLst>
+    <dgm:effectClrLst/>
+    <dgm:txLinClrLst/>
+    <dgm:txFillClrLst meth="repeat">
+      <a:schemeClr val="tx1"/>
+    </dgm:txFillClrLst>
+    <dgm:txEffectClrLst/>
+  </dgm:styleLbl>
+  <dgm:styleLbl name="parChTrans1D4">
+    <dgm:fillClrLst meth="repeat">
+      <a:schemeClr val="accent2"/>
+    </dgm:fillClrLst>
+    <dgm:linClrLst meth="repeat">
+      <a:schemeClr val="accent2">
+        <a:shade val="80000"/>
+      </a:schemeClr>
+    </dgm:linClrLst>
+    <dgm:effectClrLst/>
+    <dgm:txLinClrLst/>
+    <dgm:txFillClrLst meth="repeat">
+      <a:schemeClr val="tx1"/>
+    </dgm:txFillClrLst>
+    <dgm:txEffectClrLst/>
+  </dgm:styleLbl>
+  <dgm:styleLbl name="fgAcc1">
+    <dgm:fillClrLst meth="repeat">
+      <a:schemeClr val="lt1">
+        <a:alpha val="90000"/>
+      </a:schemeClr>
+    </dgm:fillClrLst>
+    <dgm:linClrLst meth="repeat">
+      <a:schemeClr val="accent2"/>
+    </dgm:linClrLst>
+    <dgm:effectClrLst/>
+    <dgm:txLinClrLst/>
+    <dgm:txFillClrLst meth="repeat">
+      <a:schemeClr val="dk1"/>
+    </dgm:txFillClrLst>
+    <dgm:txEffectClrLst/>
+  </dgm:styleLbl>
+  <dgm:styleLbl name="conFgAcc1">
+    <dgm:fillClrLst meth="repeat">
+      <a:schemeClr val="lt1">
+        <a:alpha val="90000"/>
+      </a:schemeClr>
+    </dgm:fillClrLst>
+    <dgm:linClrLst meth="repeat">
+      <a:schemeClr val="accent2"/>
+    </dgm:linClrLst>
+    <dgm:effectClrLst/>
+    <dgm:txLinClrLst/>
+    <dgm:txFillClrLst meth="repeat">
+      <a:schemeClr val="dk1"/>
+    </dgm:txFillClrLst>
+    <dgm:txEffectClrLst/>
+  </dgm:styleLbl>
+  <dgm:styleLbl name="alignAcc1">
+    <dgm:fillClrLst meth="repeat">
+      <a:schemeClr val="lt1">
+        <a:alpha val="90000"/>
+      </a:schemeClr>
+    </dgm:fillClrLst>
+    <dgm:linClrLst meth="repeat">
+      <a:schemeClr val="accent2"/>
+    </dgm:linClrLst>
+    <dgm:effectClrLst/>
+    <dgm:txLinClrLst/>
+    <dgm:txFillClrLst meth="repeat">
+      <a:schemeClr val="dk1"/>
+    </dgm:txFillClrLst>
+    <dgm:txEffectClrLst/>
+  </dgm:styleLbl>
+  <dgm:styleLbl name="trAlignAcc1">
+    <dgm:fillClrLst meth="repeat">
+      <a:schemeClr val="lt1">
+        <a:alpha val="40000"/>
+      </a:schemeClr>
+    </dgm:fillClrLst>
+    <dgm:linClrLst meth="repeat">
+      <a:schemeClr val="accent2"/>
+    </dgm:linClrLst>
+    <dgm:effectClrLst/>
+    <dgm:txLinClrLst/>
+    <dgm:txFillClrLst meth="repeat">
+      <a:schemeClr val="dk1"/>
+    </dgm:txFillClrLst>
+    <dgm:txEffectClrLst/>
+  </dgm:styleLbl>
+  <dgm:styleLbl name="bgAcc1">
+    <dgm:fillClrLst meth="repeat">
+      <a:schemeClr val="lt1">
+        <a:alpha val="90000"/>
+      </a:schemeClr>
+    </dgm:fillClrLst>
+    <dgm:linClrLst meth="repeat">
+      <a:schemeClr val="accent2"/>
+    </dgm:linClrLst>
+    <dgm:effectClrLst/>
+    <dgm:txLinClrLst/>
+    <dgm:txFillClrLst meth="repeat">
+      <a:schemeClr val="dk1"/>
+    </dgm:txFillClrLst>
+    <dgm:txEffectClrLst/>
+  </dgm:styleLbl>
+  <dgm:styleLbl name="solidFgAcc1">
+    <dgm:fillClrLst meth="repeat">
+      <a:schemeClr val="lt1"/>
+    </dgm:fillClrLst>
+    <dgm:linClrLst meth="repeat">
+      <a:schemeClr val="accent2"/>
+    </dgm:linClrLst>
+    <dgm:effectClrLst/>
+    <dgm:txLinClrLst/>
+    <dgm:txFillClrLst meth="repeat">
+      <a:schemeClr val="dk1"/>
+    </dgm:txFillClrLst>
+    <dgm:txEffectClrLst/>
+  </dgm:styleLbl>
+  <dgm:styleLbl name="solidAlignAcc1">
+    <dgm:fillClrLst meth="repeat">
+      <a:schemeClr val="lt1"/>
+    </dgm:fillClrLst>
+    <dgm:linClrLst meth="repeat">
+      <a:schemeClr val="accent2"/>
+    </dgm:linClrLst>
+    <dgm:effectClrLst/>
+    <dgm:txLinClrLst/>
+    <dgm:txFillClrLst meth="repeat">
+      <a:schemeClr val="dk1"/>
+    </dgm:txFillClrLst>
+    <dgm:txEffectClrLst/>
+  </dgm:styleLbl>
+  <dgm:styleLbl name="solidBgAcc1">
+    <dgm:fillClrLst meth="repeat">
+      <a:schemeClr val="lt1"/>
+    </dgm:fillClrLst>
+    <dgm:linClrLst meth="repeat">
+      <a:schemeClr val="accent2"/>
+    </dgm:linClrLst>
+    <dgm:effectClrLst/>
+    <dgm:txLinClrLst/>
+    <dgm:txFillClrLst meth="repeat">
+      <a:schemeClr val="dk1"/>
+    </dgm:txFillClrLst>
+    <dgm:txEffectClrLst/>
+  </dgm:styleLbl>
+  <dgm:styleLbl name="fgAccFollowNode1">
+    <dgm:fillClrLst meth="repeat">
+      <a:schemeClr val="accent2">
+        <a:alpha val="90000"/>
+        <a:tint val="40000"/>
+      </a:schemeClr>
+    </dgm:fillClrLst>
+    <dgm:linClrLst meth="repeat">
+      <a:schemeClr val="accent2">
+        <a:alpha val="90000"/>
+        <a:tint val="40000"/>
+      </a:schemeClr>
+    </dgm:linClrLst>
+    <dgm:effectClrLst/>
+    <dgm:txLinClrLst/>
+    <dgm:txFillClrLst meth="repeat">
+      <a:schemeClr val="dk1"/>
+    </dgm:txFillClrLst>
+    <dgm:txEffectClrLst/>
+  </dgm:styleLbl>
+  <dgm:styleLbl name="alignAccFollowNode1">
+    <dgm:fillClrLst meth="repeat">
+      <a:schemeClr val="accent2">
+        <a:alpha val="90000"/>
+        <a:tint val="40000"/>
+      </a:schemeClr>
+    </dgm:fillClrLst>
+    <dgm:linClrLst meth="repeat">
+      <a:schemeClr val="accent2">
+        <a:alpha val="90000"/>
+        <a:tint val="40000"/>
+      </a:schemeClr>
+    </dgm:linClrLst>
+    <dgm:effectClrLst/>
+    <dgm:txLinClrLst/>
+    <dgm:txFillClrLst meth="repeat">
+      <a:schemeClr val="dk1"/>
+    </dgm:txFillClrLst>
+    <dgm:txEffectClrLst/>
+  </dgm:styleLbl>
+  <dgm:styleLbl name="bgAccFollowNode1">
+    <dgm:fillClrLst meth="repeat">
+      <a:schemeClr val="accent2">
+        <a:alpha val="90000"/>
+        <a:tint val="40000"/>
+      </a:schemeClr>
+    </dgm:fillClrLst>
+    <dgm:linClrLst meth="repeat">
+      <a:schemeClr val="accent2">
+        <a:alpha val="90000"/>
+        <a:tint val="40000"/>
+      </a:schemeClr>
+    </dgm:linClrLst>
+    <dgm:effectClrLst/>
+    <dgm:txLinClrLst/>
+    <dgm:txFillClrLst meth="repeat">
+      <a:schemeClr val="dk1"/>
+    </dgm:txFillClrLst>
+    <dgm:txEffectClrLst/>
+  </dgm:styleLbl>
+  <dgm:styleLbl name="fgAcc0">
+    <dgm:fillClrLst meth="repeat">
+      <a:schemeClr val="lt1">
+        <a:alpha val="90000"/>
+      </a:schemeClr>
+    </dgm:fillClrLst>
+    <dgm:linClrLst meth="repeat">
+      <a:schemeClr val="accent2"/>
+    </dgm:linClrLst>
+    <dgm:effectClrLst/>
+    <dgm:txLinClrLst/>
+    <dgm:txFillClrLst meth="repeat">
+      <a:schemeClr val="dk1"/>
+    </dgm:txFillClrLst>
+    <dgm:txEffectClrLst/>
+  </dgm:styleLbl>
+  <dgm:styleLbl name="fgAcc2">
+    <dgm:fillClrLst meth="repeat">
+      <a:schemeClr val="lt1">
+        <a:alpha val="90000"/>
+      </a:schemeClr>
+    </dgm:fillClrLst>
+    <dgm:linClrLst meth="repeat">
+      <a:schemeClr val="accent2"/>
+    </dgm:linClrLst>
+    <dgm:effectClrLst/>
+    <dgm:txLinClrLst/>
+    <dgm:txFillClrLst meth="repeat">
+      <a:schemeClr val="dk1"/>
+    </dgm:txFillClrLst>
+    <dgm:txEffectClrLst/>
+  </dgm:styleLbl>
+  <dgm:styleLbl name="fgAcc3">
+    <dgm:fillClrLst meth="repeat">
+      <a:schemeClr val="lt1">
+        <a:alpha val="90000"/>
+      </a:schemeClr>
+    </dgm:fillClrLst>
+    <dgm:linClrLst meth="repeat">
+      <a:schemeClr val="accent2"/>
+    </dgm:linClrLst>
+    <dgm:effectClrLst/>
+    <dgm:txLinClrLst/>
+    <dgm:txFillClrLst meth="repeat">
+      <a:schemeClr val="dk1"/>
+    </dgm:txFillClrLst>
+    <dgm:txEffectClrLst/>
+  </dgm:styleLbl>
+  <dgm:styleLbl name="fgAcc4">
+    <dgm:fillClrLst meth="repeat">
+      <a:schemeClr val="lt1">
+        <a:alpha val="90000"/>
+      </a:schemeClr>
+    </dgm:fillClrLst>
+    <dgm:linClrLst meth="repeat">
+      <a:schemeClr val="accent2"/>
+    </dgm:linClrLst>
+    <dgm:effectClrLst/>
+    <dgm:txLinClrLst/>
+    <dgm:txFillClrLst meth="repeat">
+      <a:schemeClr val="dk1"/>
+    </dgm:txFillClrLst>
+    <dgm:txEffectClrLst/>
+  </dgm:styleLbl>
+  <dgm:styleLbl name="bgShp">
+    <dgm:fillClrLst meth="repeat">
+      <a:schemeClr val="accent2">
+        <a:tint val="40000"/>
+      </a:schemeClr>
+    </dgm:fillClrLst>
+    <dgm:linClrLst meth="repeat">
+      <a:schemeClr val="accent2"/>
+    </dgm:linClrLst>
+    <dgm:effectClrLst/>
+    <dgm:txLinClrLst/>
+    <dgm:txFillClrLst meth="repeat">
+      <a:schemeClr val="dk1"/>
+    </dgm:txFillClrLst>
+    <dgm:txEffectClrLst/>
+  </dgm:styleLbl>
+  <dgm:styleLbl name="dkBgShp">
+    <dgm:fillClrLst meth="repeat">
+      <a:schemeClr val="accent2">
+        <a:shade val="80000"/>
+      </a:schemeClr>
+    </dgm:fillClrLst>
+    <dgm:linClrLst meth="repeat">
+      <a:schemeClr val="accent2"/>
+    </dgm:linClrLst>
+    <dgm:effectClrLst/>
+    <dgm:txLinClrLst/>
+    <dgm:txFillClrLst meth="repeat">
+      <a:schemeClr val="lt1"/>
+    </dgm:txFillClrLst>
+    <dgm:txEffectClrLst/>
+  </dgm:styleLbl>
+  <dgm:styleLbl name="trBgShp">
+    <dgm:fillClrLst meth="repeat">
+      <a:schemeClr val="accent2">
+        <a:tint val="50000"/>
+        <a:alpha val="40000"/>
+      </a:schemeClr>
+    </dgm:fillClrLst>
+    <dgm:linClrLst meth="repeat">
+      <a:schemeClr val="accent2"/>
+    </dgm:linClrLst>
+    <dgm:effectClrLst/>
+    <dgm:txLinClrLst/>
+    <dgm:txFillClrLst meth="repeat">
+      <a:schemeClr val="lt1"/>
+    </dgm:txFillClrLst>
+    <dgm:txEffectClrLst/>
+  </dgm:styleLbl>
+  <dgm:styleLbl name="fgShp">
+    <dgm:fillClrLst meth="repeat">
+      <a:schemeClr val="accent2">
+        <a:tint val="60000"/>
+      </a:schemeClr>
+    </dgm:fillClrLst>
+    <dgm:linClrLst meth="repeat">
+      <a:schemeClr val="lt1"/>
+    </dgm:linClrLst>
+    <dgm:effectClrLst/>
+    <dgm:txLinClrLst/>
+    <dgm:txFillClrLst meth="repeat">
+      <a:schemeClr val="dk1"/>
+    </dgm:txFillClrLst>
+    <dgm:txEffectClrLst/>
+  </dgm:styleLbl>
+  <dgm:styleLbl name="revTx">
+    <dgm:fillClrLst meth="repeat">
+      <a:schemeClr val="lt1">
+        <a:alpha val="0"/>
+      </a:schemeClr>
+    </dgm:fillClrLst>
+    <dgm:linClrLst meth="repeat">
+      <a:schemeClr val="dk1">
+        <a:alpha val="0"/>
+      </a:schemeClr>
+    </dgm:linClrLst>
+    <dgm:effectClrLst/>
+    <dgm:txLinClrLst/>
+    <dgm:txFillClrLst meth="repeat">
+      <a:schemeClr val="tx1"/>
+    </dgm:txFillClrLst>
+    <dgm:txEffectClrLst/>
+  </dgm:styleLbl>
+</dgm:colorsDef>
+</file>
+
+<file path=ppt/diagrams/colors3.xml><?xml version="1.0" encoding="utf-8"?>
+<dgm:colorsDef xmlns:dgm="http://schemas.openxmlformats.org/drawingml/2006/diagram" xmlns:a="http://schemas.openxmlformats.org/drawingml/2006/main" uniqueId="urn:microsoft.com/office/officeart/2005/8/colors/accent2_2">
+  <dgm:title val=""/>
+  <dgm:desc val=""/>
+  <dgm:catLst>
+    <dgm:cat type="accent2" pri="11200"/>
+  </dgm:catLst>
+  <dgm:styleLbl name="node0">
+    <dgm:fillClrLst meth="repeat">
+      <a:schemeClr val="accent2"/>
+    </dgm:fillClrLst>
+    <dgm:linClrLst meth="repeat">
+      <a:schemeClr val="lt1"/>
+    </dgm:linClrLst>
+    <dgm:effectClrLst/>
+    <dgm:txLinClrLst/>
+    <dgm:txFillClrLst/>
+    <dgm:txEffectClrLst/>
+  </dgm:styleLbl>
+  <dgm:styleLbl name="node1">
+    <dgm:fillClrLst meth="repeat">
+      <a:schemeClr val="accent2"/>
+    </dgm:fillClrLst>
+    <dgm:linClrLst meth="repeat">
+      <a:schemeClr val="lt1"/>
+    </dgm:linClrLst>
+    <dgm:effectClrLst/>
+    <dgm:txLinClrLst/>
+    <dgm:txFillClrLst/>
+    <dgm:txEffectClrLst/>
+  </dgm:styleLbl>
+  <dgm:styleLbl name="alignNode1">
+    <dgm:fillClrLst meth="repeat">
+      <a:schemeClr val="accent2"/>
+    </dgm:fillClrLst>
+    <dgm:linClrLst meth="repeat">
+      <a:schemeClr val="accent2"/>
+    </dgm:linClrLst>
+    <dgm:effectClrLst/>
+    <dgm:txLinClrLst/>
+    <dgm:txFillClrLst/>
+    <dgm:txEffectClrLst/>
+  </dgm:styleLbl>
+  <dgm:styleLbl name="lnNode1">
+    <dgm:fillClrLst meth="repeat">
+      <a:schemeClr val="accent2"/>
+    </dgm:fillClrLst>
+    <dgm:linClrLst meth="repeat">
+      <a:schemeClr val="lt1"/>
+    </dgm:linClrLst>
+    <dgm:effectClrLst/>
+    <dgm:txLinClrLst/>
+    <dgm:txFillClrLst/>
+    <dgm:txEffectClrLst/>
+  </dgm:styleLbl>
+  <dgm:styleLbl name="vennNode1">
+    <dgm:fillClrLst meth="repeat">
+      <a:schemeClr val="accent2">
+        <a:alpha val="50000"/>
+      </a:schemeClr>
+    </dgm:fillClrLst>
+    <dgm:linClrLst meth="repeat">
+      <a:schemeClr val="lt1"/>
+    </dgm:linClrLst>
+    <dgm:effectClrLst/>
+    <dgm:txLinClrLst/>
+    <dgm:txFillClrLst/>
+    <dgm:txEffectClrLst/>
+  </dgm:styleLbl>
+  <dgm:styleLbl name="node2">
+    <dgm:fillClrLst meth="repeat">
+      <a:schemeClr val="accent2"/>
+    </dgm:fillClrLst>
+    <dgm:linClrLst meth="repeat">
+      <a:schemeClr val="lt1"/>
+    </dgm:linClrLst>
+    <dgm:effectClrLst/>
+    <dgm:txLinClrLst/>
+    <dgm:txFillClrLst/>
+    <dgm:txEffectClrLst/>
+  </dgm:styleLbl>
+  <dgm:styleLbl name="node3">
+    <dgm:fillClrLst meth="repeat">
+      <a:schemeClr val="accent2"/>
+    </dgm:fillClrLst>
+    <dgm:linClrLst meth="repeat">
+      <a:schemeClr val="lt1"/>
+    </dgm:linClrLst>
+    <dgm:effectClrLst/>
+    <dgm:txLinClrLst/>
+    <dgm:txFillClrLst/>
+    <dgm:txEffectClrLst/>
+  </dgm:styleLbl>
+  <dgm:styleLbl name="node4">
+    <dgm:fillClrLst meth="repeat">
+      <a:schemeClr val="accent2"/>
+    </dgm:fillClrLst>
+    <dgm:linClrLst meth="repeat">
+      <a:schemeClr val="lt1"/>
+    </dgm:linClrLst>
+    <dgm:effectClrLst/>
+    <dgm:txLinClrLst/>
+    <dgm:txFillClrLst/>
+    <dgm:txEffectClrLst/>
+  </dgm:styleLbl>
+  <dgm:styleLbl name="fgImgPlace1">
+    <dgm:fillClrLst meth="repeat">
+      <a:schemeClr val="accent2">
+        <a:tint val="50000"/>
+      </a:schemeClr>
+    </dgm:fillClrLst>
+    <dgm:linClrLst meth="repeat">
+      <a:schemeClr val="lt1"/>
+    </dgm:linClrLst>
+    <dgm:effectClrLst/>
+    <dgm:txLinClrLst/>
+    <dgm:txFillClrLst meth="repeat">
+      <a:schemeClr val="lt1"/>
+    </dgm:txFillClrLst>
+    <dgm:txEffectClrLst/>
+  </dgm:styleLbl>
+  <dgm:styleLbl name="alignImgPlace1">
+    <dgm:fillClrLst meth="repeat">
+      <a:schemeClr val="accent2">
+        <a:tint val="50000"/>
+      </a:schemeClr>
+    </dgm:fillClrLst>
+    <dgm:linClrLst meth="repeat">
+      <a:schemeClr val="lt1"/>
+    </dgm:linClrLst>
+    <dgm:effectClrLst/>
+    <dgm:txLinClrLst/>
+    <dgm:txFillClrLst meth="repeat">
+      <a:schemeClr val="lt1"/>
+    </dgm:txFillClrLst>
+    <dgm:txEffectClrLst/>
+  </dgm:styleLbl>
+  <dgm:styleLbl name="bgImgPlace1">
+    <dgm:fillClrLst meth="repeat">
+      <a:schemeClr val="accent2">
+        <a:tint val="50000"/>
+      </a:schemeClr>
+    </dgm:fillClrLst>
+    <dgm:linClrLst meth="repeat">
+      <a:schemeClr val="lt1"/>
+    </dgm:linClrLst>
+    <dgm:effectClrLst/>
+    <dgm:txLinClrLst/>
+    <dgm:txFillClrLst meth="repeat">
+      <a:schemeClr val="lt1"/>
+    </dgm:txFillClrLst>
+    <dgm:txEffectClrLst/>
+  </dgm:styleLbl>
+  <dgm:styleLbl name="sibTrans2D1">
+    <dgm:fillClrLst meth="repeat">
+      <a:schemeClr val="accent2">
+        <a:tint val="60000"/>
+      </a:schemeClr>
+    </dgm:fillClrLst>
+    <dgm:linClrLst meth="repeat">
+      <a:schemeClr val="accent2">
+        <a:tint val="60000"/>
+      </a:schemeClr>
+    </dgm:linClrLst>
+    <dgm:effectClrLst/>
+    <dgm:txLinClrLst/>
+    <dgm:txFillClrLst/>
+    <dgm:txEffectClrLst/>
+  </dgm:styleLbl>
+  <dgm:styleLbl name="fgSibTrans2D1">
+    <dgm:fillClrLst meth="repeat">
+      <a:schemeClr val="accent2">
+        <a:tint val="60000"/>
+      </a:schemeClr>
+    </dgm:fillClrLst>
+    <dgm:linClrLst meth="repeat">
+      <a:schemeClr val="accent2">
+        <a:tint val="60000"/>
+      </a:schemeClr>
+    </dgm:linClrLst>
+    <dgm:effectClrLst/>
+    <dgm:txLinClrLst/>
+    <dgm:txFillClrLst/>
+    <dgm:txEffectClrLst/>
+  </dgm:styleLbl>
+  <dgm:styleLbl name="bgSibTrans2D1">
+    <dgm:fillClrLst meth="repeat">
+      <a:schemeClr val="accent2">
+        <a:tint val="60000"/>
+      </a:schemeClr>
+    </dgm:fillClrLst>
+    <dgm:linClrLst meth="repeat">
+      <a:schemeClr val="accent2">
+        <a:tint val="60000"/>
+      </a:schemeClr>
+    </dgm:linClrLst>
+    <dgm:effectClrLst/>
+    <dgm:txLinClrLst/>
+    <dgm:txFillClrLst/>
+    <dgm:txEffectClrLst/>
+  </dgm:styleLbl>
+  <dgm:styleLbl name="sibTrans1D1">
+    <dgm:fillClrLst meth="repeat">
+      <a:schemeClr val="accent2"/>
+    </dgm:fillClrLst>
+    <dgm:linClrLst meth="repeat">
+      <a:schemeClr val="accent2"/>
+    </dgm:linClrLst>
+    <dgm:effectClrLst/>
+    <dgm:txLinClrLst/>
+    <dgm:txFillClrLst meth="repeat">
+      <a:schemeClr val="tx1"/>
+    </dgm:txFillClrLst>
+    <dgm:txEffectClrLst/>
+  </dgm:styleLbl>
+  <dgm:styleLbl name="callout">
+    <dgm:fillClrLst meth="repeat">
+      <a:schemeClr val="accent2"/>
+    </dgm:fillClrLst>
+    <dgm:linClrLst meth="repeat">
+      <a:schemeClr val="accent2">
+        <a:tint val="50000"/>
+      </a:schemeClr>
+    </dgm:linClrLst>
+    <dgm:effectClrLst/>
+    <dgm:txLinClrLst/>
+    <dgm:txFillClrLst meth="repeat">
+      <a:schemeClr val="tx1"/>
+    </dgm:txFillClrLst>
+    <dgm:txEffectClrLst/>
+  </dgm:styleLbl>
+  <dgm:styleLbl name="asst0">
+    <dgm:fillClrLst meth="repeat">
+      <a:schemeClr val="accent2"/>
+    </dgm:fillClrLst>
+    <dgm:linClrLst meth="repeat">
+      <a:schemeClr val="lt1"/>
+    </dgm:linClrLst>
+    <dgm:effectClrLst/>
+    <dgm:txLinClrLst/>
+    <dgm:txFillClrLst/>
+    <dgm:txEffectClrLst/>
+  </dgm:styleLbl>
+  <dgm:styleLbl name="asst1">
+    <dgm:fillClrLst meth="repeat">
+      <a:schemeClr val="accent2"/>
+    </dgm:fillClrLst>
+    <dgm:linClrLst meth="repeat">
+      <a:schemeClr val="lt1"/>
+    </dgm:linClrLst>
+    <dgm:effectClrLst/>
+    <dgm:txLinClrLst/>
+    <dgm:txFillClrLst/>
+    <dgm:txEffectClrLst/>
+  </dgm:styleLbl>
+  <dgm:styleLbl name="asst2">
+    <dgm:fillClrLst meth="repeat">
+      <a:schemeClr val="accent2"/>
+    </dgm:fillClrLst>
+    <dgm:linClrLst meth="repeat">
+      <a:schemeClr val="lt1"/>
+    </dgm:linClrLst>
+    <dgm:effectClrLst/>
+    <dgm:txLinClrLst/>
+    <dgm:txFillClrLst/>
+    <dgm:txEffectClrLst/>
+  </dgm:styleLbl>
+  <dgm:styleLbl name="asst3">
+    <dgm:fillClrLst meth="repeat">
+      <a:schemeClr val="accent2"/>
+    </dgm:fillClrLst>
+    <dgm:linClrLst meth="repeat">
+      <a:schemeClr val="lt1"/>
+    </dgm:linClrLst>
+    <dgm:effectClrLst/>
+    <dgm:txLinClrLst/>
+    <dgm:txFillClrLst/>
+    <dgm:txEffectClrLst/>
+  </dgm:styleLbl>
+  <dgm:styleLbl name="asst4">
+    <dgm:fillClrLst meth="repeat">
+      <a:schemeClr val="accent2"/>
+    </dgm:fillClrLst>
+    <dgm:linClrLst meth="repeat">
+      <a:schemeClr val="lt1"/>
+    </dgm:linClrLst>
+    <dgm:effectClrLst/>
+    <dgm:txLinClrLst/>
+    <dgm:txFillClrLst/>
+    <dgm:txEffectClrLst/>
+  </dgm:styleLbl>
+  <dgm:styleLbl name="parChTrans2D1">
+    <dgm:fillClrLst meth="repeat">
+      <a:schemeClr val="accent2">
+        <a:tint val="60000"/>
+      </a:schemeClr>
+    </dgm:fillClrLst>
+    <dgm:linClrLst meth="repeat">
+      <a:schemeClr val="accent2">
+        <a:tint val="60000"/>
+      </a:schemeClr>
+    </dgm:linClrLst>
+    <dgm:effectClrLst/>
+    <dgm:txLinClrLst/>
+    <dgm:txFillClrLst meth="repeat">
+      <a:schemeClr val="lt1"/>
+    </dgm:txFillClrLst>
+    <dgm:txEffectClrLst/>
+  </dgm:styleLbl>
+  <dgm:styleLbl name="parChTrans2D2">
+    <dgm:fillClrLst meth="repeat">
+      <a:schemeClr val="accent2"/>
+    </dgm:fillClrLst>
+    <dgm:linClrLst meth="repeat">
+      <a:schemeClr val="accent2"/>
+    </dgm:linClrLst>
+    <dgm:effectClrLst/>
+    <dgm:txLinClrLst/>
+    <dgm:txFillClrLst meth="repeat">
+      <a:schemeClr val="lt1"/>
+    </dgm:txFillClrLst>
+    <dgm:txEffectClrLst/>
+  </dgm:styleLbl>
+  <dgm:styleLbl name="parChTrans2D3">
+    <dgm:fillClrLst meth="repeat">
+      <a:schemeClr val="accent2"/>
+    </dgm:fillClrLst>
+    <dgm:linClrLst meth="repeat">
+      <a:schemeClr val="accent2"/>
+    </dgm:linClrLst>
+    <dgm:effectClrLst/>
+    <dgm:txLinClrLst/>
+    <dgm:txFillClrLst meth="repeat">
+      <a:schemeClr val="lt1"/>
+    </dgm:txFillClrLst>
+    <dgm:txEffectClrLst/>
+  </dgm:styleLbl>
+  <dgm:styleLbl name="parChTrans2D4">
+    <dgm:fillClrLst meth="repeat">
+      <a:schemeClr val="accent2"/>
+    </dgm:fillClrLst>
+    <dgm:linClrLst meth="repeat">
+      <a:schemeClr val="accent2"/>
+    </dgm:linClrLst>
+    <dgm:effectClrLst/>
+    <dgm:txLinClrLst/>
+    <dgm:txFillClrLst meth="repeat">
+      <a:schemeClr val="lt1"/>
+    </dgm:txFillClrLst>
+    <dgm:txEffectClrLst/>
+  </dgm:styleLbl>
+  <dgm:styleLbl name="parChTrans1D1">
+    <dgm:fillClrLst meth="repeat">
+      <a:schemeClr val="accent2"/>
+    </dgm:fillClrLst>
+    <dgm:linClrLst meth="repeat">
+      <a:schemeClr val="accent2">
+        <a:shade val="60000"/>
+      </a:schemeClr>
+    </dgm:linClrLst>
+    <dgm:effectClrLst/>
+    <dgm:txLinClrLst/>
+    <dgm:txFillClrLst meth="repeat">
+      <a:schemeClr val="tx1"/>
+    </dgm:txFillClrLst>
+    <dgm:txEffectClrLst/>
+  </dgm:styleLbl>
+  <dgm:styleLbl name="parChTrans1D2">
+    <dgm:fillClrLst meth="repeat">
+      <a:schemeClr val="accent2"/>
+    </dgm:fillClrLst>
+    <dgm:linClrLst meth="repeat">
+      <a:schemeClr val="accent2">
+        <a:shade val="60000"/>
+      </a:schemeClr>
+    </dgm:linClrLst>
+    <dgm:effectClrLst/>
+    <dgm:txLinClrLst/>
+    <dgm:txFillClrLst meth="repeat">
+      <a:schemeClr val="tx1"/>
+    </dgm:txFillClrLst>
+    <dgm:txEffectClrLst/>
+  </dgm:styleLbl>
+  <dgm:styleLbl name="parChTrans1D3">
+    <dgm:fillClrLst meth="repeat">
+      <a:schemeClr val="accent2"/>
+    </dgm:fillClrLst>
+    <dgm:linClrLst meth="repeat">
+      <a:schemeClr val="accent2">
+        <a:shade val="80000"/>
+      </a:schemeClr>
+    </dgm:linClrLst>
+    <dgm:effectClrLst/>
+    <dgm:txLinClrLst/>
+    <dgm:txFillClrLst meth="repeat">
+      <a:schemeClr val="tx1"/>
+    </dgm:txFillClrLst>
+    <dgm:txEffectClrLst/>
+  </dgm:styleLbl>
+  <dgm:styleLbl name="parChTrans1D4">
+    <dgm:fillClrLst meth="repeat">
+      <a:schemeClr val="accent2"/>
+    </dgm:fillClrLst>
+    <dgm:linClrLst meth="repeat">
+      <a:schemeClr val="accent2">
+        <a:shade val="80000"/>
+      </a:schemeClr>
+    </dgm:linClrLst>
+    <dgm:effectClrLst/>
+    <dgm:txLinClrLst/>
+    <dgm:txFillClrLst meth="repeat">
+      <a:schemeClr val="tx1"/>
+    </dgm:txFillClrLst>
+    <dgm:txEffectClrLst/>
+  </dgm:styleLbl>
+  <dgm:styleLbl name="fgAcc1">
+    <dgm:fillClrLst meth="repeat">
+      <a:schemeClr val="lt1">
+        <a:alpha val="90000"/>
+      </a:schemeClr>
+    </dgm:fillClrLst>
+    <dgm:linClrLst meth="repeat">
+      <a:schemeClr val="accent2"/>
+    </dgm:linClrLst>
+    <dgm:effectClrLst/>
+    <dgm:txLinClrLst/>
+    <dgm:txFillClrLst meth="repeat">
+      <a:schemeClr val="dk1"/>
+    </dgm:txFillClrLst>
+    <dgm:txEffectClrLst/>
+  </dgm:styleLbl>
+  <dgm:styleLbl name="conFgAcc1">
+    <dgm:fillClrLst meth="repeat">
+      <a:schemeClr val="lt1">
+        <a:alpha val="90000"/>
+      </a:schemeClr>
+    </dgm:fillClrLst>
+    <dgm:linClrLst meth="repeat">
+      <a:schemeClr val="accent2"/>
+    </dgm:linClrLst>
+    <dgm:effectClrLst/>
+    <dgm:txLinClrLst/>
+    <dgm:txFillClrLst meth="repeat">
+      <a:schemeClr val="dk1"/>
+    </dgm:txFillClrLst>
+    <dgm:txEffectClrLst/>
+  </dgm:styleLbl>
+  <dgm:styleLbl name="alignAcc1">
+    <dgm:fillClrLst meth="repeat">
+      <a:schemeClr val="lt1">
+        <a:alpha val="90000"/>
+      </a:schemeClr>
+    </dgm:fillClrLst>
+    <dgm:linClrLst meth="repeat">
+      <a:schemeClr val="accent2"/>
+    </dgm:linClrLst>
+    <dgm:effectClrLst/>
+    <dgm:txLinClrLst/>
+    <dgm:txFillClrLst meth="repeat">
+      <a:schemeClr val="dk1"/>
+    </dgm:txFillClrLst>
+    <dgm:txEffectClrLst/>
+  </dgm:styleLbl>
+  <dgm:styleLbl name="trAlignAcc1">
+    <dgm:fillClrLst meth="repeat">
+      <a:schemeClr val="lt1">
+        <a:alpha val="40000"/>
+      </a:schemeClr>
+    </dgm:fillClrLst>
+    <dgm:linClrLst meth="repeat">
+      <a:schemeClr val="accent2"/>
+    </dgm:linClrLst>
+    <dgm:effectClrLst/>
+    <dgm:txLinClrLst/>
+    <dgm:txFillClrLst meth="repeat">
+      <a:schemeClr val="dk1"/>
+    </dgm:txFillClrLst>
+    <dgm:txEffectClrLst/>
+  </dgm:styleLbl>
+  <dgm:styleLbl name="bgAcc1">
+    <dgm:fillClrLst meth="repeat">
+      <a:schemeClr val="lt1">
+        <a:alpha val="90000"/>
+      </a:schemeClr>
+    </dgm:fillClrLst>
+    <dgm:linClrLst meth="repeat">
+      <a:schemeClr val="accent2"/>
+    </dgm:linClrLst>
+    <dgm:effectClrLst/>
+    <dgm:txLinClrLst/>
+    <dgm:txFillClrLst meth="repeat">
+      <a:schemeClr val="dk1"/>
+    </dgm:txFillClrLst>
+    <dgm:txEffectClrLst/>
+  </dgm:styleLbl>
+  <dgm:styleLbl name="solidFgAcc1">
+    <dgm:fillClrLst meth="repeat">
+      <a:schemeClr val="lt1"/>
+    </dgm:fillClrLst>
+    <dgm:linClrLst meth="repeat">
+      <a:schemeClr val="accent2"/>
+    </dgm:linClrLst>
+    <dgm:effectClrLst/>
+    <dgm:txLinClrLst/>
+    <dgm:txFillClrLst meth="repeat">
+      <a:schemeClr val="dk1"/>
+    </dgm:txFillClrLst>
+    <dgm:txEffectClrLst/>
+  </dgm:styleLbl>
+  <dgm:styleLbl name="solidAlignAcc1">
+    <dgm:fillClrLst meth="repeat">
+      <a:schemeClr val="lt1"/>
+    </dgm:fillClrLst>
+    <dgm:linClrLst meth="repeat">
+      <a:schemeClr val="accent2"/>
+    </dgm:linClrLst>
+    <dgm:effectClrLst/>
+    <dgm:txLinClrLst/>
+    <dgm:txFillClrLst meth="repeat">
+      <a:schemeClr val="dk1"/>
+    </dgm:txFillClrLst>
+    <dgm:txEffectClrLst/>
+  </dgm:styleLbl>
+  <dgm:styleLbl name="solidBgAcc1">
+    <dgm:fillClrLst meth="repeat">
+      <a:schemeClr val="lt1"/>
+    </dgm:fillClrLst>
+    <dgm:linClrLst meth="repeat">
+      <a:schemeClr val="accent2"/>
+    </dgm:linClrLst>
+    <dgm:effectClrLst/>
+    <dgm:txLinClrLst/>
+    <dgm:txFillClrLst meth="repeat">
+      <a:schemeClr val="dk1"/>
+    </dgm:txFillClrLst>
+    <dgm:txEffectClrLst/>
+  </dgm:styleLbl>
+  <dgm:styleLbl name="fgAccFollowNode1">
+    <dgm:fillClrLst meth="repeat">
+      <a:schemeClr val="accent2">
+        <a:alpha val="90000"/>
+        <a:tint val="40000"/>
+      </a:schemeClr>
+    </dgm:fillClrLst>
+    <dgm:linClrLst meth="repeat">
+      <a:schemeClr val="accent2">
+        <a:alpha val="90000"/>
+        <a:tint val="40000"/>
+      </a:schemeClr>
+    </dgm:linClrLst>
+    <dgm:effectClrLst/>
+    <dgm:txLinClrLst/>
+    <dgm:txFillClrLst meth="repeat">
+      <a:schemeClr val="dk1"/>
+    </dgm:txFillClrLst>
+    <dgm:txEffectClrLst/>
+  </dgm:styleLbl>
+  <dgm:styleLbl name="alignAccFollowNode1">
+    <dgm:fillClrLst meth="repeat">
+      <a:schemeClr val="accent2">
+        <a:alpha val="90000"/>
+        <a:tint val="40000"/>
+      </a:schemeClr>
+    </dgm:fillClrLst>
+    <dgm:linClrLst meth="repeat">
+      <a:schemeClr val="accent2">
+        <a:alpha val="90000"/>
+        <a:tint val="40000"/>
+      </a:schemeClr>
+    </dgm:linClrLst>
+    <dgm:effectClrLst/>
+    <dgm:txLinClrLst/>
+    <dgm:txFillClrLst meth="repeat">
+      <a:schemeClr val="dk1"/>
+    </dgm:txFillClrLst>
+    <dgm:txEffectClrLst/>
+  </dgm:styleLbl>
+  <dgm:styleLbl name="bgAccFollowNode1">
+    <dgm:fillClrLst meth="repeat">
+      <a:schemeClr val="accent2">
+        <a:alpha val="90000"/>
+        <a:tint val="40000"/>
+      </a:schemeClr>
+    </dgm:fillClrLst>
+    <dgm:linClrLst meth="repeat">
+      <a:schemeClr val="accent2">
+        <a:alpha val="90000"/>
+        <a:tint val="40000"/>
+      </a:schemeClr>
+    </dgm:linClrLst>
+    <dgm:effectClrLst/>
+    <dgm:txLinClrLst/>
+    <dgm:txFillClrLst meth="repeat">
+      <a:schemeClr val="dk1"/>
+    </dgm:txFillClrLst>
+    <dgm:txEffectClrLst/>
+  </dgm:styleLbl>
+  <dgm:styleLbl name="fgAcc0">
+    <dgm:fillClrLst meth="repeat">
+      <a:schemeClr val="lt1">
+        <a:alpha val="90000"/>
+      </a:schemeClr>
+    </dgm:fillClrLst>
+    <dgm:linClrLst meth="repeat">
+      <a:schemeClr val="accent2"/>
+    </dgm:linClrLst>
+    <dgm:effectClrLst/>
+    <dgm:txLinClrLst/>
+    <dgm:txFillClrLst meth="repeat">
+      <a:schemeClr val="dk1"/>
+    </dgm:txFillClrLst>
+    <dgm:txEffectClrLst/>
+  </dgm:styleLbl>
+  <dgm:styleLbl name="fgAcc2">
+    <dgm:fillClrLst meth="repeat">
+      <a:schemeClr val="lt1">
+        <a:alpha val="90000"/>
+      </a:schemeClr>
+    </dgm:fillClrLst>
+    <dgm:linClrLst meth="repeat">
+      <a:schemeClr val="accent2"/>
+    </dgm:linClrLst>
+    <dgm:effectClrLst/>
+    <dgm:txLinClrLst/>
+    <dgm:txFillClrLst meth="repeat">
+      <a:schemeClr val="dk1"/>
+    </dgm:txFillClrLst>
+    <dgm:txEffectClrLst/>
+  </dgm:styleLbl>
+  <dgm:styleLbl name="fgAcc3">
+    <dgm:fillClrLst meth="repeat">
+      <a:schemeClr val="lt1">
+        <a:alpha val="90000"/>
+      </a:schemeClr>
+    </dgm:fillClrLst>
+    <dgm:linClrLst meth="repeat">
+      <a:schemeClr val="accent2"/>
+    </dgm:linClrLst>
+    <dgm:effectClrLst/>
+    <dgm:txLinClrLst/>
+    <dgm:txFillClrLst meth="repeat">
+      <a:schemeClr val="dk1"/>
+    </dgm:txFillClrLst>
+    <dgm:txEffectClrLst/>
+  </dgm:styleLbl>
+  <dgm:styleLbl name="fgAcc4">
+    <dgm:fillClrLst meth="repeat">
+      <a:schemeClr val="lt1">
+        <a:alpha val="90000"/>
+      </a:schemeClr>
+    </dgm:fillClrLst>
+    <dgm:linClrLst meth="repeat">
+      <a:schemeClr val="accent2"/>
+    </dgm:linClrLst>
+    <dgm:effectClrLst/>
+    <dgm:txLinClrLst/>
+    <dgm:txFillClrLst meth="repeat">
+      <a:schemeClr val="dk1"/>
+    </dgm:txFillClrLst>
+    <dgm:txEffectClrLst/>
+  </dgm:styleLbl>
+  <dgm:styleLbl name="bgShp">
+    <dgm:fillClrLst meth="repeat">
+      <a:schemeClr val="accent2">
+        <a:tint val="40000"/>
+      </a:schemeClr>
+    </dgm:fillClrLst>
+    <dgm:linClrLst meth="repeat">
+      <a:schemeClr val="accent2"/>
+    </dgm:linClrLst>
+    <dgm:effectClrLst/>
+    <dgm:txLinClrLst/>
+    <dgm:txFillClrLst meth="repeat">
+      <a:schemeClr val="dk1"/>
+    </dgm:txFillClrLst>
+    <dgm:txEffectClrLst/>
+  </dgm:styleLbl>
+  <dgm:styleLbl name="dkBgShp">
+    <dgm:fillClrLst meth="repeat">
+      <a:schemeClr val="accent2">
+        <a:shade val="80000"/>
+      </a:schemeClr>
+    </dgm:fillClrLst>
+    <dgm:linClrLst meth="repeat">
+      <a:schemeClr val="accent2"/>
+    </dgm:linClrLst>
+    <dgm:effectClrLst/>
+    <dgm:txLinClrLst/>
+    <dgm:txFillClrLst meth="repeat">
+      <a:schemeClr val="lt1"/>
+    </dgm:txFillClrLst>
+    <dgm:txEffectClrLst/>
+  </dgm:styleLbl>
+  <dgm:styleLbl name="trBgShp">
+    <dgm:fillClrLst meth="repeat">
+      <a:schemeClr val="accent2">
+        <a:tint val="50000"/>
+        <a:alpha val="40000"/>
+      </a:schemeClr>
+    </dgm:fillClrLst>
+    <dgm:linClrLst meth="repeat">
+      <a:schemeClr val="accent2"/>
+    </dgm:linClrLst>
+    <dgm:effectClrLst/>
+    <dgm:txLinClrLst/>
+    <dgm:txFillClrLst meth="repeat">
+      <a:schemeClr val="lt1"/>
+    </dgm:txFillClrLst>
+    <dgm:txEffectClrLst/>
+  </dgm:styleLbl>
+  <dgm:styleLbl name="fgShp">
+    <dgm:fillClrLst meth="repeat">
+      <a:schemeClr val="accent2">
+        <a:tint val="60000"/>
+      </a:schemeClr>
+    </dgm:fillClrLst>
+    <dgm:linClrLst meth="repeat">
+      <a:schemeClr val="lt1"/>
+    </dgm:linClrLst>
+    <dgm:effectClrLst/>
+    <dgm:txLinClrLst/>
+    <dgm:txFillClrLst meth="repeat">
+      <a:schemeClr val="dk1"/>
+    </dgm:txFillClrLst>
+    <dgm:txEffectClrLst/>
+  </dgm:styleLbl>
+  <dgm:styleLbl name="revTx">
+    <dgm:fillClrLst meth="repeat">
+      <a:schemeClr val="lt1">
+        <a:alpha val="0"/>
+      </a:schemeClr>
+    </dgm:fillClrLst>
+    <dgm:linClrLst meth="repeat">
+      <a:schemeClr val="dk1">
+        <a:alpha val="0"/>
+      </a:schemeClr>
+    </dgm:linClrLst>
+    <dgm:effectClrLst/>
+    <dgm:txLinClrLst/>
+    <dgm:txFillClrLst meth="repeat">
+      <a:schemeClr val="tx1"/>
+    </dgm:txFillClrLst>
+    <dgm:txEffectClrLst/>
+  </dgm:styleLbl>
+</dgm:colorsDef>
+</file>
+
+<file path=ppt/diagrams/data1.xml><?xml version="1.0" encoding="utf-8"?>
+<dgm:dataModel xmlns:dgm="http://schemas.openxmlformats.org/drawingml/2006/diagram" xmlns:a="http://schemas.openxmlformats.org/drawingml/2006/main">
+  <dgm:ptLst>
+    <dgm:pt modelId="{91301F85-912E-42C4-8BF9-0DB736E315FB}" type="doc">
+      <dgm:prSet loTypeId="urn:microsoft.com/office/officeart/2005/8/layout/vList2" loCatId="list" qsTypeId="urn:microsoft.com/office/officeart/2005/8/quickstyle/simple1" qsCatId="simple" csTypeId="urn:microsoft.com/office/officeart/2005/8/colors/accent2_2" csCatId="accent2" phldr="1"/>
+      <dgm:spPr/>
+      <dgm:t>
+        <a:bodyPr/>
+        <a:lstStyle/>
+        <a:p>
+          <a:endParaRPr lang="en-US"/>
+        </a:p>
+      </dgm:t>
+    </dgm:pt>
+    <dgm:pt modelId="{AE8664CE-F168-46D6-9BBB-CC52AF3B5391}">
+      <dgm:prSet/>
+      <dgm:spPr/>
+      <dgm:t>
+        <a:bodyPr/>
+        <a:lstStyle/>
+        <a:p>
+          <a:r>
+            <a:rPr lang="en-US" dirty="0"/>
+            <a:t>Their pipeline did not appear to follow a typical NGS pipeline.</a:t>
+          </a:r>
+        </a:p>
+      </dgm:t>
+    </dgm:pt>
+    <dgm:pt modelId="{70411107-104B-4934-A51D-F871F4EBB9A7}" type="parTrans" cxnId="{286B5A42-9BC9-4034-8969-2C8BFBC462E5}">
+      <dgm:prSet/>
+      <dgm:spPr/>
+      <dgm:t>
+        <a:bodyPr/>
+        <a:lstStyle/>
+        <a:p>
+          <a:endParaRPr lang="en-US"/>
+        </a:p>
+      </dgm:t>
+    </dgm:pt>
+    <dgm:pt modelId="{7EDB3759-0C8E-411A-9AD3-267AE3FE89CA}" type="sibTrans" cxnId="{286B5A42-9BC9-4034-8969-2C8BFBC462E5}">
+      <dgm:prSet/>
+      <dgm:spPr/>
+      <dgm:t>
+        <a:bodyPr/>
+        <a:lstStyle/>
+        <a:p>
+          <a:endParaRPr lang="en-US"/>
+        </a:p>
+      </dgm:t>
+    </dgm:pt>
+    <dgm:pt modelId="{7FC591BF-6809-496A-9FAD-940059211684}">
+      <dgm:prSet/>
+      <dgm:spPr/>
+      <dgm:t>
+        <a:bodyPr/>
+        <a:lstStyle/>
+        <a:p>
+          <a:r>
+            <a:rPr lang="en-US" dirty="0"/>
+            <a:t>In addition, the documentation on their pipeline appeared scant.</a:t>
+          </a:r>
+        </a:p>
+      </dgm:t>
+    </dgm:pt>
+    <dgm:pt modelId="{A5826800-044F-46EA-AF34-66B179DC0832}" type="parTrans" cxnId="{D67F2C74-FAF7-4A3E-8740-2FDE40060512}">
+      <dgm:prSet/>
+      <dgm:spPr/>
+      <dgm:t>
+        <a:bodyPr/>
+        <a:lstStyle/>
+        <a:p>
+          <a:endParaRPr lang="en-US"/>
+        </a:p>
+      </dgm:t>
+    </dgm:pt>
+    <dgm:pt modelId="{B1BFA9BC-E5F6-4542-8245-FC05C843F6F2}" type="sibTrans" cxnId="{D67F2C74-FAF7-4A3E-8740-2FDE40060512}">
+      <dgm:prSet/>
+      <dgm:spPr/>
+      <dgm:t>
+        <a:bodyPr/>
+        <a:lstStyle/>
+        <a:p>
+          <a:endParaRPr lang="en-US"/>
+        </a:p>
+      </dgm:t>
+    </dgm:pt>
+    <dgm:pt modelId="{7538D84F-F95F-438D-84AD-7DAA7C05F95C}">
+      <dgm:prSet/>
+      <dgm:spPr/>
+      <dgm:t>
+        <a:bodyPr/>
+        <a:lstStyle/>
+        <a:p>
+          <a:r>
+            <a:rPr lang="en-US" dirty="0"/>
+            <a:t>Didn’t use a typical read mapping software – which leads to questions in the quality of the mapping.</a:t>
+          </a:r>
+        </a:p>
+      </dgm:t>
+    </dgm:pt>
+    <dgm:pt modelId="{2DC4069B-D1F9-468E-A3A6-C0FD04778485}" type="parTrans" cxnId="{0C333294-40B4-4877-BACF-5B72961B6B4F}">
+      <dgm:prSet/>
+      <dgm:spPr/>
+      <dgm:t>
+        <a:bodyPr/>
+        <a:lstStyle/>
+        <a:p>
+          <a:endParaRPr lang="en-US"/>
+        </a:p>
+      </dgm:t>
+    </dgm:pt>
+    <dgm:pt modelId="{7D5264E9-36CB-41F7-A398-AB9530FB18F1}" type="sibTrans" cxnId="{0C333294-40B4-4877-BACF-5B72961B6B4F}">
+      <dgm:prSet/>
+      <dgm:spPr/>
+      <dgm:t>
+        <a:bodyPr/>
+        <a:lstStyle/>
+        <a:p>
+          <a:endParaRPr lang="en-US"/>
+        </a:p>
+      </dgm:t>
+    </dgm:pt>
+    <dgm:pt modelId="{B32B363E-74BE-4CD5-B122-E27B53D900E7}">
+      <dgm:prSet/>
+      <dgm:spPr/>
+      <dgm:t>
+        <a:bodyPr/>
+        <a:lstStyle/>
+        <a:p>
+          <a:r>
+            <a:rPr lang="en-US" dirty="0"/>
+            <a:t>What they are claiming is somewhat biologically ridiculous.</a:t>
+          </a:r>
+        </a:p>
+      </dgm:t>
+    </dgm:pt>
+    <dgm:pt modelId="{9BE70243-5C96-4BEB-BFC0-8CD5118D97C0}" type="parTrans" cxnId="{ED982743-A4A5-4679-8B40-DCA79516C0DF}">
+      <dgm:prSet/>
+      <dgm:spPr/>
+      <dgm:t>
+        <a:bodyPr/>
+        <a:lstStyle/>
+        <a:p>
+          <a:endParaRPr lang="en-US"/>
+        </a:p>
+      </dgm:t>
+    </dgm:pt>
+    <dgm:pt modelId="{627DD5F0-138A-4686-B023-9D81C0C29E91}" type="sibTrans" cxnId="{ED982743-A4A5-4679-8B40-DCA79516C0DF}">
+      <dgm:prSet/>
+      <dgm:spPr/>
+      <dgm:t>
+        <a:bodyPr/>
+        <a:lstStyle/>
+        <a:p>
+          <a:endParaRPr lang="en-US"/>
+        </a:p>
+      </dgm:t>
+    </dgm:pt>
+    <dgm:pt modelId="{3B31B8B8-16F6-4CBE-90E7-98A0E8BC0E9C}" type="pres">
+      <dgm:prSet presAssocID="{91301F85-912E-42C4-8BF9-0DB736E315FB}" presName="linear" presStyleCnt="0">
+        <dgm:presLayoutVars>
+          <dgm:animLvl val="lvl"/>
+          <dgm:resizeHandles val="exact"/>
+        </dgm:presLayoutVars>
+      </dgm:prSet>
+      <dgm:spPr/>
+    </dgm:pt>
+    <dgm:pt modelId="{A651FB09-5D25-4D1E-9E76-D6260BB47B8E}" type="pres">
+      <dgm:prSet presAssocID="{AE8664CE-F168-46D6-9BBB-CC52AF3B5391}" presName="parentText" presStyleLbl="node1" presStyleIdx="0" presStyleCnt="4">
+        <dgm:presLayoutVars>
+          <dgm:chMax val="0"/>
+          <dgm:bulletEnabled val="1"/>
+        </dgm:presLayoutVars>
+      </dgm:prSet>
+      <dgm:spPr/>
+    </dgm:pt>
+    <dgm:pt modelId="{03FAB771-A664-4D79-A599-CC18B7695BB5}" type="pres">
+      <dgm:prSet presAssocID="{7EDB3759-0C8E-411A-9AD3-267AE3FE89CA}" presName="spacer" presStyleCnt="0"/>
+      <dgm:spPr/>
+    </dgm:pt>
+    <dgm:pt modelId="{E614DDEE-BD53-4E6F-8E44-FA9CF540239E}" type="pres">
+      <dgm:prSet presAssocID="{7FC591BF-6809-496A-9FAD-940059211684}" presName="parentText" presStyleLbl="node1" presStyleIdx="1" presStyleCnt="4">
+        <dgm:presLayoutVars>
+          <dgm:chMax val="0"/>
+          <dgm:bulletEnabled val="1"/>
+        </dgm:presLayoutVars>
+      </dgm:prSet>
+      <dgm:spPr/>
+    </dgm:pt>
+    <dgm:pt modelId="{4BC9BB15-38BD-4C74-A882-AF006918DB16}" type="pres">
+      <dgm:prSet presAssocID="{B1BFA9BC-E5F6-4542-8245-FC05C843F6F2}" presName="spacer" presStyleCnt="0"/>
+      <dgm:spPr/>
+    </dgm:pt>
+    <dgm:pt modelId="{E3A8E731-E694-45EF-BEDE-F2060163F237}" type="pres">
+      <dgm:prSet presAssocID="{7538D84F-F95F-438D-84AD-7DAA7C05F95C}" presName="parentText" presStyleLbl="node1" presStyleIdx="2" presStyleCnt="4">
+        <dgm:presLayoutVars>
+          <dgm:chMax val="0"/>
+          <dgm:bulletEnabled val="1"/>
+        </dgm:presLayoutVars>
+      </dgm:prSet>
+      <dgm:spPr/>
+    </dgm:pt>
+    <dgm:pt modelId="{146EE8C4-7807-4B97-B922-1B145C11ABE1}" type="pres">
+      <dgm:prSet presAssocID="{7D5264E9-36CB-41F7-A398-AB9530FB18F1}" presName="spacer" presStyleCnt="0"/>
+      <dgm:spPr/>
+    </dgm:pt>
+    <dgm:pt modelId="{C5644282-6C8C-43B6-8AF1-263A3A8C8068}" type="pres">
+      <dgm:prSet presAssocID="{B32B363E-74BE-4CD5-B122-E27B53D900E7}" presName="parentText" presStyleLbl="node1" presStyleIdx="3" presStyleCnt="4" custAng="0" custLinFactNeighborY="-70678">
+        <dgm:presLayoutVars>
+          <dgm:chMax val="0"/>
+          <dgm:bulletEnabled val="1"/>
+        </dgm:presLayoutVars>
+      </dgm:prSet>
+      <dgm:spPr/>
+    </dgm:pt>
+  </dgm:ptLst>
+  <dgm:cxnLst>
+    <dgm:cxn modelId="{7D4ED316-F5FA-4D2D-85B6-073E19FF7B98}" type="presOf" srcId="{AE8664CE-F168-46D6-9BBB-CC52AF3B5391}" destId="{A651FB09-5D25-4D1E-9E76-D6260BB47B8E}" srcOrd="0" destOrd="0" presId="urn:microsoft.com/office/officeart/2005/8/layout/vList2"/>
+    <dgm:cxn modelId="{B7E1ED3E-598E-48D4-8AF7-D600EB276A16}" type="presOf" srcId="{91301F85-912E-42C4-8BF9-0DB736E315FB}" destId="{3B31B8B8-16F6-4CBE-90E7-98A0E8BC0E9C}" srcOrd="0" destOrd="0" presId="urn:microsoft.com/office/officeart/2005/8/layout/vList2"/>
+    <dgm:cxn modelId="{286B5A42-9BC9-4034-8969-2C8BFBC462E5}" srcId="{91301F85-912E-42C4-8BF9-0DB736E315FB}" destId="{AE8664CE-F168-46D6-9BBB-CC52AF3B5391}" srcOrd="0" destOrd="0" parTransId="{70411107-104B-4934-A51D-F871F4EBB9A7}" sibTransId="{7EDB3759-0C8E-411A-9AD3-267AE3FE89CA}"/>
+    <dgm:cxn modelId="{ED982743-A4A5-4679-8B40-DCA79516C0DF}" srcId="{91301F85-912E-42C4-8BF9-0DB736E315FB}" destId="{B32B363E-74BE-4CD5-B122-E27B53D900E7}" srcOrd="3" destOrd="0" parTransId="{9BE70243-5C96-4BEB-BFC0-8CD5118D97C0}" sibTransId="{627DD5F0-138A-4686-B023-9D81C0C29E91}"/>
+    <dgm:cxn modelId="{F4290C69-A032-49CC-8859-321EB51E1E21}" type="presOf" srcId="{7FC591BF-6809-496A-9FAD-940059211684}" destId="{E614DDEE-BD53-4E6F-8E44-FA9CF540239E}" srcOrd="0" destOrd="0" presId="urn:microsoft.com/office/officeart/2005/8/layout/vList2"/>
+    <dgm:cxn modelId="{D67F2C74-FAF7-4A3E-8740-2FDE40060512}" srcId="{91301F85-912E-42C4-8BF9-0DB736E315FB}" destId="{7FC591BF-6809-496A-9FAD-940059211684}" srcOrd="1" destOrd="0" parTransId="{A5826800-044F-46EA-AF34-66B179DC0832}" sibTransId="{B1BFA9BC-E5F6-4542-8245-FC05C843F6F2}"/>
+    <dgm:cxn modelId="{0C333294-40B4-4877-BACF-5B72961B6B4F}" srcId="{91301F85-912E-42C4-8BF9-0DB736E315FB}" destId="{7538D84F-F95F-438D-84AD-7DAA7C05F95C}" srcOrd="2" destOrd="0" parTransId="{2DC4069B-D1F9-468E-A3A6-C0FD04778485}" sibTransId="{7D5264E9-36CB-41F7-A398-AB9530FB18F1}"/>
+    <dgm:cxn modelId="{F3C13494-7597-46D9-BF5A-AC783B04FBC8}" type="presOf" srcId="{B32B363E-74BE-4CD5-B122-E27B53D900E7}" destId="{C5644282-6C8C-43B6-8AF1-263A3A8C8068}" srcOrd="0" destOrd="0" presId="urn:microsoft.com/office/officeart/2005/8/layout/vList2"/>
+    <dgm:cxn modelId="{AA41D2B5-B03B-47B0-8A60-189952034F51}" type="presOf" srcId="{7538D84F-F95F-438D-84AD-7DAA7C05F95C}" destId="{E3A8E731-E694-45EF-BEDE-F2060163F237}" srcOrd="0" destOrd="0" presId="urn:microsoft.com/office/officeart/2005/8/layout/vList2"/>
+    <dgm:cxn modelId="{9690869B-619E-4DC3-A16B-79E1E6602D33}" type="presParOf" srcId="{3B31B8B8-16F6-4CBE-90E7-98A0E8BC0E9C}" destId="{A651FB09-5D25-4D1E-9E76-D6260BB47B8E}" srcOrd="0" destOrd="0" presId="urn:microsoft.com/office/officeart/2005/8/layout/vList2"/>
+    <dgm:cxn modelId="{5F541D11-F310-48E0-8901-5D9F88AB0205}" type="presParOf" srcId="{3B31B8B8-16F6-4CBE-90E7-98A0E8BC0E9C}" destId="{03FAB771-A664-4D79-A599-CC18B7695BB5}" srcOrd="1" destOrd="0" presId="urn:microsoft.com/office/officeart/2005/8/layout/vList2"/>
+    <dgm:cxn modelId="{7DDB34F1-95F9-4EF1-A370-8A647265CED0}" type="presParOf" srcId="{3B31B8B8-16F6-4CBE-90E7-98A0E8BC0E9C}" destId="{E614DDEE-BD53-4E6F-8E44-FA9CF540239E}" srcOrd="2" destOrd="0" presId="urn:microsoft.com/office/officeart/2005/8/layout/vList2"/>
+    <dgm:cxn modelId="{63CE4961-DD06-4CF9-936B-AB90B0AC5C8B}" type="presParOf" srcId="{3B31B8B8-16F6-4CBE-90E7-98A0E8BC0E9C}" destId="{4BC9BB15-38BD-4C74-A882-AF006918DB16}" srcOrd="3" destOrd="0" presId="urn:microsoft.com/office/officeart/2005/8/layout/vList2"/>
+    <dgm:cxn modelId="{5C3474C1-A7DD-497C-808D-C05D7FB2C5FD}" type="presParOf" srcId="{3B31B8B8-16F6-4CBE-90E7-98A0E8BC0E9C}" destId="{E3A8E731-E694-45EF-BEDE-F2060163F237}" srcOrd="4" destOrd="0" presId="urn:microsoft.com/office/officeart/2005/8/layout/vList2"/>
+    <dgm:cxn modelId="{8706BB84-E028-4AAE-BDD4-3234ADF88BA2}" type="presParOf" srcId="{3B31B8B8-16F6-4CBE-90E7-98A0E8BC0E9C}" destId="{146EE8C4-7807-4B97-B922-1B145C11ABE1}" srcOrd="5" destOrd="0" presId="urn:microsoft.com/office/officeart/2005/8/layout/vList2"/>
+    <dgm:cxn modelId="{65DB327A-75A9-4098-A23A-5C73FE777E53}" type="presParOf" srcId="{3B31B8B8-16F6-4CBE-90E7-98A0E8BC0E9C}" destId="{C5644282-6C8C-43B6-8AF1-263A3A8C8068}" srcOrd="6" destOrd="0" presId="urn:microsoft.com/office/officeart/2005/8/layout/vList2"/>
+  </dgm:cxnLst>
+  <dgm:bg/>
+  <dgm:whole/>
+  <dgm:extLst>
+    <a:ext uri="http://schemas.microsoft.com/office/drawing/2008/diagram">
+      <dsp:dataModelExt xmlns:dsp="http://schemas.microsoft.com/office/drawing/2008/diagram" relId="rId6" minVer="http://schemas.openxmlformats.org/drawingml/2006/diagram"/>
+    </a:ext>
+    <a:ext uri="{C62137D5-CB1D-491B-B009-E17868A290BF}">
+      <dgm14:recolorImg xmlns:dgm14="http://schemas.microsoft.com/office/drawing/2010/diagram" val="1"/>
+    </a:ext>
+  </dgm:extLst>
+</dgm:dataModel>
+</file>
+
+<file path=ppt/diagrams/data2.xml><?xml version="1.0" encoding="utf-8"?>
+<dgm:dataModel xmlns:dgm="http://schemas.openxmlformats.org/drawingml/2006/diagram" xmlns:a="http://schemas.openxmlformats.org/drawingml/2006/main">
+  <dgm:ptLst>
+    <dgm:pt modelId="{BDA52D9A-AC19-42EC-ADDA-A847E0EAB845}" type="doc">
+      <dgm:prSet loTypeId="urn:microsoft.com/office/officeart/2005/8/layout/hChevron3" loCatId="process" qsTypeId="urn:microsoft.com/office/officeart/2005/8/quickstyle/3d3" qsCatId="3D" csTypeId="urn:microsoft.com/office/officeart/2005/8/colors/accent2_2" csCatId="accent2"/>
+      <dgm:spPr/>
+      <dgm:t>
+        <a:bodyPr/>
+        <a:lstStyle/>
+        <a:p>
+          <a:endParaRPr lang="en-US"/>
+        </a:p>
+      </dgm:t>
+    </dgm:pt>
+    <dgm:pt modelId="{C1649904-C234-4268-A588-E38068B82700}">
+      <dgm:prSet/>
+      <dgm:spPr/>
+      <dgm:t>
+        <a:bodyPr/>
+        <a:lstStyle/>
+        <a:p>
+          <a:r>
+            <a:rPr lang="en-US"/>
+            <a:t>Sequenced Samples</a:t>
+          </a:r>
+        </a:p>
+      </dgm:t>
+    </dgm:pt>
+    <dgm:pt modelId="{7A6C1CAA-6F78-4A89-A437-2D8BC1E89B2E}" type="parTrans" cxnId="{BC86EF19-D1B6-4B94-BBA1-F8F1D497C3ED}">
+      <dgm:prSet/>
+      <dgm:spPr/>
+      <dgm:t>
+        <a:bodyPr/>
+        <a:lstStyle/>
+        <a:p>
+          <a:endParaRPr lang="en-US"/>
+        </a:p>
+      </dgm:t>
+    </dgm:pt>
+    <dgm:pt modelId="{D68F0A8D-8778-45D1-8E04-0A8195A20BDA}" type="sibTrans" cxnId="{BC86EF19-D1B6-4B94-BBA1-F8F1D497C3ED}">
+      <dgm:prSet/>
+      <dgm:spPr/>
+      <dgm:t>
+        <a:bodyPr/>
+        <a:lstStyle/>
+        <a:p>
+          <a:endParaRPr lang="en-US"/>
+        </a:p>
+      </dgm:t>
+    </dgm:pt>
+    <dgm:pt modelId="{C77ED1EB-4C25-4E29-B0D6-6B5DC610F2BD}">
+      <dgm:prSet/>
+      <dgm:spPr/>
+      <dgm:t>
+        <a:bodyPr/>
+        <a:lstStyle/>
+        <a:p>
+          <a:r>
+            <a:rPr lang="en-US"/>
+            <a:t>Counted Reads</a:t>
+          </a:r>
+        </a:p>
+      </dgm:t>
+    </dgm:pt>
+    <dgm:pt modelId="{F4F5FD13-728C-4224-9136-67C6BA9E289F}" type="parTrans" cxnId="{9562027C-103A-44C9-B7BB-A2E7DB0D1379}">
+      <dgm:prSet/>
+      <dgm:spPr/>
+      <dgm:t>
+        <a:bodyPr/>
+        <a:lstStyle/>
+        <a:p>
+          <a:endParaRPr lang="en-US"/>
+        </a:p>
+      </dgm:t>
+    </dgm:pt>
+    <dgm:pt modelId="{17EB397C-85B0-46FC-9315-D85688CCE0B5}" type="sibTrans" cxnId="{9562027C-103A-44C9-B7BB-A2E7DB0D1379}">
+      <dgm:prSet/>
+      <dgm:spPr/>
+      <dgm:t>
+        <a:bodyPr/>
+        <a:lstStyle/>
+        <a:p>
+          <a:endParaRPr lang="en-US"/>
+        </a:p>
+      </dgm:t>
+    </dgm:pt>
+    <dgm:pt modelId="{7AE9075F-0638-4A34-8277-04A57E2AB71F}">
+      <dgm:prSet/>
+      <dgm:spPr/>
+      <dgm:t>
+        <a:bodyPr/>
+        <a:lstStyle/>
+        <a:p>
+          <a:r>
+            <a:rPr lang="en-US"/>
+            <a:t>BLAST</a:t>
+          </a:r>
+        </a:p>
+      </dgm:t>
+    </dgm:pt>
+    <dgm:pt modelId="{8EDD5AD1-98D3-4BC5-B430-25D1B1BB499C}" type="parTrans" cxnId="{4992B959-6294-46D6-9740-8FC1B5ECEA77}">
+      <dgm:prSet/>
+      <dgm:spPr/>
+      <dgm:t>
+        <a:bodyPr/>
+        <a:lstStyle/>
+        <a:p>
+          <a:endParaRPr lang="en-US"/>
+        </a:p>
+      </dgm:t>
+    </dgm:pt>
+    <dgm:pt modelId="{67686076-82A5-45D5-8414-E031CCB87946}" type="sibTrans" cxnId="{4992B959-6294-46D6-9740-8FC1B5ECEA77}">
+      <dgm:prSet/>
+      <dgm:spPr/>
+      <dgm:t>
+        <a:bodyPr/>
+        <a:lstStyle/>
+        <a:p>
+          <a:endParaRPr lang="en-US"/>
+        </a:p>
+      </dgm:t>
+    </dgm:pt>
+    <dgm:pt modelId="{AF62CD71-A6F7-4A7E-9AD0-6E4E0747216D}">
+      <dgm:prSet/>
+      <dgm:spPr/>
+      <dgm:t>
+        <a:bodyPr/>
+        <a:lstStyle/>
+        <a:p>
+          <a:r>
+            <a:rPr lang="en-US"/>
+            <a:t>Seq Data = Database</a:t>
+          </a:r>
+        </a:p>
+      </dgm:t>
+    </dgm:pt>
+    <dgm:pt modelId="{2F8B2303-ED56-4631-9E50-AD2E7A5D3ECA}" type="parTrans" cxnId="{183E9652-6863-45E3-82DA-51328970D92C}">
+      <dgm:prSet/>
+      <dgm:spPr/>
+      <dgm:t>
+        <a:bodyPr/>
+        <a:lstStyle/>
+        <a:p>
+          <a:endParaRPr lang="en-US"/>
+        </a:p>
+      </dgm:t>
+    </dgm:pt>
+    <dgm:pt modelId="{E266BE08-ACD2-41D5-A5F6-D27ADEF0689B}" type="sibTrans" cxnId="{183E9652-6863-45E3-82DA-51328970D92C}">
+      <dgm:prSet/>
+      <dgm:spPr/>
+      <dgm:t>
+        <a:bodyPr/>
+        <a:lstStyle/>
+        <a:p>
+          <a:endParaRPr lang="en-US"/>
+        </a:p>
+      </dgm:t>
+    </dgm:pt>
+    <dgm:pt modelId="{BD33609F-F720-4559-94EE-BC4C64C38C99}">
+      <dgm:prSet/>
+      <dgm:spPr/>
+      <dgm:t>
+        <a:bodyPr/>
+        <a:lstStyle/>
+        <a:p>
+          <a:r>
+            <a:rPr lang="en-US"/>
+            <a:t>Ref Genome = Query</a:t>
+          </a:r>
+        </a:p>
+      </dgm:t>
+    </dgm:pt>
+    <dgm:pt modelId="{5F21CD49-13FE-49F6-BB68-5DD851C08DA9}" type="parTrans" cxnId="{A099BDCB-F5C4-46D6-8AB6-3629B896934A}">
+      <dgm:prSet/>
+      <dgm:spPr/>
+      <dgm:t>
+        <a:bodyPr/>
+        <a:lstStyle/>
+        <a:p>
+          <a:endParaRPr lang="en-US"/>
+        </a:p>
+      </dgm:t>
+    </dgm:pt>
+    <dgm:pt modelId="{CF874641-D12A-453D-BF74-C9D82D88C951}" type="sibTrans" cxnId="{A099BDCB-F5C4-46D6-8AB6-3629B896934A}">
+      <dgm:prSet/>
+      <dgm:spPr/>
+      <dgm:t>
+        <a:bodyPr/>
+        <a:lstStyle/>
+        <a:p>
+          <a:endParaRPr lang="en-US"/>
+        </a:p>
+      </dgm:t>
+    </dgm:pt>
+    <dgm:pt modelId="{E5D7F0FE-855C-4CFE-95FF-F6A3ADCEDD3B}">
+      <dgm:prSet/>
+      <dgm:spPr/>
+      <dgm:t>
+        <a:bodyPr/>
+        <a:lstStyle/>
+        <a:p>
+          <a:r>
+            <a:rPr lang="en-US" dirty="0"/>
+            <a:t>Assembled into contigs with </a:t>
+          </a:r>
+          <a:r>
+            <a:rPr lang="en-US" dirty="0" err="1"/>
+            <a:t>CodonCode</a:t>
+          </a:r>
+          <a:r>
+            <a:rPr lang="en-US" dirty="0"/>
+            <a:t> Aligner</a:t>
+          </a:r>
+        </a:p>
+      </dgm:t>
+    </dgm:pt>
+    <dgm:pt modelId="{77ED7D1A-2F79-44B6-8550-AD5C989040A5}" type="parTrans" cxnId="{B23EB8EF-D758-4E83-B9A8-4C0B56A751A9}">
+      <dgm:prSet/>
+      <dgm:spPr/>
+      <dgm:t>
+        <a:bodyPr/>
+        <a:lstStyle/>
+        <a:p>
+          <a:endParaRPr lang="en-US"/>
+        </a:p>
+      </dgm:t>
+    </dgm:pt>
+    <dgm:pt modelId="{0C28B16F-02FF-4136-BBCA-7157CAC58F20}" type="sibTrans" cxnId="{B23EB8EF-D758-4E83-B9A8-4C0B56A751A9}">
+      <dgm:prSet/>
+      <dgm:spPr/>
+      <dgm:t>
+        <a:bodyPr/>
+        <a:lstStyle/>
+        <a:p>
+          <a:endParaRPr lang="en-US"/>
+        </a:p>
+      </dgm:t>
+    </dgm:pt>
+    <dgm:pt modelId="{E9776FEC-F25C-4149-B182-4709B091505B}">
+      <dgm:prSet/>
+      <dgm:spPr/>
+      <dgm:t>
+        <a:bodyPr/>
+        <a:lstStyle/>
+        <a:p>
+          <a:r>
+            <a:rPr lang="en-US"/>
+            <a:t>Use Contigs as Query for megablast</a:t>
+          </a:r>
+        </a:p>
+      </dgm:t>
+    </dgm:pt>
+    <dgm:pt modelId="{7559C730-790C-488E-A182-74A0D8D6ED03}" type="parTrans" cxnId="{7BF40F91-ABCA-4561-8095-43D7591ED3B2}">
+      <dgm:prSet/>
+      <dgm:spPr/>
+      <dgm:t>
+        <a:bodyPr/>
+        <a:lstStyle/>
+        <a:p>
+          <a:endParaRPr lang="en-US"/>
+        </a:p>
+      </dgm:t>
+    </dgm:pt>
+    <dgm:pt modelId="{43E3D6AF-C870-4973-B938-092869B188A5}" type="sibTrans" cxnId="{7BF40F91-ABCA-4561-8095-43D7591ED3B2}">
+      <dgm:prSet/>
+      <dgm:spPr/>
+      <dgm:t>
+        <a:bodyPr/>
+        <a:lstStyle/>
+        <a:p>
+          <a:endParaRPr lang="en-US"/>
+        </a:p>
+      </dgm:t>
+    </dgm:pt>
+    <dgm:pt modelId="{AB131BED-8EF0-481A-9C4E-80372C4E29D1}" type="pres">
+      <dgm:prSet presAssocID="{BDA52D9A-AC19-42EC-ADDA-A847E0EAB845}" presName="Name0" presStyleCnt="0">
+        <dgm:presLayoutVars>
+          <dgm:dir/>
+          <dgm:resizeHandles val="exact"/>
+        </dgm:presLayoutVars>
+      </dgm:prSet>
+      <dgm:spPr/>
+    </dgm:pt>
+    <dgm:pt modelId="{8E7EBB59-3B64-41C5-A4BD-EEE9E07DB96A}" type="pres">
+      <dgm:prSet presAssocID="{C1649904-C234-4268-A588-E38068B82700}" presName="parAndChTx" presStyleLbl="node1" presStyleIdx="0" presStyleCnt="4">
+        <dgm:presLayoutVars>
+          <dgm:bulletEnabled val="1"/>
+        </dgm:presLayoutVars>
+      </dgm:prSet>
+      <dgm:spPr/>
+    </dgm:pt>
+    <dgm:pt modelId="{3EC28C90-1CCA-449B-9444-ABED2DBA56BE}" type="pres">
+      <dgm:prSet presAssocID="{D68F0A8D-8778-45D1-8E04-0A8195A20BDA}" presName="parAndChSpace" presStyleCnt="0"/>
+      <dgm:spPr/>
+    </dgm:pt>
+    <dgm:pt modelId="{AB78CDFD-1301-4F30-9AEC-ED9309306822}" type="pres">
+      <dgm:prSet presAssocID="{C77ED1EB-4C25-4E29-B0D6-6B5DC610F2BD}" presName="parAndChTx" presStyleLbl="node1" presStyleIdx="1" presStyleCnt="4">
+        <dgm:presLayoutVars>
+          <dgm:bulletEnabled val="1"/>
+        </dgm:presLayoutVars>
+      </dgm:prSet>
+      <dgm:spPr/>
+    </dgm:pt>
+    <dgm:pt modelId="{454AD220-C651-487B-8425-855762115070}" type="pres">
+      <dgm:prSet presAssocID="{17EB397C-85B0-46FC-9315-D85688CCE0B5}" presName="parAndChSpace" presStyleCnt="0"/>
+      <dgm:spPr/>
+    </dgm:pt>
+    <dgm:pt modelId="{5DDFC4BF-7DE4-47C7-949E-88776B4E7F0C}" type="pres">
+      <dgm:prSet presAssocID="{7AE9075F-0638-4A34-8277-04A57E2AB71F}" presName="parAndChTx" presStyleLbl="node1" presStyleIdx="2" presStyleCnt="4">
+        <dgm:presLayoutVars>
+          <dgm:bulletEnabled val="1"/>
+        </dgm:presLayoutVars>
+      </dgm:prSet>
+      <dgm:spPr/>
+    </dgm:pt>
+    <dgm:pt modelId="{780C7C97-C755-471A-AB7C-C817A4284664}" type="pres">
+      <dgm:prSet presAssocID="{67686076-82A5-45D5-8414-E031CCB87946}" presName="parAndChSpace" presStyleCnt="0"/>
+      <dgm:spPr/>
+    </dgm:pt>
+    <dgm:pt modelId="{70685AEB-3D7C-4603-A1CF-47ED8679CC0A}" type="pres">
+      <dgm:prSet presAssocID="{E5D7F0FE-855C-4CFE-95FF-F6A3ADCEDD3B}" presName="parAndChTx" presStyleLbl="node1" presStyleIdx="3" presStyleCnt="4">
+        <dgm:presLayoutVars>
+          <dgm:bulletEnabled val="1"/>
+        </dgm:presLayoutVars>
+      </dgm:prSet>
+      <dgm:spPr/>
+    </dgm:pt>
+  </dgm:ptLst>
+  <dgm:cxnLst>
+    <dgm:cxn modelId="{D4449109-D379-4B75-A4FE-E60507B03D0B}" type="presOf" srcId="{C1649904-C234-4268-A588-E38068B82700}" destId="{8E7EBB59-3B64-41C5-A4BD-EEE9E07DB96A}" srcOrd="0" destOrd="0" presId="urn:microsoft.com/office/officeart/2005/8/layout/hChevron3"/>
+    <dgm:cxn modelId="{BC86EF19-D1B6-4B94-BBA1-F8F1D497C3ED}" srcId="{BDA52D9A-AC19-42EC-ADDA-A847E0EAB845}" destId="{C1649904-C234-4268-A588-E38068B82700}" srcOrd="0" destOrd="0" parTransId="{7A6C1CAA-6F78-4A89-A437-2D8BC1E89B2E}" sibTransId="{D68F0A8D-8778-45D1-8E04-0A8195A20BDA}"/>
+    <dgm:cxn modelId="{DA134A1D-ED33-43EE-8DB6-D081FFB9E4B5}" type="presOf" srcId="{AF62CD71-A6F7-4A7E-9AD0-6E4E0747216D}" destId="{5DDFC4BF-7DE4-47C7-949E-88776B4E7F0C}" srcOrd="0" destOrd="1" presId="urn:microsoft.com/office/officeart/2005/8/layout/hChevron3"/>
+    <dgm:cxn modelId="{5BA09165-C8A1-4E7F-BB9E-0F5E151B03A8}" type="presOf" srcId="{E9776FEC-F25C-4149-B182-4709B091505B}" destId="{70685AEB-3D7C-4603-A1CF-47ED8679CC0A}" srcOrd="0" destOrd="1" presId="urn:microsoft.com/office/officeart/2005/8/layout/hChevron3"/>
+    <dgm:cxn modelId="{183E9652-6863-45E3-82DA-51328970D92C}" srcId="{7AE9075F-0638-4A34-8277-04A57E2AB71F}" destId="{AF62CD71-A6F7-4A7E-9AD0-6E4E0747216D}" srcOrd="0" destOrd="0" parTransId="{2F8B2303-ED56-4631-9E50-AD2E7A5D3ECA}" sibTransId="{E266BE08-ACD2-41D5-A5F6-D27ADEF0689B}"/>
+    <dgm:cxn modelId="{234EEE72-B211-4F1E-BA5B-64DE1762303A}" type="presOf" srcId="{BD33609F-F720-4559-94EE-BC4C64C38C99}" destId="{5DDFC4BF-7DE4-47C7-949E-88776B4E7F0C}" srcOrd="0" destOrd="2" presId="urn:microsoft.com/office/officeart/2005/8/layout/hChevron3"/>
+    <dgm:cxn modelId="{3BA19176-9479-415B-9F37-5FBCF719CC48}" type="presOf" srcId="{BDA52D9A-AC19-42EC-ADDA-A847E0EAB845}" destId="{AB131BED-8EF0-481A-9C4E-80372C4E29D1}" srcOrd="0" destOrd="0" presId="urn:microsoft.com/office/officeart/2005/8/layout/hChevron3"/>
+    <dgm:cxn modelId="{4992B959-6294-46D6-9740-8FC1B5ECEA77}" srcId="{BDA52D9A-AC19-42EC-ADDA-A847E0EAB845}" destId="{7AE9075F-0638-4A34-8277-04A57E2AB71F}" srcOrd="2" destOrd="0" parTransId="{8EDD5AD1-98D3-4BC5-B430-25D1B1BB499C}" sibTransId="{67686076-82A5-45D5-8414-E031CCB87946}"/>
+    <dgm:cxn modelId="{9562027C-103A-44C9-B7BB-A2E7DB0D1379}" srcId="{BDA52D9A-AC19-42EC-ADDA-A847E0EAB845}" destId="{C77ED1EB-4C25-4E29-B0D6-6B5DC610F2BD}" srcOrd="1" destOrd="0" parTransId="{F4F5FD13-728C-4224-9136-67C6BA9E289F}" sibTransId="{17EB397C-85B0-46FC-9315-D85688CCE0B5}"/>
+    <dgm:cxn modelId="{87DFA183-1953-43B0-90AC-C1C17876BE1D}" type="presOf" srcId="{E5D7F0FE-855C-4CFE-95FF-F6A3ADCEDD3B}" destId="{70685AEB-3D7C-4603-A1CF-47ED8679CC0A}" srcOrd="0" destOrd="0" presId="urn:microsoft.com/office/officeart/2005/8/layout/hChevron3"/>
+    <dgm:cxn modelId="{7BF40F91-ABCA-4561-8095-43D7591ED3B2}" srcId="{E5D7F0FE-855C-4CFE-95FF-F6A3ADCEDD3B}" destId="{E9776FEC-F25C-4149-B182-4709B091505B}" srcOrd="0" destOrd="0" parTransId="{7559C730-790C-488E-A182-74A0D8D6ED03}" sibTransId="{43E3D6AF-C870-4973-B938-092869B188A5}"/>
+    <dgm:cxn modelId="{A099BDCB-F5C4-46D6-8AB6-3629B896934A}" srcId="{7AE9075F-0638-4A34-8277-04A57E2AB71F}" destId="{BD33609F-F720-4559-94EE-BC4C64C38C99}" srcOrd="1" destOrd="0" parTransId="{5F21CD49-13FE-49F6-BB68-5DD851C08DA9}" sibTransId="{CF874641-D12A-453D-BF74-C9D82D88C951}"/>
+    <dgm:cxn modelId="{825FF8DB-8B44-4A80-B8BC-5EFB70A4AB2C}" type="presOf" srcId="{C77ED1EB-4C25-4E29-B0D6-6B5DC610F2BD}" destId="{AB78CDFD-1301-4F30-9AEC-ED9309306822}" srcOrd="0" destOrd="0" presId="urn:microsoft.com/office/officeart/2005/8/layout/hChevron3"/>
+    <dgm:cxn modelId="{50F0CCE9-240F-403C-A366-8852F59B59A2}" type="presOf" srcId="{7AE9075F-0638-4A34-8277-04A57E2AB71F}" destId="{5DDFC4BF-7DE4-47C7-949E-88776B4E7F0C}" srcOrd="0" destOrd="0" presId="urn:microsoft.com/office/officeart/2005/8/layout/hChevron3"/>
+    <dgm:cxn modelId="{B23EB8EF-D758-4E83-B9A8-4C0B56A751A9}" srcId="{BDA52D9A-AC19-42EC-ADDA-A847E0EAB845}" destId="{E5D7F0FE-855C-4CFE-95FF-F6A3ADCEDD3B}" srcOrd="3" destOrd="0" parTransId="{77ED7D1A-2F79-44B6-8550-AD5C989040A5}" sibTransId="{0C28B16F-02FF-4136-BBCA-7157CAC58F20}"/>
+    <dgm:cxn modelId="{4338CE5C-B16D-48FF-9DE0-320A69767D44}" type="presParOf" srcId="{AB131BED-8EF0-481A-9C4E-80372C4E29D1}" destId="{8E7EBB59-3B64-41C5-A4BD-EEE9E07DB96A}" srcOrd="0" destOrd="0" presId="urn:microsoft.com/office/officeart/2005/8/layout/hChevron3"/>
+    <dgm:cxn modelId="{513B8E36-3C2F-4F0C-935F-942EBCF0D2A2}" type="presParOf" srcId="{AB131BED-8EF0-481A-9C4E-80372C4E29D1}" destId="{3EC28C90-1CCA-449B-9444-ABED2DBA56BE}" srcOrd="1" destOrd="0" presId="urn:microsoft.com/office/officeart/2005/8/layout/hChevron3"/>
+    <dgm:cxn modelId="{B1FC54BD-A086-482E-89FB-75E11BA52792}" type="presParOf" srcId="{AB131BED-8EF0-481A-9C4E-80372C4E29D1}" destId="{AB78CDFD-1301-4F30-9AEC-ED9309306822}" srcOrd="2" destOrd="0" presId="urn:microsoft.com/office/officeart/2005/8/layout/hChevron3"/>
+    <dgm:cxn modelId="{8A598A40-A299-44B0-9E1C-EAF4956153D3}" type="presParOf" srcId="{AB131BED-8EF0-481A-9C4E-80372C4E29D1}" destId="{454AD220-C651-487B-8425-855762115070}" srcOrd="3" destOrd="0" presId="urn:microsoft.com/office/officeart/2005/8/layout/hChevron3"/>
+    <dgm:cxn modelId="{544C68DB-5F74-44A5-B1F6-D4497BD22FAD}" type="presParOf" srcId="{AB131BED-8EF0-481A-9C4E-80372C4E29D1}" destId="{5DDFC4BF-7DE4-47C7-949E-88776B4E7F0C}" srcOrd="4" destOrd="0" presId="urn:microsoft.com/office/officeart/2005/8/layout/hChevron3"/>
+    <dgm:cxn modelId="{D9BC2E81-9254-423F-B996-AE7BE1BCB799}" type="presParOf" srcId="{AB131BED-8EF0-481A-9C4E-80372C4E29D1}" destId="{780C7C97-C755-471A-AB7C-C817A4284664}" srcOrd="5" destOrd="0" presId="urn:microsoft.com/office/officeart/2005/8/layout/hChevron3"/>
+    <dgm:cxn modelId="{F39CFA39-5AC6-400D-A4E7-DA6FDA2594A1}" type="presParOf" srcId="{AB131BED-8EF0-481A-9C4E-80372C4E29D1}" destId="{70685AEB-3D7C-4603-A1CF-47ED8679CC0A}" srcOrd="6" destOrd="0" presId="urn:microsoft.com/office/officeart/2005/8/layout/hChevron3"/>
+  </dgm:cxnLst>
+  <dgm:bg/>
+  <dgm:whole/>
+  <dgm:extLst>
+    <a:ext uri="http://schemas.microsoft.com/office/drawing/2008/diagram">
+      <dsp:dataModelExt xmlns:dsp="http://schemas.microsoft.com/office/drawing/2008/diagram" relId="rId6" minVer="http://schemas.openxmlformats.org/drawingml/2006/diagram"/>
+    </a:ext>
+  </dgm:extLst>
+</dgm:dataModel>
+</file>
+
+<file path=ppt/diagrams/data3.xml><?xml version="1.0" encoding="utf-8"?>
+<dgm:dataModel xmlns:dgm="http://schemas.openxmlformats.org/drawingml/2006/diagram" xmlns:a="http://schemas.openxmlformats.org/drawingml/2006/main">
+  <dgm:ptLst>
+    <dgm:pt modelId="{C6B5CBFC-2599-453D-95CA-A0B39EB66D75}" type="doc">
+      <dgm:prSet loTypeId="urn:microsoft.com/office/officeart/2005/8/layout/hProcess9" loCatId="process" qsTypeId="urn:microsoft.com/office/officeart/2005/8/quickstyle/simple1" qsCatId="simple" csTypeId="urn:microsoft.com/office/officeart/2005/8/colors/accent2_2" csCatId="accent2"/>
+      <dgm:spPr/>
+      <dgm:t>
+        <a:bodyPr/>
+        <a:lstStyle/>
+        <a:p>
+          <a:endParaRPr lang="en-US"/>
+        </a:p>
+      </dgm:t>
+    </dgm:pt>
+    <dgm:pt modelId="{35EC7C0F-80DF-4714-B43A-45182888137F}">
+      <dgm:prSet/>
+      <dgm:spPr/>
+      <dgm:t>
+        <a:bodyPr/>
+        <a:lstStyle/>
+        <a:p>
+          <a:r>
+            <a:rPr lang="en-US"/>
+            <a:t>Download Data using their Accession numbers.</a:t>
+          </a:r>
+        </a:p>
+      </dgm:t>
+    </dgm:pt>
+    <dgm:pt modelId="{03143469-7A25-496B-BB39-638BE7D7D2BA}" type="parTrans" cxnId="{62F2883D-7354-462A-A3C8-876F6AE90D8C}">
+      <dgm:prSet/>
+      <dgm:spPr/>
+      <dgm:t>
+        <a:bodyPr/>
+        <a:lstStyle/>
+        <a:p>
+          <a:endParaRPr lang="en-US"/>
+        </a:p>
+      </dgm:t>
+    </dgm:pt>
+    <dgm:pt modelId="{D7451985-9CD5-4D03-8C96-19D900CE78AC}" type="sibTrans" cxnId="{62F2883D-7354-462A-A3C8-876F6AE90D8C}">
+      <dgm:prSet/>
+      <dgm:spPr/>
+      <dgm:t>
+        <a:bodyPr/>
+        <a:lstStyle/>
+        <a:p>
+          <a:endParaRPr lang="en-US"/>
+        </a:p>
+      </dgm:t>
+    </dgm:pt>
+    <dgm:pt modelId="{9388FF22-292F-4731-88F3-02331EB8761A}">
+      <dgm:prSet/>
+      <dgm:spPr/>
+      <dgm:t>
+        <a:bodyPr/>
+        <a:lstStyle/>
+        <a:p>
+          <a:r>
+            <a:rPr lang="en-US"/>
+            <a:t>Count Reads</a:t>
+          </a:r>
+        </a:p>
+      </dgm:t>
+    </dgm:pt>
+    <dgm:pt modelId="{0C7920B2-12C5-4FC3-ADF0-DF50DEC29A53}" type="parTrans" cxnId="{8EC04A16-6AC2-40AB-A857-AD36D59520C5}">
+      <dgm:prSet/>
+      <dgm:spPr/>
+      <dgm:t>
+        <a:bodyPr/>
+        <a:lstStyle/>
+        <a:p>
+          <a:endParaRPr lang="en-US"/>
+        </a:p>
+      </dgm:t>
+    </dgm:pt>
+    <dgm:pt modelId="{CDDB2350-DBCB-4211-AF9C-17F62468C816}" type="sibTrans" cxnId="{8EC04A16-6AC2-40AB-A857-AD36D59520C5}">
+      <dgm:prSet/>
+      <dgm:spPr/>
+      <dgm:t>
+        <a:bodyPr/>
+        <a:lstStyle/>
+        <a:p>
+          <a:endParaRPr lang="en-US"/>
+        </a:p>
+      </dgm:t>
+    </dgm:pt>
+    <dgm:pt modelId="{AB00AD03-954C-4A57-9969-FE17C2398F4C}">
+      <dgm:prSet/>
+      <dgm:spPr/>
+      <dgm:t>
+        <a:bodyPr/>
+        <a:lstStyle/>
+        <a:p>
+          <a:r>
+            <a:rPr lang="en-US"/>
+            <a:t>Download Reference Genomes</a:t>
+          </a:r>
+        </a:p>
+      </dgm:t>
+    </dgm:pt>
+    <dgm:pt modelId="{2C293668-E072-4021-841C-8A5331F548BD}" type="parTrans" cxnId="{FBF6297B-37AF-4855-A87A-0012EC318354}">
+      <dgm:prSet/>
+      <dgm:spPr/>
+      <dgm:t>
+        <a:bodyPr/>
+        <a:lstStyle/>
+        <a:p>
+          <a:endParaRPr lang="en-US"/>
+        </a:p>
+      </dgm:t>
+    </dgm:pt>
+    <dgm:pt modelId="{0BB3428C-228B-4C27-BFF7-4DA1F931A36A}" type="sibTrans" cxnId="{FBF6297B-37AF-4855-A87A-0012EC318354}">
+      <dgm:prSet/>
+      <dgm:spPr/>
+      <dgm:t>
+        <a:bodyPr/>
+        <a:lstStyle/>
+        <a:p>
+          <a:endParaRPr lang="en-US"/>
+        </a:p>
+      </dgm:t>
+    </dgm:pt>
+    <dgm:pt modelId="{BE109CD1-3F77-4F05-B61E-4785AFB08AA9}">
+      <dgm:prSet/>
+      <dgm:spPr/>
+      <dgm:t>
+        <a:bodyPr/>
+        <a:lstStyle/>
+        <a:p>
+          <a:r>
+            <a:rPr lang="en-US"/>
+            <a:t>Blast Reads</a:t>
+          </a:r>
+        </a:p>
+      </dgm:t>
+    </dgm:pt>
+    <dgm:pt modelId="{BE26E59E-5D7F-479C-B939-02B3A4893267}" type="parTrans" cxnId="{EF7FC150-194C-4E11-A51A-99DD227E2E92}">
+      <dgm:prSet/>
+      <dgm:spPr/>
+      <dgm:t>
+        <a:bodyPr/>
+        <a:lstStyle/>
+        <a:p>
+          <a:endParaRPr lang="en-US"/>
+        </a:p>
+      </dgm:t>
+    </dgm:pt>
+    <dgm:pt modelId="{5957F300-040F-41F6-B942-F424707C1490}" type="sibTrans" cxnId="{EF7FC150-194C-4E11-A51A-99DD227E2E92}">
+      <dgm:prSet/>
+      <dgm:spPr/>
+      <dgm:t>
+        <a:bodyPr/>
+        <a:lstStyle/>
+        <a:p>
+          <a:endParaRPr lang="en-US"/>
+        </a:p>
+      </dgm:t>
+    </dgm:pt>
+    <dgm:pt modelId="{D8D347FB-FB47-41D2-B874-DEDDE53C1239}">
+      <dgm:prSet/>
+      <dgm:spPr/>
+      <dgm:t>
+        <a:bodyPr/>
+        <a:lstStyle/>
+        <a:p>
+          <a:r>
+            <a:rPr lang="en-US"/>
+            <a:t>Tabulate Results and Compare to Table S1</a:t>
+          </a:r>
+        </a:p>
+      </dgm:t>
+    </dgm:pt>
+    <dgm:pt modelId="{E429896F-6050-4A0C-9B0A-940527FDC279}" type="parTrans" cxnId="{D9A7C3BA-77D8-4AAD-82F6-8DA1DADBFC39}">
+      <dgm:prSet/>
+      <dgm:spPr/>
+      <dgm:t>
+        <a:bodyPr/>
+        <a:lstStyle/>
+        <a:p>
+          <a:endParaRPr lang="en-US"/>
+        </a:p>
+      </dgm:t>
+    </dgm:pt>
+    <dgm:pt modelId="{501F824F-4321-4C90-8C9E-A33F222986DF}" type="sibTrans" cxnId="{D9A7C3BA-77D8-4AAD-82F6-8DA1DADBFC39}">
+      <dgm:prSet/>
+      <dgm:spPr/>
+      <dgm:t>
+        <a:bodyPr/>
+        <a:lstStyle/>
+        <a:p>
+          <a:endParaRPr lang="en-US"/>
+        </a:p>
+      </dgm:t>
+    </dgm:pt>
+    <dgm:pt modelId="{C78441A6-4A98-462A-97E7-4655519A8699}">
+      <dgm:prSet/>
+      <dgm:spPr/>
+      <dgm:t>
+        <a:bodyPr/>
+        <a:lstStyle/>
+        <a:p>
+          <a:r>
+            <a:rPr lang="en-US"/>
+            <a:t>Assembled into contigs with CodonCode Aligner</a:t>
+          </a:r>
+        </a:p>
+      </dgm:t>
+    </dgm:pt>
+    <dgm:pt modelId="{42281A17-28F3-4093-BACA-4FFE85FF86FA}" type="parTrans" cxnId="{A84F508C-A777-42A1-9B80-370C470E6472}">
+      <dgm:prSet/>
+      <dgm:spPr/>
+      <dgm:t>
+        <a:bodyPr/>
+        <a:lstStyle/>
+        <a:p>
+          <a:endParaRPr lang="en-US"/>
+        </a:p>
+      </dgm:t>
+    </dgm:pt>
+    <dgm:pt modelId="{9146A806-D24E-4AFF-BDE4-4686399ED52D}" type="sibTrans" cxnId="{A84F508C-A777-42A1-9B80-370C470E6472}">
+      <dgm:prSet/>
+      <dgm:spPr/>
+      <dgm:t>
+        <a:bodyPr/>
+        <a:lstStyle/>
+        <a:p>
+          <a:endParaRPr lang="en-US"/>
+        </a:p>
+      </dgm:t>
+    </dgm:pt>
+    <dgm:pt modelId="{562CEECA-78A4-402E-A55D-AB7710E74DBC}">
+      <dgm:prSet/>
+      <dgm:spPr/>
+      <dgm:t>
+        <a:bodyPr/>
+        <a:lstStyle/>
+        <a:p>
+          <a:r>
+            <a:rPr lang="en-US"/>
+            <a:t>Use Contigs as Query in Megablast</a:t>
+          </a:r>
+        </a:p>
+      </dgm:t>
+    </dgm:pt>
+    <dgm:pt modelId="{48301B65-3643-4623-8A00-9F372C85800B}" type="parTrans" cxnId="{D315CEFB-9883-4CE1-8D1F-A51F6817827B}">
+      <dgm:prSet/>
+      <dgm:spPr/>
+      <dgm:t>
+        <a:bodyPr/>
+        <a:lstStyle/>
+        <a:p>
+          <a:endParaRPr lang="en-US"/>
+        </a:p>
+      </dgm:t>
+    </dgm:pt>
+    <dgm:pt modelId="{A188C9FB-F836-4DF2-A6F4-A8307CD60FC0}" type="sibTrans" cxnId="{D315CEFB-9883-4CE1-8D1F-A51F6817827B}">
+      <dgm:prSet/>
+      <dgm:spPr/>
+      <dgm:t>
+        <a:bodyPr/>
+        <a:lstStyle/>
+        <a:p>
+          <a:endParaRPr lang="en-US"/>
+        </a:p>
+      </dgm:t>
+    </dgm:pt>
+    <dgm:pt modelId="{20537F05-CB09-47AA-A647-E5A8ECCD7389}" type="pres">
+      <dgm:prSet presAssocID="{C6B5CBFC-2599-453D-95CA-A0B39EB66D75}" presName="CompostProcess" presStyleCnt="0">
+        <dgm:presLayoutVars>
+          <dgm:dir/>
+          <dgm:resizeHandles val="exact"/>
+        </dgm:presLayoutVars>
+      </dgm:prSet>
+      <dgm:spPr/>
+    </dgm:pt>
+    <dgm:pt modelId="{19149A12-C46B-456A-99F2-3AD44C9D65E7}" type="pres">
+      <dgm:prSet presAssocID="{C6B5CBFC-2599-453D-95CA-A0B39EB66D75}" presName="arrow" presStyleLbl="bgShp" presStyleIdx="0" presStyleCnt="1"/>
+      <dgm:spPr/>
+    </dgm:pt>
+    <dgm:pt modelId="{FBB18F36-F937-4D7B-969E-8CC07E1648D3}" type="pres">
+      <dgm:prSet presAssocID="{C6B5CBFC-2599-453D-95CA-A0B39EB66D75}" presName="linearProcess" presStyleCnt="0"/>
+      <dgm:spPr/>
+    </dgm:pt>
+    <dgm:pt modelId="{E51C48E8-63E4-44F6-97DF-3D06DDFCA509}" type="pres">
+      <dgm:prSet presAssocID="{35EC7C0F-80DF-4714-B43A-45182888137F}" presName="textNode" presStyleLbl="node1" presStyleIdx="0" presStyleCnt="6">
+        <dgm:presLayoutVars>
+          <dgm:bulletEnabled val="1"/>
+        </dgm:presLayoutVars>
+      </dgm:prSet>
+      <dgm:spPr/>
+    </dgm:pt>
+    <dgm:pt modelId="{0EE6B3B2-8ECE-4159-8D0A-9305D4CE91D3}" type="pres">
+      <dgm:prSet presAssocID="{D7451985-9CD5-4D03-8C96-19D900CE78AC}" presName="sibTrans" presStyleCnt="0"/>
+      <dgm:spPr/>
+    </dgm:pt>
+    <dgm:pt modelId="{7645F1B1-66F8-4203-A7F5-8908F1E982A6}" type="pres">
+      <dgm:prSet presAssocID="{9388FF22-292F-4731-88F3-02331EB8761A}" presName="textNode" presStyleLbl="node1" presStyleIdx="1" presStyleCnt="6">
+        <dgm:presLayoutVars>
+          <dgm:bulletEnabled val="1"/>
+        </dgm:presLayoutVars>
+      </dgm:prSet>
+      <dgm:spPr/>
+    </dgm:pt>
+    <dgm:pt modelId="{13E69140-FDFC-4950-9CBC-3B11F7BE900A}" type="pres">
+      <dgm:prSet presAssocID="{CDDB2350-DBCB-4211-AF9C-17F62468C816}" presName="sibTrans" presStyleCnt="0"/>
+      <dgm:spPr/>
+    </dgm:pt>
+    <dgm:pt modelId="{5811106E-16D8-46D4-B7B0-1477F7705B46}" type="pres">
+      <dgm:prSet presAssocID="{AB00AD03-954C-4A57-9969-FE17C2398F4C}" presName="textNode" presStyleLbl="node1" presStyleIdx="2" presStyleCnt="6">
+        <dgm:presLayoutVars>
+          <dgm:bulletEnabled val="1"/>
+        </dgm:presLayoutVars>
+      </dgm:prSet>
+      <dgm:spPr/>
+    </dgm:pt>
+    <dgm:pt modelId="{24A7EB17-A99D-43DA-91CE-655329EF9D44}" type="pres">
+      <dgm:prSet presAssocID="{0BB3428C-228B-4C27-BFF7-4DA1F931A36A}" presName="sibTrans" presStyleCnt="0"/>
+      <dgm:spPr/>
+    </dgm:pt>
+    <dgm:pt modelId="{A8E000E3-42D8-441C-87C4-71A83240035F}" type="pres">
+      <dgm:prSet presAssocID="{BE109CD1-3F77-4F05-B61E-4785AFB08AA9}" presName="textNode" presStyleLbl="node1" presStyleIdx="3" presStyleCnt="6">
+        <dgm:presLayoutVars>
+          <dgm:bulletEnabled val="1"/>
+        </dgm:presLayoutVars>
+      </dgm:prSet>
+      <dgm:spPr/>
+    </dgm:pt>
+    <dgm:pt modelId="{825D0B8C-F3F2-421E-9D36-7EAB018D01F4}" type="pres">
+      <dgm:prSet presAssocID="{5957F300-040F-41F6-B942-F424707C1490}" presName="sibTrans" presStyleCnt="0"/>
+      <dgm:spPr/>
+    </dgm:pt>
+    <dgm:pt modelId="{D44873F3-105C-49E9-B6F8-E32D60B1EC18}" type="pres">
+      <dgm:prSet presAssocID="{D8D347FB-FB47-41D2-B874-DEDDE53C1239}" presName="textNode" presStyleLbl="node1" presStyleIdx="4" presStyleCnt="6">
+        <dgm:presLayoutVars>
+          <dgm:bulletEnabled val="1"/>
+        </dgm:presLayoutVars>
+      </dgm:prSet>
+      <dgm:spPr/>
+    </dgm:pt>
+    <dgm:pt modelId="{08CDFDCA-9C78-4758-925E-D4DD8342B22B}" type="pres">
+      <dgm:prSet presAssocID="{501F824F-4321-4C90-8C9E-A33F222986DF}" presName="sibTrans" presStyleCnt="0"/>
+      <dgm:spPr/>
+    </dgm:pt>
+    <dgm:pt modelId="{40FC0EDB-76C3-4B9E-BE19-753D6635ACD3}" type="pres">
+      <dgm:prSet presAssocID="{C78441A6-4A98-462A-97E7-4655519A8699}" presName="textNode" presStyleLbl="node1" presStyleIdx="5" presStyleCnt="6">
+        <dgm:presLayoutVars>
+          <dgm:bulletEnabled val="1"/>
+        </dgm:presLayoutVars>
+      </dgm:prSet>
+      <dgm:spPr/>
+    </dgm:pt>
+  </dgm:ptLst>
+  <dgm:cxnLst>
+    <dgm:cxn modelId="{45F42205-C046-49CB-92EE-6F776ACD4001}" type="presOf" srcId="{C6B5CBFC-2599-453D-95CA-A0B39EB66D75}" destId="{20537F05-CB09-47AA-A647-E5A8ECCD7389}" srcOrd="0" destOrd="0" presId="urn:microsoft.com/office/officeart/2005/8/layout/hProcess9"/>
+    <dgm:cxn modelId="{8EC04A16-6AC2-40AB-A857-AD36D59520C5}" srcId="{C6B5CBFC-2599-453D-95CA-A0B39EB66D75}" destId="{9388FF22-292F-4731-88F3-02331EB8761A}" srcOrd="1" destOrd="0" parTransId="{0C7920B2-12C5-4FC3-ADF0-DF50DEC29A53}" sibTransId="{CDDB2350-DBCB-4211-AF9C-17F62468C816}"/>
+    <dgm:cxn modelId="{62F2883D-7354-462A-A3C8-876F6AE90D8C}" srcId="{C6B5CBFC-2599-453D-95CA-A0B39EB66D75}" destId="{35EC7C0F-80DF-4714-B43A-45182888137F}" srcOrd="0" destOrd="0" parTransId="{03143469-7A25-496B-BB39-638BE7D7D2BA}" sibTransId="{D7451985-9CD5-4D03-8C96-19D900CE78AC}"/>
+    <dgm:cxn modelId="{08D45640-EAF6-41D0-B0D8-51E547A8AAF1}" type="presOf" srcId="{562CEECA-78A4-402E-A55D-AB7710E74DBC}" destId="{40FC0EDB-76C3-4B9E-BE19-753D6635ACD3}" srcOrd="0" destOrd="1" presId="urn:microsoft.com/office/officeart/2005/8/layout/hProcess9"/>
+    <dgm:cxn modelId="{2C67265B-8061-42EC-AAA9-AEAE7F837E18}" type="presOf" srcId="{BE109CD1-3F77-4F05-B61E-4785AFB08AA9}" destId="{A8E000E3-42D8-441C-87C4-71A83240035F}" srcOrd="0" destOrd="0" presId="urn:microsoft.com/office/officeart/2005/8/layout/hProcess9"/>
+    <dgm:cxn modelId="{EF7FC150-194C-4E11-A51A-99DD227E2E92}" srcId="{C6B5CBFC-2599-453D-95CA-A0B39EB66D75}" destId="{BE109CD1-3F77-4F05-B61E-4785AFB08AA9}" srcOrd="3" destOrd="0" parTransId="{BE26E59E-5D7F-479C-B939-02B3A4893267}" sibTransId="{5957F300-040F-41F6-B942-F424707C1490}"/>
+    <dgm:cxn modelId="{FBF6297B-37AF-4855-A87A-0012EC318354}" srcId="{C6B5CBFC-2599-453D-95CA-A0B39EB66D75}" destId="{AB00AD03-954C-4A57-9969-FE17C2398F4C}" srcOrd="2" destOrd="0" parTransId="{2C293668-E072-4021-841C-8A5331F548BD}" sibTransId="{0BB3428C-228B-4C27-BFF7-4DA1F931A36A}"/>
+    <dgm:cxn modelId="{EF28EB82-2160-47AE-B9C6-24EB2512EC66}" type="presOf" srcId="{35EC7C0F-80DF-4714-B43A-45182888137F}" destId="{E51C48E8-63E4-44F6-97DF-3D06DDFCA509}" srcOrd="0" destOrd="0" presId="urn:microsoft.com/office/officeart/2005/8/layout/hProcess9"/>
+    <dgm:cxn modelId="{A84F508C-A777-42A1-9B80-370C470E6472}" srcId="{C6B5CBFC-2599-453D-95CA-A0B39EB66D75}" destId="{C78441A6-4A98-462A-97E7-4655519A8699}" srcOrd="5" destOrd="0" parTransId="{42281A17-28F3-4093-BACA-4FFE85FF86FA}" sibTransId="{9146A806-D24E-4AFF-BDE4-4686399ED52D}"/>
+    <dgm:cxn modelId="{30C0C49F-9690-4A5F-AEB1-5A88D87CB200}" type="presOf" srcId="{D8D347FB-FB47-41D2-B874-DEDDE53C1239}" destId="{D44873F3-105C-49E9-B6F8-E32D60B1EC18}" srcOrd="0" destOrd="0" presId="urn:microsoft.com/office/officeart/2005/8/layout/hProcess9"/>
+    <dgm:cxn modelId="{D9A7C3BA-77D8-4AAD-82F6-8DA1DADBFC39}" srcId="{C6B5CBFC-2599-453D-95CA-A0B39EB66D75}" destId="{D8D347FB-FB47-41D2-B874-DEDDE53C1239}" srcOrd="4" destOrd="0" parTransId="{E429896F-6050-4A0C-9B0A-940527FDC279}" sibTransId="{501F824F-4321-4C90-8C9E-A33F222986DF}"/>
+    <dgm:cxn modelId="{8DD2DDCA-1150-4378-BA4E-4283619364FD}" type="presOf" srcId="{9388FF22-292F-4731-88F3-02331EB8761A}" destId="{7645F1B1-66F8-4203-A7F5-8908F1E982A6}" srcOrd="0" destOrd="0" presId="urn:microsoft.com/office/officeart/2005/8/layout/hProcess9"/>
+    <dgm:cxn modelId="{AEE50AD9-BBB6-4B51-A20E-4DBE698C7BF6}" type="presOf" srcId="{AB00AD03-954C-4A57-9969-FE17C2398F4C}" destId="{5811106E-16D8-46D4-B7B0-1477F7705B46}" srcOrd="0" destOrd="0" presId="urn:microsoft.com/office/officeart/2005/8/layout/hProcess9"/>
+    <dgm:cxn modelId="{D315CEFB-9883-4CE1-8D1F-A51F6817827B}" srcId="{C78441A6-4A98-462A-97E7-4655519A8699}" destId="{562CEECA-78A4-402E-A55D-AB7710E74DBC}" srcOrd="0" destOrd="0" parTransId="{48301B65-3643-4623-8A00-9F372C85800B}" sibTransId="{A188C9FB-F836-4DF2-A6F4-A8307CD60FC0}"/>
+    <dgm:cxn modelId="{E2A61BFE-709D-464E-89D7-A9C1E71B9592}" type="presOf" srcId="{C78441A6-4A98-462A-97E7-4655519A8699}" destId="{40FC0EDB-76C3-4B9E-BE19-753D6635ACD3}" srcOrd="0" destOrd="0" presId="urn:microsoft.com/office/officeart/2005/8/layout/hProcess9"/>
+    <dgm:cxn modelId="{32A2D273-415E-4C36-8B33-C22641BFDFA2}" type="presParOf" srcId="{20537F05-CB09-47AA-A647-E5A8ECCD7389}" destId="{19149A12-C46B-456A-99F2-3AD44C9D65E7}" srcOrd="0" destOrd="0" presId="urn:microsoft.com/office/officeart/2005/8/layout/hProcess9"/>
+    <dgm:cxn modelId="{E7B3F5C5-DC15-4F5C-907E-1AB98D5A66C4}" type="presParOf" srcId="{20537F05-CB09-47AA-A647-E5A8ECCD7389}" destId="{FBB18F36-F937-4D7B-969E-8CC07E1648D3}" srcOrd="1" destOrd="0" presId="urn:microsoft.com/office/officeart/2005/8/layout/hProcess9"/>
+    <dgm:cxn modelId="{208831FF-3559-4F0E-832A-ED12BC63C6FC}" type="presParOf" srcId="{FBB18F36-F937-4D7B-969E-8CC07E1648D3}" destId="{E51C48E8-63E4-44F6-97DF-3D06DDFCA509}" srcOrd="0" destOrd="0" presId="urn:microsoft.com/office/officeart/2005/8/layout/hProcess9"/>
+    <dgm:cxn modelId="{17D06BBE-B628-4A13-9590-B5B4D9B3872E}" type="presParOf" srcId="{FBB18F36-F937-4D7B-969E-8CC07E1648D3}" destId="{0EE6B3B2-8ECE-4159-8D0A-9305D4CE91D3}" srcOrd="1" destOrd="0" presId="urn:microsoft.com/office/officeart/2005/8/layout/hProcess9"/>
+    <dgm:cxn modelId="{DDF24151-0D4D-4D5B-9CFC-FA5B2DC10B78}" type="presParOf" srcId="{FBB18F36-F937-4D7B-969E-8CC07E1648D3}" destId="{7645F1B1-66F8-4203-A7F5-8908F1E982A6}" srcOrd="2" destOrd="0" presId="urn:microsoft.com/office/officeart/2005/8/layout/hProcess9"/>
+    <dgm:cxn modelId="{0AD4EF56-55E1-408F-904A-5DE153B56EDA}" type="presParOf" srcId="{FBB18F36-F937-4D7B-969E-8CC07E1648D3}" destId="{13E69140-FDFC-4950-9CBC-3B11F7BE900A}" srcOrd="3" destOrd="0" presId="urn:microsoft.com/office/officeart/2005/8/layout/hProcess9"/>
+    <dgm:cxn modelId="{A077805A-BB80-4E06-8F93-59DF4023D718}" type="presParOf" srcId="{FBB18F36-F937-4D7B-969E-8CC07E1648D3}" destId="{5811106E-16D8-46D4-B7B0-1477F7705B46}" srcOrd="4" destOrd="0" presId="urn:microsoft.com/office/officeart/2005/8/layout/hProcess9"/>
+    <dgm:cxn modelId="{8458AE63-73CF-4481-A7DC-6F28D363E5E9}" type="presParOf" srcId="{FBB18F36-F937-4D7B-969E-8CC07E1648D3}" destId="{24A7EB17-A99D-43DA-91CE-655329EF9D44}" srcOrd="5" destOrd="0" presId="urn:microsoft.com/office/officeart/2005/8/layout/hProcess9"/>
+    <dgm:cxn modelId="{6FC863BD-2EEA-412C-B70E-67118BC95215}" type="presParOf" srcId="{FBB18F36-F937-4D7B-969E-8CC07E1648D3}" destId="{A8E000E3-42D8-441C-87C4-71A83240035F}" srcOrd="6" destOrd="0" presId="urn:microsoft.com/office/officeart/2005/8/layout/hProcess9"/>
+    <dgm:cxn modelId="{9AD22FE3-E701-48A8-A371-80B0642AAA64}" type="presParOf" srcId="{FBB18F36-F937-4D7B-969E-8CC07E1648D3}" destId="{825D0B8C-F3F2-421E-9D36-7EAB018D01F4}" srcOrd="7" destOrd="0" presId="urn:microsoft.com/office/officeart/2005/8/layout/hProcess9"/>
+    <dgm:cxn modelId="{5223D610-A9D0-41B1-8362-B294723D7D98}" type="presParOf" srcId="{FBB18F36-F937-4D7B-969E-8CC07E1648D3}" destId="{D44873F3-105C-49E9-B6F8-E32D60B1EC18}" srcOrd="8" destOrd="0" presId="urn:microsoft.com/office/officeart/2005/8/layout/hProcess9"/>
+    <dgm:cxn modelId="{7C81FE4A-BFD6-4CE1-9F1C-DCE7B0BAF1B6}" type="presParOf" srcId="{FBB18F36-F937-4D7B-969E-8CC07E1648D3}" destId="{08CDFDCA-9C78-4758-925E-D4DD8342B22B}" srcOrd="9" destOrd="0" presId="urn:microsoft.com/office/officeart/2005/8/layout/hProcess9"/>
+    <dgm:cxn modelId="{4CE91246-C74B-467D-9242-48D5158C8D00}" type="presParOf" srcId="{FBB18F36-F937-4D7B-969E-8CC07E1648D3}" destId="{40FC0EDB-76C3-4B9E-BE19-753D6635ACD3}" srcOrd="10" destOrd="0" presId="urn:microsoft.com/office/officeart/2005/8/layout/hProcess9"/>
+  </dgm:cxnLst>
+  <dgm:bg/>
+  <dgm:whole/>
+  <dgm:extLst>
+    <a:ext uri="http://schemas.microsoft.com/office/drawing/2008/diagram">
+      <dsp:dataModelExt xmlns:dsp="http://schemas.microsoft.com/office/drawing/2008/diagram" relId="rId6" minVer="http://schemas.openxmlformats.org/drawingml/2006/diagram"/>
+    </a:ext>
+  </dgm:extLst>
+</dgm:dataModel>
+</file>
+
+<file path=ppt/diagrams/drawing1.xml><?xml version="1.0" encoding="utf-8"?>
+<dsp:drawing xmlns:dgm="http://schemas.openxmlformats.org/drawingml/2006/diagram" xmlns:dsp="http://schemas.microsoft.com/office/drawing/2008/diagram" xmlns:a="http://schemas.openxmlformats.org/drawingml/2006/main">
+  <dsp:spTree>
+    <dsp:nvGrpSpPr>
+      <dsp:cNvPr id="0" name=""/>
+      <dsp:cNvGrpSpPr/>
+    </dsp:nvGrpSpPr>
+    <dsp:grpSpPr/>
+    <dsp:sp modelId="{A651FB09-5D25-4D1E-9E76-D6260BB47B8E}">
+      <dsp:nvSpPr>
+        <dsp:cNvPr id="0" name=""/>
+        <dsp:cNvSpPr/>
+      </dsp:nvSpPr>
+      <dsp:spPr>
+        <a:xfrm>
+          <a:off x="0" y="21240"/>
+          <a:ext cx="7620000" cy="1074060"/>
+        </a:xfrm>
+        <a:prstGeom prst="roundRect">
+          <a:avLst/>
+        </a:prstGeom>
+        <a:solidFill>
+          <a:schemeClr val="accent2">
+            <a:hueOff val="0"/>
+            <a:satOff val="0"/>
+            <a:lumOff val="0"/>
+            <a:alphaOff val="0"/>
+          </a:schemeClr>
+        </a:solidFill>
+        <a:ln w="25400" cap="flat" cmpd="sng" algn="ctr">
+          <a:solidFill>
+            <a:schemeClr val="lt1">
+              <a:hueOff val="0"/>
+              <a:satOff val="0"/>
+              <a:lumOff val="0"/>
+              <a:alphaOff val="0"/>
+            </a:schemeClr>
+          </a:solidFill>
+          <a:prstDash val="solid"/>
+        </a:ln>
+        <a:effectLst/>
+      </dsp:spPr>
+      <dsp:style>
+        <a:lnRef idx="2">
+          <a:scrgbClr r="0" g="0" b="0"/>
+        </a:lnRef>
+        <a:fillRef idx="1">
+          <a:scrgbClr r="0" g="0" b="0"/>
+        </a:fillRef>
+        <a:effectRef idx="0">
+          <a:scrgbClr r="0" g="0" b="0"/>
+        </a:effectRef>
+        <a:fontRef idx="minor">
+          <a:schemeClr val="lt1"/>
+        </a:fontRef>
+      </dsp:style>
+      <dsp:txBody>
+        <a:bodyPr spcFirstLastPara="0" vert="horz" wrap="square" lIns="102870" tIns="102870" rIns="102870" bIns="102870" numCol="1" spcCol="1270" anchor="ctr" anchorCtr="0">
+          <a:noAutofit/>
+        </a:bodyPr>
+        <a:lstStyle/>
+        <a:p>
+          <a:pPr marL="0" lvl="0" indent="0" algn="l" defTabSz="1200150">
+            <a:lnSpc>
+              <a:spcPct val="90000"/>
+            </a:lnSpc>
+            <a:spcBef>
+              <a:spcPct val="0"/>
+            </a:spcBef>
+            <a:spcAft>
+              <a:spcPct val="35000"/>
+            </a:spcAft>
+            <a:buNone/>
+          </a:pPr>
+          <a:r>
+            <a:rPr lang="en-US" sz="2700" kern="1200" dirty="0"/>
+            <a:t>Their pipeline did not appear to follow a typical NGS pipeline.</a:t>
+          </a:r>
+        </a:p>
+      </dsp:txBody>
+      <dsp:txXfrm>
+        <a:off x="52431" y="73671"/>
+        <a:ext cx="7515138" cy="969198"/>
+      </dsp:txXfrm>
+    </dsp:sp>
+    <dsp:sp modelId="{E614DDEE-BD53-4E6F-8E44-FA9CF540239E}">
+      <dsp:nvSpPr>
+        <dsp:cNvPr id="0" name=""/>
+        <dsp:cNvSpPr/>
+      </dsp:nvSpPr>
+      <dsp:spPr>
+        <a:xfrm>
+          <a:off x="0" y="1173060"/>
+          <a:ext cx="7620000" cy="1074060"/>
+        </a:xfrm>
+        <a:prstGeom prst="roundRect">
+          <a:avLst/>
+        </a:prstGeom>
+        <a:solidFill>
+          <a:schemeClr val="accent2">
+            <a:hueOff val="0"/>
+            <a:satOff val="0"/>
+            <a:lumOff val="0"/>
+            <a:alphaOff val="0"/>
+          </a:schemeClr>
+        </a:solidFill>
+        <a:ln w="25400" cap="flat" cmpd="sng" algn="ctr">
+          <a:solidFill>
+            <a:schemeClr val="lt1">
+              <a:hueOff val="0"/>
+              <a:satOff val="0"/>
+              <a:lumOff val="0"/>
+              <a:alphaOff val="0"/>
+            </a:schemeClr>
+          </a:solidFill>
+          <a:prstDash val="solid"/>
+        </a:ln>
+        <a:effectLst/>
+      </dsp:spPr>
+      <dsp:style>
+        <a:lnRef idx="2">
+          <a:scrgbClr r="0" g="0" b="0"/>
+        </a:lnRef>
+        <a:fillRef idx="1">
+          <a:scrgbClr r="0" g="0" b="0"/>
+        </a:fillRef>
+        <a:effectRef idx="0">
+          <a:scrgbClr r="0" g="0" b="0"/>
+        </a:effectRef>
+        <a:fontRef idx="minor">
+          <a:schemeClr val="lt1"/>
+        </a:fontRef>
+      </dsp:style>
+      <dsp:txBody>
+        <a:bodyPr spcFirstLastPara="0" vert="horz" wrap="square" lIns="102870" tIns="102870" rIns="102870" bIns="102870" numCol="1" spcCol="1270" anchor="ctr" anchorCtr="0">
+          <a:noAutofit/>
+        </a:bodyPr>
+        <a:lstStyle/>
+        <a:p>
+          <a:pPr marL="0" lvl="0" indent="0" algn="l" defTabSz="1200150">
+            <a:lnSpc>
+              <a:spcPct val="90000"/>
+            </a:lnSpc>
+            <a:spcBef>
+              <a:spcPct val="0"/>
+            </a:spcBef>
+            <a:spcAft>
+              <a:spcPct val="35000"/>
+            </a:spcAft>
+            <a:buNone/>
+          </a:pPr>
+          <a:r>
+            <a:rPr lang="en-US" sz="2700" kern="1200" dirty="0"/>
+            <a:t>In addition, the documentation on their pipeline appeared scant.</a:t>
+          </a:r>
+        </a:p>
+      </dsp:txBody>
+      <dsp:txXfrm>
+        <a:off x="52431" y="1225491"/>
+        <a:ext cx="7515138" cy="969198"/>
+      </dsp:txXfrm>
+    </dsp:sp>
+    <dsp:sp modelId="{E3A8E731-E694-45EF-BEDE-F2060163F237}">
+      <dsp:nvSpPr>
+        <dsp:cNvPr id="0" name=""/>
+        <dsp:cNvSpPr/>
+      </dsp:nvSpPr>
+      <dsp:spPr>
+        <a:xfrm>
+          <a:off x="0" y="2324880"/>
+          <a:ext cx="7620000" cy="1074060"/>
+        </a:xfrm>
+        <a:prstGeom prst="roundRect">
+          <a:avLst/>
+        </a:prstGeom>
+        <a:solidFill>
+          <a:schemeClr val="accent2">
+            <a:hueOff val="0"/>
+            <a:satOff val="0"/>
+            <a:lumOff val="0"/>
+            <a:alphaOff val="0"/>
+          </a:schemeClr>
+        </a:solidFill>
+        <a:ln w="25400" cap="flat" cmpd="sng" algn="ctr">
+          <a:solidFill>
+            <a:schemeClr val="lt1">
+              <a:hueOff val="0"/>
+              <a:satOff val="0"/>
+              <a:lumOff val="0"/>
+              <a:alphaOff val="0"/>
+            </a:schemeClr>
+          </a:solidFill>
+          <a:prstDash val="solid"/>
+        </a:ln>
+        <a:effectLst/>
+      </dsp:spPr>
+      <dsp:style>
+        <a:lnRef idx="2">
+          <a:scrgbClr r="0" g="0" b="0"/>
+        </a:lnRef>
+        <a:fillRef idx="1">
+          <a:scrgbClr r="0" g="0" b="0"/>
+        </a:fillRef>
+        <a:effectRef idx="0">
+          <a:scrgbClr r="0" g="0" b="0"/>
+        </a:effectRef>
+        <a:fontRef idx="minor">
+          <a:schemeClr val="lt1"/>
+        </a:fontRef>
+      </dsp:style>
+      <dsp:txBody>
+        <a:bodyPr spcFirstLastPara="0" vert="horz" wrap="square" lIns="102870" tIns="102870" rIns="102870" bIns="102870" numCol="1" spcCol="1270" anchor="ctr" anchorCtr="0">
+          <a:noAutofit/>
+        </a:bodyPr>
+        <a:lstStyle/>
+        <a:p>
+          <a:pPr marL="0" lvl="0" indent="0" algn="l" defTabSz="1200150">
+            <a:lnSpc>
+              <a:spcPct val="90000"/>
+            </a:lnSpc>
+            <a:spcBef>
+              <a:spcPct val="0"/>
+            </a:spcBef>
+            <a:spcAft>
+              <a:spcPct val="35000"/>
+            </a:spcAft>
+            <a:buNone/>
+          </a:pPr>
+          <a:r>
+            <a:rPr lang="en-US" sz="2700" kern="1200" dirty="0"/>
+            <a:t>Didn’t use a typical read mapping software – which leads to questions in the quality of the mapping.</a:t>
+          </a:r>
+        </a:p>
+      </dsp:txBody>
+      <dsp:txXfrm>
+        <a:off x="52431" y="2377311"/>
+        <a:ext cx="7515138" cy="969198"/>
+      </dsp:txXfrm>
+    </dsp:sp>
+    <dsp:sp modelId="{C5644282-6C8C-43B6-8AF1-263A3A8C8068}">
+      <dsp:nvSpPr>
+        <dsp:cNvPr id="0" name=""/>
+        <dsp:cNvSpPr/>
+      </dsp:nvSpPr>
+      <dsp:spPr>
+        <a:xfrm>
+          <a:off x="0" y="3421740"/>
+          <a:ext cx="7620000" cy="1074060"/>
+        </a:xfrm>
+        <a:prstGeom prst="roundRect">
+          <a:avLst/>
+        </a:prstGeom>
+        <a:solidFill>
+          <a:schemeClr val="accent2">
+            <a:hueOff val="0"/>
+            <a:satOff val="0"/>
+            <a:lumOff val="0"/>
+            <a:alphaOff val="0"/>
+          </a:schemeClr>
+        </a:solidFill>
+        <a:ln w="25400" cap="flat" cmpd="sng" algn="ctr">
+          <a:solidFill>
+            <a:schemeClr val="lt1">
+              <a:hueOff val="0"/>
+              <a:satOff val="0"/>
+              <a:lumOff val="0"/>
+              <a:alphaOff val="0"/>
+            </a:schemeClr>
+          </a:solidFill>
+          <a:prstDash val="solid"/>
+        </a:ln>
+        <a:effectLst/>
+      </dsp:spPr>
+      <dsp:style>
+        <a:lnRef idx="2">
+          <a:scrgbClr r="0" g="0" b="0"/>
+        </a:lnRef>
+        <a:fillRef idx="1">
+          <a:scrgbClr r="0" g="0" b="0"/>
+        </a:fillRef>
+        <a:effectRef idx="0">
+          <a:scrgbClr r="0" g="0" b="0"/>
+        </a:effectRef>
+        <a:fontRef idx="minor">
+          <a:schemeClr val="lt1"/>
+        </a:fontRef>
+      </dsp:style>
+      <dsp:txBody>
+        <a:bodyPr spcFirstLastPara="0" vert="horz" wrap="square" lIns="102870" tIns="102870" rIns="102870" bIns="102870" numCol="1" spcCol="1270" anchor="ctr" anchorCtr="0">
+          <a:noAutofit/>
+        </a:bodyPr>
+        <a:lstStyle/>
+        <a:p>
+          <a:pPr marL="0" lvl="0" indent="0" algn="l" defTabSz="1200150">
+            <a:lnSpc>
+              <a:spcPct val="90000"/>
+            </a:lnSpc>
+            <a:spcBef>
+              <a:spcPct val="0"/>
+            </a:spcBef>
+            <a:spcAft>
+              <a:spcPct val="35000"/>
+            </a:spcAft>
+            <a:buNone/>
+          </a:pPr>
+          <a:r>
+            <a:rPr lang="en-US" sz="2700" kern="1200" dirty="0"/>
+            <a:t>What they are claiming is somewhat biologically ridiculous.</a:t>
+          </a:r>
+        </a:p>
+      </dsp:txBody>
+      <dsp:txXfrm>
+        <a:off x="52431" y="3474171"/>
+        <a:ext cx="7515138" cy="969198"/>
+      </dsp:txXfrm>
+    </dsp:sp>
+  </dsp:spTree>
+</dsp:drawing>
+</file>
+
+<file path=ppt/diagrams/drawing2.xml><?xml version="1.0" encoding="utf-8"?>
+<dsp:drawing xmlns:dgm="http://schemas.openxmlformats.org/drawingml/2006/diagram" xmlns:dsp="http://schemas.microsoft.com/office/drawing/2008/diagram" xmlns:a="http://schemas.openxmlformats.org/drawingml/2006/main">
+  <dsp:spTree>
+    <dsp:nvGrpSpPr>
+      <dsp:cNvPr id="0" name=""/>
+      <dsp:cNvGrpSpPr/>
+    </dsp:nvGrpSpPr>
+    <dsp:grpSpPr/>
+    <dsp:sp modelId="{8E7EBB59-3B64-41C5-A4BD-EEE9E07DB96A}">
+      <dsp:nvSpPr>
+        <dsp:cNvPr id="0" name=""/>
+        <dsp:cNvSpPr/>
+      </dsp:nvSpPr>
+      <dsp:spPr>
+        <a:xfrm>
+          <a:off x="2544" y="1264622"/>
+          <a:ext cx="2553444" cy="2042755"/>
+        </a:xfrm>
+        <a:prstGeom prst="homePlate">
+          <a:avLst>
+            <a:gd name="adj" fmla="val 25000"/>
+          </a:avLst>
+        </a:prstGeom>
+        <a:solidFill>
+          <a:schemeClr val="accent2">
+            <a:hueOff val="0"/>
+            <a:satOff val="0"/>
+            <a:lumOff val="0"/>
+            <a:alphaOff val="0"/>
+          </a:schemeClr>
+        </a:solidFill>
+        <a:ln>
+          <a:noFill/>
+        </a:ln>
+        <a:effectLst>
+          <a:outerShdw blurRad="40000" dist="23000" dir="5400000" rotWithShape="0">
+            <a:srgbClr val="000000">
+              <a:alpha val="35000"/>
+            </a:srgbClr>
+          </a:outerShdw>
+        </a:effectLst>
+        <a:scene3d>
+          <a:camera prst="orthographicFront">
+            <a:rot lat="0" lon="0" rev="0"/>
+          </a:camera>
+          <a:lightRig rig="contrasting" dir="t">
+            <a:rot lat="0" lon="0" rev="1200000"/>
+          </a:lightRig>
+        </a:scene3d>
+        <a:sp3d contourW="19050" prstMaterial="metal">
+          <a:bevelT w="88900" h="203200"/>
+          <a:bevelB w="165100" h="254000"/>
+        </a:sp3d>
+      </dsp:spPr>
+      <dsp:style>
+        <a:lnRef idx="0">
+          <a:scrgbClr r="0" g="0" b="0"/>
+        </a:lnRef>
+        <a:fillRef idx="1">
+          <a:scrgbClr r="0" g="0" b="0"/>
+        </a:fillRef>
+        <a:effectRef idx="2">
+          <a:scrgbClr r="0" g="0" b="0"/>
+        </a:effectRef>
+        <a:fontRef idx="minor">
+          <a:schemeClr val="lt1"/>
+        </a:fontRef>
+      </dsp:style>
+      <dsp:txBody>
+        <a:bodyPr spcFirstLastPara="0" vert="horz" wrap="square" lIns="90080" tIns="45720" rIns="360319" bIns="45720" numCol="1" spcCol="1270" anchor="ctr" anchorCtr="0">
+          <a:noAutofit/>
+        </a:bodyPr>
+        <a:lstStyle/>
+        <a:p>
+          <a:pPr marL="0" lvl="0" indent="0" algn="ctr" defTabSz="800100">
+            <a:lnSpc>
+              <a:spcPct val="90000"/>
+            </a:lnSpc>
+            <a:spcBef>
+              <a:spcPct val="0"/>
+            </a:spcBef>
+            <a:spcAft>
+              <a:spcPct val="35000"/>
+            </a:spcAft>
+            <a:buNone/>
+          </a:pPr>
+          <a:r>
+            <a:rPr lang="en-US" sz="1800" kern="1200"/>
+            <a:t>Sequenced Samples</a:t>
+          </a:r>
+        </a:p>
+      </dsp:txBody>
+      <dsp:txXfrm>
+        <a:off x="2544" y="1264622"/>
+        <a:ext cx="2298100" cy="2042755"/>
+      </dsp:txXfrm>
+    </dsp:sp>
+    <dsp:sp modelId="{AB78CDFD-1301-4F30-9AEC-ED9309306822}">
+      <dsp:nvSpPr>
+        <dsp:cNvPr id="0" name=""/>
+        <dsp:cNvSpPr/>
+      </dsp:nvSpPr>
+      <dsp:spPr>
+        <a:xfrm>
+          <a:off x="2045300" y="1264622"/>
+          <a:ext cx="2553444" cy="2042755"/>
+        </a:xfrm>
+        <a:prstGeom prst="chevron">
+          <a:avLst>
+            <a:gd name="adj" fmla="val 25000"/>
+          </a:avLst>
+        </a:prstGeom>
+        <a:solidFill>
+          <a:schemeClr val="accent2">
+            <a:hueOff val="0"/>
+            <a:satOff val="0"/>
+            <a:lumOff val="0"/>
+            <a:alphaOff val="0"/>
+          </a:schemeClr>
+        </a:solidFill>
+        <a:ln>
+          <a:noFill/>
+        </a:ln>
+        <a:effectLst>
+          <a:outerShdw blurRad="40000" dist="23000" dir="5400000" rotWithShape="0">
+            <a:srgbClr val="000000">
+              <a:alpha val="35000"/>
+            </a:srgbClr>
+          </a:outerShdw>
+        </a:effectLst>
+        <a:scene3d>
+          <a:camera prst="orthographicFront">
+            <a:rot lat="0" lon="0" rev="0"/>
+          </a:camera>
+          <a:lightRig rig="contrasting" dir="t">
+            <a:rot lat="0" lon="0" rev="1200000"/>
+          </a:lightRig>
+        </a:scene3d>
+        <a:sp3d contourW="19050" prstMaterial="metal">
+          <a:bevelT w="88900" h="203200"/>
+          <a:bevelB w="165100" h="254000"/>
+        </a:sp3d>
+      </dsp:spPr>
+      <dsp:style>
+        <a:lnRef idx="0">
+          <a:scrgbClr r="0" g="0" b="0"/>
+        </a:lnRef>
+        <a:fillRef idx="1">
+          <a:scrgbClr r="0" g="0" b="0"/>
+        </a:fillRef>
+        <a:effectRef idx="2">
+          <a:scrgbClr r="0" g="0" b="0"/>
+        </a:effectRef>
+        <a:fontRef idx="minor">
+          <a:schemeClr val="lt1"/>
+        </a:fontRef>
+      </dsp:style>
+      <dsp:txBody>
+        <a:bodyPr spcFirstLastPara="0" vert="horz" wrap="square" lIns="90080" tIns="45720" rIns="90080" bIns="45720" numCol="1" spcCol="1270" anchor="ctr" anchorCtr="0">
+          <a:noAutofit/>
+        </a:bodyPr>
+        <a:lstStyle/>
+        <a:p>
+          <a:pPr marL="0" lvl="0" indent="0" algn="ctr" defTabSz="800100">
+            <a:lnSpc>
+              <a:spcPct val="90000"/>
+            </a:lnSpc>
+            <a:spcBef>
+              <a:spcPct val="0"/>
+            </a:spcBef>
+            <a:spcAft>
+              <a:spcPct val="35000"/>
+            </a:spcAft>
+            <a:buNone/>
+          </a:pPr>
+          <a:r>
+            <a:rPr lang="en-US" sz="1800" kern="1200"/>
+            <a:t>Counted Reads</a:t>
+          </a:r>
+        </a:p>
+      </dsp:txBody>
+      <dsp:txXfrm>
+        <a:off x="2555989" y="1264622"/>
+        <a:ext cx="1532066" cy="2042755"/>
+      </dsp:txXfrm>
+    </dsp:sp>
+    <dsp:sp modelId="{5DDFC4BF-7DE4-47C7-949E-88776B4E7F0C}">
+      <dsp:nvSpPr>
+        <dsp:cNvPr id="0" name=""/>
+        <dsp:cNvSpPr/>
+      </dsp:nvSpPr>
+      <dsp:spPr>
+        <a:xfrm>
+          <a:off x="4088055" y="1264622"/>
+          <a:ext cx="2553444" cy="2042755"/>
+        </a:xfrm>
+        <a:prstGeom prst="chevron">
+          <a:avLst>
+            <a:gd name="adj" fmla="val 25000"/>
+          </a:avLst>
+        </a:prstGeom>
+        <a:solidFill>
+          <a:schemeClr val="accent2">
+            <a:hueOff val="0"/>
+            <a:satOff val="0"/>
+            <a:lumOff val="0"/>
+            <a:alphaOff val="0"/>
+          </a:schemeClr>
+        </a:solidFill>
+        <a:ln>
+          <a:noFill/>
+        </a:ln>
+        <a:effectLst>
+          <a:outerShdw blurRad="40000" dist="23000" dir="5400000" rotWithShape="0">
+            <a:srgbClr val="000000">
+              <a:alpha val="35000"/>
+            </a:srgbClr>
+          </a:outerShdw>
+        </a:effectLst>
+        <a:scene3d>
+          <a:camera prst="orthographicFront">
+            <a:rot lat="0" lon="0" rev="0"/>
+          </a:camera>
+          <a:lightRig rig="contrasting" dir="t">
+            <a:rot lat="0" lon="0" rev="1200000"/>
+          </a:lightRig>
+        </a:scene3d>
+        <a:sp3d contourW="19050" prstMaterial="metal">
+          <a:bevelT w="88900" h="203200"/>
+          <a:bevelB w="165100" h="254000"/>
+        </a:sp3d>
+      </dsp:spPr>
+      <dsp:style>
+        <a:lnRef idx="0">
+          <a:scrgbClr r="0" g="0" b="0"/>
+        </a:lnRef>
+        <a:fillRef idx="1">
+          <a:scrgbClr r="0" g="0" b="0"/>
+        </a:fillRef>
+        <a:effectRef idx="2">
+          <a:scrgbClr r="0" g="0" b="0"/>
+        </a:effectRef>
+        <a:fontRef idx="minor">
+          <a:schemeClr val="lt1"/>
+        </a:fontRef>
+      </dsp:style>
+      <dsp:txBody>
+        <a:bodyPr spcFirstLastPara="0" vert="horz" wrap="square" lIns="90080" tIns="45720" rIns="90080" bIns="45720" numCol="1" spcCol="1270" anchor="t" anchorCtr="0">
+          <a:noAutofit/>
+        </a:bodyPr>
+        <a:lstStyle/>
+        <a:p>
+          <a:pPr marL="0" lvl="0" indent="0" algn="l" defTabSz="800100">
+            <a:lnSpc>
+              <a:spcPct val="90000"/>
+            </a:lnSpc>
+            <a:spcBef>
+              <a:spcPct val="0"/>
+            </a:spcBef>
+            <a:spcAft>
+              <a:spcPct val="35000"/>
+            </a:spcAft>
+            <a:buNone/>
+          </a:pPr>
+          <a:r>
+            <a:rPr lang="en-US" sz="1800" kern="1200"/>
+            <a:t>BLAST</a:t>
+          </a:r>
+        </a:p>
+        <a:p>
+          <a:pPr marL="114300" lvl="1" indent="-114300" algn="l" defTabSz="622300">
+            <a:lnSpc>
+              <a:spcPct val="90000"/>
+            </a:lnSpc>
+            <a:spcBef>
+              <a:spcPct val="0"/>
+            </a:spcBef>
+            <a:spcAft>
+              <a:spcPct val="15000"/>
+            </a:spcAft>
+            <a:buChar char="•"/>
+          </a:pPr>
+          <a:r>
+            <a:rPr lang="en-US" sz="1400" kern="1200"/>
+            <a:t>Seq Data = Database</a:t>
+          </a:r>
+        </a:p>
+        <a:p>
+          <a:pPr marL="114300" lvl="1" indent="-114300" algn="l" defTabSz="622300">
+            <a:lnSpc>
+              <a:spcPct val="90000"/>
+            </a:lnSpc>
+            <a:spcBef>
+              <a:spcPct val="0"/>
+            </a:spcBef>
+            <a:spcAft>
+              <a:spcPct val="15000"/>
+            </a:spcAft>
+            <a:buChar char="•"/>
+          </a:pPr>
+          <a:r>
+            <a:rPr lang="en-US" sz="1400" kern="1200"/>
+            <a:t>Ref Genome = Query</a:t>
+          </a:r>
+        </a:p>
+      </dsp:txBody>
+      <dsp:txXfrm>
+        <a:off x="4598744" y="1264622"/>
+        <a:ext cx="1532066" cy="2042755"/>
+      </dsp:txXfrm>
+    </dsp:sp>
+    <dsp:sp modelId="{70685AEB-3D7C-4603-A1CF-47ED8679CC0A}">
+      <dsp:nvSpPr>
+        <dsp:cNvPr id="0" name=""/>
+        <dsp:cNvSpPr/>
+      </dsp:nvSpPr>
+      <dsp:spPr>
+        <a:xfrm>
+          <a:off x="6130810" y="1264622"/>
+          <a:ext cx="2553444" cy="2042755"/>
+        </a:xfrm>
+        <a:prstGeom prst="chevron">
+          <a:avLst>
+            <a:gd name="adj" fmla="val 25000"/>
+          </a:avLst>
+        </a:prstGeom>
+        <a:solidFill>
+          <a:schemeClr val="accent2">
+            <a:hueOff val="0"/>
+            <a:satOff val="0"/>
+            <a:lumOff val="0"/>
+            <a:alphaOff val="0"/>
+          </a:schemeClr>
+        </a:solidFill>
+        <a:ln>
+          <a:noFill/>
+        </a:ln>
+        <a:effectLst>
+          <a:outerShdw blurRad="40000" dist="23000" dir="5400000" rotWithShape="0">
+            <a:srgbClr val="000000">
+              <a:alpha val="35000"/>
+            </a:srgbClr>
+          </a:outerShdw>
+        </a:effectLst>
+        <a:scene3d>
+          <a:camera prst="orthographicFront">
+            <a:rot lat="0" lon="0" rev="0"/>
+          </a:camera>
+          <a:lightRig rig="contrasting" dir="t">
+            <a:rot lat="0" lon="0" rev="1200000"/>
+          </a:lightRig>
+        </a:scene3d>
+        <a:sp3d contourW="19050" prstMaterial="metal">
+          <a:bevelT w="88900" h="203200"/>
+          <a:bevelB w="165100" h="254000"/>
+        </a:sp3d>
+      </dsp:spPr>
+      <dsp:style>
+        <a:lnRef idx="0">
+          <a:scrgbClr r="0" g="0" b="0"/>
+        </a:lnRef>
+        <a:fillRef idx="1">
+          <a:scrgbClr r="0" g="0" b="0"/>
+        </a:fillRef>
+        <a:effectRef idx="2">
+          <a:scrgbClr r="0" g="0" b="0"/>
+        </a:effectRef>
+        <a:fontRef idx="minor">
+          <a:schemeClr val="lt1"/>
+        </a:fontRef>
+      </dsp:style>
+      <dsp:txBody>
+        <a:bodyPr spcFirstLastPara="0" vert="horz" wrap="square" lIns="90080" tIns="45720" rIns="90080" bIns="45720" numCol="1" spcCol="1270" anchor="t" anchorCtr="0">
+          <a:noAutofit/>
+        </a:bodyPr>
+        <a:lstStyle/>
+        <a:p>
+          <a:pPr marL="0" lvl="0" indent="0" algn="l" defTabSz="800100">
+            <a:lnSpc>
+              <a:spcPct val="90000"/>
+            </a:lnSpc>
+            <a:spcBef>
+              <a:spcPct val="0"/>
+            </a:spcBef>
+            <a:spcAft>
+              <a:spcPct val="35000"/>
+            </a:spcAft>
+            <a:buNone/>
+          </a:pPr>
+          <a:r>
+            <a:rPr lang="en-US" sz="1800" kern="1200" dirty="0"/>
+            <a:t>Assembled into contigs with </a:t>
+          </a:r>
+          <a:r>
+            <a:rPr lang="en-US" sz="1800" kern="1200" dirty="0" err="1"/>
+            <a:t>CodonCode</a:t>
+          </a:r>
+          <a:r>
+            <a:rPr lang="en-US" sz="1800" kern="1200" dirty="0"/>
+            <a:t> Aligner</a:t>
+          </a:r>
+        </a:p>
+        <a:p>
+          <a:pPr marL="114300" lvl="1" indent="-114300" algn="l" defTabSz="622300">
+            <a:lnSpc>
+              <a:spcPct val="90000"/>
+            </a:lnSpc>
+            <a:spcBef>
+              <a:spcPct val="0"/>
+            </a:spcBef>
+            <a:spcAft>
+              <a:spcPct val="15000"/>
+            </a:spcAft>
+            <a:buChar char="•"/>
+          </a:pPr>
+          <a:r>
+            <a:rPr lang="en-US" sz="1400" kern="1200"/>
+            <a:t>Use Contigs as Query for megablast</a:t>
+          </a:r>
+        </a:p>
+      </dsp:txBody>
+      <dsp:txXfrm>
+        <a:off x="6641499" y="1264622"/>
+        <a:ext cx="1532066" cy="2042755"/>
+      </dsp:txXfrm>
+    </dsp:sp>
+  </dsp:spTree>
+</dsp:drawing>
+</file>
+
+<file path=ppt/diagrams/drawing3.xml><?xml version="1.0" encoding="utf-8"?>
+<dsp:drawing xmlns:dgm="http://schemas.openxmlformats.org/drawingml/2006/diagram" xmlns:dsp="http://schemas.microsoft.com/office/drawing/2008/diagram" xmlns:a="http://schemas.openxmlformats.org/drawingml/2006/main">
+  <dsp:spTree>
+    <dsp:nvGrpSpPr>
+      <dsp:cNvPr id="0" name=""/>
+      <dsp:cNvGrpSpPr/>
+    </dsp:nvGrpSpPr>
+    <dsp:grpSpPr/>
+    <dsp:sp modelId="{19149A12-C46B-456A-99F2-3AD44C9D65E7}">
+      <dsp:nvSpPr>
+        <dsp:cNvPr id="0" name=""/>
+        <dsp:cNvSpPr/>
+      </dsp:nvSpPr>
+      <dsp:spPr>
+        <a:xfrm>
+          <a:off x="571499" y="0"/>
+          <a:ext cx="6477000" cy="4114800"/>
+        </a:xfrm>
+        <a:prstGeom prst="rightArrow">
+          <a:avLst/>
+        </a:prstGeom>
+        <a:solidFill>
+          <a:schemeClr val="accent2">
+            <a:tint val="40000"/>
+            <a:hueOff val="0"/>
+            <a:satOff val="0"/>
+            <a:lumOff val="0"/>
+            <a:alphaOff val="0"/>
+          </a:schemeClr>
+        </a:solidFill>
+        <a:ln>
+          <a:noFill/>
+        </a:ln>
+        <a:effectLst/>
+      </dsp:spPr>
+      <dsp:style>
+        <a:lnRef idx="0">
+          <a:scrgbClr r="0" g="0" b="0"/>
+        </a:lnRef>
+        <a:fillRef idx="1">
+          <a:scrgbClr r="0" g="0" b="0"/>
+        </a:fillRef>
+        <a:effectRef idx="0">
+          <a:scrgbClr r="0" g="0" b="0"/>
+        </a:effectRef>
+        <a:fontRef idx="minor"/>
+      </dsp:style>
+    </dsp:sp>
+    <dsp:sp modelId="{E51C48E8-63E4-44F6-97DF-3D06DDFCA509}">
+      <dsp:nvSpPr>
+        <dsp:cNvPr id="0" name=""/>
+        <dsp:cNvSpPr/>
+      </dsp:nvSpPr>
+      <dsp:spPr>
+        <a:xfrm>
+          <a:off x="2092" y="1234440"/>
+          <a:ext cx="1218530" cy="1645920"/>
+        </a:xfrm>
+        <a:prstGeom prst="roundRect">
+          <a:avLst/>
+        </a:prstGeom>
+        <a:solidFill>
+          <a:schemeClr val="accent2">
+            <a:hueOff val="0"/>
+            <a:satOff val="0"/>
+            <a:lumOff val="0"/>
+            <a:alphaOff val="0"/>
+          </a:schemeClr>
+        </a:solidFill>
+        <a:ln w="25400" cap="flat" cmpd="sng" algn="ctr">
+          <a:solidFill>
+            <a:schemeClr val="lt1">
+              <a:hueOff val="0"/>
+              <a:satOff val="0"/>
+              <a:lumOff val="0"/>
+              <a:alphaOff val="0"/>
+            </a:schemeClr>
+          </a:solidFill>
+          <a:prstDash val="solid"/>
+        </a:ln>
+        <a:effectLst/>
+      </dsp:spPr>
+      <dsp:style>
+        <a:lnRef idx="2">
+          <a:scrgbClr r="0" g="0" b="0"/>
+        </a:lnRef>
+        <a:fillRef idx="1">
+          <a:scrgbClr r="0" g="0" b="0"/>
+        </a:fillRef>
+        <a:effectRef idx="0">
+          <a:scrgbClr r="0" g="0" b="0"/>
+        </a:effectRef>
+        <a:fontRef idx="minor">
+          <a:schemeClr val="lt1"/>
+        </a:fontRef>
+      </dsp:style>
+      <dsp:txBody>
+        <a:bodyPr spcFirstLastPara="0" vert="horz" wrap="square" lIns="49530" tIns="49530" rIns="49530" bIns="49530" numCol="1" spcCol="1270" anchor="ctr" anchorCtr="0">
+          <a:noAutofit/>
+        </a:bodyPr>
+        <a:lstStyle/>
+        <a:p>
+          <a:pPr marL="0" lvl="0" indent="0" algn="ctr" defTabSz="577850">
+            <a:lnSpc>
+              <a:spcPct val="90000"/>
+            </a:lnSpc>
+            <a:spcBef>
+              <a:spcPct val="0"/>
+            </a:spcBef>
+            <a:spcAft>
+              <a:spcPct val="35000"/>
+            </a:spcAft>
+            <a:buNone/>
+          </a:pPr>
+          <a:r>
+            <a:rPr lang="en-US" sz="1300" kern="1200"/>
+            <a:t>Download Data using their Accession numbers.</a:t>
+          </a:r>
+        </a:p>
+      </dsp:txBody>
+      <dsp:txXfrm>
+        <a:off x="61576" y="1293924"/>
+        <a:ext cx="1099562" cy="1526952"/>
+      </dsp:txXfrm>
+    </dsp:sp>
+    <dsp:sp modelId="{7645F1B1-66F8-4203-A7F5-8908F1E982A6}">
+      <dsp:nvSpPr>
+        <dsp:cNvPr id="0" name=""/>
+        <dsp:cNvSpPr/>
+      </dsp:nvSpPr>
+      <dsp:spPr>
+        <a:xfrm>
+          <a:off x="1281549" y="1234440"/>
+          <a:ext cx="1218530" cy="1645920"/>
+        </a:xfrm>
+        <a:prstGeom prst="roundRect">
+          <a:avLst/>
+        </a:prstGeom>
+        <a:solidFill>
+          <a:schemeClr val="accent2">
+            <a:hueOff val="0"/>
+            <a:satOff val="0"/>
+            <a:lumOff val="0"/>
+            <a:alphaOff val="0"/>
+          </a:schemeClr>
+        </a:solidFill>
+        <a:ln w="25400" cap="flat" cmpd="sng" algn="ctr">
+          <a:solidFill>
+            <a:schemeClr val="lt1">
+              <a:hueOff val="0"/>
+              <a:satOff val="0"/>
+              <a:lumOff val="0"/>
+              <a:alphaOff val="0"/>
+            </a:schemeClr>
+          </a:solidFill>
+          <a:prstDash val="solid"/>
+        </a:ln>
+        <a:effectLst/>
+      </dsp:spPr>
+      <dsp:style>
+        <a:lnRef idx="2">
+          <a:scrgbClr r="0" g="0" b="0"/>
+        </a:lnRef>
+        <a:fillRef idx="1">
+          <a:scrgbClr r="0" g="0" b="0"/>
+        </a:fillRef>
+        <a:effectRef idx="0">
+          <a:scrgbClr r="0" g="0" b="0"/>
+        </a:effectRef>
+        <a:fontRef idx="minor">
+          <a:schemeClr val="lt1"/>
+        </a:fontRef>
+      </dsp:style>
+      <dsp:txBody>
+        <a:bodyPr spcFirstLastPara="0" vert="horz" wrap="square" lIns="49530" tIns="49530" rIns="49530" bIns="49530" numCol="1" spcCol="1270" anchor="ctr" anchorCtr="0">
+          <a:noAutofit/>
+        </a:bodyPr>
+        <a:lstStyle/>
+        <a:p>
+          <a:pPr marL="0" lvl="0" indent="0" algn="ctr" defTabSz="577850">
+            <a:lnSpc>
+              <a:spcPct val="90000"/>
+            </a:lnSpc>
+            <a:spcBef>
+              <a:spcPct val="0"/>
+            </a:spcBef>
+            <a:spcAft>
+              <a:spcPct val="35000"/>
+            </a:spcAft>
+            <a:buNone/>
+          </a:pPr>
+          <a:r>
+            <a:rPr lang="en-US" sz="1300" kern="1200"/>
+            <a:t>Count Reads</a:t>
+          </a:r>
+        </a:p>
+      </dsp:txBody>
+      <dsp:txXfrm>
+        <a:off x="1341033" y="1293924"/>
+        <a:ext cx="1099562" cy="1526952"/>
+      </dsp:txXfrm>
+    </dsp:sp>
+    <dsp:sp modelId="{5811106E-16D8-46D4-B7B0-1477F7705B46}">
+      <dsp:nvSpPr>
+        <dsp:cNvPr id="0" name=""/>
+        <dsp:cNvSpPr/>
+      </dsp:nvSpPr>
+      <dsp:spPr>
+        <a:xfrm>
+          <a:off x="2561006" y="1234440"/>
+          <a:ext cx="1218530" cy="1645920"/>
+        </a:xfrm>
+        <a:prstGeom prst="roundRect">
+          <a:avLst/>
+        </a:prstGeom>
+        <a:solidFill>
+          <a:schemeClr val="accent2">
+            <a:hueOff val="0"/>
+            <a:satOff val="0"/>
+            <a:lumOff val="0"/>
+            <a:alphaOff val="0"/>
+          </a:schemeClr>
+        </a:solidFill>
+        <a:ln w="25400" cap="flat" cmpd="sng" algn="ctr">
+          <a:solidFill>
+            <a:schemeClr val="lt1">
+              <a:hueOff val="0"/>
+              <a:satOff val="0"/>
+              <a:lumOff val="0"/>
+              <a:alphaOff val="0"/>
+            </a:schemeClr>
+          </a:solidFill>
+          <a:prstDash val="solid"/>
+        </a:ln>
+        <a:effectLst/>
+      </dsp:spPr>
+      <dsp:style>
+        <a:lnRef idx="2">
+          <a:scrgbClr r="0" g="0" b="0"/>
+        </a:lnRef>
+        <a:fillRef idx="1">
+          <a:scrgbClr r="0" g="0" b="0"/>
+        </a:fillRef>
+        <a:effectRef idx="0">
+          <a:scrgbClr r="0" g="0" b="0"/>
+        </a:effectRef>
+        <a:fontRef idx="minor">
+          <a:schemeClr val="lt1"/>
+        </a:fontRef>
+      </dsp:style>
+      <dsp:txBody>
+        <a:bodyPr spcFirstLastPara="0" vert="horz" wrap="square" lIns="49530" tIns="49530" rIns="49530" bIns="49530" numCol="1" spcCol="1270" anchor="ctr" anchorCtr="0">
+          <a:noAutofit/>
+        </a:bodyPr>
+        <a:lstStyle/>
+        <a:p>
+          <a:pPr marL="0" lvl="0" indent="0" algn="ctr" defTabSz="577850">
+            <a:lnSpc>
+              <a:spcPct val="90000"/>
+            </a:lnSpc>
+            <a:spcBef>
+              <a:spcPct val="0"/>
+            </a:spcBef>
+            <a:spcAft>
+              <a:spcPct val="35000"/>
+            </a:spcAft>
+            <a:buNone/>
+          </a:pPr>
+          <a:r>
+            <a:rPr lang="en-US" sz="1300" kern="1200"/>
+            <a:t>Download Reference Genomes</a:t>
+          </a:r>
+        </a:p>
+      </dsp:txBody>
+      <dsp:txXfrm>
+        <a:off x="2620490" y="1293924"/>
+        <a:ext cx="1099562" cy="1526952"/>
+      </dsp:txXfrm>
+    </dsp:sp>
+    <dsp:sp modelId="{A8E000E3-42D8-441C-87C4-71A83240035F}">
+      <dsp:nvSpPr>
+        <dsp:cNvPr id="0" name=""/>
+        <dsp:cNvSpPr/>
+      </dsp:nvSpPr>
+      <dsp:spPr>
+        <a:xfrm>
+          <a:off x="3840463" y="1234440"/>
+          <a:ext cx="1218530" cy="1645920"/>
+        </a:xfrm>
+        <a:prstGeom prst="roundRect">
+          <a:avLst/>
+        </a:prstGeom>
+        <a:solidFill>
+          <a:schemeClr val="accent2">
+            <a:hueOff val="0"/>
+            <a:satOff val="0"/>
+            <a:lumOff val="0"/>
+            <a:alphaOff val="0"/>
+          </a:schemeClr>
+        </a:solidFill>
+        <a:ln w="25400" cap="flat" cmpd="sng" algn="ctr">
+          <a:solidFill>
+            <a:schemeClr val="lt1">
+              <a:hueOff val="0"/>
+              <a:satOff val="0"/>
+              <a:lumOff val="0"/>
+              <a:alphaOff val="0"/>
+            </a:schemeClr>
+          </a:solidFill>
+          <a:prstDash val="solid"/>
+        </a:ln>
+        <a:effectLst/>
+      </dsp:spPr>
+      <dsp:style>
+        <a:lnRef idx="2">
+          <a:scrgbClr r="0" g="0" b="0"/>
+        </a:lnRef>
+        <a:fillRef idx="1">
+          <a:scrgbClr r="0" g="0" b="0"/>
+        </a:fillRef>
+        <a:effectRef idx="0">
+          <a:scrgbClr r="0" g="0" b="0"/>
+        </a:effectRef>
+        <a:fontRef idx="minor">
+          <a:schemeClr val="lt1"/>
+        </a:fontRef>
+      </dsp:style>
+      <dsp:txBody>
+        <a:bodyPr spcFirstLastPara="0" vert="horz" wrap="square" lIns="49530" tIns="49530" rIns="49530" bIns="49530" numCol="1" spcCol="1270" anchor="ctr" anchorCtr="0">
+          <a:noAutofit/>
+        </a:bodyPr>
+        <a:lstStyle/>
+        <a:p>
+          <a:pPr marL="0" lvl="0" indent="0" algn="ctr" defTabSz="577850">
+            <a:lnSpc>
+              <a:spcPct val="90000"/>
+            </a:lnSpc>
+            <a:spcBef>
+              <a:spcPct val="0"/>
+            </a:spcBef>
+            <a:spcAft>
+              <a:spcPct val="35000"/>
+            </a:spcAft>
+            <a:buNone/>
+          </a:pPr>
+          <a:r>
+            <a:rPr lang="en-US" sz="1300" kern="1200"/>
+            <a:t>Blast Reads</a:t>
+          </a:r>
+        </a:p>
+      </dsp:txBody>
+      <dsp:txXfrm>
+        <a:off x="3899947" y="1293924"/>
+        <a:ext cx="1099562" cy="1526952"/>
+      </dsp:txXfrm>
+    </dsp:sp>
+    <dsp:sp modelId="{D44873F3-105C-49E9-B6F8-E32D60B1EC18}">
+      <dsp:nvSpPr>
+        <dsp:cNvPr id="0" name=""/>
+        <dsp:cNvSpPr/>
+      </dsp:nvSpPr>
+      <dsp:spPr>
+        <a:xfrm>
+          <a:off x="5119920" y="1234440"/>
+          <a:ext cx="1218530" cy="1645920"/>
+        </a:xfrm>
+        <a:prstGeom prst="roundRect">
+          <a:avLst/>
+        </a:prstGeom>
+        <a:solidFill>
+          <a:schemeClr val="accent2">
+            <a:hueOff val="0"/>
+            <a:satOff val="0"/>
+            <a:lumOff val="0"/>
+            <a:alphaOff val="0"/>
+          </a:schemeClr>
+        </a:solidFill>
+        <a:ln w="25400" cap="flat" cmpd="sng" algn="ctr">
+          <a:solidFill>
+            <a:schemeClr val="lt1">
+              <a:hueOff val="0"/>
+              <a:satOff val="0"/>
+              <a:lumOff val="0"/>
+              <a:alphaOff val="0"/>
+            </a:schemeClr>
+          </a:solidFill>
+          <a:prstDash val="solid"/>
+        </a:ln>
+        <a:effectLst/>
+      </dsp:spPr>
+      <dsp:style>
+        <a:lnRef idx="2">
+          <a:scrgbClr r="0" g="0" b="0"/>
+        </a:lnRef>
+        <a:fillRef idx="1">
+          <a:scrgbClr r="0" g="0" b="0"/>
+        </a:fillRef>
+        <a:effectRef idx="0">
+          <a:scrgbClr r="0" g="0" b="0"/>
+        </a:effectRef>
+        <a:fontRef idx="minor">
+          <a:schemeClr val="lt1"/>
+        </a:fontRef>
+      </dsp:style>
+      <dsp:txBody>
+        <a:bodyPr spcFirstLastPara="0" vert="horz" wrap="square" lIns="49530" tIns="49530" rIns="49530" bIns="49530" numCol="1" spcCol="1270" anchor="ctr" anchorCtr="0">
+          <a:noAutofit/>
+        </a:bodyPr>
+        <a:lstStyle/>
+        <a:p>
+          <a:pPr marL="0" lvl="0" indent="0" algn="ctr" defTabSz="577850">
+            <a:lnSpc>
+              <a:spcPct val="90000"/>
+            </a:lnSpc>
+            <a:spcBef>
+              <a:spcPct val="0"/>
+            </a:spcBef>
+            <a:spcAft>
+              <a:spcPct val="35000"/>
+            </a:spcAft>
+            <a:buNone/>
+          </a:pPr>
+          <a:r>
+            <a:rPr lang="en-US" sz="1300" kern="1200"/>
+            <a:t>Tabulate Results and Compare to Table S1</a:t>
+          </a:r>
+        </a:p>
+      </dsp:txBody>
+      <dsp:txXfrm>
+        <a:off x="5179404" y="1293924"/>
+        <a:ext cx="1099562" cy="1526952"/>
+      </dsp:txXfrm>
+    </dsp:sp>
+    <dsp:sp modelId="{40FC0EDB-76C3-4B9E-BE19-753D6635ACD3}">
+      <dsp:nvSpPr>
+        <dsp:cNvPr id="0" name=""/>
+        <dsp:cNvSpPr/>
+      </dsp:nvSpPr>
+      <dsp:spPr>
+        <a:xfrm>
+          <a:off x="6399376" y="1234440"/>
+          <a:ext cx="1218530" cy="1645920"/>
+        </a:xfrm>
+        <a:prstGeom prst="roundRect">
+          <a:avLst/>
+        </a:prstGeom>
+        <a:solidFill>
+          <a:schemeClr val="accent2">
+            <a:hueOff val="0"/>
+            <a:satOff val="0"/>
+            <a:lumOff val="0"/>
+            <a:alphaOff val="0"/>
+          </a:schemeClr>
+        </a:solidFill>
+        <a:ln w="25400" cap="flat" cmpd="sng" algn="ctr">
+          <a:solidFill>
+            <a:schemeClr val="lt1">
+              <a:hueOff val="0"/>
+              <a:satOff val="0"/>
+              <a:lumOff val="0"/>
+              <a:alphaOff val="0"/>
+            </a:schemeClr>
+          </a:solidFill>
+          <a:prstDash val="solid"/>
+        </a:ln>
+        <a:effectLst/>
+      </dsp:spPr>
+      <dsp:style>
+        <a:lnRef idx="2">
+          <a:scrgbClr r="0" g="0" b="0"/>
+        </a:lnRef>
+        <a:fillRef idx="1">
+          <a:scrgbClr r="0" g="0" b="0"/>
+        </a:fillRef>
+        <a:effectRef idx="0">
+          <a:scrgbClr r="0" g="0" b="0"/>
+        </a:effectRef>
+        <a:fontRef idx="minor">
+          <a:schemeClr val="lt1"/>
+        </a:fontRef>
+      </dsp:style>
+      <dsp:txBody>
+        <a:bodyPr spcFirstLastPara="0" vert="horz" wrap="square" lIns="49530" tIns="49530" rIns="49530" bIns="49530" numCol="1" spcCol="1270" anchor="t" anchorCtr="0">
+          <a:noAutofit/>
+        </a:bodyPr>
+        <a:lstStyle/>
+        <a:p>
+          <a:pPr marL="0" lvl="0" indent="0" algn="l" defTabSz="577850">
+            <a:lnSpc>
+              <a:spcPct val="90000"/>
+            </a:lnSpc>
+            <a:spcBef>
+              <a:spcPct val="0"/>
+            </a:spcBef>
+            <a:spcAft>
+              <a:spcPct val="35000"/>
+            </a:spcAft>
+            <a:buNone/>
+          </a:pPr>
+          <a:r>
+            <a:rPr lang="en-US" sz="1300" kern="1200"/>
+            <a:t>Assembled into contigs with CodonCode Aligner</a:t>
+          </a:r>
+        </a:p>
+        <a:p>
+          <a:pPr marL="57150" lvl="1" indent="-57150" algn="l" defTabSz="444500">
+            <a:lnSpc>
+              <a:spcPct val="90000"/>
+            </a:lnSpc>
+            <a:spcBef>
+              <a:spcPct val="0"/>
+            </a:spcBef>
+            <a:spcAft>
+              <a:spcPct val="15000"/>
+            </a:spcAft>
+            <a:buChar char="•"/>
+          </a:pPr>
+          <a:r>
+            <a:rPr lang="en-US" sz="1000" kern="1200"/>
+            <a:t>Use Contigs as Query in Megablast</a:t>
+          </a:r>
+        </a:p>
+      </dsp:txBody>
+      <dsp:txXfrm>
+        <a:off x="6458860" y="1293924"/>
+        <a:ext cx="1099562" cy="1526952"/>
+      </dsp:txXfrm>
+    </dsp:sp>
+  </dsp:spTree>
+</dsp:drawing>
+</file>
+
+<file path=ppt/diagrams/layout1.xml><?xml version="1.0" encoding="utf-8"?>
+<dgm:layoutDef xmlns:dgm="http://schemas.openxmlformats.org/drawingml/2006/diagram" xmlns:a="http://schemas.openxmlformats.org/drawingml/2006/main" uniqueId="urn:microsoft.com/office/officeart/2005/8/layout/vList2">
+  <dgm:title val=""/>
+  <dgm:desc val=""/>
+  <dgm:catLst>
+    <dgm:cat type="list" pri="3000"/>
+    <dgm:cat type="convert" pri="1000"/>
+  </dgm:catLst>
+  <dgm:sampData>
+    <dgm:dataModel>
+      <dgm:ptLst>
+        <dgm:pt modelId="0" type="doc"/>
+        <dgm:pt modelId="1">
+          <dgm:prSet phldr="1"/>
+        </dgm:pt>
+        <dgm:pt modelId="11">
+          <dgm:prSet phldr="1"/>
+        </dgm:pt>
+        <dgm:pt modelId="2">
+          <dgm:prSet phldr="1"/>
+        </dgm:pt>
+        <dgm:pt modelId="21">
+          <dgm:prSet phldr="1"/>
+        </dgm:pt>
+      </dgm:ptLst>
+      <dgm:cxnLst>
+        <dgm:cxn modelId="4" srcId="0" destId="1" srcOrd="0" destOrd="0"/>
+        <dgm:cxn modelId="5" srcId="0" destId="2" srcOrd="1" destOrd="0"/>
+        <dgm:cxn modelId="12" srcId="1" destId="11" srcOrd="0" destOrd="0"/>
+        <dgm:cxn modelId="23" srcId="2" destId="21" srcOrd="0" destOrd="0"/>
+      </dgm:cxnLst>
+      <dgm:bg/>
+      <dgm:whole/>
+    </dgm:dataModel>
+  </dgm:sampData>
+  <dgm:styleData>
+    <dgm:dataModel>
+      <dgm:ptLst>
+        <dgm:pt modelId="0" type="doc"/>
+        <dgm:pt modelId="1"/>
+        <dgm:pt modelId="2"/>
+      </dgm:ptLst>
+      <dgm:cxnLst>
+        <dgm:cxn modelId="3" srcId="0" destId="1" srcOrd="0" destOrd="0"/>
+        <dgm:cxn modelId="4" srcId="0" destId="2" srcOrd="1" destOrd="0"/>
+      </dgm:cxnLst>
+      <dgm:bg/>
+      <dgm:whole/>
+    </dgm:dataModel>
+  </dgm:styleData>
+  <dgm:clrData>
+    <dgm:dataModel>
+      <dgm:ptLst>
+        <dgm:pt modelId="0" type="doc"/>
+        <dgm:pt modelId="1"/>
+        <dgm:pt modelId="2"/>
+        <dgm:pt modelId="3"/>
+        <dgm:pt modelId="4"/>
+      </dgm:ptLst>
+      <dgm:cxnLst>
+        <dgm:cxn modelId="5" srcId="0" destId="1" srcOrd="0" destOrd="0"/>
+        <dgm:cxn modelId="6" srcId="0" destId="2" srcOrd="1" destOrd="0"/>
+        <dgm:cxn modelId="7" srcId="0" destId="3" srcOrd="2" destOrd="0"/>
+        <dgm:cxn modelId="8" srcId="0" destId="4" srcOrd="3" destOrd="0"/>
+      </dgm:cxnLst>
+      <dgm:bg/>
+      <dgm:whole/>
+    </dgm:dataModel>
+  </dgm:clrData>
+  <dgm:layoutNode name="linear">
+    <dgm:varLst>
+      <dgm:animLvl val="lvl"/>
+      <dgm:resizeHandles val="exact"/>
+    </dgm:varLst>
+    <dgm:alg type="lin">
+      <dgm:param type="linDir" val="fromT"/>
+      <dgm:param type="vertAlign" val="mid"/>
+    </dgm:alg>
+    <dgm:shape xmlns:r="http://schemas.openxmlformats.org/officeDocument/2006/relationships" r:blip="">
+      <dgm:adjLst/>
+    </dgm:shape>
+    <dgm:presOf/>
+    <dgm:constrLst>
+      <dgm:constr type="w" for="ch" forName="parentText" refType="w"/>
+      <dgm:constr type="h" for="ch" forName="parentText" refType="primFontSz" refFor="ch" refForName="parentText" fact="0.52"/>
+      <dgm:constr type="w" for="ch" forName="childText" refType="w"/>
+      <dgm:constr type="h" for="ch" forName="childText" refType="primFontSz" refFor="ch" refForName="parentText" fact="0.46"/>
+      <dgm:constr type="h" for="ch" forName="parentText" op="equ"/>
+      <dgm:constr type="primFontSz" for="ch" forName="parentText" op="equ" val="65"/>
+      <dgm:constr type="primFontSz" for="ch" forName="childText" refType="primFontSz" refFor="ch" refForName="parentText" op="equ"/>
+      <dgm:constr type="h" for="ch" forName="spacer" refType="primFontSz" refFor="ch" refForName="parentText" fact="0.08"/>
+    </dgm:constrLst>
+    <dgm:ruleLst>
+      <dgm:rule type="primFontSz" for="ch" forName="parentText" val="5" fact="NaN" max="NaN"/>
+    </dgm:ruleLst>
+    <dgm:forEach name="Name0" axis="ch" ptType="node">
+      <dgm:layoutNode name="parentText" styleLbl="node1">
+        <dgm:varLst>
+          <dgm:chMax val="0"/>
+          <dgm:bulletEnabled val="1"/>
+        </dgm:varLst>
+        <dgm:alg type="tx">
+          <dgm:param type="parTxLTRAlign" val="l"/>
+          <dgm:param type="parTxRTLAlign" val="r"/>
+        </dgm:alg>
+        <dgm:shape xmlns:r="http://schemas.openxmlformats.org/officeDocument/2006/relationships" type="roundRect" r:blip="">
+          <dgm:adjLst/>
+        </dgm:shape>
+        <dgm:presOf axis="self"/>
+        <dgm:constrLst>
+          <dgm:constr type="tMarg" refType="primFontSz" fact="0.3"/>
+          <dgm:constr type="bMarg" refType="primFontSz" fact="0.3"/>
+          <dgm:constr type="lMarg" refType="primFontSz" fact="0.3"/>
+          <dgm:constr type="rMarg" refType="primFontSz" fact="0.3"/>
+        </dgm:constrLst>
+        <dgm:ruleLst>
+          <dgm:rule type="h" val="INF" fact="NaN" max="NaN"/>
+        </dgm:ruleLst>
+      </dgm:layoutNode>
+      <dgm:choose name="Name1">
+        <dgm:if name="Name2" axis="ch" ptType="node" func="cnt" op="gte" val="1">
+          <dgm:layoutNode name="childText" styleLbl="revTx">
+            <dgm:varLst>
+              <dgm:bulletEnabled val="1"/>
+            </dgm:varLst>
+            <dgm:alg type="tx">
+              <dgm:param type="stBulletLvl" val="1"/>
+              <dgm:param type="lnSpAfChP" val="20"/>
+            </dgm:alg>
+            <dgm:shape xmlns:r="http://schemas.openxmlformats.org/officeDocument/2006/relationships" type="rect" r:blip="">
+              <dgm:adjLst/>
+            </dgm:shape>
+            <dgm:presOf axis="des" ptType="node"/>
+            <dgm:constrLst>
+              <dgm:constr type="tMarg" refType="primFontSz" fact="0.1"/>
+              <dgm:constr type="bMarg" refType="primFontSz" fact="0.1"/>
+              <dgm:constr type="lMarg" refType="w" fact="0.09"/>
+            </dgm:constrLst>
+            <dgm:ruleLst>
+              <dgm:rule type="h" val="INF" fact="NaN" max="NaN"/>
+            </dgm:ruleLst>
+          </dgm:layoutNode>
+        </dgm:if>
+        <dgm:else name="Name3">
+          <dgm:choose name="Name4">
+            <dgm:if name="Name5" axis="par ch" ptType="doc node" func="cnt" op="gte" val="2">
+              <dgm:forEach name="Name6" axis="followSib" ptType="sibTrans" cnt="1">
+                <dgm:layoutNode name="spacer">
+                  <dgm:alg type="sp"/>
+                  <dgm:shape xmlns:r="http://schemas.openxmlformats.org/officeDocument/2006/relationships" r:blip="">
+                    <dgm:adjLst/>
+                  </dgm:shape>
+                  <dgm:presOf/>
+                  <dgm:constrLst/>
+                  <dgm:ruleLst/>
+                </dgm:layoutNode>
+              </dgm:forEach>
+            </dgm:if>
+            <dgm:else name="Name7"/>
+          </dgm:choose>
+        </dgm:else>
+      </dgm:choose>
+    </dgm:forEach>
+  </dgm:layoutNode>
+</dgm:layoutDef>
+</file>
+
+<file path=ppt/diagrams/layout2.xml><?xml version="1.0" encoding="utf-8"?>
+<dgm:layoutDef xmlns:dgm="http://schemas.openxmlformats.org/drawingml/2006/diagram" xmlns:a="http://schemas.openxmlformats.org/drawingml/2006/main" uniqueId="urn:microsoft.com/office/officeart/2005/8/layout/hChevron3">
+  <dgm:title val=""/>
+  <dgm:desc val=""/>
+  <dgm:catLst>
+    <dgm:cat type="process" pri="10000"/>
+  </dgm:catLst>
+  <dgm:sampData useDef="1">
+    <dgm:dataModel>
+      <dgm:ptLst/>
+      <dgm:bg/>
+      <dgm:whole/>
+    </dgm:dataModel>
+  </dgm:sampData>
+  <dgm:styleData>
+    <dgm:dataModel>
+      <dgm:ptLst>
+        <dgm:pt modelId="0" type="doc"/>
+        <dgm:pt modelId="1"/>
+        <dgm:pt modelId="2"/>
+      </dgm:ptLst>
+      <dgm:cxnLst>
+        <dgm:cxn modelId="3" srcId="0" destId="1" srcOrd="0" destOrd="0"/>
+        <dgm:cxn modelId="4" srcId="0" destId="2" srcOrd="1" destOrd="0"/>
+      </dgm:cxnLst>
+      <dgm:bg/>
+      <dgm:whole/>
+    </dgm:dataModel>
+  </dgm:styleData>
+  <dgm:clrData>
+    <dgm:dataModel>
+      <dgm:ptLst>
+        <dgm:pt modelId="0" type="doc"/>
+        <dgm:pt modelId="1"/>
+        <dgm:pt modelId="2"/>
+        <dgm:pt modelId="3"/>
+        <dgm:pt modelId="4"/>
+      </dgm:ptLst>
+      <dgm:cxnLst>
+        <dgm:cxn modelId="5" srcId="0" destId="1" srcOrd="0" destOrd="0"/>
+        <dgm:cxn modelId="6" srcId="0" destId="2" srcOrd="1" destOrd="0"/>
+        <dgm:cxn modelId="7" srcId="0" destId="3" srcOrd="2" destOrd="0"/>
+        <dgm:cxn modelId="8" srcId="0" destId="4" srcOrd="3" destOrd="0"/>
+      </dgm:cxnLst>
+      <dgm:bg/>
+      <dgm:whole/>
+    </dgm:dataModel>
+  </dgm:clrData>
+  <dgm:layoutNode name="Name0">
+    <dgm:varLst>
+      <dgm:dir/>
+      <dgm:resizeHandles val="exact"/>
+    </dgm:varLst>
+    <dgm:choose name="Name1">
+      <dgm:if name="Name2" func="var" arg="dir" op="equ" val="norm">
+        <dgm:alg type="lin"/>
+      </dgm:if>
+      <dgm:else name="Name3">
+        <dgm:alg type="lin">
+          <dgm:param type="linDir" val="fromR"/>
+        </dgm:alg>
+      </dgm:else>
+    </dgm:choose>
+    <dgm:shape xmlns:r="http://schemas.openxmlformats.org/officeDocument/2006/relationships" r:blip="">
+      <dgm:adjLst/>
+    </dgm:shape>
+    <dgm:presOf/>
+    <dgm:choose name="Name4">
+      <dgm:if name="Name5" axis="root des" func="maxDepth" op="gte" val="2">
+        <dgm:constrLst>
+          <dgm:constr type="w" for="ch" forName="parAndChTx" refType="w"/>
+          <dgm:constr type="primFontSz" for="ch" ptType="node" op="equ"/>
+          <dgm:constr type="w" for="ch" forName="parAndChSpace" refType="w" refFor="ch" refForName="parAndChTx" fact="-0.2"/>
+          <dgm:constr type="w" for="ch" ptType="sibTrans" op="equ"/>
+        </dgm:constrLst>
+        <dgm:ruleLst/>
+        <dgm:forEach name="Name6" axis="ch" ptType="node">
+          <dgm:layoutNode name="parAndChTx">
+            <dgm:varLst>
+              <dgm:bulletEnabled val="1"/>
+            </dgm:varLst>
+            <dgm:alg type="tx"/>
+            <dgm:choose name="Name7">
+              <dgm:if name="Name8" func="var" arg="dir" op="equ" val="norm">
+                <dgm:choose name="Name9">
+                  <dgm:if name="Name10" axis="self" ptType="node" func="pos" op="equ" val="1">
+                    <dgm:shape xmlns:r="http://schemas.openxmlformats.org/officeDocument/2006/relationships" type="homePlate" r:blip="">
+                      <dgm:adjLst>
+                        <dgm:adj idx="1" val="0.25"/>
+                      </dgm:adjLst>
+                    </dgm:shape>
+                    <dgm:presOf axis="desOrSelf" ptType="node"/>
+                    <dgm:constrLst>
+                      <dgm:constr type="h" refType="w" op="equ" fact="0.8"/>
+                      <dgm:constr type="primFontSz" val="65"/>
+                      <dgm:constr type="tMarg" refType="primFontSz" fact="0.2"/>
+                      <dgm:constr type="bMarg" refType="primFontSz" fact="0.2"/>
+                      <dgm:constr type="lMarg" refType="w" fact="0.1"/>
+                      <dgm:constr type="rMarg" refType="w" fact="0.4"/>
+                    </dgm:constrLst>
+                  </dgm:if>
+                  <dgm:else name="Name11">
+                    <dgm:shape xmlns:r="http://schemas.openxmlformats.org/officeDocument/2006/relationships" type="chevron" r:blip="">
+                      <dgm:adjLst>
+                        <dgm:adj idx="1" val="0.25"/>
+                      </dgm:adjLst>
+                    </dgm:shape>
+                    <dgm:presOf axis="desOrSelf" ptType="node"/>
+                    <dgm:constrLst>
+                      <dgm:constr type="h" refType="w" op="equ" fact="0.8"/>
+                      <dgm:constr type="primFontSz" val="65"/>
+                      <dgm:constr type="tMarg" refType="primFontSz" fact="0.2"/>
+                      <dgm:constr type="bMarg" refType="primFontSz" fact="0.2"/>
+                      <dgm:constr type="lMarg" refType="w" fact="0.1"/>
+                      <dgm:constr type="rMarg" refType="w" fact="0.1"/>
+                    </dgm:constrLst>
+                  </dgm:else>
+                </dgm:choose>
+              </dgm:if>
+              <dgm:else name="Name12">
+                <dgm:choose name="Name13">
+                  <dgm:if name="Name14" axis="self" ptType="node" func="pos" op="equ" val="1">
+                    <dgm:shape xmlns:r="http://schemas.openxmlformats.org/officeDocument/2006/relationships" rot="180" type="homePlate" r:blip="">
+                      <dgm:adjLst>
+                        <dgm:adj idx="1" val="0.25"/>
+                      </dgm:adjLst>
+                    </dgm:shape>
+                    <dgm:presOf axis="desOrSelf" ptType="node"/>
+                    <dgm:constrLst>
+                      <dgm:constr type="h" refType="w" op="equ" fact="0.8"/>
+                      <dgm:constr type="primFontSz" val="65"/>
+                      <dgm:constr type="tMarg" refType="primFontSz" fact="0.2"/>
+                      <dgm:constr type="bMarg" refType="primFontSz" fact="0.2"/>
+                      <dgm:constr type="lMarg" refType="w" fact="0.4"/>
+                      <dgm:constr type="rMarg" refType="w" fact="0.1"/>
+                    </dgm:constrLst>
+                  </dgm:if>
+                  <dgm:else name="Name15">
+                    <dgm:shape xmlns:r="http://schemas.openxmlformats.org/officeDocument/2006/relationships" rot="180" type="chevron" r:blip="">
+                      <dgm:adjLst>
+                        <dgm:adj idx="1" val="0.25"/>
+                      </dgm:adjLst>
+                    </dgm:shape>
+                    <dgm:presOf axis="desOrSelf" ptType="node"/>
+                    <dgm:constrLst>
+                      <dgm:constr type="h" refType="w" op="equ" fact="0.8"/>
+                      <dgm:constr type="primFontSz" val="65"/>
+                      <dgm:constr type="tMarg" refType="primFontSz" fact="0.2"/>
+                      <dgm:constr type="bMarg" refType="primFontSz" fact="0.2"/>
+                      <dgm:constr type="lMarg" refType="w" fact="0.1"/>
+                      <dgm:constr type="rMarg" refType="w" fact="0.1"/>
+                    </dgm:constrLst>
+                  </dgm:else>
+                </dgm:choose>
+              </dgm:else>
+            </dgm:choose>
+            <dgm:ruleLst>
+              <dgm:rule type="primFontSz" val="5" fact="NaN" max="NaN"/>
+            </dgm:ruleLst>
+          </dgm:layoutNode>
+          <dgm:forEach name="Name16" axis="followSib" ptType="sibTrans" cnt="1">
+            <dgm:layoutNode name="parAndChSpace">
+              <dgm:alg type="sp"/>
+              <dgm:shape xmlns:r="http://schemas.openxmlformats.org/officeDocument/2006/relationships" r:blip="">
+                <dgm:adjLst/>
+              </dgm:shape>
+              <dgm:presOf/>
+              <dgm:constrLst/>
+              <dgm:ruleLst/>
+            </dgm:layoutNode>
+          </dgm:forEach>
+        </dgm:forEach>
+      </dgm:if>
+      <dgm:else name="Name17">
+        <dgm:constrLst>
+          <dgm:constr type="w" for="ch" forName="parTxOnly" refType="w"/>
+          <dgm:constr type="primFontSz" for="ch" ptType="node" op="equ"/>
+          <dgm:constr type="w" for="ch" forName="parSpace" refType="w" refFor="ch" refForName="parTxOnly" fact="-0.2"/>
+          <dgm:constr type="w" for="ch" ptType="sibTrans" op="equ"/>
+        </dgm:constrLst>
+        <dgm:ruleLst/>
+        <dgm:forEach name="Name18" axis="ch" ptType="node">
+          <dgm:layoutNode name="parTxOnly">
+            <dgm:varLst>
+              <dgm:bulletEnabled val="1"/>
+            </dgm:varLst>
+            <dgm:alg type="tx"/>
+            <dgm:presOf axis="desOrSelf" ptType="node"/>
+            <dgm:choose name="Name19">
+              <dgm:if name="Name20" func="var" arg="dir" op="equ" val="norm">
+                <dgm:choose name="Name21">
+                  <dgm:if name="Name22" axis="self" ptType="node" func="pos" op="equ" val="1">
+                    <dgm:shape xmlns:r="http://schemas.openxmlformats.org/officeDocument/2006/relationships" type="homePlate" r:blip="">
+                      <dgm:adjLst/>
+                    </dgm:shape>
+                    <dgm:constrLst>
+                      <dgm:constr type="h" refType="w" op="equ" fact="0.4"/>
+                      <dgm:constr type="primFontSz" val="65"/>
+                      <dgm:constr type="tMarg" refType="primFontSz" fact="0.21"/>
+                      <dgm:constr type="bMarg" refType="primFontSz" fact="0.21"/>
+                      <dgm:constr type="lMarg" refType="primFontSz" fact="0.42"/>
+                      <dgm:constr type="rMarg" refType="primFontSz" fact="0.105"/>
+                    </dgm:constrLst>
+                  </dgm:if>
+                  <dgm:else name="Name23">
+                    <dgm:shape xmlns:r="http://schemas.openxmlformats.org/officeDocument/2006/relationships" type="chevron" r:blip="">
+                      <dgm:adjLst/>
+                    </dgm:shape>
+                    <dgm:constrLst>
+                      <dgm:constr type="h" refType="w" op="equ" fact="0.4"/>
+                      <dgm:constr type="primFontSz" val="65"/>
+                      <dgm:constr type="tMarg" refType="primFontSz" fact="0.21"/>
+                      <dgm:constr type="bMarg" refType="primFontSz" fact="0.21"/>
+                      <dgm:constr type="lMarg" refType="primFontSz" fact="0.315"/>
+                      <dgm:constr type="rMarg" refType="primFontSz" fact="0.105"/>
+                    </dgm:constrLst>
+                  </dgm:else>
+                </dgm:choose>
+              </dgm:if>
+              <dgm:else name="Name24">
+                <dgm:choose name="Name25">
+                  <dgm:if name="Name26" axis="self" ptType="node" func="pos" op="equ" val="1">
+                    <dgm:shape xmlns:r="http://schemas.openxmlformats.org/officeDocument/2006/relationships" rot="180" type="homePlate" r:blip="">
+                      <dgm:adjLst/>
+                    </dgm:shape>
+                    <dgm:constrLst>
+                      <dgm:constr type="h" refType="w" op="equ" fact="0.4"/>
+                      <dgm:constr type="primFontSz" val="65"/>
+                      <dgm:constr type="tMarg" refType="primFontSz" fact="0.21"/>
+                      <dgm:constr type="bMarg" refType="primFontSz" fact="0.21"/>
+                      <dgm:constr type="lMarg" refType="primFontSz" fact="0.105"/>
+                      <dgm:constr type="rMarg" refType="primFontSz" fact="0.42"/>
+                    </dgm:constrLst>
+                  </dgm:if>
+                  <dgm:else name="Name27">
+                    <dgm:shape xmlns:r="http://schemas.openxmlformats.org/officeDocument/2006/relationships" rot="180" type="chevron" r:blip="">
+                      <dgm:adjLst/>
+                    </dgm:shape>
+                    <dgm:constrLst>
+                      <dgm:constr type="h" refType="w" op="equ" fact="0.4"/>
+                      <dgm:constr type="primFontSz" val="65"/>
+                      <dgm:constr type="tMarg" refType="primFontSz" fact="0.21"/>
+                      <dgm:constr type="bMarg" refType="primFontSz" fact="0.21"/>
+                      <dgm:constr type="lMarg" refType="primFontSz" fact="0.105"/>
+                      <dgm:constr type="rMarg" refType="primFontSz" fact="0.315"/>
+                    </dgm:constrLst>
+                  </dgm:else>
+                </dgm:choose>
+              </dgm:else>
+            </dgm:choose>
+            <dgm:ruleLst>
+              <dgm:rule type="primFontSz" val="5" fact="NaN" max="NaN"/>
+            </dgm:ruleLst>
+          </dgm:layoutNode>
+          <dgm:forEach name="Name28" axis="followSib" ptType="sibTrans" cnt="1">
+            <dgm:layoutNode name="parSpace">
+              <dgm:alg type="sp"/>
+              <dgm:shape xmlns:r="http://schemas.openxmlformats.org/officeDocument/2006/relationships" r:blip="">
+                <dgm:adjLst/>
+              </dgm:shape>
+              <dgm:presOf/>
+              <dgm:constrLst/>
+              <dgm:ruleLst/>
+            </dgm:layoutNode>
+          </dgm:forEach>
+        </dgm:forEach>
+      </dgm:else>
+    </dgm:choose>
+  </dgm:layoutNode>
+</dgm:layoutDef>
+</file>
+
+<file path=ppt/diagrams/layout3.xml><?xml version="1.0" encoding="utf-8"?>
+<dgm:layoutDef xmlns:dgm="http://schemas.openxmlformats.org/drawingml/2006/diagram" xmlns:a="http://schemas.openxmlformats.org/drawingml/2006/main" uniqueId="urn:microsoft.com/office/officeart/2005/8/layout/hProcess9">
+  <dgm:title val=""/>
+  <dgm:desc val=""/>
+  <dgm:catLst>
+    <dgm:cat type="process" pri="5000"/>
+    <dgm:cat type="convert" pri="13000"/>
+  </dgm:catLst>
+  <dgm:sampData useDef="1">
+    <dgm:dataModel>
+      <dgm:ptLst/>
+      <dgm:bg/>
+      <dgm:whole/>
+    </dgm:dataModel>
+  </dgm:sampData>
+  <dgm:styleData>
+    <dgm:dataModel>
+      <dgm:ptLst>
+        <dgm:pt modelId="0" type="doc"/>
+        <dgm:pt modelId="1"/>
+        <dgm:pt modelId="2"/>
+      </dgm:ptLst>
+      <dgm:cxnLst>
+        <dgm:cxn modelId="3" srcId="0" destId="1" srcOrd="0" destOrd="0"/>
+        <dgm:cxn modelId="4" srcId="0" destId="2" srcOrd="1" destOrd="0"/>
+      </dgm:cxnLst>
+      <dgm:bg/>
+      <dgm:whole/>
+    </dgm:dataModel>
+  </dgm:styleData>
+  <dgm:clrData>
+    <dgm:dataModel>
+      <dgm:ptLst>
+        <dgm:pt modelId="0" type="doc"/>
+        <dgm:pt modelId="1"/>
+        <dgm:pt modelId="2"/>
+        <dgm:pt modelId="3"/>
+        <dgm:pt modelId="4"/>
+      </dgm:ptLst>
+      <dgm:cxnLst>
+        <dgm:cxn modelId="5" srcId="0" destId="1" srcOrd="0" destOrd="0"/>
+        <dgm:cxn modelId="6" srcId="0" destId="2" srcOrd="1" destOrd="0"/>
+        <dgm:cxn modelId="7" srcId="0" destId="3" srcOrd="2" destOrd="0"/>
+        <dgm:cxn modelId="8" srcId="0" destId="4" srcOrd="3" destOrd="0"/>
+      </dgm:cxnLst>
+      <dgm:bg/>
+      <dgm:whole/>
+    </dgm:dataModel>
+  </dgm:clrData>
+  <dgm:layoutNode name="CompostProcess">
+    <dgm:varLst>
+      <dgm:dir/>
+      <dgm:resizeHandles val="exact"/>
+    </dgm:varLst>
+    <dgm:alg type="composite">
+      <dgm:param type="horzAlign" val="ctr"/>
+      <dgm:param type="vertAlign" val="mid"/>
+    </dgm:alg>
+    <dgm:shape xmlns:r="http://schemas.openxmlformats.org/officeDocument/2006/relationships" r:blip="">
+      <dgm:adjLst/>
+    </dgm:shape>
+    <dgm:presOf/>
+    <dgm:constrLst>
+      <dgm:constr type="w" for="ch" forName="arrow" refType="w" fact="0.85"/>
+      <dgm:constr type="h" for="ch" forName="arrow" refType="h"/>
+      <dgm:constr type="ctrX" for="ch" forName="arrow" refType="w" fact="0.5"/>
+      <dgm:constr type="ctrY" for="ch" forName="arrow" refType="h" fact="0.5"/>
+      <dgm:constr type="w" for="ch" forName="linearProcess" refType="w"/>
+      <dgm:constr type="h" for="ch" forName="linearProcess" refType="h" fact="0.4"/>
+      <dgm:constr type="ctrX" for="ch" forName="linearProcess" refType="w" fact="0.5"/>
+      <dgm:constr type="ctrY" for="ch" forName="linearProcess" refType="h" fact="0.5"/>
+    </dgm:constrLst>
+    <dgm:ruleLst/>
+    <dgm:layoutNode name="arrow" styleLbl="bgShp">
+      <dgm:alg type="sp"/>
+      <dgm:choose name="Name0">
+        <dgm:if name="Name1" func="var" arg="dir" op="equ" val="norm">
+          <dgm:shape xmlns:r="http://schemas.openxmlformats.org/officeDocument/2006/relationships" type="rightArrow" r:blip="">
+            <dgm:adjLst/>
+          </dgm:shape>
+        </dgm:if>
+        <dgm:else name="Name2">
+          <dgm:shape xmlns:r="http://schemas.openxmlformats.org/officeDocument/2006/relationships" type="leftArrow" r:blip="">
+            <dgm:adjLst/>
+          </dgm:shape>
+        </dgm:else>
+      </dgm:choose>
+      <dgm:presOf/>
+      <dgm:constrLst/>
+      <dgm:ruleLst/>
+    </dgm:layoutNode>
+    <dgm:layoutNode name="linearProcess">
+      <dgm:choose name="Name3">
+        <dgm:if name="Name4" func="var" arg="dir" op="equ" val="norm">
+          <dgm:alg type="lin"/>
+        </dgm:if>
+        <dgm:else name="Name5">
+          <dgm:alg type="lin">
+            <dgm:param type="linDir" val="fromR"/>
+          </dgm:alg>
+        </dgm:else>
+      </dgm:choose>
+      <dgm:shape xmlns:r="http://schemas.openxmlformats.org/officeDocument/2006/relationships" r:blip="">
+        <dgm:adjLst/>
+      </dgm:shape>
+      <dgm:presOf/>
+      <dgm:constrLst>
+        <dgm:constr type="userA" for="ch" ptType="node" refType="w"/>
+        <dgm:constr type="h" for="ch" ptType="node" refType="h"/>
+        <dgm:constr type="w" for="ch" ptType="node" op="equ"/>
+        <dgm:constr type="w" for="ch" forName="sibTrans" refType="w" fact="0.05"/>
+        <dgm:constr type="primFontSz" for="ch" ptType="node" op="equ" val="65"/>
+      </dgm:constrLst>
+      <dgm:ruleLst/>
+      <dgm:forEach name="Name6" axis="ch" ptType="node">
+        <dgm:layoutNode name="textNode" styleLbl="node1">
+          <dgm:varLst>
+            <dgm:bulletEnabled val="1"/>
+          </dgm:varLst>
+          <dgm:alg type="tx"/>
+          <dgm:shape xmlns:r="http://schemas.openxmlformats.org/officeDocument/2006/relationships" type="roundRect" r:blip="">
+            <dgm:adjLst/>
+          </dgm:shape>
+          <dgm:presOf axis="desOrSelf" ptType="node"/>
+          <dgm:constrLst>
+            <dgm:constr type="userA"/>
+            <dgm:constr type="w" refType="userA" fact="0.3"/>
+            <dgm:constr type="tMarg" refType="primFontSz" fact="0.3"/>
+            <dgm:constr type="bMarg" refType="primFontSz" fact="0.3"/>
+            <dgm:constr type="lMarg" refType="primFontSz" fact="0.3"/>
+            <dgm:constr type="rMarg" refType="primFontSz" fact="0.3"/>
+          </dgm:constrLst>
+          <dgm:ruleLst>
+            <dgm:rule type="w" val="NaN" fact="1" max="NaN"/>
+            <dgm:rule type="primFontSz" val="5" fact="NaN" max="NaN"/>
+          </dgm:ruleLst>
+        </dgm:layoutNode>
+        <dgm:forEach name="Name7" axis="followSib" ptType="sibTrans" cnt="1">
+          <dgm:layoutNode name="sibTrans">
+            <dgm:alg type="sp"/>
+            <dgm:shape xmlns:r="http://schemas.openxmlformats.org/officeDocument/2006/relationships" r:blip="">
+              <dgm:adjLst/>
+            </dgm:shape>
+            <dgm:presOf/>
+            <dgm:constrLst/>
+            <dgm:ruleLst/>
+          </dgm:layoutNode>
+        </dgm:forEach>
+      </dgm:forEach>
+    </dgm:layoutNode>
+  </dgm:layoutNode>
+</dgm:layoutDef>
+</file>
+
+<file path=ppt/diagrams/quickStyle1.xml><?xml version="1.0" encoding="utf-8"?>
+<dgm:styleDef xmlns:dgm="http://schemas.openxmlformats.org/drawingml/2006/diagram" xmlns:a="http://schemas.openxmlformats.org/drawingml/2006/main" uniqueId="urn:microsoft.com/office/officeart/2005/8/quickstyle/simple1">
+  <dgm:title val=""/>
+  <dgm:desc val=""/>
+  <dgm:catLst>
+    <dgm:cat type="simple" pri="10100"/>
+  </dgm:catLst>
+  <dgm:scene3d>
+    <a:camera prst="orthographicFront"/>
+    <a:lightRig rig="threePt" dir="t"/>
+  </dgm:scene3d>
+  <dgm:styleLbl name="node0">
+    <dgm:scene3d>
+      <a:camera prst="orthographicFront"/>
+      <a:lightRig rig="threePt" dir="t"/>
+    </dgm:scene3d>
+    <dgm:sp3d/>
+    <dgm:txPr/>
+    <dgm:style>
+      <a:lnRef idx="2">
+        <a:scrgbClr r="0" g="0" b="0"/>
+      </a:lnRef>
+      <a:fillRef idx="1">
+        <a:scrgbClr r="0" g="0" b="0"/>
+      </a:fillRef>
+      <a:effectRef idx="0">
+        <a:scrgbClr r="0" g="0" b="0"/>
+      </a:effectRef>
+      <a:fontRef idx="minor">
+        <a:schemeClr val="lt1"/>
+      </a:fontRef>
+    </dgm:style>
+  </dgm:styleLbl>
+  <dgm:styleLbl name="lnNode1">
+    <dgm:scene3d>
+      <a:camera prst="orthographicFront"/>
+      <a:lightRig rig="threePt" dir="t"/>
+    </dgm:scene3d>
+    <dgm:sp3d/>
+    <dgm:txPr/>
+    <dgm:style>
+      <a:lnRef idx="2">
+        <a:scrgbClr r="0" g="0" b="0"/>
+      </a:lnRef>
+      <a:fillRef idx="1">
+        <a:scrgbClr r="0" g="0" b="0"/>
+      </a:fillRef>
+      <a:effectRef idx="0">
+        <a:scrgbClr r="0" g="0" b="0"/>
+      </a:effectRef>
+      <a:fontRef idx="minor">
+        <a:schemeClr val="lt1"/>
+      </a:fontRef>
+    </dgm:style>
+  </dgm:styleLbl>
+  <dgm:styleLbl name="vennNode1">
+    <dgm:scene3d>
+      <a:camera prst="orthographicFront"/>
+      <a:lightRig rig="threePt" dir="t"/>
+    </dgm:scene3d>
+    <dgm:sp3d/>
+    <dgm:txPr/>
+    <dgm:style>
+      <a:lnRef idx="2">
+        <a:scrgbClr r="0" g="0" b="0"/>
+      </a:lnRef>
+      <a:fillRef idx="1">
+        <a:scrgbClr r="0" g="0" b="0"/>
+      </a:fillRef>
+      <a:effectRef idx="0">
+        <a:scrgbClr r="0" g="0" b="0"/>
+      </a:effectRef>
+      <a:fontRef idx="minor">
+        <a:schemeClr val="tx1"/>
+      </a:fontRef>
+    </dgm:style>
+  </dgm:styleLbl>
+  <dgm:styleLbl name="alignNode1">
+    <dgm:scene3d>
+      <a:camera prst="orthographicFront"/>
+      <a:lightRig rig="threePt" dir="t"/>
+    </dgm:scene3d>
+    <dgm:sp3d/>
+    <dgm:txPr/>
+    <dgm:style>
+      <a:lnRef idx="2">
+        <a:scrgbClr r="0" g="0" b="0"/>
+      </a:lnRef>
+      <a:fillRef idx="1">
+        <a:scrgbClr r="0" g="0" b="0"/>
+      </a:fillRef>
+      <a:effectRef idx="0">
+        <a:scrgbClr r="0" g="0" b="0"/>
+      </a:effectRef>
+      <a:fontRef idx="minor">
+        <a:schemeClr val="lt1"/>
+      </a:fontRef>
+    </dgm:style>
+  </dgm:styleLbl>
+  <dgm:styleLbl name="node1">
+    <dgm:scene3d>
+      <a:camera prst="orthographicFront"/>
+      <a:lightRig rig="threePt" dir="t"/>
+    </dgm:scene3d>
+    <dgm:sp3d/>
+    <dgm:txPr/>
+    <dgm:style>
+      <a:lnRef idx="2">
+        <a:scrgbClr r="0" g="0" b="0"/>
+      </a:lnRef>
+      <a:fillRef idx="1">
+        <a:scrgbClr r="0" g="0" b="0"/>
+      </a:fillRef>
+      <a:effectRef idx="0">
+        <a:scrgbClr r="0" g="0" b="0"/>
+      </a:effectRef>
+      <a:fontRef idx="minor">
+        <a:schemeClr val="lt1"/>
+      </a:fontRef>
+    </dgm:style>
+  </dgm:styleLbl>
+  <dgm:styleLbl name="node2">
+    <dgm:scene3d>
+      <a:camera prst="orthographicFront"/>
+      <a:lightRig rig="threePt" dir="t"/>
+    </dgm:scene3d>
+    <dgm:sp3d/>
+    <dgm:txPr/>
+    <dgm:style>
+      <a:lnRef idx="2">
+        <a:scrgbClr r="0" g="0" b="0"/>
+      </a:lnRef>
+      <a:fillRef idx="1">
+        <a:scrgbClr r="0" g="0" b="0"/>
+      </a:fillRef>
+      <a:effectRef idx="0">
+        <a:scrgbClr r="0" g="0" b="0"/>
+      </a:effectRef>
+      <a:fontRef idx="minor">
+        <a:schemeClr val="lt1"/>
+      </a:fontRef>
+    </dgm:style>
+  </dgm:styleLbl>
+  <dgm:styleLbl name="node3">
+    <dgm:scene3d>
+      <a:camera prst="orthographicFront"/>
+      <a:lightRig rig="threePt" dir="t"/>
+    </dgm:scene3d>
+    <dgm:sp3d/>
+    <dgm:txPr/>
+    <dgm:style>
+      <a:lnRef idx="2">
+        <a:scrgbClr r="0" g="0" b="0"/>
+      </a:lnRef>
+      <a:fillRef idx="1">
+        <a:scrgbClr r="0" g="0" b="0"/>
+      </a:fillRef>
+      <a:effectRef idx="0">
+        <a:scrgbClr r="0" g="0" b="0"/>
+      </a:effectRef>
+      <a:fontRef idx="minor">
+        <a:schemeClr val="lt1"/>
+      </a:fontRef>
+    </dgm:style>
+  </dgm:styleLbl>
+  <dgm:styleLbl name="node4">
+    <dgm:scene3d>
+      <a:camera prst="orthographicFront"/>
+      <a:lightRig rig="threePt" dir="t"/>
+    </dgm:scene3d>
+    <dgm:sp3d/>
+    <dgm:txPr/>
+    <dgm:style>
+      <a:lnRef idx="2">
+        <a:scrgbClr r="0" g="0" b="0"/>
+      </a:lnRef>
+      <a:fillRef idx="1">
+        <a:scrgbClr r="0" g="0" b="0"/>
+      </a:fillRef>
+      <a:effectRef idx="0">
+        <a:scrgbClr r="0" g="0" b="0"/>
+      </a:effectRef>
+      <a:fontRef idx="minor">
+        <a:schemeClr val="lt1"/>
+      </a:fontRef>
+    </dgm:style>
+  </dgm:styleLbl>
+  <dgm:styleLbl name="fgImgPlace1">
+    <dgm:scene3d>
+      <a:camera prst="orthographicFront"/>
+      <a:lightRig rig="threePt" dir="t"/>
+    </dgm:scene3d>
+    <dgm:sp3d/>
+    <dgm:txPr/>
+    <dgm:style>
+      <a:lnRef idx="2">
+        <a:scrgbClr r="0" g="0" b="0"/>
+      </a:lnRef>
+      <a:fillRef idx="1">
+        <a:scrgbClr r="0" g="0" b="0"/>
+      </a:fillRef>
+      <a:effectRef idx="0">
+        <a:scrgbClr r="0" g="0" b="0"/>
+      </a:effectRef>
+      <a:fontRef idx="minor"/>
+    </dgm:style>
+  </dgm:styleLbl>
+  <dgm:styleLbl name="alignImgPlace1">
+    <dgm:scene3d>
+      <a:camera prst="orthographicFront"/>
+      <a:lightRig rig="threePt" dir="t"/>
+    </dgm:scene3d>
+    <dgm:sp3d/>
+    <dgm:txPr/>
+    <dgm:style>
+      <a:lnRef idx="2">
+        <a:scrgbClr r="0" g="0" b="0"/>
+      </a:lnRef>
+      <a:fillRef idx="1">
+        <a:scrgbClr r="0" g="0" b="0"/>
+      </a:fillRef>
+      <a:effectRef idx="0">
+        <a:scrgbClr r="0" g="0" b="0"/>
+      </a:effectRef>
+      <a:fontRef idx="minor"/>
+    </dgm:style>
+  </dgm:styleLbl>
+  <dgm:styleLbl name="bgImgPlace1">
+    <dgm:scene3d>
+      <a:camera prst="orthographicFront"/>
+      <a:lightRig rig="threePt" dir="t"/>
+    </dgm:scene3d>
+    <dgm:sp3d/>
+    <dgm:txPr/>
+    <dgm:style>
+      <a:lnRef idx="2">
+        <a:scrgbClr r="0" g="0" b="0"/>
+      </a:lnRef>
+      <a:fillRef idx="1">
+        <a:scrgbClr r="0" g="0" b="0"/>
+      </a:fillRef>
+      <a:effectRef idx="0">
+        <a:scrgbClr r="0" g="0" b="0"/>
+      </a:effectRef>
+      <a:fontRef idx="minor"/>
+    </dgm:style>
+  </dgm:styleLbl>
+  <dgm:styleLbl name="sibTrans2D1">
+    <dgm:scene3d>
+      <a:camera prst="orthographicFront"/>
+      <a:lightRig rig="threePt" dir="t"/>
+    </dgm:scene3d>
+    <dgm:sp3d/>
+    <dgm:txPr/>
+    <dgm:style>
+      <a:lnRef idx="0">
+        <a:scrgbClr r="0" g="0" b="0"/>
+      </a:lnRef>
+      <a:fillRef idx="1">
+        <a:scrgbClr r="0" g="0" b="0"/>
+      </a:fillRef>
+      <a:effectRef idx="0">
+        <a:scrgbClr r="0" g="0" b="0"/>
+      </a:effectRef>
+      <a:fontRef idx="minor">
+        <a:schemeClr val="lt1"/>
+      </a:fontRef>
+    </dgm:style>
+  </dgm:styleLbl>
+  <dgm:styleLbl name="fgSibTrans2D1">
+    <dgm:scene3d>
+      <a:camera prst="orthographicFront"/>
+      <a:lightRig rig="threePt" dir="t"/>
+    </dgm:scene3d>
+    <dgm:sp3d/>
+    <dgm:txPr/>
+    <dgm:style>
+      <a:lnRef idx="0">
+        <a:scrgbClr r="0" g="0" b="0"/>
+      </a:lnRef>
+      <a:fillRef idx="1">
+        <a:scrgbClr r="0" g="0" b="0"/>
+      </a:fillRef>
+      <a:effectRef idx="0">
+        <a:scrgbClr r="0" g="0" b="0"/>
+      </a:effectRef>
+      <a:fontRef idx="minor">
+        <a:schemeClr val="lt1"/>
+      </a:fontRef>
+    </dgm:style>
+  </dgm:styleLbl>
+  <dgm:styleLbl name="bgSibTrans2D1">
+    <dgm:scene3d>
+      <a:camera prst="orthographicFront"/>
+      <a:lightRig rig="threePt" dir="t"/>
+    </dgm:scene3d>
+    <dgm:sp3d/>
+    <dgm:txPr/>
+    <dgm:style>
+      <a:lnRef idx="0">
+        <a:scrgbClr r="0" g="0" b="0"/>
+      </a:lnRef>
+      <a:fillRef idx="1">
+        <a:scrgbClr r="0" g="0" b="0"/>
+      </a:fillRef>
+      <a:effectRef idx="0">
+        <a:scrgbClr r="0" g="0" b="0"/>
+      </a:effectRef>
+      <a:fontRef idx="minor">
+        <a:schemeClr val="lt1"/>
+      </a:fontRef>
+    </dgm:style>
+  </dgm:styleLbl>
+  <dgm:styleLbl name="sibTrans1D1">
+    <dgm:scene3d>
+      <a:camera prst="orthographicFront"/>
+      <a:lightRig rig="threePt" dir="t"/>
+    </dgm:scene3d>
+    <dgm:sp3d/>
+    <dgm:txPr/>
+    <dgm:style>
+      <a:lnRef idx="1">
+        <a:scrgbClr r="0" g="0" b="0"/>
+      </a:lnRef>
+      <a:fillRef idx="0">
+        <a:scrgbClr r="0" g="0" b="0"/>
+      </a:fillRef>
+      <a:effectRef idx="0">
+        <a:scrgbClr r="0" g="0" b="0"/>
+      </a:effectRef>
+      <a:fontRef idx="minor"/>
+    </dgm:style>
+  </dgm:styleLbl>
+  <dgm:styleLbl name="callout">
+    <dgm:scene3d>
+      <a:camera prst="orthographicFront"/>
+      <a:lightRig rig="threePt" dir="t"/>
+    </dgm:scene3d>
+    <dgm:sp3d/>
+    <dgm:txPr/>
+    <dgm:style>
+      <a:lnRef idx="2">
+        <a:scrgbClr r="0" g="0" b="0"/>
+      </a:lnRef>
+      <a:fillRef idx="1">
+        <a:scrgbClr r="0" g="0" b="0"/>
+      </a:fillRef>
+      <a:effectRef idx="0">
+        <a:scrgbClr r="0" g="0" b="0"/>
+      </a:effectRef>
+      <a:fontRef idx="minor"/>
+    </dgm:style>
+  </dgm:styleLbl>
+  <dgm:styleLbl name="asst0">
+    <dgm:scene3d>
+      <a:camera prst="orthographicFront"/>
+      <a:lightRig rig="threePt" dir="t"/>
+    </dgm:scene3d>
+    <dgm:sp3d/>
+    <dgm:txPr/>
+    <dgm:style>
+      <a:lnRef idx="2">
+        <a:scrgbClr r="0" g="0" b="0"/>
+      </a:lnRef>
+      <a:fillRef idx="1">
+        <a:scrgbClr r="0" g="0" b="0"/>
+      </a:fillRef>
+      <a:effectRef idx="0">
+        <a:scrgbClr r="0" g="0" b="0"/>
+      </a:effectRef>
+      <a:fontRef idx="minor">
+        <a:schemeClr val="lt1"/>
+      </a:fontRef>
+    </dgm:style>
+  </dgm:styleLbl>
+  <dgm:styleLbl name="asst1">
+    <dgm:scene3d>
+      <a:camera prst="orthographicFront"/>
+      <a:lightRig rig="threePt" dir="t"/>
+    </dgm:scene3d>
+    <dgm:sp3d/>
+    <dgm:txPr/>
+    <dgm:style>
+      <a:lnRef idx="2">
+        <a:scrgbClr r="0" g="0" b="0"/>
+      </a:lnRef>
+      <a:fillRef idx="1">
+        <a:scrgbClr r="0" g="0" b="0"/>
+      </a:fillRef>
+      <a:effectRef idx="0">
+        <a:scrgbClr r="0" g="0" b="0"/>
+      </a:effectRef>
+      <a:fontRef idx="minor">
+        <a:schemeClr val="lt1"/>
+      </a:fontRef>
+    </dgm:style>
+  </dgm:styleLbl>
+  <dgm:styleLbl name="asst2">
+    <dgm:scene3d>
+      <a:camera prst="orthographicFront"/>
+      <a:lightRig rig="threePt" dir="t"/>
+    </dgm:scene3d>
+    <dgm:sp3d/>
+    <dgm:txPr/>
+    <dgm:style>
+      <a:lnRef idx="2">
+        <a:scrgbClr r="0" g="0" b="0"/>
+      </a:lnRef>
+      <a:fillRef idx="1">
+        <a:scrgbClr r="0" g="0" b="0"/>
+      </a:fillRef>
+      <a:effectRef idx="0">
+        <a:scrgbClr r="0" g="0" b="0"/>
+      </a:effectRef>
+      <a:fontRef idx="minor">
+        <a:schemeClr val="lt1"/>
+      </a:fontRef>
+    </dgm:style>
+  </dgm:styleLbl>
+  <dgm:styleLbl name="asst3">
+    <dgm:scene3d>
+      <a:camera prst="orthographicFront"/>
+      <a:lightRig rig="threePt" dir="t"/>
+    </dgm:scene3d>
+    <dgm:sp3d/>
+    <dgm:txPr/>
+    <dgm:style>
+      <a:lnRef idx="2">
+        <a:scrgbClr r="0" g="0" b="0"/>
+      </a:lnRef>
+      <a:fillRef idx="1">
+        <a:scrgbClr r="0" g="0" b="0"/>
+      </a:fillRef>
+      <a:effectRef idx="0">
+        <a:scrgbClr r="0" g="0" b="0"/>
+      </a:effectRef>
+      <a:fontRef idx="minor">
+        <a:schemeClr val="lt1"/>
+      </a:fontRef>
+    </dgm:style>
+  </dgm:styleLbl>
+  <dgm:styleLbl name="asst4">
+    <dgm:scene3d>
+      <a:camera prst="orthographicFront"/>
+      <a:lightRig rig="threePt" dir="t"/>
+    </dgm:scene3d>
+    <dgm:sp3d/>
+    <dgm:txPr/>
+    <dgm:style>
+      <a:lnRef idx="2">
+        <a:scrgbClr r="0" g="0" b="0"/>
+      </a:lnRef>
+      <a:fillRef idx="1">
+        <a:scrgbClr r="0" g="0" b="0"/>
+      </a:fillRef>
+      <a:effectRef idx="0">
+        <a:scrgbClr r="0" g="0" b="0"/>
+      </a:effectRef>
+      <a:fontRef idx="minor">
+        <a:schemeClr val="lt1"/>
+      </a:fontRef>
+    </dgm:style>
+  </dgm:styleLbl>
+  <dgm:styleLbl name="parChTrans2D1">
+    <dgm:scene3d>
+      <a:camera prst="orthographicFront"/>
+      <a:lightRig rig="threePt" dir="t"/>
+    </dgm:scene3d>
+    <dgm:sp3d/>
+    <dgm:txPr/>
+    <dgm:style>
+      <a:lnRef idx="2">
+        <a:scrgbClr r="0" g="0" b="0"/>
+      </a:lnRef>
+      <a:fillRef idx="1">
+        <a:scrgbClr r="0" g="0" b="0"/>
+      </a:fillRef>
+      <a:effectRef idx="0">
+        <a:scrgbClr r="0" g="0" b="0"/>
+      </a:effectRef>
+      <a:fontRef idx="minor">
+        <a:schemeClr val="lt1"/>
+      </a:fontRef>
+    </dgm:style>
+  </dgm:styleLbl>
+  <dgm:styleLbl name="parChTrans2D2">
+    <dgm:scene3d>
+      <a:camera prst="orthographicFront"/>
+      <a:lightRig rig="threePt" dir="t"/>
+    </dgm:scene3d>
+    <dgm:sp3d/>
+    <dgm:txPr/>
+    <dgm:style>
+      <a:lnRef idx="2">
+        <a:scrgbClr r="0" g="0" b="0"/>
+      </a:lnRef>
+      <a:fillRef idx="1">
+        <a:scrgbClr r="0" g="0" b="0"/>
+      </a:fillRef>
+      <a:effectRef idx="0">
+        <a:scrgbClr r="0" g="0" b="0"/>
+      </a:effectRef>
+      <a:fontRef idx="minor">
+        <a:schemeClr val="lt1"/>
+      </a:fontRef>
+    </dgm:style>
+  </dgm:styleLbl>
+  <dgm:styleLbl name="parChTrans2D3">
+    <dgm:scene3d>
+      <a:camera prst="orthographicFront"/>
+      <a:lightRig rig="threePt" dir="t"/>
+    </dgm:scene3d>
+    <dgm:sp3d/>
+    <dgm:txPr/>
+    <dgm:style>
+      <a:lnRef idx="2">
+        <a:scrgbClr r="0" g="0" b="0"/>
+      </a:lnRef>
+      <a:fillRef idx="1">
+        <a:scrgbClr r="0" g="0" b="0"/>
+      </a:fillRef>
+      <a:effectRef idx="0">
+        <a:scrgbClr r="0" g="0" b="0"/>
+      </a:effectRef>
+      <a:fontRef idx="minor">
+        <a:schemeClr val="lt1"/>
+      </a:fontRef>
+    </dgm:style>
+  </dgm:styleLbl>
+  <dgm:styleLbl name="parChTrans2D4">
+    <dgm:scene3d>
+      <a:camera prst="orthographicFront"/>
+      <a:lightRig rig="threePt" dir="t"/>
+    </dgm:scene3d>
+    <dgm:sp3d/>
+    <dgm:txPr/>
+    <dgm:style>
+      <a:lnRef idx="2">
+        <a:scrgbClr r="0" g="0" b="0"/>
+      </a:lnRef>
+      <a:fillRef idx="1">
+        <a:scrgbClr r="0" g="0" b="0"/>
+      </a:fillRef>
+      <a:effectRef idx="0">
+        <a:scrgbClr r="0" g="0" b="0"/>
+      </a:effectRef>
+      <a:fontRef idx="minor">
+        <a:schemeClr val="lt1"/>
+      </a:fontRef>
+    </dgm:style>
+  </dgm:styleLbl>
+  <dgm:styleLbl name="parChTrans1D1">
+    <dgm:scene3d>
+      <a:camera prst="orthographicFront"/>
+      <a:lightRig rig="threePt" dir="t"/>
+    </dgm:scene3d>
+    <dgm:sp3d/>
+    <dgm:txPr/>
+    <dgm:style>
+      <a:lnRef idx="2">
+        <a:scrgbClr r="0" g="0" b="0"/>
+      </a:lnRef>
+      <a:fillRef idx="0">
+        <a:scrgbClr r="0" g="0" b="0"/>
+      </a:fillRef>
+      <a:effectRef idx="0">
+        <a:scrgbClr r="0" g="0" b="0"/>
+      </a:effectRef>
+      <a:fontRef idx="minor"/>
+    </dgm:style>
+  </dgm:styleLbl>
+  <dgm:styleLbl name="parChTrans1D2">
+    <dgm:scene3d>
+      <a:camera prst="orthographicFront"/>
+      <a:lightRig rig="threePt" dir="t"/>
+    </dgm:scene3d>
+    <dgm:sp3d/>
+    <dgm:txPr/>
+    <dgm:style>
+      <a:lnRef idx="2">
+        <a:scrgbClr r="0" g="0" b="0"/>
+      </a:lnRef>
+      <a:fillRef idx="0">
+        <a:scrgbClr r="0" g="0" b="0"/>
+      </a:fillRef>
+      <a:effectRef idx="0">
+        <a:scrgbClr r="0" g="0" b="0"/>
+      </a:effectRef>
+      <a:fontRef idx="minor"/>
+    </dgm:style>
+  </dgm:styleLbl>
+  <dgm:styleLbl name="parChTrans1D3">
+    <dgm:scene3d>
+      <a:camera prst="orthographicFront"/>
+      <a:lightRig rig="threePt" dir="t"/>
+    </dgm:scene3d>
+    <dgm:sp3d/>
+    <dgm:txPr/>
+    <dgm:style>
+      <a:lnRef idx="2">
+        <a:scrgbClr r="0" g="0" b="0"/>
+      </a:lnRef>
+      <a:fillRef idx="0">
+        <a:scrgbClr r="0" g="0" b="0"/>
+      </a:fillRef>
+      <a:effectRef idx="0">
+        <a:scrgbClr r="0" g="0" b="0"/>
+      </a:effectRef>
+      <a:fontRef idx="minor"/>
+    </dgm:style>
+  </dgm:styleLbl>
+  <dgm:styleLbl name="parChTrans1D4">
+    <dgm:scene3d>
+      <a:camera prst="orthographicFront"/>
+      <a:lightRig rig="threePt" dir="t"/>
+    </dgm:scene3d>
+    <dgm:sp3d/>
+    <dgm:txPr/>
+    <dgm:style>
+      <a:lnRef idx="2">
+        <a:scrgbClr r="0" g="0" b="0"/>
+      </a:lnRef>
+      <a:fillRef idx="0">
+        <a:scrgbClr r="0" g="0" b="0"/>
+      </a:fillRef>
+      <a:effectRef idx="0">
+        <a:scrgbClr r="0" g="0" b="0"/>
+      </a:effectRef>
+      <a:fontRef idx="minor"/>
+    </dgm:style>
+  </dgm:styleLbl>
+  <dgm:styleLbl name="fgAcc1">
+    <dgm:scene3d>
+      <a:camera prst="orthographicFront"/>
+      <a:lightRig rig="threePt" dir="t"/>
+    </dgm:scene3d>
+    <dgm:sp3d/>
+    <dgm:txPr/>
+    <dgm:style>
+      <a:lnRef idx="2">
+        <a:scrgbClr r="0" g="0" b="0"/>
+      </a:lnRef>
+      <a:fillRef idx="1">
+        <a:scrgbClr r="0" g="0" b="0"/>
+      </a:fillRef>
+      <a:effectRef idx="0">
+        <a:scrgbClr r="0" g="0" b="0"/>
+      </a:effectRef>
+      <a:fontRef idx="minor"/>
+    </dgm:style>
+  </dgm:styleLbl>
+  <dgm:styleLbl name="conFgAcc1">
+    <dgm:scene3d>
+      <a:camera prst="orthographicFront"/>
+      <a:lightRig rig="threePt" dir="t"/>
+    </dgm:scene3d>
+    <dgm:sp3d/>
+    <dgm:txPr/>
+    <dgm:style>
+      <a:lnRef idx="2">
+        <a:scrgbClr r="0" g="0" b="0"/>
+      </a:lnRef>
+      <a:fillRef idx="1">
+        <a:scrgbClr r="0" g="0" b="0"/>
+      </a:fillRef>
+      <a:effectRef idx="0">
+        <a:scrgbClr r="0" g="0" b="0"/>
+      </a:effectRef>
+      <a:fontRef idx="minor"/>
+    </dgm:style>
+  </dgm:styleLbl>
+  <dgm:styleLbl name="alignAcc1">
+    <dgm:scene3d>
+      <a:camera prst="orthographicFront"/>
+      <a:lightRig rig="threePt" dir="t"/>
+    </dgm:scene3d>
+    <dgm:sp3d/>
+    <dgm:txPr/>
+    <dgm:style>
+      <a:lnRef idx="2">
+        <a:scrgbClr r="0" g="0" b="0"/>
+      </a:lnRef>
+      <a:fillRef idx="1">
+        <a:scrgbClr r="0" g="0" b="0"/>
+      </a:fillRef>
+      <a:effectRef idx="0">
+        <a:scrgbClr r="0" g="0" b="0"/>
+      </a:effectRef>
+      <a:fontRef idx="minor"/>
+    </dgm:style>
+  </dgm:styleLbl>
+  <dgm:styleLbl name="trAlignAcc1">
+    <dgm:scene3d>
+      <a:camera prst="orthographicFront"/>
+      <a:lightRig rig="threePt" dir="t"/>
+    </dgm:scene3d>
+    <dgm:sp3d/>
+    <dgm:txPr/>
+    <dgm:style>
+      <a:lnRef idx="1">
+        <a:scrgbClr r="0" g="0" b="0"/>
+      </a:lnRef>
+      <a:fillRef idx="1">
+        <a:scrgbClr r="0" g="0" b="0"/>
+      </a:fillRef>
+      <a:effectRef idx="0">
+        <a:scrgbClr r="0" g="0" b="0"/>
+      </a:effectRef>
+      <a:fontRef idx="minor"/>
+    </dgm:style>
+  </dgm:styleLbl>
+  <dgm:styleLbl name="bgAcc1">
+    <dgm:scene3d>
+      <a:camera prst="orthographicFront"/>
+      <a:lightRig rig="threePt" dir="t"/>
+    </dgm:scene3d>
+    <dgm:sp3d/>
+    <dgm:txPr/>
+    <dgm:style>
+      <a:lnRef idx="2">
+        <a:scrgbClr r="0" g="0" b="0"/>
+      </a:lnRef>
+      <a:fillRef idx="1">
+        <a:scrgbClr r="0" g="0" b="0"/>
+      </a:fillRef>
+      <a:effectRef idx="0">
+        <a:scrgbClr r="0" g="0" b="0"/>
+      </a:effectRef>
+      <a:fontRef idx="minor"/>
+    </dgm:style>
+  </dgm:styleLbl>
+  <dgm:styleLbl name="solidFgAcc1">
+    <dgm:scene3d>
+      <a:camera prst="orthographicFront"/>
+      <a:lightRig rig="threePt" dir="t"/>
+    </dgm:scene3d>
+    <dgm:sp3d/>
+    <dgm:txPr/>
+    <dgm:style>
+      <a:lnRef idx="2">
+        <a:scrgbClr r="0" g="0" b="0"/>
+      </a:lnRef>
+      <a:fillRef idx="1">
+        <a:scrgbClr r="0" g="0" b="0"/>
+      </a:fillRef>
+      <a:effectRef idx="0">
+        <a:scrgbClr r="0" g="0" b="0"/>
+      </a:effectRef>
+      <a:fontRef idx="minor"/>
+    </dgm:style>
+  </dgm:styleLbl>
+  <dgm:styleLbl name="solidAlignAcc1">
+    <dgm:scene3d>
+      <a:camera prst="orthographicFront"/>
+      <a:lightRig rig="threePt" dir="t"/>
+    </dgm:scene3d>
+    <dgm:sp3d/>
+    <dgm:txPr/>
+    <dgm:style>
+      <a:lnRef idx="2">
+        <a:scrgbClr r="0" g="0" b="0"/>
+      </a:lnRef>
+      <a:fillRef idx="1">
+        <a:scrgbClr r="0" g="0" b="0"/>
+      </a:fillRef>
+      <a:effectRef idx="0">
+        <a:scrgbClr r="0" g="0" b="0"/>
+      </a:effectRef>
+      <a:fontRef idx="minor"/>
+    </dgm:style>
+  </dgm:styleLbl>
+  <dgm:styleLbl name="solidBgAcc1">
+    <dgm:scene3d>
+      <a:camera prst="orthographicFront"/>
+      <a:lightRig rig="threePt" dir="t"/>
+    </dgm:scene3d>
+    <dgm:sp3d/>
+    <dgm:txPr/>
+    <dgm:style>
+      <a:lnRef idx="2">
+        <a:scrgbClr r="0" g="0" b="0"/>
+      </a:lnRef>
+      <a:fillRef idx="1">
+        <a:scrgbClr r="0" g="0" b="0"/>
+      </a:fillRef>
+      <a:effectRef idx="0">
+        <a:scrgbClr r="0" g="0" b="0"/>
+      </a:effectRef>
+      <a:fontRef idx="minor"/>
+    </dgm:style>
+  </dgm:styleLbl>
+  <dgm:styleLbl name="fgAccFollowNode1">
+    <dgm:scene3d>
+      <a:camera prst="orthographicFront"/>
+      <a:lightRig rig="threePt" dir="t"/>
+    </dgm:scene3d>
+    <dgm:sp3d/>
+    <dgm:txPr/>
+    <dgm:style>
+      <a:lnRef idx="2">
+        <a:scrgbClr r="0" g="0" b="0"/>
+      </a:lnRef>
+      <a:fillRef idx="1">
+        <a:scrgbClr r="0" g="0" b="0"/>
+      </a:fillRef>
+      <a:effectRef idx="0">
+        <a:scrgbClr r="0" g="0" b="0"/>
+      </a:effectRef>
+      <a:fontRef idx="minor"/>
+    </dgm:style>
+  </dgm:styleLbl>
+  <dgm:styleLbl name="alignAccFollowNode1">
+    <dgm:scene3d>
+      <a:camera prst="orthographicFront"/>
+      <a:lightRig rig="threePt" dir="t"/>
+    </dgm:scene3d>
+    <dgm:sp3d/>
+    <dgm:txPr/>
+    <dgm:style>
+      <a:lnRef idx="2">
+        <a:scrgbClr r="0" g="0" b="0"/>
+      </a:lnRef>
+      <a:fillRef idx="1">
+        <a:scrgbClr r="0" g="0" b="0"/>
+      </a:fillRef>
+      <a:effectRef idx="0">
+        <a:scrgbClr r="0" g="0" b="0"/>
+      </a:effectRef>
+      <a:fontRef idx="minor"/>
+    </dgm:style>
+  </dgm:styleLbl>
+  <dgm:styleLbl name="bgAccFollowNode1">
+    <dgm:scene3d>
+      <a:camera prst="orthographicFront"/>
+      <a:lightRig rig="threePt" dir="t"/>
+    </dgm:scene3d>
+    <dgm:sp3d/>
+    <dgm:txPr/>
+    <dgm:style>
+      <a:lnRef idx="2">
+        <a:scrgbClr r="0" g="0" b="0"/>
+      </a:lnRef>
+      <a:fillRef idx="1">
+        <a:scrgbClr r="0" g="0" b="0"/>
+      </a:fillRef>
+      <a:effectRef idx="0">
+        <a:scrgbClr r="0" g="0" b="0"/>
+      </a:effectRef>
+      <a:fontRef idx="minor"/>
+    </dgm:style>
+  </dgm:styleLbl>
+  <dgm:styleLbl name="fgAcc0">
+    <dgm:scene3d>
+      <a:camera prst="orthographicFront"/>
+      <a:lightRig rig="threePt" dir="t"/>
+    </dgm:scene3d>
+    <dgm:sp3d/>
+    <dgm:txPr/>
+    <dgm:style>
+      <a:lnRef idx="2">
+        <a:scrgbClr r="0" g="0" b="0"/>
+      </a:lnRef>
+      <a:fillRef idx="1">
+        <a:scrgbClr r="0" g="0" b="0"/>
+      </a:fillRef>
+      <a:effectRef idx="0">
+        <a:scrgbClr r="0" g="0" b="0"/>
+      </a:effectRef>
+      <a:fontRef idx="minor"/>
+    </dgm:style>
+  </dgm:styleLbl>
+  <dgm:styleLbl name="fgAcc2">
+    <dgm:scene3d>
+      <a:camera prst="orthographicFront"/>
+      <a:lightRig rig="threePt" dir="t"/>
+    </dgm:scene3d>
+    <dgm:sp3d/>
+    <dgm:txPr/>
+    <dgm:style>
+      <a:lnRef idx="2">
+        <a:scrgbClr r="0" g="0" b="0"/>
+      </a:lnRef>
+      <a:fillRef idx="1">
+        <a:scrgbClr r="0" g="0" b="0"/>
+      </a:fillRef>
+      <a:effectRef idx="0">
+        <a:scrgbClr r="0" g="0" b="0"/>
+      </a:effectRef>
+      <a:fontRef idx="minor"/>
+    </dgm:style>
+  </dgm:styleLbl>
+  <dgm:styleLbl name="fgAcc3">
+    <dgm:scene3d>
+      <a:camera prst="orthographicFront"/>
+      <a:lightRig rig="threePt" dir="t"/>
+    </dgm:scene3d>
+    <dgm:sp3d/>
+    <dgm:txPr/>
+    <dgm:style>
+      <a:lnRef idx="2">
+        <a:scrgbClr r="0" g="0" b="0"/>
+      </a:lnRef>
+      <a:fillRef idx="1">
+        <a:scrgbClr r="0" g="0" b="0"/>
+      </a:fillRef>
+      <a:effectRef idx="0">
+        <a:scrgbClr r="0" g="0" b="0"/>
+      </a:effectRef>
+      <a:fontRef idx="minor"/>
+    </dgm:style>
+  </dgm:styleLbl>
+  <dgm:styleLbl name="fgAcc4">
+    <dgm:scene3d>
+      <a:camera prst="orthographicFront"/>
+      <a:lightRig rig="threePt" dir="t"/>
+    </dgm:scene3d>
+    <dgm:sp3d/>
+    <dgm:txPr/>
+    <dgm:style>
+      <a:lnRef idx="2">
+        <a:scrgbClr r="0" g="0" b="0"/>
+      </a:lnRef>
+      <a:fillRef idx="1">
+        <a:scrgbClr r="0" g="0" b="0"/>
+      </a:fillRef>
+      <a:effectRef idx="0">
+        <a:scrgbClr r="0" g="0" b="0"/>
+      </a:effectRef>
+      <a:fontRef idx="minor"/>
+    </dgm:style>
+  </dgm:styleLbl>
+  <dgm:styleLbl name="bgShp">
+    <dgm:scene3d>
+      <a:camera prst="orthographicFront"/>
+      <a:lightRig rig="threePt" dir="t"/>
+    </dgm:scene3d>
+    <dgm:sp3d/>
+    <dgm:txPr/>
+    <dgm:style>
+      <a:lnRef idx="0">
+        <a:scrgbClr r="0" g="0" b="0"/>
+      </a:lnRef>
+      <a:fillRef idx="1">
+        <a:scrgbClr r="0" g="0" b="0"/>
+      </a:fillRef>
+      <a:effectRef idx="0">
+        <a:scrgbClr r="0" g="0" b="0"/>
+      </a:effectRef>
+      <a:fontRef idx="minor"/>
+    </dgm:style>
+  </dgm:styleLbl>
+  <dgm:styleLbl name="dkBgShp">
+    <dgm:scene3d>
+      <a:camera prst="orthographicFront"/>
+      <a:lightRig rig="threePt" dir="t"/>
+    </dgm:scene3d>
+    <dgm:sp3d/>
+    <dgm:txPr/>
+    <dgm:style>
+      <a:lnRef idx="0">
+        <a:scrgbClr r="0" g="0" b="0"/>
+      </a:lnRef>
+      <a:fillRef idx="1">
+        <a:scrgbClr r="0" g="0" b="0"/>
+      </a:fillRef>
+      <a:effectRef idx="0">
+        <a:scrgbClr r="0" g="0" b="0"/>
+      </a:effectRef>
+      <a:fontRef idx="minor"/>
+    </dgm:style>
+  </dgm:styleLbl>
+  <dgm:styleLbl name="trBgShp">
+    <dgm:scene3d>
+      <a:camera prst="orthographicFront"/>
+      <a:lightRig rig="threePt" dir="t"/>
+    </dgm:scene3d>
+    <dgm:sp3d/>
+    <dgm:txPr/>
+    <dgm:style>
+      <a:lnRef idx="0">
+        <a:scrgbClr r="0" g="0" b="0"/>
+      </a:lnRef>
+      <a:fillRef idx="1">
+        <a:scrgbClr r="0" g="0" b="0"/>
+      </a:fillRef>
+      <a:effectRef idx="0">
+        <a:scrgbClr r="0" g="0" b="0"/>
+      </a:effectRef>
+      <a:fontRef idx="minor"/>
+    </dgm:style>
+  </dgm:styleLbl>
+  <dgm:styleLbl name="fgShp">
+    <dgm:scene3d>
+      <a:camera prst="orthographicFront"/>
+      <a:lightRig rig="threePt" dir="t"/>
+    </dgm:scene3d>
+    <dgm:sp3d/>
+    <dgm:txPr/>
+    <dgm:style>
+      <a:lnRef idx="2">
+        <a:scrgbClr r="0" g="0" b="0"/>
+      </a:lnRef>
+      <a:fillRef idx="1">
+        <a:scrgbClr r="0" g="0" b="0"/>
+      </a:fillRef>
+      <a:effectRef idx="0">
+        <a:scrgbClr r="0" g="0" b="0"/>
+      </a:effectRef>
+      <a:fontRef idx="minor"/>
+    </dgm:style>
+  </dgm:styleLbl>
+  <dgm:styleLbl name="revTx">
+    <dgm:scene3d>
+      <a:camera prst="orthographicFront"/>
+      <a:lightRig rig="threePt" dir="t"/>
+    </dgm:scene3d>
+    <dgm:sp3d/>
+    <dgm:txPr/>
+    <dgm:style>
+      <a:lnRef idx="0">
+        <a:scrgbClr r="0" g="0" b="0"/>
+      </a:lnRef>
+      <a:fillRef idx="0">
+        <a:scrgbClr r="0" g="0" b="0"/>
+      </a:fillRef>
+      <a:effectRef idx="0">
+        <a:scrgbClr r="0" g="0" b="0"/>
+      </a:effectRef>
+      <a:fontRef idx="minor"/>
+    </dgm:style>
+  </dgm:styleLbl>
+</dgm:styleDef>
+</file>
+
+<file path=ppt/diagrams/quickStyle2.xml><?xml version="1.0" encoding="utf-8"?>
+<dgm:styleDef xmlns:dgm="http://schemas.openxmlformats.org/drawingml/2006/diagram" xmlns:a="http://schemas.openxmlformats.org/drawingml/2006/main" uniqueId="urn:microsoft.com/office/officeart/2005/8/quickstyle/3d3">
+  <dgm:title val=""/>
+  <dgm:desc val=""/>
+  <dgm:catLst>
+    <dgm:cat type="3D" pri="11300"/>
+  </dgm:catLst>
+  <dgm:scene3d>
+    <a:camera prst="orthographicFront"/>
+    <a:lightRig rig="threePt" dir="t"/>
+  </dgm:scene3d>
+  <dgm:styleLbl name="node0">
+    <dgm:scene3d>
+      <a:camera prst="orthographicFront">
+        <a:rot lat="0" lon="0" rev="0"/>
+      </a:camera>
+      <a:lightRig rig="contrasting" dir="t">
+        <a:rot lat="0" lon="0" rev="1200000"/>
+      </a:lightRig>
+    </dgm:scene3d>
+    <dgm:sp3d contourW="19050" prstMaterial="metal">
+      <a:bevelT w="88900" h="203200"/>
+      <a:bevelB w="165100" h="254000"/>
+    </dgm:sp3d>
+    <dgm:txPr/>
+    <dgm:style>
+      <a:lnRef idx="0">
+        <a:scrgbClr r="0" g="0" b="0"/>
+      </a:lnRef>
+      <a:fillRef idx="1">
+        <a:scrgbClr r="0" g="0" b="0"/>
+      </a:fillRef>
+      <a:effectRef idx="1">
+        <a:scrgbClr r="0" g="0" b="0"/>
+      </a:effectRef>
+      <a:fontRef idx="minor">
+        <a:schemeClr val="lt1"/>
+      </a:fontRef>
+    </dgm:style>
+  </dgm:styleLbl>
+  <dgm:styleLbl name="lnNode1">
+    <dgm:scene3d>
+      <a:camera prst="orthographicFront">
+        <a:rot lat="0" lon="0" rev="0"/>
+      </a:camera>
+      <a:lightRig rig="contrasting" dir="t">
+        <a:rot lat="0" lon="0" rev="1200000"/>
+      </a:lightRig>
+    </dgm:scene3d>
+    <dgm:sp3d contourW="19050" prstMaterial="metal">
+      <a:bevelT w="88900" h="203200"/>
+      <a:bevelB w="165100" h="254000"/>
+    </dgm:sp3d>
+    <dgm:txPr/>
+    <dgm:style>
+      <a:lnRef idx="0">
+        <a:scrgbClr r="0" g="0" b="0"/>
+      </a:lnRef>
+      <a:fillRef idx="1">
+        <a:scrgbClr r="0" g="0" b="0"/>
+      </a:fillRef>
+      <a:effectRef idx="1">
+        <a:scrgbClr r="0" g="0" b="0"/>
+      </a:effectRef>
+      <a:fontRef idx="minor">
+        <a:schemeClr val="lt1"/>
+      </a:fontRef>
+    </dgm:style>
+  </dgm:styleLbl>
+  <dgm:styleLbl name="vennNode1">
+    <dgm:scene3d>
+      <a:camera prst="orthographicFront">
+        <a:rot lat="0" lon="0" rev="0"/>
+      </a:camera>
+      <a:lightRig rig="contrasting" dir="t">
+        <a:rot lat="0" lon="0" rev="1200000"/>
+      </a:lightRig>
+    </dgm:scene3d>
+    <dgm:sp3d contourW="12700" prstMaterial="clear">
+      <a:bevelT w="177800" h="254000"/>
+      <a:bevelB w="152400"/>
+    </dgm:sp3d>
+    <dgm:txPr/>
+    <dgm:style>
+      <a:lnRef idx="0">
+        <a:scrgbClr r="0" g="0" b="0"/>
+      </a:lnRef>
+      <a:fillRef idx="1">
+        <a:scrgbClr r="0" g="0" b="0"/>
+      </a:fillRef>
+      <a:effectRef idx="0">
+        <a:scrgbClr r="0" g="0" b="0"/>
+      </a:effectRef>
+      <a:fontRef idx="minor">
+        <a:schemeClr val="tx1"/>
+      </a:fontRef>
+    </dgm:style>
+  </dgm:styleLbl>
+  <dgm:styleLbl name="alignNode1">
+    <dgm:scene3d>
+      <a:camera prst="orthographicFront">
+        <a:rot lat="0" lon="0" rev="0"/>
+      </a:camera>
+      <a:lightRig rig="contrasting" dir="t">
+        <a:rot lat="0" lon="0" rev="1200000"/>
+      </a:lightRig>
+    </dgm:scene3d>
+    <dgm:sp3d contourW="19050" prstMaterial="metal">
+      <a:bevelT w="88900" h="203200"/>
+      <a:bevelB w="165100" h="254000"/>
+    </dgm:sp3d>
+    <dgm:txPr/>
+    <dgm:style>
+      <a:lnRef idx="0">
+        <a:scrgbClr r="0" g="0" b="0"/>
+      </a:lnRef>
+      <a:fillRef idx="1">
+        <a:scrgbClr r="0" g="0" b="0"/>
+      </a:fillRef>
+      <a:effectRef idx="2">
+        <a:scrgbClr r="0" g="0" b="0"/>
+      </a:effectRef>
+      <a:fontRef idx="minor">
+        <a:schemeClr val="lt1"/>
+      </a:fontRef>
+    </dgm:style>
+  </dgm:styleLbl>
+  <dgm:styleLbl name="node1">
+    <dgm:scene3d>
+      <a:camera prst="orthographicFront">
+        <a:rot lat="0" lon="0" rev="0"/>
+      </a:camera>
+      <a:lightRig rig="contrasting" dir="t">
+        <a:rot lat="0" lon="0" rev="1200000"/>
+      </a:lightRig>
+    </dgm:scene3d>
+    <dgm:sp3d contourW="19050" prstMaterial="metal">
+      <a:bevelT w="88900" h="203200"/>
+      <a:bevelB w="165100" h="254000"/>
+    </dgm:sp3d>
+    <dgm:txPr/>
+    <dgm:style>
+      <a:lnRef idx="0">
+        <a:scrgbClr r="0" g="0" b="0"/>
+      </a:lnRef>
+      <a:fillRef idx="1">
+        <a:scrgbClr r="0" g="0" b="0"/>
+      </a:fillRef>
+      <a:effectRef idx="2">
+        <a:scrgbClr r="0" g="0" b="0"/>
+      </a:effectRef>
+      <a:fontRef idx="minor">
+        <a:schemeClr val="lt1"/>
+      </a:fontRef>
+    </dgm:style>
+  </dgm:styleLbl>
+  <dgm:styleLbl name="node2">
+    <dgm:scene3d>
+      <a:camera prst="orthographicFront">
+        <a:rot lat="0" lon="0" rev="0"/>
+      </a:camera>
+      <a:lightRig rig="contrasting" dir="t">
+        <a:rot lat="0" lon="0" rev="1200000"/>
+      </a:lightRig>
+    </dgm:scene3d>
+    <dgm:sp3d contourW="19050" prstMaterial="metal">
+      <a:bevelT w="88900" h="203200"/>
+      <a:bevelB w="165100" h="254000"/>
+    </dgm:sp3d>
+    <dgm:txPr/>
+    <dgm:style>
+      <a:lnRef idx="0">
+        <a:scrgbClr r="0" g="0" b="0"/>
+      </a:lnRef>
+      <a:fillRef idx="1">
+        <a:scrgbClr r="0" g="0" b="0"/>
+      </a:fillRef>
+      <a:effectRef idx="1">
+        <a:scrgbClr r="0" g="0" b="0"/>
+      </a:effectRef>
+      <a:fontRef idx="minor">
+        <a:schemeClr val="lt1"/>
+      </a:fontRef>
+    </dgm:style>
+  </dgm:styleLbl>
+  <dgm:styleLbl name="node3">
+    <dgm:scene3d>
+      <a:camera prst="orthographicFront">
+        <a:rot lat="0" lon="0" rev="0"/>
+      </a:camera>
+      <a:lightRig rig="contrasting" dir="t">
+        <a:rot lat="0" lon="0" rev="1200000"/>
+      </a:lightRig>
+    </dgm:scene3d>
+    <dgm:sp3d contourW="19050" prstMaterial="metal">
+      <a:bevelT w="88900" h="203200"/>
+      <a:bevelB w="165100" h="254000"/>
+    </dgm:sp3d>
+    <dgm:txPr/>
+    <dgm:style>
+      <a:lnRef idx="0">
+        <a:scrgbClr r="0" g="0" b="0"/>
+      </a:lnRef>
+      <a:fillRef idx="1">
+        <a:scrgbClr r="0" g="0" b="0"/>
+      </a:fillRef>
+      <a:effectRef idx="1">
+        <a:scrgbClr r="0" g="0" b="0"/>
+      </a:effectRef>
+      <a:fontRef idx="minor">
+        <a:schemeClr val="lt1"/>
+      </a:fontRef>
+    </dgm:style>
+  </dgm:styleLbl>
+  <dgm:styleLbl name="node4">
+    <dgm:scene3d>
+      <a:camera prst="orthographicFront">
+        <a:rot lat="0" lon="0" rev="0"/>
+      </a:camera>
+      <a:lightRig rig="contrasting" dir="t">
+        <a:rot lat="0" lon="0" rev="1200000"/>
+      </a:lightRig>
+    </dgm:scene3d>
+    <dgm:sp3d contourW="19050" prstMaterial="metal">
+      <a:bevelT w="88900" h="203200"/>
+      <a:bevelB w="165100" h="254000"/>
+    </dgm:sp3d>
+    <dgm:txPr/>
+    <dgm:style>
+      <a:lnRef idx="0">
+        <a:scrgbClr r="0" g="0" b="0"/>
+      </a:lnRef>
+      <a:fillRef idx="1">
+        <a:scrgbClr r="0" g="0" b="0"/>
+      </a:fillRef>
+      <a:effectRef idx="1">
+        <a:scrgbClr r="0" g="0" b="0"/>
+      </a:effectRef>
+      <a:fontRef idx="minor">
+        <a:schemeClr val="lt1"/>
+      </a:fontRef>
+    </dgm:style>
+  </dgm:styleLbl>
+  <dgm:styleLbl name="fgImgPlace1">
+    <dgm:scene3d>
+      <a:camera prst="orthographicFront">
+        <a:rot lat="0" lon="0" rev="0"/>
+      </a:camera>
+      <a:lightRig rig="contrasting" dir="t">
+        <a:rot lat="0" lon="0" rev="1200000"/>
+      </a:lightRig>
+    </dgm:scene3d>
+    <dgm:sp3d z="300000" contourW="19050" prstMaterial="metal">
+      <a:bevelT w="88900" h="203200"/>
+      <a:bevelB w="165100" h="254000"/>
+    </dgm:sp3d>
+    <dgm:txPr/>
+    <dgm:style>
+      <a:lnRef idx="0">
+        <a:scrgbClr r="0" g="0" b="0"/>
+      </a:lnRef>
+      <a:fillRef idx="1">
+        <a:scrgbClr r="0" g="0" b="0"/>
+      </a:fillRef>
+      <a:effectRef idx="1">
+        <a:scrgbClr r="0" g="0" b="0"/>
+      </a:effectRef>
+      <a:fontRef idx="minor"/>
+    </dgm:style>
+  </dgm:styleLbl>
+  <dgm:styleLbl name="alignImgPlace1">
+    <dgm:scene3d>
+      <a:camera prst="orthographicFront">
+        <a:rot lat="0" lon="0" rev="0"/>
+      </a:camera>
+      <a:lightRig rig="contrasting" dir="t">
+        <a:rot lat="0" lon="0" rev="1200000"/>
+      </a:lightRig>
+    </dgm:scene3d>
+    <dgm:sp3d contourW="12700" prstMaterial="flat">
+      <a:bevelT w="177800" h="254000"/>
+      <a:bevelB w="152400"/>
+    </dgm:sp3d>
+    <dgm:txPr/>
+    <dgm:style>
+      <a:lnRef idx="0">
+        <a:scrgbClr r="0" g="0" b="0"/>
+      </a:lnRef>
+      <a:fillRef idx="1">
+        <a:scrgbClr r="0" g="0" b="0"/>
+      </a:fillRef>
+      <a:effectRef idx="1">
+        <a:scrgbClr r="0" g="0" b="0"/>
+      </a:effectRef>
+      <a:fontRef idx="minor"/>
+    </dgm:style>
+  </dgm:styleLbl>
+  <dgm:styleLbl name="bgImgPlace1">
+    <dgm:scene3d>
+      <a:camera prst="orthographicFront">
+        <a:rot lat="0" lon="0" rev="0"/>
+      </a:camera>
+      <a:lightRig rig="contrasting" dir="t">
+        <a:rot lat="0" lon="0" rev="1200000"/>
+      </a:lightRig>
+    </dgm:scene3d>
+    <dgm:sp3d z="-300000" contourW="19050" prstMaterial="metal">
+      <a:bevelT w="88900" h="203200"/>
+      <a:bevelB w="165100" h="254000"/>
+    </dgm:sp3d>
+    <dgm:txPr/>
+    <dgm:style>
+      <a:lnRef idx="0">
+        <a:scrgbClr r="0" g="0" b="0"/>
+      </a:lnRef>
+      <a:fillRef idx="1">
+        <a:scrgbClr r="0" g="0" b="0"/>
+      </a:fillRef>
+      <a:effectRef idx="1">
+        <a:scrgbClr r="0" g="0" b="0"/>
+      </a:effectRef>
+      <a:fontRef idx="minor"/>
+    </dgm:style>
+  </dgm:styleLbl>
+  <dgm:styleLbl name="sibTrans2D1">
+    <dgm:scene3d>
+      <a:camera prst="orthographicFront">
+        <a:rot lat="0" lon="0" rev="0"/>
+      </a:camera>
+      <a:lightRig rig="contrasting" dir="t">
+        <a:rot lat="0" lon="0" rev="1200000"/>
+      </a:lightRig>
+    </dgm:scene3d>
+    <dgm:sp3d z="-182000" contourW="19050" prstMaterial="metal">
+      <a:bevelT w="88900" h="203200"/>
+      <a:bevelB w="165100" h="254000"/>
+    </dgm:sp3d>
+    <dgm:txPr/>
+    <dgm:style>
+      <a:lnRef idx="0">
+        <a:scrgbClr r="0" g="0" b="0"/>
+      </a:lnRef>
+      <a:fillRef idx="1">
+        <a:scrgbClr r="0" g="0" b="0"/>
+      </a:fillRef>
+      <a:effectRef idx="0">
+        <a:scrgbClr r="0" g="0" b="0"/>
+      </a:effectRef>
+      <a:fontRef idx="minor">
+        <a:schemeClr val="lt1"/>
+      </a:fontRef>
+    </dgm:style>
+  </dgm:styleLbl>
+  <dgm:styleLbl name="fgSibTrans2D1">
+    <dgm:scene3d>
+      <a:camera prst="orthographicFront">
+        <a:rot lat="0" lon="0" rev="0"/>
+      </a:camera>
+      <a:lightRig rig="contrasting" dir="t">
+        <a:rot lat="0" lon="0" rev="1200000"/>
+      </a:lightRig>
+    </dgm:scene3d>
+    <dgm:sp3d z="300000" contourW="19050" prstMaterial="metal">
+      <a:bevelT w="88900" h="203200"/>
+      <a:bevelB w="165100" h="254000"/>
+    </dgm:sp3d>
+    <dgm:txPr/>
+    <dgm:style>
+      <a:lnRef idx="0">
+        <a:scrgbClr r="0" g="0" b="0"/>
+      </a:lnRef>
+      <a:fillRef idx="1">
+        <a:scrgbClr r="0" g="0" b="0"/>
+      </a:fillRef>
+      <a:effectRef idx="0">
+        <a:scrgbClr r="0" g="0" b="0"/>
+      </a:effectRef>
+      <a:fontRef idx="minor"/>
+    </dgm:style>
+  </dgm:styleLbl>
+  <dgm:styleLbl name="bgSibTrans2D1">
+    <dgm:scene3d>
+      <a:camera prst="orthographicFront">
+        <a:rot lat="0" lon="0" rev="0"/>
+      </a:camera>
+      <a:lightRig rig="contrasting" dir="t">
+        <a:rot lat="0" lon="0" rev="1200000"/>
+      </a:lightRig>
+    </dgm:scene3d>
+    <dgm:sp3d z="-300000" contourW="19050" prstMaterial="metal">
+      <a:bevelT w="88900" h="203200"/>
+      <a:bevelB w="165100" h="254000"/>
+    </dgm:sp3d>
+    <dgm:txPr/>
+    <dgm:style>
+      <a:lnRef idx="0">
+        <a:scrgbClr r="0" g="0" b="0"/>
+      </a:lnRef>
+      <a:fillRef idx="1">
+        <a:scrgbClr r="0" g="0" b="0"/>
+      </a:fillRef>
+      <a:effectRef idx="0">
+        <a:scrgbClr r="0" g="0" b="0"/>
+      </a:effectRef>
+      <a:fontRef idx="minor"/>
+    </dgm:style>
+  </dgm:styleLbl>
+  <dgm:styleLbl name="sibTrans1D1">
+    <dgm:scene3d>
+      <a:camera prst="orthographicFront">
+        <a:rot lat="0" lon="0" rev="0"/>
+      </a:camera>
+      <a:lightRig rig="contrasting" dir="t">
+        <a:rot lat="0" lon="0" rev="1200000"/>
+      </a:lightRig>
+    </dgm:scene3d>
+    <dgm:sp3d z="-110000"/>
+    <dgm:txPr/>
+    <dgm:style>
+      <a:lnRef idx="1">
+        <a:scrgbClr r="0" g="0" b="0"/>
+      </a:lnRef>
+      <a:fillRef idx="0">
+        <a:scrgbClr r="0" g="0" b="0"/>
+      </a:fillRef>
+      <a:effectRef idx="0">
+        <a:scrgbClr r="0" g="0" b="0"/>
+      </a:effectRef>
+      <a:fontRef idx="minor"/>
+    </dgm:style>
+  </dgm:styleLbl>
+  <dgm:styleLbl name="callout">
+    <dgm:scene3d>
+      <a:camera prst="orthographicFront">
+        <a:rot lat="0" lon="0" rev="0"/>
+      </a:camera>
+      <a:lightRig rig="contrasting" dir="t">
+        <a:rot lat="0" lon="0" rev="1200000"/>
+      </a:lightRig>
+    </dgm:scene3d>
+    <dgm:sp3d z="10000"/>
+    <dgm:txPr/>
+    <dgm:style>
+      <a:lnRef idx="2">
+        <a:scrgbClr r="0" g="0" b="0"/>
+      </a:lnRef>
+      <a:fillRef idx="1">
+        <a:scrgbClr r="0" g="0" b="0"/>
+      </a:fillRef>
+      <a:effectRef idx="0">
+        <a:scrgbClr r="0" g="0" b="0"/>
+      </a:effectRef>
+      <a:fontRef idx="minor"/>
+    </dgm:style>
+  </dgm:styleLbl>
+  <dgm:styleLbl name="asst0">
+    <dgm:scene3d>
+      <a:camera prst="orthographicFront">
+        <a:rot lat="0" lon="0" rev="0"/>
+      </a:camera>
+      <a:lightRig rig="contrasting" dir="t">
+        <a:rot lat="0" lon="0" rev="1200000"/>
+      </a:lightRig>
+    </dgm:scene3d>
+    <dgm:sp3d contourW="19050" prstMaterial="metal">
+      <a:bevelT w="88900" h="203200"/>
+      <a:bevelB w="165100" h="254000"/>
+    </dgm:sp3d>
+    <dgm:txPr/>
+    <dgm:style>
+      <a:lnRef idx="0">
+        <a:scrgbClr r="0" g="0" b="0"/>
+      </a:lnRef>
+      <a:fillRef idx="1">
+        <a:scrgbClr r="0" g="0" b="0"/>
+      </a:fillRef>
+      <a:effectRef idx="1">
+        <a:scrgbClr r="0" g="0" b="0"/>
+      </a:effectRef>
+      <a:fontRef idx="minor">
+        <a:schemeClr val="lt1"/>
+      </a:fontRef>
+    </dgm:style>
+  </dgm:styleLbl>
+  <dgm:styleLbl name="asst1">
+    <dgm:scene3d>
+      <a:camera prst="orthographicFront">
+        <a:rot lat="0" lon="0" rev="0"/>
+      </a:camera>
+      <a:lightRig rig="contrasting" dir="t">
+        <a:rot lat="0" lon="0" rev="1200000"/>
+      </a:lightRig>
+    </dgm:scene3d>
+    <dgm:sp3d contourW="19050" prstMaterial="metal">
+      <a:bevelT w="88900" h="203200"/>
+      <a:bevelB w="165100" h="254000"/>
+    </dgm:sp3d>
+    <dgm:txPr/>
+    <dgm:style>
+      <a:lnRef idx="0">
+        <a:scrgbClr r="0" g="0" b="0"/>
+      </a:lnRef>
+      <a:fillRef idx="1">
+        <a:scrgbClr r="0" g="0" b="0"/>
+      </a:fillRef>
+      <a:effectRef idx="1">
+        <a:scrgbClr r="0" g="0" b="0"/>
+      </a:effectRef>
+      <a:fontRef idx="minor">
+        <a:schemeClr val="lt1"/>
+      </a:fontRef>
+    </dgm:style>
+  </dgm:styleLbl>
+  <dgm:styleLbl name="asst2">
+    <dgm:scene3d>
+      <a:camera prst="orthographicFront">
+        <a:rot lat="0" lon="0" rev="0"/>
+      </a:camera>
+      <a:lightRig rig="contrasting" dir="t">
+        <a:rot lat="0" lon="0" rev="1200000"/>
+      </a:lightRig>
+    </dgm:scene3d>
+    <dgm:sp3d contourW="19050" prstMaterial="metal">
+      <a:bevelT w="88900" h="203200"/>
+      <a:bevelB w="165100" h="254000"/>
+    </dgm:sp3d>
+    <dgm:txPr/>
+    <dgm:style>
+      <a:lnRef idx="0">
+        <a:scrgbClr r="0" g="0" b="0"/>
+      </a:lnRef>
+      <a:fillRef idx="1">
+        <a:scrgbClr r="0" g="0" b="0"/>
+      </a:fillRef>
+      <a:effectRef idx="1">
+        <a:scrgbClr r="0" g="0" b="0"/>
+      </a:effectRef>
+      <a:fontRef idx="minor">
+        <a:schemeClr val="lt1"/>
+      </a:fontRef>
+    </dgm:style>
+  </dgm:styleLbl>
+  <dgm:styleLbl name="asst3">
+    <dgm:scene3d>
+      <a:camera prst="orthographicFront">
+        <a:rot lat="0" lon="0" rev="0"/>
+      </a:camera>
+      <a:lightRig rig="contrasting" dir="t">
+        <a:rot lat="0" lon="0" rev="1200000"/>
+      </a:lightRig>
+    </dgm:scene3d>
+    <dgm:sp3d contourW="19050" prstMaterial="metal">
+      <a:bevelT w="88900" h="203200"/>
+      <a:bevelB w="165100" h="254000"/>
+    </dgm:sp3d>
+    <dgm:txPr/>
+    <dgm:style>
+      <a:lnRef idx="0">
+        <a:scrgbClr r="0" g="0" b="0"/>
+      </a:lnRef>
+      <a:fillRef idx="1">
+        <a:scrgbClr r="0" g="0" b="0"/>
+      </a:fillRef>
+      <a:effectRef idx="1">
+        <a:scrgbClr r="0" g="0" b="0"/>
+      </a:effectRef>
+      <a:fontRef idx="minor">
+        <a:schemeClr val="lt1"/>
+      </a:fontRef>
+    </dgm:style>
+  </dgm:styleLbl>
+  <dgm:styleLbl name="asst4">
+    <dgm:scene3d>
+      <a:camera prst="orthographicFront"/>
+      <a:lightRig rig="threePt" dir="t"/>
+    </dgm:scene3d>
+    <dgm:sp3d contourW="19050" prstMaterial="metal">
+      <a:bevelT w="88900" h="203200"/>
+      <a:bevelB w="165100" h="254000"/>
+    </dgm:sp3d>
+    <dgm:txPr/>
+    <dgm:style>
+      <a:lnRef idx="0">
+        <a:scrgbClr r="0" g="0" b="0"/>
+      </a:lnRef>
+      <a:fillRef idx="1">
+        <a:scrgbClr r="0" g="0" b="0"/>
+      </a:fillRef>
+      <a:effectRef idx="1">
+        <a:scrgbClr r="0" g="0" b="0"/>
+      </a:effectRef>
+      <a:fontRef idx="minor">
+        <a:schemeClr val="lt1"/>
+      </a:fontRef>
+    </dgm:style>
+  </dgm:styleLbl>
+  <dgm:styleLbl name="parChTrans2D1">
+    <dgm:scene3d>
+      <a:camera prst="orthographicFront">
+        <a:rot lat="0" lon="0" rev="0"/>
+      </a:camera>
+      <a:lightRig rig="contrasting" dir="t">
+        <a:rot lat="0" lon="0" rev="1200000"/>
+      </a:lightRig>
+    </dgm:scene3d>
+    <dgm:sp3d contourW="19050" prstMaterial="metal">
+      <a:bevelT w="88900" h="203200"/>
+      <a:bevelB w="165100" h="254000"/>
+    </dgm:sp3d>
+    <dgm:txPr/>
+    <dgm:style>
+      <a:lnRef idx="0">
+        <a:scrgbClr r="0" g="0" b="0"/>
+      </a:lnRef>
+      <a:fillRef idx="1">
+        <a:scrgbClr r="0" g="0" b="0"/>
+      </a:fillRef>
+      <a:effectRef idx="0">
+        <a:scrgbClr r="0" g="0" b="0"/>
+      </a:effectRef>
+      <a:fontRef idx="minor"/>
+    </dgm:style>
+  </dgm:styleLbl>
+  <dgm:styleLbl name="parChTrans2D2">
+    <dgm:scene3d>
+      <a:camera prst="orthographicFront">
+        <a:rot lat="0" lon="0" rev="0"/>
+      </a:camera>
+      <a:lightRig rig="contrasting" dir="t">
+        <a:rot lat="0" lon="0" rev="1200000"/>
+      </a:lightRig>
+    </dgm:scene3d>
+    <dgm:sp3d contourW="19050" prstMaterial="metal">
+      <a:bevelT w="88900" h="203200"/>
+      <a:bevelB w="165100" h="254000"/>
+    </dgm:sp3d>
+    <dgm:txPr/>
+    <dgm:style>
+      <a:lnRef idx="0">
+        <a:scrgbClr r="0" g="0" b="0"/>
+      </a:lnRef>
+      <a:fillRef idx="1">
+        <a:scrgbClr r="0" g="0" b="0"/>
+      </a:fillRef>
+      <a:effectRef idx="0">
+        <a:scrgbClr r="0" g="0" b="0"/>
+      </a:effectRef>
+      <a:fontRef idx="minor"/>
+    </dgm:style>
+  </dgm:styleLbl>
+  <dgm:styleLbl name="parChTrans2D3">
+    <dgm:scene3d>
+      <a:camera prst="orthographicFront">
+        <a:rot lat="0" lon="0" rev="0"/>
+      </a:camera>
+      <a:lightRig rig="contrasting" dir="t">
+        <a:rot lat="0" lon="0" rev="1200000"/>
+      </a:lightRig>
+    </dgm:scene3d>
+    <dgm:sp3d contourW="19050" prstMaterial="metal">
+      <a:bevelT w="88900" h="203200"/>
+      <a:bevelB w="165100" h="254000"/>
+    </dgm:sp3d>
+    <dgm:txPr/>
+    <dgm:style>
+      <a:lnRef idx="0">
+        <a:scrgbClr r="0" g="0" b="0"/>
+      </a:lnRef>
+      <a:fillRef idx="1">
+        <a:scrgbClr r="0" g="0" b="0"/>
+      </a:fillRef>
+      <a:effectRef idx="0">
+        <a:scrgbClr r="0" g="0" b="0"/>
+      </a:effectRef>
+      <a:fontRef idx="minor"/>
+    </dgm:style>
+  </dgm:styleLbl>
+  <dgm:styleLbl name="parChTrans2D4">
+    <dgm:scene3d>
+      <a:camera prst="orthographicFront">
+        <a:rot lat="0" lon="0" rev="0"/>
+      </a:camera>
+      <a:lightRig rig="contrasting" dir="t">
+        <a:rot lat="0" lon="0" rev="1200000"/>
+      </a:lightRig>
+    </dgm:scene3d>
+    <dgm:sp3d contourW="19050" prstMaterial="metal">
+      <a:bevelT w="88900" h="203200"/>
+      <a:bevelB w="165100" h="254000"/>
+    </dgm:sp3d>
+    <dgm:txPr/>
+    <dgm:style>
+      <a:lnRef idx="0">
+        <a:scrgbClr r="0" g="0" b="0"/>
+      </a:lnRef>
+      <a:fillRef idx="1">
+        <a:scrgbClr r="0" g="0" b="0"/>
+      </a:fillRef>
+      <a:effectRef idx="0">
+        <a:scrgbClr r="0" g="0" b="0"/>
+      </a:effectRef>
+      <a:fontRef idx="minor"/>
+    </dgm:style>
+  </dgm:styleLbl>
+  <dgm:styleLbl name="parChTrans1D1">
+    <dgm:scene3d>
+      <a:camera prst="orthographicFront">
+        <a:rot lat="0" lon="0" rev="0"/>
+      </a:camera>
+      <a:lightRig rig="contrasting" dir="t">
+        <a:rot lat="0" lon="0" rev="1200000"/>
+      </a:lightRig>
+    </dgm:scene3d>
+    <dgm:sp3d z="-110000"/>
+    <dgm:txPr/>
+    <dgm:style>
+      <a:lnRef idx="2">
+        <a:scrgbClr r="0" g="0" b="0"/>
+      </a:lnRef>
+      <a:fillRef idx="0">
+        <a:scrgbClr r="0" g="0" b="0"/>
+      </a:fillRef>
+      <a:effectRef idx="0">
+        <a:scrgbClr r="0" g="0" b="0"/>
+      </a:effectRef>
+      <a:fontRef idx="minor"/>
+    </dgm:style>
+  </dgm:styleLbl>
+  <dgm:styleLbl name="parChTrans1D2">
+    <dgm:scene3d>
+      <a:camera prst="orthographicFront">
+        <a:rot lat="0" lon="0" rev="0"/>
+      </a:camera>
+      <a:lightRig rig="contrasting" dir="t">
+        <a:rot lat="0" lon="0" rev="1200000"/>
+      </a:lightRig>
+    </dgm:scene3d>
+    <dgm:sp3d z="-110000"/>
+    <dgm:txPr/>
+    <dgm:style>
+      <a:lnRef idx="2">
+        <a:scrgbClr r="0" g="0" b="0"/>
+      </a:lnRef>
+      <a:fillRef idx="0">
+        <a:scrgbClr r="0" g="0" b="0"/>
+      </a:fillRef>
+      <a:effectRef idx="0">
+        <a:scrgbClr r="0" g="0" b="0"/>
+      </a:effectRef>
+      <a:fontRef idx="minor"/>
+    </dgm:style>
+  </dgm:styleLbl>
+  <dgm:styleLbl name="parChTrans1D3">
+    <dgm:scene3d>
+      <a:camera prst="orthographicFront">
+        <a:rot lat="0" lon="0" rev="0"/>
+      </a:camera>
+      <a:lightRig rig="contrasting" dir="t">
+        <a:rot lat="0" lon="0" rev="1200000"/>
+      </a:lightRig>
+    </dgm:scene3d>
+    <dgm:sp3d z="-110000"/>
+    <dgm:txPr/>
+    <dgm:style>
+      <a:lnRef idx="2">
+        <a:scrgbClr r="0" g="0" b="0"/>
+      </a:lnRef>
+      <a:fillRef idx="0">
+        <a:scrgbClr r="0" g="0" b="0"/>
+      </a:fillRef>
+      <a:effectRef idx="0">
+        <a:scrgbClr r="0" g="0" b="0"/>
+      </a:effectRef>
+      <a:fontRef idx="minor"/>
+    </dgm:style>
+  </dgm:styleLbl>
+  <dgm:styleLbl name="parChTrans1D4">
+    <dgm:scene3d>
+      <a:camera prst="orthographicFront">
+        <a:rot lat="0" lon="0" rev="0"/>
+      </a:camera>
+      <a:lightRig rig="contrasting" dir="t">
+        <a:rot lat="0" lon="0" rev="1200000"/>
+      </a:lightRig>
+    </dgm:scene3d>
+    <dgm:sp3d z="-110000"/>
+    <dgm:txPr/>
+    <dgm:style>
+      <a:lnRef idx="2">
+        <a:scrgbClr r="0" g="0" b="0"/>
+      </a:lnRef>
+      <a:fillRef idx="0">
+        <a:scrgbClr r="0" g="0" b="0"/>
+      </a:fillRef>
+      <a:effectRef idx="0">
+        <a:scrgbClr r="0" g="0" b="0"/>
+      </a:effectRef>
+      <a:fontRef idx="minor"/>
+    </dgm:style>
+  </dgm:styleLbl>
+  <dgm:styleLbl name="fgAcc1">
+    <dgm:scene3d>
+      <a:camera prst="orthographicFront">
+        <a:rot lat="0" lon="0" rev="0"/>
+      </a:camera>
+      <a:lightRig rig="contrasting" dir="t">
+        <a:rot lat="0" lon="0" rev="1200000"/>
+      </a:lightRig>
+    </dgm:scene3d>
+    <dgm:sp3d z="300000" contourW="19050" prstMaterial="metal">
+      <a:bevelT w="88900" h="203200"/>
+      <a:bevelB w="165100" h="254000"/>
+    </dgm:sp3d>
+    <dgm:txPr/>
+    <dgm:style>
+      <a:lnRef idx="0">
+        <a:scrgbClr r="0" g="0" b="0"/>
+      </a:lnRef>
+      <a:fillRef idx="1">
+        <a:scrgbClr r="0" g="0" b="0"/>
+      </a:fillRef>
+      <a:effectRef idx="0">
+        <a:scrgbClr r="0" g="0" b="0"/>
+      </a:effectRef>
+      <a:fontRef idx="minor"/>
+    </dgm:style>
+  </dgm:styleLbl>
+  <dgm:styleLbl name="conFgAcc1">
+    <dgm:scene3d>
+      <a:camera prst="orthographicFront">
+        <a:rot lat="0" lon="0" rev="0"/>
+      </a:camera>
+      <a:lightRig rig="contrasting" dir="t">
+        <a:rot lat="0" lon="0" rev="1200000"/>
+      </a:lightRig>
+    </dgm:scene3d>
+    <dgm:sp3d z="300000" contourW="19050" prstMaterial="metal">
+      <a:bevelT w="88900" h="203200"/>
+      <a:bevelB w="165100" h="254000"/>
+    </dgm:sp3d>
+    <dgm:txPr/>
+    <dgm:style>
+      <a:lnRef idx="0">
+        <a:scrgbClr r="0" g="0" b="0"/>
+      </a:lnRef>
+      <a:fillRef idx="1">
+        <a:scrgbClr r="0" g="0" b="0"/>
+      </a:fillRef>
+      <a:effectRef idx="0">
+        <a:scrgbClr r="0" g="0" b="0"/>
+      </a:effectRef>
+      <a:fontRef idx="minor"/>
+    </dgm:style>
+  </dgm:styleLbl>
+  <dgm:styleLbl name="alignAcc1">
+    <dgm:scene3d>
+      <a:camera prst="orthographicFront">
+        <a:rot lat="0" lon="0" rev="0"/>
+      </a:camera>
+      <a:lightRig rig="contrasting" dir="t">
+        <a:rot lat="0" lon="0" rev="1200000"/>
+      </a:lightRig>
+    </dgm:scene3d>
+    <dgm:sp3d contourW="19050" prstMaterial="metal">
+      <a:bevelT w="88900" h="203200"/>
+      <a:bevelB w="165100" h="254000"/>
+    </dgm:sp3d>
+    <dgm:txPr/>
+    <dgm:style>
+      <a:lnRef idx="0">
+        <a:scrgbClr r="0" g="0" b="0"/>
+      </a:lnRef>
+      <a:fillRef idx="1">
+        <a:scrgbClr r="0" g="0" b="0"/>
+      </a:fillRef>
+      <a:effectRef idx="0">
+        <a:scrgbClr r="0" g="0" b="0"/>
+      </a:effectRef>
+      <a:fontRef idx="minor"/>
+    </dgm:style>
+  </dgm:styleLbl>
+  <dgm:styleLbl name="trAlignAcc1">
+    <dgm:scene3d>
+      <a:camera prst="orthographicFront">
+        <a:rot lat="0" lon="0" rev="0"/>
+      </a:camera>
+      <a:lightRig rig="contrasting" dir="t">
+        <a:rot lat="0" lon="0" rev="1200000"/>
+      </a:lightRig>
+    </dgm:scene3d>
+    <dgm:sp3d contourW="19050" prstMaterial="metal">
+      <a:bevelT w="88900" h="203200"/>
+      <a:bevelB w="165100" h="254000"/>
+    </dgm:sp3d>
+    <dgm:txPr/>
+    <dgm:style>
+      <a:lnRef idx="0">
+        <a:scrgbClr r="0" g="0" b="0"/>
+      </a:lnRef>
+      <a:fillRef idx="1">
+        <a:scrgbClr r="0" g="0" b="0"/>
+      </a:fillRef>
+      <a:effectRef idx="1">
+        <a:scrgbClr r="0" g="0" b="0"/>
+      </a:effectRef>
+      <a:fontRef idx="minor"/>
+    </dgm:style>
+  </dgm:styleLbl>
+  <dgm:styleLbl name="bgAcc1">
+    <dgm:scene3d>
+      <a:camera prst="orthographicFront">
+        <a:rot lat="0" lon="0" rev="0"/>
+      </a:camera>
+      <a:lightRig rig="contrasting" dir="t">
+        <a:rot lat="0" lon="0" rev="1200000"/>
+      </a:lightRig>
+    </dgm:scene3d>
+    <dgm:sp3d z="-300000" contourW="19050" prstMaterial="metal">
+      <a:bevelT w="88900" h="203200"/>
+      <a:bevelB w="165100" h="254000"/>
+    </dgm:sp3d>
+    <dgm:txPr/>
+    <dgm:style>
+      <a:lnRef idx="0">
+        <a:scrgbClr r="0" g="0" b="0"/>
+      </a:lnRef>
+      <a:fillRef idx="1">
+        <a:scrgbClr r="0" g="0" b="0"/>
+      </a:fillRef>
+      <a:effectRef idx="0">
+        <a:scrgbClr r="0" g="0" b="0"/>
+      </a:effectRef>
+      <a:fontRef idx="minor"/>
+    </dgm:style>
+  </dgm:styleLbl>
+  <dgm:styleLbl name="solidFgAcc1">
+    <dgm:scene3d>
+      <a:camera prst="orthographicFront">
+        <a:rot lat="0" lon="0" rev="0"/>
+      </a:camera>
+      <a:lightRig rig="contrasting" dir="t">
+        <a:rot lat="0" lon="0" rev="1200000"/>
+      </a:lightRig>
+    </dgm:scene3d>
+    <dgm:sp3d z="300000" contourW="12700" prstMaterial="flat">
+      <a:bevelT w="177800" h="254000"/>
+      <a:bevelB w="152400"/>
+    </dgm:sp3d>
+    <dgm:txPr/>
+    <dgm:style>
+      <a:lnRef idx="0">
+        <a:scrgbClr r="0" g="0" b="0"/>
+      </a:lnRef>
+      <a:fillRef idx="1">
+        <a:scrgbClr r="0" g="0" b="0"/>
+      </a:fillRef>
+      <a:effectRef idx="0">
+        <a:scrgbClr r="0" g="0" b="0"/>
+      </a:effectRef>
+      <a:fontRef idx="minor"/>
+    </dgm:style>
+  </dgm:styleLbl>
+  <dgm:styleLbl name="solidAlignAcc1">
+    <dgm:scene3d>
+      <a:camera prst="orthographicFront">
+        <a:rot lat="0" lon="0" rev="0"/>
+      </a:camera>
+      <a:lightRig rig="contrasting" dir="t">
+        <a:rot lat="0" lon="0" rev="1200000"/>
+      </a:lightRig>
+    </dgm:scene3d>
+    <dgm:sp3d contourW="19050" prstMaterial="metal">
+      <a:bevelT w="88900" h="203200"/>
+      <a:bevelB w="165100" h="254000"/>
+    </dgm:sp3d>
+    <dgm:txPr/>
+    <dgm:style>
+      <a:lnRef idx="0">
+        <a:scrgbClr r="0" g="0" b="0"/>
+      </a:lnRef>
+      <a:fillRef idx="1">
+        <a:scrgbClr r="0" g="0" b="0"/>
+      </a:fillRef>
+      <a:effectRef idx="0">
+        <a:scrgbClr r="0" g="0" b="0"/>
+      </a:effectRef>
+      <a:fontRef idx="minor"/>
+    </dgm:style>
+  </dgm:styleLbl>
+  <dgm:styleLbl name="solidBgAcc1">
+    <dgm:scene3d>
+      <a:camera prst="orthographicFront">
+        <a:rot lat="0" lon="0" rev="0"/>
+      </a:camera>
+      <a:lightRig rig="contrasting" dir="t">
+        <a:rot lat="0" lon="0" rev="1200000"/>
+      </a:lightRig>
+    </dgm:scene3d>
+    <dgm:sp3d z="-300000" contourW="19050" prstMaterial="metal">
+      <a:bevelT w="88900" h="203200"/>
+      <a:bevelB w="165100" h="254000"/>
+    </dgm:sp3d>
+    <dgm:txPr/>
+    <dgm:style>
+      <a:lnRef idx="0">
+        <a:scrgbClr r="0" g="0" b="0"/>
+      </a:lnRef>
+      <a:fillRef idx="1">
+        <a:scrgbClr r="0" g="0" b="0"/>
+      </a:fillRef>
+      <a:effectRef idx="0">
+        <a:scrgbClr r="0" g="0" b="0"/>
+      </a:effectRef>
+      <a:fontRef idx="minor"/>
+    </dgm:style>
+  </dgm:styleLbl>
+  <dgm:styleLbl name="fgAccFollowNode1">
+    <dgm:scene3d>
+      <a:camera prst="orthographicFront">
+        <a:rot lat="0" lon="0" rev="0"/>
+      </a:camera>
+      <a:lightRig rig="contrasting" dir="t">
+        <a:rot lat="0" lon="0" rev="1200000"/>
+      </a:lightRig>
+    </dgm:scene3d>
+    <dgm:sp3d z="300000" contourW="19050" prstMaterial="metal">
+      <a:bevelT w="88900" h="203200"/>
+      <a:bevelB w="165100" h="254000"/>
+    </dgm:sp3d>
+    <dgm:txPr/>
+    <dgm:style>
+      <a:lnRef idx="0">
+        <a:scrgbClr r="0" g="0" b="0"/>
+      </a:lnRef>
+      <a:fillRef idx="1">
+        <a:scrgbClr r="0" g="0" b="0"/>
+      </a:fillRef>
+      <a:effectRef idx="0">
+        <a:scrgbClr r="0" g="0" b="0"/>
+      </a:effectRef>
+      <a:fontRef idx="minor"/>
+    </dgm:style>
+  </dgm:styleLbl>
+  <dgm:styleLbl name="alignAccFollowNode1">
+    <dgm:scene3d>
+      <a:camera prst="orthographicFront">
+        <a:rot lat="0" lon="0" rev="0"/>
+      </a:camera>
+      <a:lightRig rig="contrasting" dir="t">
+        <a:rot lat="0" lon="0" rev="1200000"/>
+      </a:lightRig>
+    </dgm:scene3d>
+    <dgm:sp3d contourW="19050" prstMaterial="metal">
+      <a:bevelT w="88900" h="203200"/>
+      <a:bevelB w="165100" h="254000"/>
+    </dgm:sp3d>
+    <dgm:txPr/>
+    <dgm:style>
+      <a:lnRef idx="0">
+        <a:scrgbClr r="0" g="0" b="0"/>
+      </a:lnRef>
+      <a:fillRef idx="1">
+        <a:scrgbClr r="0" g="0" b="0"/>
+      </a:fillRef>
+      <a:effectRef idx="0">
+        <a:scrgbClr r="0" g="0" b="0"/>
+      </a:effectRef>
+      <a:fontRef idx="minor"/>
+    </dgm:style>
+  </dgm:styleLbl>
+  <dgm:styleLbl name="bgAccFollowNode1">
+    <dgm:scene3d>
+      <a:camera prst="orthographicFront">
+        <a:rot lat="0" lon="0" rev="0"/>
+      </a:camera>
+      <a:lightRig rig="contrasting" dir="t">
+        <a:rot lat="0" lon="0" rev="1200000"/>
+      </a:lightRig>
+    </dgm:scene3d>
+    <dgm:sp3d z="-300000" contourW="19050" prstMaterial="metal">
+      <a:bevelT w="88900" h="203200"/>
+      <a:bevelB w="165100" h="254000"/>
+    </dgm:sp3d>
+    <dgm:txPr/>
+    <dgm:style>
+      <a:lnRef idx="0">
+        <a:scrgbClr r="0" g="0" b="0"/>
+      </a:lnRef>
+      <a:fillRef idx="1">
+        <a:scrgbClr r="0" g="0" b="0"/>
+      </a:fillRef>
+      <a:effectRef idx="0">
+        <a:scrgbClr r="0" g="0" b="0"/>
+      </a:effectRef>
+      <a:fontRef idx="minor"/>
+    </dgm:style>
+  </dgm:styleLbl>
+  <dgm:styleLbl name="fgAcc0">
+    <dgm:scene3d>
+      <a:camera prst="orthographicFront">
+        <a:rot lat="0" lon="0" rev="0"/>
+      </a:camera>
+      <a:lightRig rig="contrasting" dir="t">
+        <a:rot lat="0" lon="0" rev="1200000"/>
+      </a:lightRig>
+    </dgm:scene3d>
+    <dgm:sp3d z="300000" contourW="19050" prstMaterial="metal">
+      <a:bevelT w="88900" h="203200"/>
+      <a:bevelB w="165100" h="254000"/>
+    </dgm:sp3d>
+    <dgm:txPr/>
+    <dgm:style>
+      <a:lnRef idx="0">
+        <a:scrgbClr r="0" g="0" b="0"/>
+      </a:lnRef>
+      <a:fillRef idx="1">
+        <a:scrgbClr r="0" g="0" b="0"/>
+      </a:fillRef>
+      <a:effectRef idx="0">
+        <a:scrgbClr r="0" g="0" b="0"/>
+      </a:effectRef>
+      <a:fontRef idx="minor"/>
+    </dgm:style>
+  </dgm:styleLbl>
+  <dgm:styleLbl name="fgAcc2">
+    <dgm:scene3d>
+      <a:camera prst="orthographicFront">
+        <a:rot lat="0" lon="0" rev="0"/>
+      </a:camera>
+      <a:lightRig rig="contrasting" dir="t">
+        <a:rot lat="0" lon="0" rev="1200000"/>
+      </a:lightRig>
+    </dgm:scene3d>
+    <dgm:sp3d z="300000" contourW="19050" prstMaterial="metal">
+      <a:bevelT w="88900" h="203200"/>
+      <a:bevelB w="165100" h="254000"/>
+    </dgm:sp3d>
+    <dgm:txPr/>
+    <dgm:style>
+      <a:lnRef idx="0">
+        <a:scrgbClr r="0" g="0" b="0"/>
+      </a:lnRef>
+      <a:fillRef idx="1">
+        <a:scrgbClr r="0" g="0" b="0"/>
+      </a:fillRef>
+      <a:effectRef idx="0">
+        <a:scrgbClr r="0" g="0" b="0"/>
+      </a:effectRef>
+      <a:fontRef idx="minor"/>
+    </dgm:style>
+  </dgm:styleLbl>
+  <dgm:styleLbl name="fgAcc3">
+    <dgm:scene3d>
+      <a:camera prst="orthographicFront">
+        <a:rot lat="0" lon="0" rev="0"/>
+      </a:camera>
+      <a:lightRig rig="contrasting" dir="t">
+        <a:rot lat="0" lon="0" rev="1200000"/>
+      </a:lightRig>
+    </dgm:scene3d>
+    <dgm:sp3d z="300000" contourW="19050" prstMaterial="metal">
+      <a:bevelT w="88900" h="203200"/>
+      <a:bevelB w="165100" h="254000"/>
+    </dgm:sp3d>
+    <dgm:txPr/>
+    <dgm:style>
+      <a:lnRef idx="0">
+        <a:scrgbClr r="0" g="0" b="0"/>
+      </a:lnRef>
+      <a:fillRef idx="1">
+        <a:scrgbClr r="0" g="0" b="0"/>
+      </a:fillRef>
+      <a:effectRef idx="0">
+        <a:scrgbClr r="0" g="0" b="0"/>
+      </a:effectRef>
+      <a:fontRef idx="minor"/>
+    </dgm:style>
+  </dgm:styleLbl>
+  <dgm:styleLbl name="fgAcc4">
+    <dgm:scene3d>
+      <a:camera prst="orthographicFront">
+        <a:rot lat="0" lon="0" rev="0"/>
+      </a:camera>
+      <a:lightRig rig="contrasting" dir="t">
+        <a:rot lat="0" lon="0" rev="1200000"/>
+      </a:lightRig>
+    </dgm:scene3d>
+    <dgm:sp3d z="300000" contourW="19050" prstMaterial="metal">
+      <a:bevelT w="88900" h="203200"/>
+      <a:bevelB w="165100" h="254000"/>
+    </dgm:sp3d>
+    <dgm:txPr/>
+    <dgm:style>
+      <a:lnRef idx="0">
+        <a:scrgbClr r="0" g="0" b="0"/>
+      </a:lnRef>
+      <a:fillRef idx="1">
+        <a:scrgbClr r="0" g="0" b="0"/>
+      </a:fillRef>
+      <a:effectRef idx="0">
+        <a:scrgbClr r="0" g="0" b="0"/>
+      </a:effectRef>
+      <a:fontRef idx="minor"/>
+    </dgm:style>
+  </dgm:styleLbl>
+  <dgm:styleLbl name="bgShp">
+    <dgm:scene3d>
+      <a:camera prst="orthographicFront">
+        <a:rot lat="0" lon="0" rev="0"/>
+      </a:camera>
+      <a:lightRig rig="contrasting" dir="t">
+        <a:rot lat="0" lon="0" rev="1200000"/>
+      </a:lightRig>
+    </dgm:scene3d>
+    <dgm:sp3d z="-300000" prstMaterial="plastic"/>
+    <dgm:txPr/>
+    <dgm:style>
+      <a:lnRef idx="1">
+        <a:scrgbClr r="0" g="0" b="0"/>
+      </a:lnRef>
+      <a:fillRef idx="1">
+        <a:scrgbClr r="0" g="0" b="0"/>
+      </a:fillRef>
+      <a:effectRef idx="0">
+        <a:scrgbClr r="0" g="0" b="0"/>
+      </a:effectRef>
+      <a:fontRef idx="minor"/>
+    </dgm:style>
+  </dgm:styleLbl>
+  <dgm:styleLbl name="dkBgShp">
+    <dgm:scene3d>
+      <a:camera prst="orthographicFront">
+        <a:rot lat="0" lon="0" rev="0"/>
+      </a:camera>
+      <a:lightRig rig="contrasting" dir="t">
+        <a:rot lat="0" lon="0" rev="1200000"/>
+      </a:lightRig>
+    </dgm:scene3d>
+    <dgm:sp3d contourW="12700" prstMaterial="flat">
+      <a:bevelT w="100800" h="154000"/>
+      <a:bevelB w="152400"/>
+    </dgm:sp3d>
+    <dgm:txPr/>
+    <dgm:style>
+      <a:lnRef idx="0">
+        <a:scrgbClr r="0" g="0" b="0"/>
+      </a:lnRef>
+      <a:fillRef idx="1">
+        <a:scrgbClr r="0" g="0" b="0"/>
+      </a:fillRef>
+      <a:effectRef idx="0">
+        <a:scrgbClr r="0" g="0" b="0"/>
+      </a:effectRef>
+      <a:fontRef idx="minor"/>
+    </dgm:style>
+  </dgm:styleLbl>
+  <dgm:styleLbl name="trBgShp">
+    <dgm:scene3d>
+      <a:camera prst="orthographicFront">
+        <a:rot lat="0" lon="0" rev="0"/>
+      </a:camera>
+      <a:lightRig rig="contrasting" dir="t">
+        <a:rot lat="0" lon="0" rev="1200000"/>
+      </a:lightRig>
+    </dgm:scene3d>
+    <dgm:sp3d z="-152400" prstMaterial="matte"/>
+    <dgm:txPr/>
+    <dgm:style>
+      <a:lnRef idx="1">
+        <a:scrgbClr r="0" g="0" b="0"/>
+      </a:lnRef>
+      <a:fillRef idx="1">
+        <a:scrgbClr r="0" g="0" b="0"/>
+      </a:fillRef>
+      <a:effectRef idx="0">
+        <a:scrgbClr r="0" g="0" b="0"/>
+      </a:effectRef>
+      <a:fontRef idx="minor"/>
+    </dgm:style>
+  </dgm:styleLbl>
+  <dgm:styleLbl name="fgShp">
+    <dgm:scene3d>
+      <a:camera prst="orthographicFront">
+        <a:rot lat="0" lon="0" rev="0"/>
+      </a:camera>
+      <a:lightRig rig="contrasting" dir="t">
+        <a:rot lat="0" lon="0" rev="1200000"/>
+      </a:lightRig>
+    </dgm:scene3d>
+    <dgm:sp3d z="300000" contourW="19050" prstMaterial="metal">
+      <a:bevelT w="88900" h="203200"/>
+      <a:bevelB w="165100" h="254000"/>
+    </dgm:sp3d>
+    <dgm:txPr/>
+    <dgm:style>
+      <a:lnRef idx="0">
+        <a:scrgbClr r="0" g="0" b="0"/>
+      </a:lnRef>
+      <a:fillRef idx="1">
+        <a:scrgbClr r="0" g="0" b="0"/>
+      </a:fillRef>
+      <a:effectRef idx="0">
+        <a:scrgbClr r="0" g="0" b="0"/>
+      </a:effectRef>
+      <a:fontRef idx="minor"/>
+    </dgm:style>
+  </dgm:styleLbl>
+  <dgm:styleLbl name="revTx">
+    <dgm:scene3d>
+      <a:camera prst="orthographicFront"/>
+      <a:lightRig rig="threePt" dir="t"/>
+    </dgm:scene3d>
+    <dgm:sp3d/>
+    <dgm:txPr/>
+    <dgm:style>
+      <a:lnRef idx="1">
+        <a:scrgbClr r="0" g="0" b="0"/>
+      </a:lnRef>
+      <a:fillRef idx="0">
+        <a:scrgbClr r="0" g="0" b="0"/>
+      </a:fillRef>
+      <a:effectRef idx="0">
+        <a:scrgbClr r="0" g="0" b="0"/>
+      </a:effectRef>
+      <a:fontRef idx="minor"/>
+    </dgm:style>
+  </dgm:styleLbl>
+</dgm:styleDef>
+</file>
+
+<file path=ppt/diagrams/quickStyle3.xml><?xml version="1.0" encoding="utf-8"?>
+<dgm:styleDef xmlns:dgm="http://schemas.openxmlformats.org/drawingml/2006/diagram" xmlns:a="http://schemas.openxmlformats.org/drawingml/2006/main" uniqueId="urn:microsoft.com/office/officeart/2005/8/quickstyle/simple1">
+  <dgm:title val=""/>
+  <dgm:desc val=""/>
+  <dgm:catLst>
+    <dgm:cat type="simple" pri="10100"/>
+  </dgm:catLst>
+  <dgm:scene3d>
+    <a:camera prst="orthographicFront"/>
+    <a:lightRig rig="threePt" dir="t"/>
+  </dgm:scene3d>
+  <dgm:styleLbl name="node0">
+    <dgm:scene3d>
+      <a:camera prst="orthographicFront"/>
+      <a:lightRig rig="threePt" dir="t"/>
+    </dgm:scene3d>
+    <dgm:sp3d/>
+    <dgm:txPr/>
+    <dgm:style>
+      <a:lnRef idx="2">
+        <a:scrgbClr r="0" g="0" b="0"/>
+      </a:lnRef>
+      <a:fillRef idx="1">
+        <a:scrgbClr r="0" g="0" b="0"/>
+      </a:fillRef>
+      <a:effectRef idx="0">
+        <a:scrgbClr r="0" g="0" b="0"/>
+      </a:effectRef>
+      <a:fontRef idx="minor">
+        <a:schemeClr val="lt1"/>
+      </a:fontRef>
+    </dgm:style>
+  </dgm:styleLbl>
+  <dgm:styleLbl name="lnNode1">
+    <dgm:scene3d>
+      <a:camera prst="orthographicFront"/>
+      <a:lightRig rig="threePt" dir="t"/>
+    </dgm:scene3d>
+    <dgm:sp3d/>
+    <dgm:txPr/>
+    <dgm:style>
+      <a:lnRef idx="2">
+        <a:scrgbClr r="0" g="0" b="0"/>
+      </a:lnRef>
+      <a:fillRef idx="1">
+        <a:scrgbClr r="0" g="0" b="0"/>
+      </a:fillRef>
+      <a:effectRef idx="0">
+        <a:scrgbClr r="0" g="0" b="0"/>
+      </a:effectRef>
+      <a:fontRef idx="minor">
+        <a:schemeClr val="lt1"/>
+      </a:fontRef>
+    </dgm:style>
+  </dgm:styleLbl>
+  <dgm:styleLbl name="vennNode1">
+    <dgm:scene3d>
+      <a:camera prst="orthographicFront"/>
+      <a:lightRig rig="threePt" dir="t"/>
+    </dgm:scene3d>
+    <dgm:sp3d/>
+    <dgm:txPr/>
+    <dgm:style>
+      <a:lnRef idx="2">
+        <a:scrgbClr r="0" g="0" b="0"/>
+      </a:lnRef>
+      <a:fillRef idx="1">
+        <a:scrgbClr r="0" g="0" b="0"/>
+      </a:fillRef>
+      <a:effectRef idx="0">
+        <a:scrgbClr r="0" g="0" b="0"/>
+      </a:effectRef>
+      <a:fontRef idx="minor">
+        <a:schemeClr val="tx1"/>
+      </a:fontRef>
+    </dgm:style>
+  </dgm:styleLbl>
+  <dgm:styleLbl name="alignNode1">
+    <dgm:scene3d>
+      <a:camera prst="orthographicFront"/>
+      <a:lightRig rig="threePt" dir="t"/>
+    </dgm:scene3d>
+    <dgm:sp3d/>
+    <dgm:txPr/>
+    <dgm:style>
+      <a:lnRef idx="2">
+        <a:scrgbClr r="0" g="0" b="0"/>
+      </a:lnRef>
+      <a:fillRef idx="1">
+        <a:scrgbClr r="0" g="0" b="0"/>
+      </a:fillRef>
+      <a:effectRef idx="0">
+        <a:scrgbClr r="0" g="0" b="0"/>
+      </a:effectRef>
+      <a:fontRef idx="minor">
+        <a:schemeClr val="lt1"/>
+      </a:fontRef>
+    </dgm:style>
+  </dgm:styleLbl>
+  <dgm:styleLbl name="node1">
+    <dgm:scene3d>
+      <a:camera prst="orthographicFront"/>
+      <a:lightRig rig="threePt" dir="t"/>
+    </dgm:scene3d>
+    <dgm:sp3d/>
+    <dgm:txPr/>
+    <dgm:style>
+      <a:lnRef idx="2">
+        <a:scrgbClr r="0" g="0" b="0"/>
+      </a:lnRef>
+      <a:fillRef idx="1">
+        <a:scrgbClr r="0" g="0" b="0"/>
+      </a:fillRef>
+      <a:effectRef idx="0">
+        <a:scrgbClr r="0" g="0" b="0"/>
+      </a:effectRef>
+      <a:fontRef idx="minor">
+        <a:schemeClr val="lt1"/>
+      </a:fontRef>
+    </dgm:style>
+  </dgm:styleLbl>
+  <dgm:styleLbl name="node2">
+    <dgm:scene3d>
+      <a:camera prst="orthographicFront"/>
+      <a:lightRig rig="threePt" dir="t"/>
+    </dgm:scene3d>
+    <dgm:sp3d/>
+    <dgm:txPr/>
+    <dgm:style>
+      <a:lnRef idx="2">
+        <a:scrgbClr r="0" g="0" b="0"/>
+      </a:lnRef>
+      <a:fillRef idx="1">
+        <a:scrgbClr r="0" g="0" b="0"/>
+      </a:fillRef>
+      <a:effectRef idx="0">
+        <a:scrgbClr r="0" g="0" b="0"/>
+      </a:effectRef>
+      <a:fontRef idx="minor">
+        <a:schemeClr val="lt1"/>
+      </a:fontRef>
+    </dgm:style>
+  </dgm:styleLbl>
+  <dgm:styleLbl name="node3">
+    <dgm:scene3d>
+      <a:camera prst="orthographicFront"/>
+      <a:lightRig rig="threePt" dir="t"/>
+    </dgm:scene3d>
+    <dgm:sp3d/>
+    <dgm:txPr/>
+    <dgm:style>
+      <a:lnRef idx="2">
+        <a:scrgbClr r="0" g="0" b="0"/>
+      </a:lnRef>
+      <a:fillRef idx="1">
+        <a:scrgbClr r="0" g="0" b="0"/>
+      </a:fillRef>
+      <a:effectRef idx="0">
+        <a:scrgbClr r="0" g="0" b="0"/>
+      </a:effectRef>
+      <a:fontRef idx="minor">
+        <a:schemeClr val="lt1"/>
+      </a:fontRef>
+    </dgm:style>
+  </dgm:styleLbl>
+  <dgm:styleLbl name="node4">
+    <dgm:scene3d>
+      <a:camera prst="orthographicFront"/>
+      <a:lightRig rig="threePt" dir="t"/>
+    </dgm:scene3d>
+    <dgm:sp3d/>
+    <dgm:txPr/>
+    <dgm:style>
+      <a:lnRef idx="2">
+        <a:scrgbClr r="0" g="0" b="0"/>
+      </a:lnRef>
+      <a:fillRef idx="1">
+        <a:scrgbClr r="0" g="0" b="0"/>
+      </a:fillRef>
+      <a:effectRef idx="0">
+        <a:scrgbClr r="0" g="0" b="0"/>
+      </a:effectRef>
+      <a:fontRef idx="minor">
+        <a:schemeClr val="lt1"/>
+      </a:fontRef>
+    </dgm:style>
+  </dgm:styleLbl>
+  <dgm:styleLbl name="fgImgPlace1">
+    <dgm:scene3d>
+      <a:camera prst="orthographicFront"/>
+      <a:lightRig rig="threePt" dir="t"/>
+    </dgm:scene3d>
+    <dgm:sp3d/>
+    <dgm:txPr/>
+    <dgm:style>
+      <a:lnRef idx="2">
+        <a:scrgbClr r="0" g="0" b="0"/>
+      </a:lnRef>
+      <a:fillRef idx="1">
+        <a:scrgbClr r="0" g="0" b="0"/>
+      </a:fillRef>
+      <a:effectRef idx="0">
+        <a:scrgbClr r="0" g="0" b="0"/>
+      </a:effectRef>
+      <a:fontRef idx="minor"/>
+    </dgm:style>
+  </dgm:styleLbl>
+  <dgm:styleLbl name="alignImgPlace1">
+    <dgm:scene3d>
+      <a:camera prst="orthographicFront"/>
+      <a:lightRig rig="threePt" dir="t"/>
+    </dgm:scene3d>
+    <dgm:sp3d/>
+    <dgm:txPr/>
+    <dgm:style>
+      <a:lnRef idx="2">
+        <a:scrgbClr r="0" g="0" b="0"/>
+      </a:lnRef>
+      <a:fillRef idx="1">
+        <a:scrgbClr r="0" g="0" b="0"/>
+      </a:fillRef>
+      <a:effectRef idx="0">
+        <a:scrgbClr r="0" g="0" b="0"/>
+      </a:effectRef>
+      <a:fontRef idx="minor"/>
+    </dgm:style>
+  </dgm:styleLbl>
+  <dgm:styleLbl name="bgImgPlace1">
+    <dgm:scene3d>
+      <a:camera prst="orthographicFront"/>
+      <a:lightRig rig="threePt" dir="t"/>
+    </dgm:scene3d>
+    <dgm:sp3d/>
+    <dgm:txPr/>
+    <dgm:style>
+      <a:lnRef idx="2">
+        <a:scrgbClr r="0" g="0" b="0"/>
+      </a:lnRef>
+      <a:fillRef idx="1">
+        <a:scrgbClr r="0" g="0" b="0"/>
+      </a:fillRef>
+      <a:effectRef idx="0">
+        <a:scrgbClr r="0" g="0" b="0"/>
+      </a:effectRef>
+      <a:fontRef idx="minor"/>
+    </dgm:style>
+  </dgm:styleLbl>
+  <dgm:styleLbl name="sibTrans2D1">
+    <dgm:scene3d>
+      <a:camera prst="orthographicFront"/>
+      <a:lightRig rig="threePt" dir="t"/>
+    </dgm:scene3d>
+    <dgm:sp3d/>
+    <dgm:txPr/>
+    <dgm:style>
+      <a:lnRef idx="0">
+        <a:scrgbClr r="0" g="0" b="0"/>
+      </a:lnRef>
+      <a:fillRef idx="1">
+        <a:scrgbClr r="0" g="0" b="0"/>
+      </a:fillRef>
+      <a:effectRef idx="0">
+        <a:scrgbClr r="0" g="0" b="0"/>
+      </a:effectRef>
+      <a:fontRef idx="minor">
+        <a:schemeClr val="lt1"/>
+      </a:fontRef>
+    </dgm:style>
+  </dgm:styleLbl>
+  <dgm:styleLbl name="fgSibTrans2D1">
+    <dgm:scene3d>
+      <a:camera prst="orthographicFront"/>
+      <a:lightRig rig="threePt" dir="t"/>
+    </dgm:scene3d>
+    <dgm:sp3d/>
+    <dgm:txPr/>
+    <dgm:style>
+      <a:lnRef idx="0">
+        <a:scrgbClr r="0" g="0" b="0"/>
+      </a:lnRef>
+      <a:fillRef idx="1">
+        <a:scrgbClr r="0" g="0" b="0"/>
+      </a:fillRef>
+      <a:effectRef idx="0">
+        <a:scrgbClr r="0" g="0" b="0"/>
+      </a:effectRef>
+      <a:fontRef idx="minor">
+        <a:schemeClr val="lt1"/>
+      </a:fontRef>
+    </dgm:style>
+  </dgm:styleLbl>
+  <dgm:styleLbl name="bgSibTrans2D1">
+    <dgm:scene3d>
+      <a:camera prst="orthographicFront"/>
+      <a:lightRig rig="threePt" dir="t"/>
+    </dgm:scene3d>
+    <dgm:sp3d/>
+    <dgm:txPr/>
+    <dgm:style>
+      <a:lnRef idx="0">
+        <a:scrgbClr r="0" g="0" b="0"/>
+      </a:lnRef>
+      <a:fillRef idx="1">
+        <a:scrgbClr r="0" g="0" b="0"/>
+      </a:fillRef>
+      <a:effectRef idx="0">
+        <a:scrgbClr r="0" g="0" b="0"/>
+      </a:effectRef>
+      <a:fontRef idx="minor">
+        <a:schemeClr val="lt1"/>
+      </a:fontRef>
+    </dgm:style>
+  </dgm:styleLbl>
+  <dgm:styleLbl name="sibTrans1D1">
+    <dgm:scene3d>
+      <a:camera prst="orthographicFront"/>
+      <a:lightRig rig="threePt" dir="t"/>
+    </dgm:scene3d>
+    <dgm:sp3d/>
+    <dgm:txPr/>
+    <dgm:style>
+      <a:lnRef idx="1">
+        <a:scrgbClr r="0" g="0" b="0"/>
+      </a:lnRef>
+      <a:fillRef idx="0">
+        <a:scrgbClr r="0" g="0" b="0"/>
+      </a:fillRef>
+      <a:effectRef idx="0">
+        <a:scrgbClr r="0" g="0" b="0"/>
+      </a:effectRef>
+      <a:fontRef idx="minor"/>
+    </dgm:style>
+  </dgm:styleLbl>
+  <dgm:styleLbl name="callout">
+    <dgm:scene3d>
+      <a:camera prst="orthographicFront"/>
+      <a:lightRig rig="threePt" dir="t"/>
+    </dgm:scene3d>
+    <dgm:sp3d/>
+    <dgm:txPr/>
+    <dgm:style>
+      <a:lnRef idx="2">
+        <a:scrgbClr r="0" g="0" b="0"/>
+      </a:lnRef>
+      <a:fillRef idx="1">
+        <a:scrgbClr r="0" g="0" b="0"/>
+      </a:fillRef>
+      <a:effectRef idx="0">
+        <a:scrgbClr r="0" g="0" b="0"/>
+      </a:effectRef>
+      <a:fontRef idx="minor"/>
+    </dgm:style>
+  </dgm:styleLbl>
+  <dgm:styleLbl name="asst0">
+    <dgm:scene3d>
+      <a:camera prst="orthographicFront"/>
+      <a:lightRig rig="threePt" dir="t"/>
+    </dgm:scene3d>
+    <dgm:sp3d/>
+    <dgm:txPr/>
+    <dgm:style>
+      <a:lnRef idx="2">
+        <a:scrgbClr r="0" g="0" b="0"/>
+      </a:lnRef>
+      <a:fillRef idx="1">
+        <a:scrgbClr r="0" g="0" b="0"/>
+      </a:fillRef>
+      <a:effectRef idx="0">
+        <a:scrgbClr r="0" g="0" b="0"/>
+      </a:effectRef>
+      <a:fontRef idx="minor">
+        <a:schemeClr val="lt1"/>
+      </a:fontRef>
+    </dgm:style>
+  </dgm:styleLbl>
+  <dgm:styleLbl name="asst1">
+    <dgm:scene3d>
+      <a:camera prst="orthographicFront"/>
+      <a:lightRig rig="threePt" dir="t"/>
+    </dgm:scene3d>
+    <dgm:sp3d/>
+    <dgm:txPr/>
+    <dgm:style>
+      <a:lnRef idx="2">
+        <a:scrgbClr r="0" g="0" b="0"/>
+      </a:lnRef>
+      <a:fillRef idx="1">
+        <a:scrgbClr r="0" g="0" b="0"/>
+      </a:fillRef>
+      <a:effectRef idx="0">
+        <a:scrgbClr r="0" g="0" b="0"/>
+      </a:effectRef>
+      <a:fontRef idx="minor">
+        <a:schemeClr val="lt1"/>
+      </a:fontRef>
+    </dgm:style>
+  </dgm:styleLbl>
+  <dgm:styleLbl name="asst2">
+    <dgm:scene3d>
+      <a:camera prst="orthographicFront"/>
+      <a:lightRig rig="threePt" dir="t"/>
+    </dgm:scene3d>
+    <dgm:sp3d/>
+    <dgm:txPr/>
+    <dgm:style>
+      <a:lnRef idx="2">
+        <a:scrgbClr r="0" g="0" b="0"/>
+      </a:lnRef>
+      <a:fillRef idx="1">
+        <a:scrgbClr r="0" g="0" b="0"/>
+      </a:fillRef>
+      <a:effectRef idx="0">
+        <a:scrgbClr r="0" g="0" b="0"/>
+      </a:effectRef>
+      <a:fontRef idx="minor">
+        <a:schemeClr val="lt1"/>
+      </a:fontRef>
+    </dgm:style>
+  </dgm:styleLbl>
+  <dgm:styleLbl name="asst3">
+    <dgm:scene3d>
+      <a:camera prst="orthographicFront"/>
+      <a:lightRig rig="threePt" dir="t"/>
+    </dgm:scene3d>
+    <dgm:sp3d/>
+    <dgm:txPr/>
+    <dgm:style>
+      <a:lnRef idx="2">
+        <a:scrgbClr r="0" g="0" b="0"/>
+      </a:lnRef>
+      <a:fillRef idx="1">
+        <a:scrgbClr r="0" g="0" b="0"/>
+      </a:fillRef>
+      <a:effectRef idx="0">
+        <a:scrgbClr r="0" g="0" b="0"/>
+      </a:effectRef>
+      <a:fontRef idx="minor">
+        <a:schemeClr val="lt1"/>
+      </a:fontRef>
+    </dgm:style>
+  </dgm:styleLbl>
+  <dgm:styleLbl name="asst4">
+    <dgm:scene3d>
+      <a:camera prst="orthographicFront"/>
+      <a:lightRig rig="threePt" dir="t"/>
+    </dgm:scene3d>
+    <dgm:sp3d/>
+    <dgm:txPr/>
+    <dgm:style>
+      <a:lnRef idx="2">
+        <a:scrgbClr r="0" g="0" b="0"/>
+      </a:lnRef>
+      <a:fillRef idx="1">
+        <a:scrgbClr r="0" g="0" b="0"/>
+      </a:fillRef>
+      <a:effectRef idx="0">
+        <a:scrgbClr r="0" g="0" b="0"/>
+      </a:effectRef>
+      <a:fontRef idx="minor">
+        <a:schemeClr val="lt1"/>
+      </a:fontRef>
+    </dgm:style>
+  </dgm:styleLbl>
+  <dgm:styleLbl name="parChTrans2D1">
+    <dgm:scene3d>
+      <a:camera prst="orthographicFront"/>
+      <a:lightRig rig="threePt" dir="t"/>
+    </dgm:scene3d>
+    <dgm:sp3d/>
+    <dgm:txPr/>
+    <dgm:style>
+      <a:lnRef idx="2">
+        <a:scrgbClr r="0" g="0" b="0"/>
+      </a:lnRef>
+      <a:fillRef idx="1">
+        <a:scrgbClr r="0" g="0" b="0"/>
+      </a:fillRef>
+      <a:effectRef idx="0">
+        <a:scrgbClr r="0" g="0" b="0"/>
+      </a:effectRef>
+      <a:fontRef idx="minor">
+        <a:schemeClr val="lt1"/>
+      </a:fontRef>
+    </dgm:style>
+  </dgm:styleLbl>
+  <dgm:styleLbl name="parChTrans2D2">
+    <dgm:scene3d>
+      <a:camera prst="orthographicFront"/>
+      <a:lightRig rig="threePt" dir="t"/>
+    </dgm:scene3d>
+    <dgm:sp3d/>
+    <dgm:txPr/>
+    <dgm:style>
+      <a:lnRef idx="2">
+        <a:scrgbClr r="0" g="0" b="0"/>
+      </a:lnRef>
+      <a:fillRef idx="1">
+        <a:scrgbClr r="0" g="0" b="0"/>
+      </a:fillRef>
+      <a:effectRef idx="0">
+        <a:scrgbClr r="0" g="0" b="0"/>
+      </a:effectRef>
+      <a:fontRef idx="minor">
+        <a:schemeClr val="lt1"/>
+      </a:fontRef>
+    </dgm:style>
+  </dgm:styleLbl>
+  <dgm:styleLbl name="parChTrans2D3">
+    <dgm:scene3d>
+      <a:camera prst="orthographicFront"/>
+      <a:lightRig rig="threePt" dir="t"/>
+    </dgm:scene3d>
+    <dgm:sp3d/>
+    <dgm:txPr/>
+    <dgm:style>
+      <a:lnRef idx="2">
+        <a:scrgbClr r="0" g="0" b="0"/>
+      </a:lnRef>
+      <a:fillRef idx="1">
+        <a:scrgbClr r="0" g="0" b="0"/>
+      </a:fillRef>
+      <a:effectRef idx="0">
+        <a:scrgbClr r="0" g="0" b="0"/>
+      </a:effectRef>
+      <a:fontRef idx="minor">
+        <a:schemeClr val="lt1"/>
+      </a:fontRef>
+    </dgm:style>
+  </dgm:styleLbl>
+  <dgm:styleLbl name="parChTrans2D4">
+    <dgm:scene3d>
+      <a:camera prst="orthographicFront"/>
+      <a:lightRig rig="threePt" dir="t"/>
+    </dgm:scene3d>
+    <dgm:sp3d/>
+    <dgm:txPr/>
+    <dgm:style>
+      <a:lnRef idx="2">
+        <a:scrgbClr r="0" g="0" b="0"/>
+      </a:lnRef>
+      <a:fillRef idx="1">
+        <a:scrgbClr r="0" g="0" b="0"/>
+      </a:fillRef>
+      <a:effectRef idx="0">
+        <a:scrgbClr r="0" g="0" b="0"/>
+      </a:effectRef>
+      <a:fontRef idx="minor">
+        <a:schemeClr val="lt1"/>
+      </a:fontRef>
+    </dgm:style>
+  </dgm:styleLbl>
+  <dgm:styleLbl name="parChTrans1D1">
+    <dgm:scene3d>
+      <a:camera prst="orthographicFront"/>
+      <a:lightRig rig="threePt" dir="t"/>
+    </dgm:scene3d>
+    <dgm:sp3d/>
+    <dgm:txPr/>
+    <dgm:style>
+      <a:lnRef idx="2">
+        <a:scrgbClr r="0" g="0" b="0"/>
+      </a:lnRef>
+      <a:fillRef idx="0">
+        <a:scrgbClr r="0" g="0" b="0"/>
+      </a:fillRef>
+      <a:effectRef idx="0">
+        <a:scrgbClr r="0" g="0" b="0"/>
+      </a:effectRef>
+      <a:fontRef idx="minor"/>
+    </dgm:style>
+  </dgm:styleLbl>
+  <dgm:styleLbl name="parChTrans1D2">
+    <dgm:scene3d>
+      <a:camera prst="orthographicFront"/>
+      <a:lightRig rig="threePt" dir="t"/>
+    </dgm:scene3d>
+    <dgm:sp3d/>
+    <dgm:txPr/>
+    <dgm:style>
+      <a:lnRef idx="2">
+        <a:scrgbClr r="0" g="0" b="0"/>
+      </a:lnRef>
+      <a:fillRef idx="0">
+        <a:scrgbClr r="0" g="0" b="0"/>
+      </a:fillRef>
+      <a:effectRef idx="0">
+        <a:scrgbClr r="0" g="0" b="0"/>
+      </a:effectRef>
+      <a:fontRef idx="minor"/>
+    </dgm:style>
+  </dgm:styleLbl>
+  <dgm:styleLbl name="parChTrans1D3">
+    <dgm:scene3d>
+      <a:camera prst="orthographicFront"/>
+      <a:lightRig rig="threePt" dir="t"/>
+    </dgm:scene3d>
+    <dgm:sp3d/>
+    <dgm:txPr/>
+    <dgm:style>
+      <a:lnRef idx="2">
+        <a:scrgbClr r="0" g="0" b="0"/>
+      </a:lnRef>
+      <a:fillRef idx="0">
+        <a:scrgbClr r="0" g="0" b="0"/>
+      </a:fillRef>
+      <a:effectRef idx="0">
+        <a:scrgbClr r="0" g="0" b="0"/>
+      </a:effectRef>
+      <a:fontRef idx="minor"/>
+    </dgm:style>
+  </dgm:styleLbl>
+  <dgm:styleLbl name="parChTrans1D4">
+    <dgm:scene3d>
+      <a:camera prst="orthographicFront"/>
+      <a:lightRig rig="threePt" dir="t"/>
+    </dgm:scene3d>
+    <dgm:sp3d/>
+    <dgm:txPr/>
+    <dgm:style>
+      <a:lnRef idx="2">
+        <a:scrgbClr r="0" g="0" b="0"/>
+      </a:lnRef>
+      <a:fillRef idx="0">
+        <a:scrgbClr r="0" g="0" b="0"/>
+      </a:fillRef>
+      <a:effectRef idx="0">
+        <a:scrgbClr r="0" g="0" b="0"/>
+      </a:effectRef>
+      <a:fontRef idx="minor"/>
+    </dgm:style>
+  </dgm:styleLbl>
+  <dgm:styleLbl name="fgAcc1">
+    <dgm:scene3d>
+      <a:camera prst="orthographicFront"/>
+      <a:lightRig rig="threePt" dir="t"/>
+    </dgm:scene3d>
+    <dgm:sp3d/>
+    <dgm:txPr/>
+    <dgm:style>
+      <a:lnRef idx="2">
+        <a:scrgbClr r="0" g="0" b="0"/>
+      </a:lnRef>
+      <a:fillRef idx="1">
+        <a:scrgbClr r="0" g="0" b="0"/>
+      </a:fillRef>
+      <a:effectRef idx="0">
+        <a:scrgbClr r="0" g="0" b="0"/>
+      </a:effectRef>
+      <a:fontRef idx="minor"/>
+    </dgm:style>
+  </dgm:styleLbl>
+  <dgm:styleLbl name="conFgAcc1">
+    <dgm:scene3d>
+      <a:camera prst="orthographicFront"/>
+      <a:lightRig rig="threePt" dir="t"/>
+    </dgm:scene3d>
+    <dgm:sp3d/>
+    <dgm:txPr/>
+    <dgm:style>
+      <a:lnRef idx="2">
+        <a:scrgbClr r="0" g="0" b="0"/>
+      </a:lnRef>
+      <a:fillRef idx="1">
+        <a:scrgbClr r="0" g="0" b="0"/>
+      </a:fillRef>
+      <a:effectRef idx="0">
+        <a:scrgbClr r="0" g="0" b="0"/>
+      </a:effectRef>
+      <a:fontRef idx="minor"/>
+    </dgm:style>
+  </dgm:styleLbl>
+  <dgm:styleLbl name="alignAcc1">
+    <dgm:scene3d>
+      <a:camera prst="orthographicFront"/>
+      <a:lightRig rig="threePt" dir="t"/>
+    </dgm:scene3d>
+    <dgm:sp3d/>
+    <dgm:txPr/>
+    <dgm:style>
+      <a:lnRef idx="2">
+        <a:scrgbClr r="0" g="0" b="0"/>
+      </a:lnRef>
+      <a:fillRef idx="1">
+        <a:scrgbClr r="0" g="0" b="0"/>
+      </a:fillRef>
+      <a:effectRef idx="0">
+        <a:scrgbClr r="0" g="0" b="0"/>
+      </a:effectRef>
+      <a:fontRef idx="minor"/>
+    </dgm:style>
+  </dgm:styleLbl>
+  <dgm:styleLbl name="trAlignAcc1">
+    <dgm:scene3d>
+      <a:camera prst="orthographicFront"/>
+      <a:lightRig rig="threePt" dir="t"/>
+    </dgm:scene3d>
+    <dgm:sp3d/>
+    <dgm:txPr/>
+    <dgm:style>
+      <a:lnRef idx="1">
+        <a:scrgbClr r="0" g="0" b="0"/>
+      </a:lnRef>
+      <a:fillRef idx="1">
+        <a:scrgbClr r="0" g="0" b="0"/>
+      </a:fillRef>
+      <a:effectRef idx="0">
+        <a:scrgbClr r="0" g="0" b="0"/>
+      </a:effectRef>
+      <a:fontRef idx="minor"/>
+    </dgm:style>
+  </dgm:styleLbl>
+  <dgm:styleLbl name="bgAcc1">
+    <dgm:scene3d>
+      <a:camera prst="orthographicFront"/>
+      <a:lightRig rig="threePt" dir="t"/>
+    </dgm:scene3d>
+    <dgm:sp3d/>
+    <dgm:txPr/>
+    <dgm:style>
+      <a:lnRef idx="2">
+        <a:scrgbClr r="0" g="0" b="0"/>
+      </a:lnRef>
+      <a:fillRef idx="1">
+        <a:scrgbClr r="0" g="0" b="0"/>
+      </a:fillRef>
+      <a:effectRef idx="0">
+        <a:scrgbClr r="0" g="0" b="0"/>
+      </a:effectRef>
+      <a:fontRef idx="minor"/>
+    </dgm:style>
+  </dgm:styleLbl>
+  <dgm:styleLbl name="solidFgAcc1">
+    <dgm:scene3d>
+      <a:camera prst="orthographicFront"/>
+      <a:lightRig rig="threePt" dir="t"/>
+    </dgm:scene3d>
+    <dgm:sp3d/>
+    <dgm:txPr/>
+    <dgm:style>
+      <a:lnRef idx="2">
+        <a:scrgbClr r="0" g="0" b="0"/>
+      </a:lnRef>
+      <a:fillRef idx="1">
+        <a:scrgbClr r="0" g="0" b="0"/>
+      </a:fillRef>
+      <a:effectRef idx="0">
+        <a:scrgbClr r="0" g="0" b="0"/>
+      </a:effectRef>
+      <a:fontRef idx="minor"/>
+    </dgm:style>
+  </dgm:styleLbl>
+  <dgm:styleLbl name="solidAlignAcc1">
+    <dgm:scene3d>
+      <a:camera prst="orthographicFront"/>
+      <a:lightRig rig="threePt" dir="t"/>
+    </dgm:scene3d>
+    <dgm:sp3d/>
+    <dgm:txPr/>
+    <dgm:style>
+      <a:lnRef idx="2">
+        <a:scrgbClr r="0" g="0" b="0"/>
+      </a:lnRef>
+      <a:fillRef idx="1">
+        <a:scrgbClr r="0" g="0" b="0"/>
+      </a:fillRef>
+      <a:effectRef idx="0">
+        <a:scrgbClr r="0" g="0" b="0"/>
+      </a:effectRef>
+      <a:fontRef idx="minor"/>
+    </dgm:style>
+  </dgm:styleLbl>
+  <dgm:styleLbl name="solidBgAcc1">
+    <dgm:scene3d>
+      <a:camera prst="orthographicFront"/>
+      <a:lightRig rig="threePt" dir="t"/>
+    </dgm:scene3d>
+    <dgm:sp3d/>
+    <dgm:txPr/>
+    <dgm:style>
+      <a:lnRef idx="2">
+        <a:scrgbClr r="0" g="0" b="0"/>
+      </a:lnRef>
+      <a:fillRef idx="1">
+        <a:scrgbClr r="0" g="0" b="0"/>
+      </a:fillRef>
+      <a:effectRef idx="0">
+        <a:scrgbClr r="0" g="0" b="0"/>
+      </a:effectRef>
+      <a:fontRef idx="minor"/>
+    </dgm:style>
+  </dgm:styleLbl>
+  <dgm:styleLbl name="fgAccFollowNode1">
+    <dgm:scene3d>
+      <a:camera prst="orthographicFront"/>
+      <a:lightRig rig="threePt" dir="t"/>
+    </dgm:scene3d>
+    <dgm:sp3d/>
+    <dgm:txPr/>
+    <dgm:style>
+      <a:lnRef idx="2">
+        <a:scrgbClr r="0" g="0" b="0"/>
+      </a:lnRef>
+      <a:fillRef idx="1">
+        <a:scrgbClr r="0" g="0" b="0"/>
+      </a:fillRef>
+      <a:effectRef idx="0">
+        <a:scrgbClr r="0" g="0" b="0"/>
+      </a:effectRef>
+      <a:fontRef idx="minor"/>
+    </dgm:style>
+  </dgm:styleLbl>
+  <dgm:styleLbl name="alignAccFollowNode1">
+    <dgm:scene3d>
+      <a:camera prst="orthographicFront"/>
+      <a:lightRig rig="threePt" dir="t"/>
+    </dgm:scene3d>
+    <dgm:sp3d/>
+    <dgm:txPr/>
+    <dgm:style>
+      <a:lnRef idx="2">
+        <a:scrgbClr r="0" g="0" b="0"/>
+      </a:lnRef>
+      <a:fillRef idx="1">
+        <a:scrgbClr r="0" g="0" b="0"/>
+      </a:fillRef>
+      <a:effectRef idx="0">
+        <a:scrgbClr r="0" g="0" b="0"/>
+      </a:effectRef>
+      <a:fontRef idx="minor"/>
+    </dgm:style>
+  </dgm:styleLbl>
+  <dgm:styleLbl name="bgAccFollowNode1">
+    <dgm:scene3d>
+      <a:camera prst="orthographicFront"/>
+      <a:lightRig rig="threePt" dir="t"/>
+    </dgm:scene3d>
+    <dgm:sp3d/>
+    <dgm:txPr/>
+    <dgm:style>
+      <a:lnRef idx="2">
+        <a:scrgbClr r="0" g="0" b="0"/>
+      </a:lnRef>
+      <a:fillRef idx="1">
+        <a:scrgbClr r="0" g="0" b="0"/>
+      </a:fillRef>
+      <a:effectRef idx="0">
+        <a:scrgbClr r="0" g="0" b="0"/>
+      </a:effectRef>
+      <a:fontRef idx="minor"/>
+    </dgm:style>
+  </dgm:styleLbl>
+  <dgm:styleLbl name="fgAcc0">
+    <dgm:scene3d>
+      <a:camera prst="orthographicFront"/>
+      <a:lightRig rig="threePt" dir="t"/>
+    </dgm:scene3d>
+    <dgm:sp3d/>
+    <dgm:txPr/>
+    <dgm:style>
+      <a:lnRef idx="2">
+        <a:scrgbClr r="0" g="0" b="0"/>
+      </a:lnRef>
+      <a:fillRef idx="1">
+        <a:scrgbClr r="0" g="0" b="0"/>
+      </a:fillRef>
+      <a:effectRef idx="0">
+        <a:scrgbClr r="0" g="0" b="0"/>
+      </a:effectRef>
+      <a:fontRef idx="minor"/>
+    </dgm:style>
+  </dgm:styleLbl>
+  <dgm:styleLbl name="fgAcc2">
+    <dgm:scene3d>
+      <a:camera prst="orthographicFront"/>
+      <a:lightRig rig="threePt" dir="t"/>
+    </dgm:scene3d>
+    <dgm:sp3d/>
+    <dgm:txPr/>
+    <dgm:style>
+      <a:lnRef idx="2">
+        <a:scrgbClr r="0" g="0" b="0"/>
+      </a:lnRef>
+      <a:fillRef idx="1">
+        <a:scrgbClr r="0" g="0" b="0"/>
+      </a:fillRef>
+      <a:effectRef idx="0">
+        <a:scrgbClr r="0" g="0" b="0"/>
+      </a:effectRef>
+      <a:fontRef idx="minor"/>
+    </dgm:style>
+  </dgm:styleLbl>
+  <dgm:styleLbl name="fgAcc3">
+    <dgm:scene3d>
+      <a:camera prst="orthographicFront"/>
+      <a:lightRig rig="threePt" dir="t"/>
+    </dgm:scene3d>
+    <dgm:sp3d/>
+    <dgm:txPr/>
+    <dgm:style>
+      <a:lnRef idx="2">
+        <a:scrgbClr r="0" g="0" b="0"/>
+      </a:lnRef>
+      <a:fillRef idx="1">
+        <a:scrgbClr r="0" g="0" b="0"/>
+      </a:fillRef>
+      <a:effectRef idx="0">
+        <a:scrgbClr r="0" g="0" b="0"/>
+      </a:effectRef>
+      <a:fontRef idx="minor"/>
+    </dgm:style>
+  </dgm:styleLbl>
+  <dgm:styleLbl name="fgAcc4">
+    <dgm:scene3d>
+      <a:camera prst="orthographicFront"/>
+      <a:lightRig rig="threePt" dir="t"/>
+    </dgm:scene3d>
+    <dgm:sp3d/>
+    <dgm:txPr/>
+    <dgm:style>
+      <a:lnRef idx="2">
+        <a:scrgbClr r="0" g="0" b="0"/>
+      </a:lnRef>
+      <a:fillRef idx="1">
+        <a:scrgbClr r="0" g="0" b="0"/>
+      </a:fillRef>
+      <a:effectRef idx="0">
+        <a:scrgbClr r="0" g="0" b="0"/>
+      </a:effectRef>
+      <a:fontRef idx="minor"/>
+    </dgm:style>
+  </dgm:styleLbl>
+  <dgm:styleLbl name="bgShp">
+    <dgm:scene3d>
+      <a:camera prst="orthographicFront"/>
+      <a:lightRig rig="threePt" dir="t"/>
+    </dgm:scene3d>
+    <dgm:sp3d/>
+    <dgm:txPr/>
+    <dgm:style>
+      <a:lnRef idx="0">
+        <a:scrgbClr r="0" g="0" b="0"/>
+      </a:lnRef>
+      <a:fillRef idx="1">
+        <a:scrgbClr r="0" g="0" b="0"/>
+      </a:fillRef>
+      <a:effectRef idx="0">
+        <a:scrgbClr r="0" g="0" b="0"/>
+      </a:effectRef>
+      <a:fontRef idx="minor"/>
+    </dgm:style>
+  </dgm:styleLbl>
+  <dgm:styleLbl name="dkBgShp">
+    <dgm:scene3d>
+      <a:camera prst="orthographicFront"/>
+      <a:lightRig rig="threePt" dir="t"/>
+    </dgm:scene3d>
+    <dgm:sp3d/>
+    <dgm:txPr/>
+    <dgm:style>
+      <a:lnRef idx="0">
+        <a:scrgbClr r="0" g="0" b="0"/>
+      </a:lnRef>
+      <a:fillRef idx="1">
+        <a:scrgbClr r="0" g="0" b="0"/>
+      </a:fillRef>
+      <a:effectRef idx="0">
+        <a:scrgbClr r="0" g="0" b="0"/>
+      </a:effectRef>
+      <a:fontRef idx="minor"/>
+    </dgm:style>
+  </dgm:styleLbl>
+  <dgm:styleLbl name="trBgShp">
+    <dgm:scene3d>
+      <a:camera prst="orthographicFront"/>
+      <a:lightRig rig="threePt" dir="t"/>
+    </dgm:scene3d>
+    <dgm:sp3d/>
+    <dgm:txPr/>
+    <dgm:style>
+      <a:lnRef idx="0">
+        <a:scrgbClr r="0" g="0" b="0"/>
+      </a:lnRef>
+      <a:fillRef idx="1">
+        <a:scrgbClr r="0" g="0" b="0"/>
+      </a:fillRef>
+      <a:effectRef idx="0">
+        <a:scrgbClr r="0" g="0" b="0"/>
+      </a:effectRef>
+      <a:fontRef idx="minor"/>
+    </dgm:style>
+  </dgm:styleLbl>
+  <dgm:styleLbl name="fgShp">
+    <dgm:scene3d>
+      <a:camera prst="orthographicFront"/>
+      <a:lightRig rig="threePt" dir="t"/>
+    </dgm:scene3d>
+    <dgm:sp3d/>
+    <dgm:txPr/>
+    <dgm:style>
+      <a:lnRef idx="2">
+        <a:scrgbClr r="0" g="0" b="0"/>
+      </a:lnRef>
+      <a:fillRef idx="1">
+        <a:scrgbClr r="0" g="0" b="0"/>
+      </a:fillRef>
+      <a:effectRef idx="0">
+        <a:scrgbClr r="0" g="0" b="0"/>
+      </a:effectRef>
+      <a:fontRef idx="minor"/>
+    </dgm:style>
+  </dgm:styleLbl>
+  <dgm:styleLbl name="revTx">
+    <dgm:scene3d>
+      <a:camera prst="orthographicFront"/>
+      <a:lightRig rig="threePt" dir="t"/>
+    </dgm:scene3d>
+    <dgm:sp3d/>
+    <dgm:txPr/>
+    <dgm:style>
+      <a:lnRef idx="0">
+        <a:scrgbClr r="0" g="0" b="0"/>
+      </a:lnRef>
+      <a:fillRef idx="0">
+        <a:scrgbClr r="0" g="0" b="0"/>
+      </a:fillRef>
+      <a:effectRef idx="0">
+        <a:scrgbClr r="0" g="0" b="0"/>
+      </a:effectRef>
+      <a:fontRef idx="minor"/>
+    </dgm:style>
+  </dgm:styleLbl>
+</dgm:styleDef>
+</file>
+
 <file path=ppt/handoutMasters/handoutMaster1.xml><?xml version="1.0" encoding="utf-8"?>
 <p:handoutMaster xmlns:a="http://schemas.openxmlformats.org/drawingml/2006/main" xmlns:r="http://schemas.openxmlformats.org/officeDocument/2006/relationships" xmlns:p="http://schemas.openxmlformats.org/presentationml/2006/main">
   <p:cSld>
@@ -251,7 +8768,7 @@
             <a:fld id="{B755A0C9-E830-1241-BEA3-6925DA004ECF}" type="datetimeFigureOut">
               <a:rPr lang="en-US" smtClean="0"/>
               <a:pPr/>
-              <a:t>12/2/2019</a:t>
+              <a:t>12/3/2019</a:t>
             </a:fld>
             <a:endParaRPr lang="en-US"/>
           </a:p>
@@ -419,7 +8936,7 @@
             <a:fld id="{A6845082-6AF3-024B-A14D-C5AD8123919E}" type="datetimeFigureOut">
               <a:rPr lang="en-US" smtClean="0"/>
               <a:pPr/>
-              <a:t>12/2/2019</a:t>
+              <a:t>12/3/2019</a:t>
             </a:fld>
             <a:endParaRPr lang="en-US"/>
           </a:p>
@@ -4199,7 +12716,14 @@
           <a:p>
             <a:r>
               <a:rPr lang="en-US" dirty="0"/>
-              <a:t>Struggles we encountered:</a:t>
+              <a:t>Struggles we encountered: </a:t>
+            </a:r>
+            <a:br>
+              <a:rPr lang="en-US" dirty="0"/>
+            </a:br>
+            <a:r>
+              <a:rPr lang="en-US" dirty="0"/>
+              <a:t>Lack of Documentation</a:t>
             </a:r>
           </a:p>
         </p:txBody>
@@ -4250,12 +12774,46 @@
             <p:ph idx="1"/>
           </p:nvPr>
         </p:nvSpPr>
-        <p:spPr/>
+        <p:spPr>
+          <a:xfrm>
+            <a:off x="838200" y="1295400"/>
+            <a:ext cx="7620000" cy="4114800"/>
+          </a:xfrm>
+        </p:spPr>
         <p:txBody>
           <a:bodyPr/>
           <a:lstStyle/>
           <a:p>
-            <a:endParaRPr lang="en-US" dirty="0"/>
+            <a:r>
+              <a:rPr lang="en-US" dirty="0"/>
+              <a:t>BLAST</a:t>
+            </a:r>
+          </a:p>
+          <a:p>
+            <a:pPr lvl="1"/>
+            <a:r>
+              <a:rPr lang="en-US" dirty="0"/>
+              <a:t>BLAST does not run on FASTQ files but they make no mention of converting to FASTA or how they converted.</a:t>
+            </a:r>
+          </a:p>
+          <a:p>
+            <a:pPr lvl="1"/>
+            <a:r>
+              <a:rPr lang="en-US" dirty="0"/>
+              <a:t>BLAST has a maximum # of reads it reports – they did not specify if they changed this parameter.</a:t>
+            </a:r>
+          </a:p>
+          <a:p>
+            <a:r>
+              <a:rPr lang="en-US" dirty="0"/>
+              <a:t>How Reads Were Counted – We don’t know if they are counting unique reads only or all reads.</a:t>
+            </a:r>
+          </a:p>
+          <a:p>
+            <a:r>
+              <a:rPr lang="en-US" dirty="0"/>
+              <a:t>They do not state how they extracted the reads that matched back to the reference sequence.</a:t>
+            </a:r>
           </a:p>
         </p:txBody>
       </p:sp>
@@ -4299,6 +12857,352 @@
     <p:extLst>
       <p:ext uri="{BB962C8B-B14F-4D97-AF65-F5344CB8AC3E}">
         <p14:creationId xmlns:p14="http://schemas.microsoft.com/office/powerpoint/2010/main" val="2215738532"/>
+      </p:ext>
+    </p:extLst>
+  </p:cSld>
+  <p:clrMapOvr>
+    <a:masterClrMapping/>
+  </p:clrMapOvr>
+</p:sld>
+</file>
+
+<file path=ppt/slides/slide11.xml><?xml version="1.0" encoding="utf-8"?>
+<p:sld xmlns:a="http://schemas.openxmlformats.org/drawingml/2006/main" xmlns:r="http://schemas.openxmlformats.org/officeDocument/2006/relationships" xmlns:p="http://schemas.openxmlformats.org/presentationml/2006/main">
+  <p:cSld>
+    <p:spTree>
+      <p:nvGrpSpPr>
+        <p:cNvPr id="1" name=""/>
+        <p:cNvGrpSpPr/>
+        <p:nvPr/>
+      </p:nvGrpSpPr>
+      <p:grpSpPr>
+        <a:xfrm>
+          <a:off x="0" y="0"/>
+          <a:ext cx="0" cy="0"/>
+          <a:chOff x="0" y="0"/>
+          <a:chExt cx="0" cy="0"/>
+        </a:xfrm>
+      </p:grpSpPr>
+      <p:sp>
+        <p:nvSpPr>
+          <p:cNvPr id="2" name="Title 1">
+            <a:extLst>
+              <a:ext uri="{FF2B5EF4-FFF2-40B4-BE49-F238E27FC236}">
+                <a16:creationId xmlns:a16="http://schemas.microsoft.com/office/drawing/2014/main" id="{92FAE79F-128F-46CE-8859-205C2CE3FB48}"/>
+              </a:ext>
+            </a:extLst>
+          </p:cNvPr>
+          <p:cNvSpPr>
+            <a:spLocks noGrp="1"/>
+          </p:cNvSpPr>
+          <p:nvPr>
+            <p:ph type="title"/>
+          </p:nvPr>
+        </p:nvSpPr>
+        <p:spPr/>
+        <p:txBody>
+          <a:bodyPr/>
+          <a:lstStyle/>
+          <a:p>
+            <a:r>
+              <a:rPr lang="en-US" dirty="0"/>
+              <a:t>Struggles we encountered: </a:t>
+            </a:r>
+            <a:br>
+              <a:rPr lang="en-US" dirty="0"/>
+            </a:br>
+            <a:r>
+              <a:rPr lang="en-US" dirty="0"/>
+              <a:t>Lack of Documentation (continued)</a:t>
+            </a:r>
+          </a:p>
+        </p:txBody>
+      </p:sp>
+      <p:sp>
+        <p:nvSpPr>
+          <p:cNvPr id="4" name="Slide Number Placeholder 3">
+            <a:extLst>
+              <a:ext uri="{FF2B5EF4-FFF2-40B4-BE49-F238E27FC236}">
+                <a16:creationId xmlns:a16="http://schemas.microsoft.com/office/drawing/2014/main" id="{29CF53A3-7A2A-45C5-A403-9421B5CF2D01}"/>
+              </a:ext>
+            </a:extLst>
+          </p:cNvPr>
+          <p:cNvSpPr>
+            <a:spLocks noGrp="1"/>
+          </p:cNvSpPr>
+          <p:nvPr>
+            <p:ph type="sldNum" sz="quarter" idx="4"/>
+          </p:nvPr>
+        </p:nvSpPr>
+        <p:spPr/>
+        <p:txBody>
+          <a:bodyPr/>
+          <a:lstStyle/>
+          <a:p>
+            <a:fld id="{179A9A4E-4C82-4D44-9372-C31BB3818094}" type="slidenum">
+              <a:rPr lang="en-US" smtClean="0"/>
+              <a:pPr/>
+              <a:t>11</a:t>
+            </a:fld>
+            <a:endParaRPr lang="en-US" dirty="0"/>
+          </a:p>
+        </p:txBody>
+      </p:sp>
+      <p:sp>
+        <p:nvSpPr>
+          <p:cNvPr id="5" name="Content Placeholder 4">
+            <a:extLst>
+              <a:ext uri="{FF2B5EF4-FFF2-40B4-BE49-F238E27FC236}">
+                <a16:creationId xmlns:a16="http://schemas.microsoft.com/office/drawing/2014/main" id="{0BCCB1A9-BBD4-41E8-BEF6-8C3173AFD290}"/>
+              </a:ext>
+            </a:extLst>
+          </p:cNvPr>
+          <p:cNvSpPr>
+            <a:spLocks noGrp="1"/>
+          </p:cNvSpPr>
+          <p:nvPr>
+            <p:ph idx="1"/>
+          </p:nvPr>
+        </p:nvSpPr>
+        <p:spPr>
+          <a:xfrm>
+            <a:off x="838200" y="1295400"/>
+            <a:ext cx="7620000" cy="4114800"/>
+          </a:xfrm>
+        </p:spPr>
+        <p:txBody>
+          <a:bodyPr/>
+          <a:lstStyle/>
+          <a:p>
+            <a:r>
+              <a:rPr lang="en-US" dirty="0"/>
+              <a:t>Alignment Step</a:t>
+            </a:r>
+          </a:p>
+          <a:p>
+            <a:pPr lvl="1"/>
+            <a:r>
+              <a:rPr lang="en-US" dirty="0" err="1"/>
+              <a:t>CodonCode</a:t>
+            </a:r>
+            <a:r>
+              <a:rPr lang="en-US" dirty="0"/>
+              <a:t> Aligner can handle FASTA or FASTQ files: we don’t know which they used.</a:t>
+            </a:r>
+          </a:p>
+        </p:txBody>
+      </p:sp>
+      <p:sp>
+        <p:nvSpPr>
+          <p:cNvPr id="6" name="Text Placeholder 4">
+            <a:extLst>
+              <a:ext uri="{FF2B5EF4-FFF2-40B4-BE49-F238E27FC236}">
+                <a16:creationId xmlns:a16="http://schemas.microsoft.com/office/drawing/2014/main" id="{20D8ADA3-A822-40A4-A6BC-79C3D8CE885B}"/>
+              </a:ext>
+            </a:extLst>
+          </p:cNvPr>
+          <p:cNvSpPr>
+            <a:spLocks noGrp="1"/>
+          </p:cNvSpPr>
+          <p:nvPr>
+            <p:ph type="body" sz="quarter" idx="10"/>
+          </p:nvPr>
+        </p:nvSpPr>
+        <p:spPr>
+          <a:xfrm>
+            <a:off x="4724400" y="6324600"/>
+            <a:ext cx="4038600" cy="381000"/>
+          </a:xfrm>
+        </p:spPr>
+        <p:txBody>
+          <a:bodyPr/>
+          <a:lstStyle/>
+          <a:p>
+            <a:r>
+              <a:rPr lang="en-US" dirty="0"/>
+              <a:t>Bioinformatics and Computational Biology</a:t>
+            </a:r>
+          </a:p>
+          <a:p>
+            <a:endParaRPr lang="en-US" dirty="0"/>
+          </a:p>
+        </p:txBody>
+      </p:sp>
+    </p:spTree>
+    <p:extLst>
+      <p:ext uri="{BB962C8B-B14F-4D97-AF65-F5344CB8AC3E}">
+        <p14:creationId xmlns:p14="http://schemas.microsoft.com/office/powerpoint/2010/main" val="1473486064"/>
+      </p:ext>
+    </p:extLst>
+  </p:cSld>
+  <p:clrMapOvr>
+    <a:masterClrMapping/>
+  </p:clrMapOvr>
+</p:sld>
+</file>
+
+<file path=ppt/slides/slide12.xml><?xml version="1.0" encoding="utf-8"?>
+<p:sld xmlns:a="http://schemas.openxmlformats.org/drawingml/2006/main" xmlns:r="http://schemas.openxmlformats.org/officeDocument/2006/relationships" xmlns:p="http://schemas.openxmlformats.org/presentationml/2006/main">
+  <p:cSld>
+    <p:spTree>
+      <p:nvGrpSpPr>
+        <p:cNvPr id="1" name=""/>
+        <p:cNvGrpSpPr/>
+        <p:nvPr/>
+      </p:nvGrpSpPr>
+      <p:grpSpPr>
+        <a:xfrm>
+          <a:off x="0" y="0"/>
+          <a:ext cx="0" cy="0"/>
+          <a:chOff x="0" y="0"/>
+          <a:chExt cx="0" cy="0"/>
+        </a:xfrm>
+      </p:grpSpPr>
+      <p:sp>
+        <p:nvSpPr>
+          <p:cNvPr id="2" name="Title 1">
+            <a:extLst>
+              <a:ext uri="{FF2B5EF4-FFF2-40B4-BE49-F238E27FC236}">
+                <a16:creationId xmlns:a16="http://schemas.microsoft.com/office/drawing/2014/main" id="{92FAE79F-128F-46CE-8859-205C2CE3FB48}"/>
+              </a:ext>
+            </a:extLst>
+          </p:cNvPr>
+          <p:cNvSpPr>
+            <a:spLocks noGrp="1"/>
+          </p:cNvSpPr>
+          <p:nvPr>
+            <p:ph type="title"/>
+          </p:nvPr>
+        </p:nvSpPr>
+        <p:spPr/>
+        <p:txBody>
+          <a:bodyPr/>
+          <a:lstStyle/>
+          <a:p>
+            <a:r>
+              <a:rPr lang="en-US" dirty="0"/>
+              <a:t>Struggles we encountered: </a:t>
+            </a:r>
+            <a:br>
+              <a:rPr lang="en-US" dirty="0"/>
+            </a:br>
+            <a:r>
+              <a:rPr lang="en-US" dirty="0"/>
+              <a:t>Inconsistencies</a:t>
+            </a:r>
+          </a:p>
+        </p:txBody>
+      </p:sp>
+      <p:sp>
+        <p:nvSpPr>
+          <p:cNvPr id="4" name="Slide Number Placeholder 3">
+            <a:extLst>
+              <a:ext uri="{FF2B5EF4-FFF2-40B4-BE49-F238E27FC236}">
+                <a16:creationId xmlns:a16="http://schemas.microsoft.com/office/drawing/2014/main" id="{29CF53A3-7A2A-45C5-A403-9421B5CF2D01}"/>
+              </a:ext>
+            </a:extLst>
+          </p:cNvPr>
+          <p:cNvSpPr>
+            <a:spLocks noGrp="1"/>
+          </p:cNvSpPr>
+          <p:nvPr>
+            <p:ph type="sldNum" sz="quarter" idx="4"/>
+          </p:nvPr>
+        </p:nvSpPr>
+        <p:spPr/>
+        <p:txBody>
+          <a:bodyPr/>
+          <a:lstStyle/>
+          <a:p>
+            <a:fld id="{179A9A4E-4C82-4D44-9372-C31BB3818094}" type="slidenum">
+              <a:rPr lang="en-US" smtClean="0"/>
+              <a:pPr/>
+              <a:t>12</a:t>
+            </a:fld>
+            <a:endParaRPr lang="en-US" dirty="0"/>
+          </a:p>
+        </p:txBody>
+      </p:sp>
+      <p:sp>
+        <p:nvSpPr>
+          <p:cNvPr id="5" name="Content Placeholder 4">
+            <a:extLst>
+              <a:ext uri="{FF2B5EF4-FFF2-40B4-BE49-F238E27FC236}">
+                <a16:creationId xmlns:a16="http://schemas.microsoft.com/office/drawing/2014/main" id="{0BCCB1A9-BBD4-41E8-BEF6-8C3173AFD290}"/>
+              </a:ext>
+            </a:extLst>
+          </p:cNvPr>
+          <p:cNvSpPr>
+            <a:spLocks noGrp="1"/>
+          </p:cNvSpPr>
+          <p:nvPr>
+            <p:ph idx="1"/>
+          </p:nvPr>
+        </p:nvSpPr>
+        <p:spPr>
+          <a:xfrm>
+            <a:off x="838200" y="1447800"/>
+            <a:ext cx="7620000" cy="3733800"/>
+          </a:xfrm>
+        </p:spPr>
+        <p:txBody>
+          <a:bodyPr/>
+          <a:lstStyle/>
+          <a:p>
+            <a:r>
+              <a:rPr lang="en-US" dirty="0"/>
+              <a:t>Inconsistencies between Table and their report.</a:t>
+            </a:r>
+          </a:p>
+          <a:p>
+            <a:pPr lvl="1"/>
+            <a:r>
+              <a:rPr lang="en-US" dirty="0"/>
+              <a:t>In discussion they state “More than 20,000”, we obtained ~21,000; yet their table states exactly 20000.</a:t>
+            </a:r>
+          </a:p>
+        </p:txBody>
+      </p:sp>
+      <p:sp>
+        <p:nvSpPr>
+          <p:cNvPr id="6" name="Text Placeholder 4">
+            <a:extLst>
+              <a:ext uri="{FF2B5EF4-FFF2-40B4-BE49-F238E27FC236}">
+                <a16:creationId xmlns:a16="http://schemas.microsoft.com/office/drawing/2014/main" id="{20D8ADA3-A822-40A4-A6BC-79C3D8CE885B}"/>
+              </a:ext>
+            </a:extLst>
+          </p:cNvPr>
+          <p:cNvSpPr>
+            <a:spLocks noGrp="1"/>
+          </p:cNvSpPr>
+          <p:nvPr>
+            <p:ph type="body" sz="quarter" idx="10"/>
+          </p:nvPr>
+        </p:nvSpPr>
+        <p:spPr>
+          <a:xfrm>
+            <a:off x="4724400" y="6324600"/>
+            <a:ext cx="4038600" cy="381000"/>
+          </a:xfrm>
+        </p:spPr>
+        <p:txBody>
+          <a:bodyPr/>
+          <a:lstStyle/>
+          <a:p>
+            <a:r>
+              <a:rPr lang="en-US" dirty="0"/>
+              <a:t>Bioinformatics and Computational Biology</a:t>
+            </a:r>
+          </a:p>
+          <a:p>
+            <a:endParaRPr lang="en-US" dirty="0"/>
+          </a:p>
+        </p:txBody>
+      </p:sp>
+    </p:spTree>
+    <p:extLst>
+      <p:ext uri="{BB962C8B-B14F-4D97-AF65-F5344CB8AC3E}">
+        <p14:creationId xmlns:p14="http://schemas.microsoft.com/office/powerpoint/2010/main" val="2211100016"/>
       </p:ext>
     </p:extLst>
   </p:cSld>
@@ -4522,36 +13426,37 @@
           </a:p>
         </p:txBody>
       </p:sp>
-      <p:sp>
-        <p:nvSpPr>
-          <p:cNvPr id="3" name="Content Placeholder 2">
+      <p:graphicFrame>
+        <p:nvGraphicFramePr>
+          <p:cNvPr id="6" name="Content Placeholder 5">
             <a:extLst>
               <a:ext uri="{FF2B5EF4-FFF2-40B4-BE49-F238E27FC236}">
-                <a16:creationId xmlns:a16="http://schemas.microsoft.com/office/drawing/2014/main" id="{92F2B6F8-1299-4A60-9497-E8A22A72750C}"/>
+                <a16:creationId xmlns:a16="http://schemas.microsoft.com/office/drawing/2014/main" id="{5DE16432-FAA8-4F9D-9B1F-D9EC22E5CDCF}"/>
               </a:ext>
             </a:extLst>
           </p:cNvPr>
-          <p:cNvSpPr>
-            <a:spLocks noGrp="1"/>
-          </p:cNvSpPr>
+          <p:cNvGraphicFramePr>
+            <a:graphicFrameLocks noGrp="1"/>
+          </p:cNvGraphicFramePr>
           <p:nvPr>
             <p:ph idx="1"/>
+            <p:extLst>
+              <p:ext uri="{D42A27DB-BD31-4B8C-83A1-F6EECF244321}">
+                <p14:modId xmlns:p14="http://schemas.microsoft.com/office/powerpoint/2010/main" val="4279720041"/>
+              </p:ext>
+            </p:extLst>
           </p:nvPr>
-        </p:nvSpPr>
-        <p:spPr>
-          <a:xfrm>
-            <a:off x="838200" y="1447800"/>
-            <a:ext cx="7620000" cy="4114800"/>
-          </a:xfrm>
-        </p:spPr>
-        <p:txBody>
-          <a:bodyPr/>
-          <a:lstStyle/>
-          <a:p>
-            <a:endParaRPr lang="en-US" dirty="0"/>
-          </a:p>
-        </p:txBody>
-      </p:sp>
+        </p:nvGraphicFramePr>
+        <p:xfrm>
+          <a:off x="838200" y="990600"/>
+          <a:ext cx="7620000" cy="4572000"/>
+        </p:xfrm>
+        <a:graphic>
+          <a:graphicData uri="http://schemas.openxmlformats.org/drawingml/2006/diagram">
+            <dgm:relIds xmlns:dgm="http://schemas.openxmlformats.org/drawingml/2006/diagram" xmlns:r="http://schemas.openxmlformats.org/officeDocument/2006/relationships" r:dm="rId2" r:lo="rId3" r:qs="rId4" r:cs="rId5"/>
+          </a:graphicData>
+        </a:graphic>
+      </p:graphicFrame>
       <p:sp>
         <p:nvSpPr>
           <p:cNvPr id="4" name="Slide Number Placeholder 3">
@@ -4628,6 +13533,368 @@
   <p:clrMapOvr>
     <a:masterClrMapping/>
   </p:clrMapOvr>
+  <p:timing>
+    <p:tnLst>
+      <p:par>
+        <p:cTn id="1" dur="indefinite" restart="never" nodeType="tmRoot">
+          <p:childTnLst>
+            <p:seq concurrent="1" nextAc="seek">
+              <p:cTn id="2" dur="indefinite" nodeType="mainSeq">
+                <p:childTnLst>
+                  <p:par>
+                    <p:cTn id="3" fill="hold">
+                      <p:stCondLst>
+                        <p:cond delay="indefinite"/>
+                      </p:stCondLst>
+                      <p:childTnLst>
+                        <p:par>
+                          <p:cTn id="4" fill="hold">
+                            <p:stCondLst>
+                              <p:cond delay="0"/>
+                            </p:stCondLst>
+                            <p:childTnLst>
+                              <p:par>
+                                <p:cTn id="5" presetID="10" presetClass="entr" presetSubtype="0" fill="hold" grpId="0" nodeType="clickEffect">
+                                  <p:stCondLst>
+                                    <p:cond delay="0"/>
+                                  </p:stCondLst>
+                                  <p:childTnLst>
+                                    <p:set>
+                                      <p:cBhvr>
+                                        <p:cTn id="6" dur="1" fill="hold">
+                                          <p:stCondLst>
+                                            <p:cond delay="0"/>
+                                          </p:stCondLst>
+                                        </p:cTn>
+                                        <p:tgtEl>
+                                          <p:spTgt spid="6">
+                                            <p:graphicEl>
+                                              <a:dgm id="{A651FB09-5D25-4D1E-9E76-D6260BB47B8E}"/>
+                                            </p:graphicEl>
+                                          </p:spTgt>
+                                        </p:tgtEl>
+                                        <p:attrNameLst>
+                                          <p:attrName>style.visibility</p:attrName>
+                                        </p:attrNameLst>
+                                      </p:cBhvr>
+                                      <p:to>
+                                        <p:strVal val="visible"/>
+                                      </p:to>
+                                    </p:set>
+                                    <p:animEffect transition="in" filter="fade">
+                                      <p:cBhvr>
+                                        <p:cTn id="7" dur="500"/>
+                                        <p:tgtEl>
+                                          <p:spTgt spid="6">
+                                            <p:graphicEl>
+                                              <a:dgm id="{A651FB09-5D25-4D1E-9E76-D6260BB47B8E}"/>
+                                            </p:graphicEl>
+                                          </p:spTgt>
+                                        </p:tgtEl>
+                                      </p:cBhvr>
+                                    </p:animEffect>
+                                  </p:childTnLst>
+                                </p:cTn>
+                              </p:par>
+                            </p:childTnLst>
+                          </p:cTn>
+                        </p:par>
+                      </p:childTnLst>
+                    </p:cTn>
+                  </p:par>
+                  <p:par>
+                    <p:cTn id="8" fill="hold">
+                      <p:stCondLst>
+                        <p:cond delay="indefinite"/>
+                      </p:stCondLst>
+                      <p:childTnLst>
+                        <p:par>
+                          <p:cTn id="9" fill="hold">
+                            <p:stCondLst>
+                              <p:cond delay="0"/>
+                            </p:stCondLst>
+                            <p:childTnLst>
+                              <p:par>
+                                <p:cTn id="10" presetID="10" presetClass="entr" presetSubtype="0" fill="hold" grpId="0" nodeType="clickEffect">
+                                  <p:stCondLst>
+                                    <p:cond delay="0"/>
+                                  </p:stCondLst>
+                                  <p:childTnLst>
+                                    <p:set>
+                                      <p:cBhvr>
+                                        <p:cTn id="11" dur="1" fill="hold">
+                                          <p:stCondLst>
+                                            <p:cond delay="0"/>
+                                          </p:stCondLst>
+                                        </p:cTn>
+                                        <p:tgtEl>
+                                          <p:spTgt spid="6">
+                                            <p:graphicEl>
+                                              <a:dgm id="{E614DDEE-BD53-4E6F-8E44-FA9CF540239E}"/>
+                                            </p:graphicEl>
+                                          </p:spTgt>
+                                        </p:tgtEl>
+                                        <p:attrNameLst>
+                                          <p:attrName>style.visibility</p:attrName>
+                                        </p:attrNameLst>
+                                      </p:cBhvr>
+                                      <p:to>
+                                        <p:strVal val="visible"/>
+                                      </p:to>
+                                    </p:set>
+                                    <p:animEffect transition="in" filter="fade">
+                                      <p:cBhvr>
+                                        <p:cTn id="12" dur="500"/>
+                                        <p:tgtEl>
+                                          <p:spTgt spid="6">
+                                            <p:graphicEl>
+                                              <a:dgm id="{E614DDEE-BD53-4E6F-8E44-FA9CF540239E}"/>
+                                            </p:graphicEl>
+                                          </p:spTgt>
+                                        </p:tgtEl>
+                                      </p:cBhvr>
+                                    </p:animEffect>
+                                  </p:childTnLst>
+                                </p:cTn>
+                              </p:par>
+                            </p:childTnLst>
+                          </p:cTn>
+                        </p:par>
+                      </p:childTnLst>
+                    </p:cTn>
+                  </p:par>
+                  <p:par>
+                    <p:cTn id="13" fill="hold">
+                      <p:stCondLst>
+                        <p:cond delay="indefinite"/>
+                      </p:stCondLst>
+                      <p:childTnLst>
+                        <p:par>
+                          <p:cTn id="14" fill="hold">
+                            <p:stCondLst>
+                              <p:cond delay="0"/>
+                            </p:stCondLst>
+                            <p:childTnLst>
+                              <p:par>
+                                <p:cTn id="15" presetID="10" presetClass="entr" presetSubtype="0" fill="hold" grpId="0" nodeType="clickEffect">
+                                  <p:stCondLst>
+                                    <p:cond delay="0"/>
+                                  </p:stCondLst>
+                                  <p:childTnLst>
+                                    <p:set>
+                                      <p:cBhvr>
+                                        <p:cTn id="16" dur="1" fill="hold">
+                                          <p:stCondLst>
+                                            <p:cond delay="0"/>
+                                          </p:stCondLst>
+                                        </p:cTn>
+                                        <p:tgtEl>
+                                          <p:spTgt spid="6">
+                                            <p:graphicEl>
+                                              <a:dgm id="{E3A8E731-E694-45EF-BEDE-F2060163F237}"/>
+                                            </p:graphicEl>
+                                          </p:spTgt>
+                                        </p:tgtEl>
+                                        <p:attrNameLst>
+                                          <p:attrName>style.visibility</p:attrName>
+                                        </p:attrNameLst>
+                                      </p:cBhvr>
+                                      <p:to>
+                                        <p:strVal val="visible"/>
+                                      </p:to>
+                                    </p:set>
+                                    <p:animEffect transition="in" filter="fade">
+                                      <p:cBhvr>
+                                        <p:cTn id="17" dur="500"/>
+                                        <p:tgtEl>
+                                          <p:spTgt spid="6">
+                                            <p:graphicEl>
+                                              <a:dgm id="{E3A8E731-E694-45EF-BEDE-F2060163F237}"/>
+                                            </p:graphicEl>
+                                          </p:spTgt>
+                                        </p:tgtEl>
+                                      </p:cBhvr>
+                                    </p:animEffect>
+                                  </p:childTnLst>
+                                </p:cTn>
+                              </p:par>
+                            </p:childTnLst>
+                          </p:cTn>
+                        </p:par>
+                      </p:childTnLst>
+                    </p:cTn>
+                  </p:par>
+                  <p:par>
+                    <p:cTn id="18" fill="hold">
+                      <p:stCondLst>
+                        <p:cond delay="indefinite"/>
+                      </p:stCondLst>
+                      <p:childTnLst>
+                        <p:par>
+                          <p:cTn id="19" fill="hold">
+                            <p:stCondLst>
+                              <p:cond delay="0"/>
+                            </p:stCondLst>
+                            <p:childTnLst>
+                              <p:par>
+                                <p:cTn id="20" presetID="31" presetClass="entr" presetSubtype="0" fill="hold" grpId="0" nodeType="clickEffect">
+                                  <p:stCondLst>
+                                    <p:cond delay="0"/>
+                                  </p:stCondLst>
+                                  <p:childTnLst>
+                                    <p:set>
+                                      <p:cBhvr>
+                                        <p:cTn id="21" dur="1" fill="hold">
+                                          <p:stCondLst>
+                                            <p:cond delay="0"/>
+                                          </p:stCondLst>
+                                        </p:cTn>
+                                        <p:tgtEl>
+                                          <p:spTgt spid="6">
+                                            <p:graphicEl>
+                                              <a:dgm id="{C5644282-6C8C-43B6-8AF1-263A3A8C8068}"/>
+                                            </p:graphicEl>
+                                          </p:spTgt>
+                                        </p:tgtEl>
+                                        <p:attrNameLst>
+                                          <p:attrName>style.visibility</p:attrName>
+                                        </p:attrNameLst>
+                                      </p:cBhvr>
+                                      <p:to>
+                                        <p:strVal val="visible"/>
+                                      </p:to>
+                                    </p:set>
+                                    <p:anim calcmode="lin" valueType="num">
+                                      <p:cBhvr>
+                                        <p:cTn id="22" dur="1000" fill="hold"/>
+                                        <p:tgtEl>
+                                          <p:spTgt spid="6">
+                                            <p:graphicEl>
+                                              <a:dgm id="{C5644282-6C8C-43B6-8AF1-263A3A8C8068}"/>
+                                            </p:graphicEl>
+                                          </p:spTgt>
+                                        </p:tgtEl>
+                                        <p:attrNameLst>
+                                          <p:attrName>ppt_w</p:attrName>
+                                        </p:attrNameLst>
+                                      </p:cBhvr>
+                                      <p:tavLst>
+                                        <p:tav tm="0">
+                                          <p:val>
+                                            <p:fltVal val="0"/>
+                                          </p:val>
+                                        </p:tav>
+                                        <p:tav tm="100000">
+                                          <p:val>
+                                            <p:strVal val="#ppt_w"/>
+                                          </p:val>
+                                        </p:tav>
+                                      </p:tavLst>
+                                    </p:anim>
+                                    <p:anim calcmode="lin" valueType="num">
+                                      <p:cBhvr>
+                                        <p:cTn id="23" dur="1000" fill="hold"/>
+                                        <p:tgtEl>
+                                          <p:spTgt spid="6">
+                                            <p:graphicEl>
+                                              <a:dgm id="{C5644282-6C8C-43B6-8AF1-263A3A8C8068}"/>
+                                            </p:graphicEl>
+                                          </p:spTgt>
+                                        </p:tgtEl>
+                                        <p:attrNameLst>
+                                          <p:attrName>ppt_h</p:attrName>
+                                        </p:attrNameLst>
+                                      </p:cBhvr>
+                                      <p:tavLst>
+                                        <p:tav tm="0">
+                                          <p:val>
+                                            <p:fltVal val="0"/>
+                                          </p:val>
+                                        </p:tav>
+                                        <p:tav tm="100000">
+                                          <p:val>
+                                            <p:strVal val="#ppt_h"/>
+                                          </p:val>
+                                        </p:tav>
+                                      </p:tavLst>
+                                    </p:anim>
+                                    <p:anim calcmode="lin" valueType="num">
+                                      <p:cBhvr>
+                                        <p:cTn id="24" dur="1000" fill="hold"/>
+                                        <p:tgtEl>
+                                          <p:spTgt spid="6">
+                                            <p:graphicEl>
+                                              <a:dgm id="{C5644282-6C8C-43B6-8AF1-263A3A8C8068}"/>
+                                            </p:graphicEl>
+                                          </p:spTgt>
+                                        </p:tgtEl>
+                                        <p:attrNameLst>
+                                          <p:attrName>style.rotation</p:attrName>
+                                        </p:attrNameLst>
+                                      </p:cBhvr>
+                                      <p:tavLst>
+                                        <p:tav tm="0">
+                                          <p:val>
+                                            <p:fltVal val="90"/>
+                                          </p:val>
+                                        </p:tav>
+                                        <p:tav tm="100000">
+                                          <p:val>
+                                            <p:fltVal val="0"/>
+                                          </p:val>
+                                        </p:tav>
+                                      </p:tavLst>
+                                    </p:anim>
+                                    <p:animEffect transition="in" filter="fade">
+                                      <p:cBhvr>
+                                        <p:cTn id="25" dur="1000"/>
+                                        <p:tgtEl>
+                                          <p:spTgt spid="6">
+                                            <p:graphicEl>
+                                              <a:dgm id="{C5644282-6C8C-43B6-8AF1-263A3A8C8068}"/>
+                                            </p:graphicEl>
+                                          </p:spTgt>
+                                        </p:tgtEl>
+                                      </p:cBhvr>
+                                    </p:animEffect>
+                                  </p:childTnLst>
+                                </p:cTn>
+                              </p:par>
+                            </p:childTnLst>
+                          </p:cTn>
+                        </p:par>
+                      </p:childTnLst>
+                    </p:cTn>
+                  </p:par>
+                </p:childTnLst>
+              </p:cTn>
+              <p:prevCondLst>
+                <p:cond evt="onPrev" delay="0">
+                  <p:tgtEl>
+                    <p:sldTgt/>
+                  </p:tgtEl>
+                </p:cond>
+              </p:prevCondLst>
+              <p:nextCondLst>
+                <p:cond evt="onNext" delay="0">
+                  <p:tgtEl>
+                    <p:sldTgt/>
+                  </p:tgtEl>
+                </p:cond>
+              </p:nextCondLst>
+            </p:seq>
+          </p:childTnLst>
+        </p:cTn>
+      </p:par>
+    </p:tnLst>
+    <p:bldLst>
+      <p:bldGraphic spid="6" grpId="0" uiExpand="1">
+        <p:bldSub>
+          <a:bldDgm bld="one"/>
+        </p:bldSub>
+      </p:bldGraphic>
+    </p:bldLst>
+  </p:timing>
 </p:sld>
 </file>
 
@@ -4677,31 +13944,37 @@
           </a:p>
         </p:txBody>
       </p:sp>
-      <p:sp>
-        <p:nvSpPr>
-          <p:cNvPr id="5" name="Content Placeholder 4">
+      <p:graphicFrame>
+        <p:nvGraphicFramePr>
+          <p:cNvPr id="3" name="Content Placeholder 2">
             <a:extLst>
               <a:ext uri="{FF2B5EF4-FFF2-40B4-BE49-F238E27FC236}">
-                <a16:creationId xmlns:a16="http://schemas.microsoft.com/office/drawing/2014/main" id="{5B253B97-A381-4833-B7B3-C4B40F4EA7E7}"/>
+                <a16:creationId xmlns:a16="http://schemas.microsoft.com/office/drawing/2014/main" id="{F3420B6A-9E6E-4D78-A501-3DAE75913125}"/>
               </a:ext>
             </a:extLst>
           </p:cNvPr>
-          <p:cNvSpPr>
-            <a:spLocks noGrp="1"/>
-          </p:cNvSpPr>
+          <p:cNvGraphicFramePr>
+            <a:graphicFrameLocks noGrp="1"/>
+          </p:cNvGraphicFramePr>
           <p:nvPr>
             <p:ph idx="1"/>
+            <p:extLst>
+              <p:ext uri="{D42A27DB-BD31-4B8C-83A1-F6EECF244321}">
+                <p14:modId xmlns:p14="http://schemas.microsoft.com/office/powerpoint/2010/main" val="3702559401"/>
+              </p:ext>
+            </p:extLst>
           </p:nvPr>
-        </p:nvSpPr>
-        <p:spPr/>
-        <p:txBody>
-          <a:bodyPr/>
-          <a:lstStyle/>
-          <a:p>
-            <a:endParaRPr lang="en-US"/>
-          </a:p>
-        </p:txBody>
-      </p:sp>
+        </p:nvGraphicFramePr>
+        <p:xfrm>
+          <a:off x="228600" y="1137920"/>
+          <a:ext cx="8686800" cy="4572000"/>
+        </p:xfrm>
+        <a:graphic>
+          <a:graphicData uri="http://schemas.openxmlformats.org/drawingml/2006/diagram">
+            <dgm:relIds xmlns:dgm="http://schemas.openxmlformats.org/drawingml/2006/diagram" xmlns:r="http://schemas.openxmlformats.org/officeDocument/2006/relationships" r:dm="rId2" r:lo="rId3" r:qs="rId4" r:cs="rId5"/>
+          </a:graphicData>
+        </a:graphic>
+      </p:graphicFrame>
       <p:sp>
         <p:nvSpPr>
           <p:cNvPr id="4" name="Slide Number Placeholder 3">
@@ -4892,36 +14165,37 @@
           </a:p>
         </p:txBody>
       </p:sp>
-      <p:sp>
-        <p:nvSpPr>
-          <p:cNvPr id="2" name="Content Placeholder 1">
+      <p:graphicFrame>
+        <p:nvGraphicFramePr>
+          <p:cNvPr id="3" name="Content Placeholder 2">
             <a:extLst>
               <a:ext uri="{FF2B5EF4-FFF2-40B4-BE49-F238E27FC236}">
-                <a16:creationId xmlns:a16="http://schemas.microsoft.com/office/drawing/2014/main" id="{6AD4B912-AEB1-429A-A0E1-6418AAA1AB26}"/>
+                <a16:creationId xmlns:a16="http://schemas.microsoft.com/office/drawing/2014/main" id="{578CACCE-3818-4BE8-9AAF-1CC5251BDBF3}"/>
               </a:ext>
             </a:extLst>
           </p:cNvPr>
-          <p:cNvSpPr>
-            <a:spLocks noGrp="1"/>
-          </p:cNvSpPr>
+          <p:cNvGraphicFramePr>
+            <a:graphicFrameLocks noGrp="1"/>
+          </p:cNvGraphicFramePr>
           <p:nvPr>
             <p:ph idx="1"/>
+            <p:extLst>
+              <p:ext uri="{D42A27DB-BD31-4B8C-83A1-F6EECF244321}">
+                <p14:modId xmlns:p14="http://schemas.microsoft.com/office/powerpoint/2010/main" val="2379862248"/>
+              </p:ext>
+            </p:extLst>
           </p:nvPr>
-        </p:nvSpPr>
-        <p:spPr>
-          <a:xfrm>
-            <a:off x="838200" y="1905000"/>
-            <a:ext cx="7620000" cy="4114800"/>
-          </a:xfrm>
-        </p:spPr>
-        <p:txBody>
-          <a:bodyPr/>
-          <a:lstStyle/>
-          <a:p>
-            <a:endParaRPr lang="en-US" dirty="0"/>
-          </a:p>
-        </p:txBody>
-      </p:sp>
+        </p:nvGraphicFramePr>
+        <p:xfrm>
+          <a:off x="838200" y="1447800"/>
+          <a:ext cx="7620000" cy="4114800"/>
+        </p:xfrm>
+        <a:graphic>
+          <a:graphicData uri="http://schemas.openxmlformats.org/drawingml/2006/diagram">
+            <dgm:relIds xmlns:dgm="http://schemas.openxmlformats.org/drawingml/2006/diagram" xmlns:r="http://schemas.openxmlformats.org/officeDocument/2006/relationships" r:dm="rId2" r:lo="rId3" r:qs="rId4" r:cs="rId5"/>
+          </a:graphicData>
+        </a:graphic>
+      </p:graphicFrame>
     </p:spTree>
     <p:extLst>
       <p:ext uri="{BB962C8B-B14F-4D97-AF65-F5344CB8AC3E}">
